--- a/Templates/Natixis.pptx
+++ b/Templates/Natixis.pptx
@@ -23705,7 +23705,7 @@
                 <a:ea typeface="+mn-ea"/>
                 <a:cs typeface="+mn-cs"/>
               </a:rPr>
-              <a:t>GainOuCoupon</a:t>
+              <a:t>gainoucoupon</a:t>
             </a:r>
             <a:r>
               <a:rPr kumimoji="0" lang="fr-FR" sz="800" b="1" i="0" u="none" strike="noStrike" kern="1200" cap="none" spc="0" normalizeH="0" baseline="0" noProof="0" dirty="0">
@@ -23770,41 +23770,7 @@
                 <a:ea typeface="+mn-ea"/>
                 <a:cs typeface="+mn-cs"/>
               </a:rPr>
-              <a:t>), les investisseurs recevront en contrepartie l’intégralité du capital initial si &lt;SJR1&gt; ne baisse pas de </a:t>
-            </a:r>
-            <a:r>
-              <a:rPr kumimoji="0" lang="fr-FR" sz="800" b="0" i="0" u="none" strike="noStrike" kern="1200" cap="none" spc="0" normalizeH="0" baseline="0" noProof="0">
-                <a:ln>
-                  <a:noFill/>
-                </a:ln>
-                <a:solidFill>
-                  <a:schemeClr val="tx1"/>
-                </a:solidFill>
-                <a:effectLst/>
-                <a:uLnTx/>
-                <a:uFillTx/>
-                <a:latin typeface="Proxima Nova Rg"/>
-                <a:ea typeface="+mn-ea"/>
-                <a:cs typeface="+mn-cs"/>
-              </a:rPr>
-              <a:t>plus de &lt;PDIPERF&gt; </a:t>
-            </a:r>
-            <a:r>
-              <a:rPr kumimoji="0" lang="fr-FR" sz="800" b="0" i="0" u="none" strike="noStrike" kern="1200" cap="none" spc="0" normalizeH="0" baseline="0" noProof="0" dirty="0">
-                <a:ln>
-                  <a:noFill/>
-                </a:ln>
-                <a:solidFill>
-                  <a:schemeClr val="tx1"/>
-                </a:solidFill>
-                <a:effectLst/>
-                <a:uLnTx/>
-                <a:uFillTx/>
-                <a:latin typeface="Proxima Nova Rg"/>
-                <a:ea typeface="+mn-ea"/>
-                <a:cs typeface="+mn-cs"/>
-              </a:rPr>
-              <a:t>par rapport à son &lt;NDR&gt; à la date de constatation finale.</a:t>
+              <a:t>), les investisseurs recevront en contrepartie l’intégralité du capital initial si &lt;SJR1&gt; ne baisse pas de plus de &lt;PDIPERF&gt; par rapport à son &lt;NDR&gt; à la date de constatation finale.</a:t>
             </a:r>
             <a:r>
               <a:rPr kumimoji="0" lang="fr-FR" sz="800" b="0" i="0" u="none" strike="noStrike" kern="1200" cap="none" spc="0" normalizeH="0" baseline="30000" noProof="0" dirty="0">
@@ -30888,14 +30854,20 @@
           <a:p>
             <a:pPr algn="just"/>
             <a:r>
-              <a:rPr lang="fr-FR" sz="800" dirty="0">
+              <a:rPr lang="fr-FR" sz="800">
                 <a:solidFill>
                   <a:schemeClr val="tx2"/>
                 </a:solidFill>
                 <a:latin typeface="Proxima Nova Rg" panose="02000506030000020004" pitchFamily="2" charset="0"/>
               </a:rPr>
-              <a:t>&lt;balisedeg2&gt;</a:t>
-            </a:r>
+              <a:t>&lt;balisedeg4&gt;</a:t>
+            </a:r>
+            <a:endParaRPr lang="fr-FR" sz="800" dirty="0">
+              <a:solidFill>
+                <a:schemeClr val="tx2"/>
+              </a:solidFill>
+              <a:latin typeface="Proxima Nova Rg" panose="02000506030000020004" pitchFamily="2" charset="0"/>
+            </a:endParaRPr>
           </a:p>
         </p:txBody>
       </p:sp>
@@ -38580,6 +38552,27 @@
 </file>
 
 <file path=customXml/item1.xml><?xml version="1.0" encoding="utf-8"?>
+<p:properties xmlns:p="http://schemas.microsoft.com/office/2006/metadata/properties" xmlns:xsi="http://www.w3.org/2001/XMLSchema-instance" xmlns:pc="http://schemas.microsoft.com/office/infopath/2007/PartnerControls">
+  <documentManagement>
+    <_Flow_SignoffStatus xmlns="ef624bc2-1644-4d69-8362-5c28ca496374" xsi:nil="true"/>
+    <TaxCatchAll xmlns="514a554b-82b0-4359-b247-fc84018a95f0" xsi:nil="true"/>
+    <lcf76f155ced4ddcb4097134ff3c332f xmlns="ef624bc2-1644-4d69-8362-5c28ca496374">
+      <Terms xmlns="http://schemas.microsoft.com/office/infopath/2007/PartnerControls"/>
+    </lcf76f155ced4ddcb4097134ff3c332f>
+  </documentManagement>
+</p:properties>
+</file>
+
+<file path=customXml/item2.xml><?xml version="1.0" encoding="utf-8"?>
+<?mso-contentType ?>
+<FormTemplates xmlns="http://schemas.microsoft.com/sharepoint/v3/contenttype/forms">
+  <Display>DocumentLibraryForm</Display>
+  <Edit>DocumentLibraryForm</Edit>
+  <New>DocumentLibraryForm</New>
+</FormTemplates>
+</file>
+
+<file path=customXml/item3.xml><?xml version="1.0" encoding="utf-8"?>
 <ct:contentTypeSchema xmlns:ct="http://schemas.microsoft.com/office/2006/metadata/contentType" xmlns:ma="http://schemas.microsoft.com/office/2006/metadata/properties/metaAttributes" ct:_="" ma:_="" ma:contentTypeName="Document" ma:contentTypeID="0x0101005DDE610BC516E448BB8152259F39635A" ma:contentTypeVersion="17" ma:contentTypeDescription="Crée un document." ma:contentTypeScope="" ma:versionID="bfb75e103009df80b8e5001438c41194">
   <xsd:schema xmlns:xsd="http://www.w3.org/2001/XMLSchema" xmlns:xs="http://www.w3.org/2001/XMLSchema" xmlns:p="http://schemas.microsoft.com/office/2006/metadata/properties" xmlns:ns2="ef624bc2-1644-4d69-8362-5c28ca496374" xmlns:ns3="514a554b-82b0-4359-b247-fc84018a95f0" targetNamespace="http://schemas.microsoft.com/office/2006/metadata/properties" ma:root="true" ma:fieldsID="2ae3df86d13efbb4a35042af2564d386" ns2:_="" ns3:_="">
     <xsd:import namespace="ef624bc2-1644-4d69-8362-5c28ca496374"/>
@@ -38828,28 +38821,32 @@
 </ct:contentTypeSchema>
 </file>
 
-<file path=customXml/item2.xml><?xml version="1.0" encoding="utf-8"?>
-<?mso-contentType ?>
-<FormTemplates xmlns="http://schemas.microsoft.com/sharepoint/v3/contenttype/forms">
-  <Display>DocumentLibraryForm</Display>
-  <Edit>DocumentLibraryForm</Edit>
-  <New>DocumentLibraryForm</New>
-</FormTemplates>
+<file path=customXml/itemProps1.xml><?xml version="1.0" encoding="utf-8"?>
+<ds:datastoreItem xmlns:ds="http://schemas.openxmlformats.org/officeDocument/2006/customXml" ds:itemID="{25DE574B-2CD2-4078-9BEA-2A14717D9698}">
+  <ds:schemaRefs>
+    <ds:schemaRef ds:uri="http://schemas.microsoft.com/office/2006/metadata/properties"/>
+    <ds:schemaRef ds:uri="http://schemas.microsoft.com/office/2006/documentManagement/types"/>
+    <ds:schemaRef ds:uri="http://purl.org/dc/dcmitype/"/>
+    <ds:schemaRef ds:uri="514a554b-82b0-4359-b247-fc84018a95f0"/>
+    <ds:schemaRef ds:uri="http://www.w3.org/XML/1998/namespace"/>
+    <ds:schemaRef ds:uri="http://purl.org/dc/elements/1.1/"/>
+    <ds:schemaRef ds:uri="http://purl.org/dc/terms/"/>
+    <ds:schemaRef ds:uri="ef624bc2-1644-4d69-8362-5c28ca496374"/>
+    <ds:schemaRef ds:uri="http://schemas.microsoft.com/office/infopath/2007/PartnerControls"/>
+    <ds:schemaRef ds:uri="http://schemas.openxmlformats.org/package/2006/metadata/core-properties"/>
+  </ds:schemaRefs>
+</ds:datastoreItem>
 </file>
 
-<file path=customXml/item3.xml><?xml version="1.0" encoding="utf-8"?>
-<p:properties xmlns:p="http://schemas.microsoft.com/office/2006/metadata/properties" xmlns:xsi="http://www.w3.org/2001/XMLSchema-instance" xmlns:pc="http://schemas.microsoft.com/office/infopath/2007/PartnerControls">
-  <documentManagement>
-    <_Flow_SignoffStatus xmlns="ef624bc2-1644-4d69-8362-5c28ca496374" xsi:nil="true"/>
-    <TaxCatchAll xmlns="514a554b-82b0-4359-b247-fc84018a95f0" xsi:nil="true"/>
-    <lcf76f155ced4ddcb4097134ff3c332f xmlns="ef624bc2-1644-4d69-8362-5c28ca496374">
-      <Terms xmlns="http://schemas.microsoft.com/office/infopath/2007/PartnerControls"/>
-    </lcf76f155ced4ddcb4097134ff3c332f>
-  </documentManagement>
-</p:properties>
+<file path=customXml/itemProps2.xml><?xml version="1.0" encoding="utf-8"?>
+<ds:datastoreItem xmlns:ds="http://schemas.openxmlformats.org/officeDocument/2006/customXml" ds:itemID="{B00FC41E-FBDE-42E2-B58A-20EBD240A376}">
+  <ds:schemaRefs>
+    <ds:schemaRef ds:uri="http://schemas.microsoft.com/sharepoint/v3/contenttype/forms"/>
+  </ds:schemaRefs>
+</ds:datastoreItem>
 </file>
 
-<file path=customXml/itemProps1.xml><?xml version="1.0" encoding="utf-8"?>
+<file path=customXml/itemProps3.xml><?xml version="1.0" encoding="utf-8"?>
 <ds:datastoreItem xmlns:ds="http://schemas.openxmlformats.org/officeDocument/2006/customXml" ds:itemID="{049ECCCF-890C-4C54-BAB4-06AB610C1865}">
   <ds:schemaRefs>
     <ds:schemaRef ds:uri="http://schemas.microsoft.com/office/2006/metadata/contentType"/>
@@ -38866,29 +38863,4 @@
     <ds:schemaRef ds:uri="http://schemas.microsoft.com/internal/obd"/>
   </ds:schemaRefs>
 </ds:datastoreItem>
-</file>
-
-<file path=customXml/itemProps2.xml><?xml version="1.0" encoding="utf-8"?>
-<ds:datastoreItem xmlns:ds="http://schemas.openxmlformats.org/officeDocument/2006/customXml" ds:itemID="{B00FC41E-FBDE-42E2-B58A-20EBD240A376}">
-  <ds:schemaRefs>
-    <ds:schemaRef ds:uri="http://schemas.microsoft.com/sharepoint/v3/contenttype/forms"/>
-  </ds:schemaRefs>
-</ds:datastoreItem>
-</file>
-
-<file path=customXml/itemProps3.xml><?xml version="1.0" encoding="utf-8"?>
-<ds:datastoreItem xmlns:ds="http://schemas.openxmlformats.org/officeDocument/2006/customXml" ds:itemID="{25DE574B-2CD2-4078-9BEA-2A14717D9698}">
-  <ds:schemaRefs>
-    <ds:schemaRef ds:uri="http://schemas.microsoft.com/office/2006/metadata/properties"/>
-    <ds:schemaRef ds:uri="http://schemas.microsoft.com/office/2006/documentManagement/types"/>
-    <ds:schemaRef ds:uri="http://purl.org/dc/dcmitype/"/>
-    <ds:schemaRef ds:uri="514a554b-82b0-4359-b247-fc84018a95f0"/>
-    <ds:schemaRef ds:uri="http://www.w3.org/XML/1998/namespace"/>
-    <ds:schemaRef ds:uri="http://purl.org/dc/elements/1.1/"/>
-    <ds:schemaRef ds:uri="http://purl.org/dc/terms/"/>
-    <ds:schemaRef ds:uri="ef624bc2-1644-4d69-8362-5c28ca496374"/>
-    <ds:schemaRef ds:uri="http://schemas.microsoft.com/office/infopath/2007/PartnerControls"/>
-    <ds:schemaRef ds:uri="http://schemas.openxmlformats.org/package/2006/metadata/core-properties"/>
-  </ds:schemaRefs>
-</ds:datastoreItem>
 </file>
--- a/Templates/Natixis.pptx
+++ b/Templates/Natixis.pptx
@@ -148,14 +148,6 @@
 </p:presentation>
 </file>
 
-<file path=ppt/revisionInfo.xml><?xml version="1.0" encoding="utf-8"?>
-<p1510:revInfo xmlns:a="http://schemas.openxmlformats.org/drawingml/2006/main" xmlns:r="http://schemas.openxmlformats.org/officeDocument/2006/relationships" xmlns:p1510="http://schemas.microsoft.com/office/powerpoint/2015/10/main">
-  <p1510:revLst>
-    <p1510:client id="{A7CB7A66-348E-4495-9F6B-C9108E9DB1D1}" v="31" dt="2022-06-28T15:54:56.560"/>
-  </p1510:revLst>
-</p1510:revInfo>
-</file>
-
 <file path=ppt/handoutMasters/handoutMaster1.xml><?xml version="1.0" encoding="utf-8"?>
 <p:handoutMaster xmlns:a="http://schemas.openxmlformats.org/drawingml/2006/main" xmlns:r="http://schemas.openxmlformats.org/officeDocument/2006/relationships" xmlns:p="http://schemas.openxmlformats.org/presentationml/2006/main">
   <p:cSld>
@@ -238,7 +230,7 @@
           <a:p>
             <a:fld id="{515CCE07-1711-4DC7-A7D8-7ED312C82FB8}" type="datetimeFigureOut">
               <a:rPr lang="fr-FR" smtClean="0"/>
-              <a:t>29/06/2022</a:t>
+              <a:t>01/07/2022</a:t>
             </a:fld>
             <a:endParaRPr lang="fr-FR"/>
           </a:p>
@@ -403,7 +395,7 @@
           <a:p>
             <a:fld id="{014ABEAC-8B63-4BD1-9569-A14EB8752A94}" type="datetimeFigureOut">
               <a:rPr lang="fr-FR" smtClean="0"/>
-              <a:t>29/06/2022</a:t>
+              <a:t>01/07/2022</a:t>
             </a:fld>
             <a:endParaRPr lang="fr-FR"/>
           </a:p>
@@ -4751,6 +4743,7 @@
                 <a:solidFill>
                   <a:srgbClr val="B9A049"/>
                 </a:solidFill>
+                <a:latin typeface="+mj-lt"/>
               </a:rPr>
               <a:t>SCÉNARIO DÉFAVORABLE </a:t>
             </a:r>
@@ -4759,8 +4752,17 @@
                 <a:solidFill>
                   <a:srgbClr val="B9A049"/>
                 </a:solidFill>
-              </a:rPr>
-              <a:t>: À la date de constatation finale</a:t>
+                <a:latin typeface="+mj-lt"/>
+              </a:rPr>
+              <a:t>: </a:t>
+            </a:r>
+            <a:r>
+              <a:rPr lang="fr-FR" sz="800" dirty="0">
+                <a:solidFill>
+                  <a:srgbClr val="B9A049"/>
+                </a:solidFill>
+              </a:rPr>
+              <a:t>À la date de constatation finale</a:t>
             </a:r>
             <a:r>
               <a:rPr lang="fr-FR" sz="800" baseline="30000" dirty="0">
@@ -4826,7 +4828,7 @@
           <a:p>
             <a:r>
               <a:rPr lang="fr-FR" sz="800" dirty="0">
-                <a:latin typeface="+mn-lt"/>
+                <a:latin typeface="+mj-lt"/>
               </a:rPr>
               <a:t>SCÉNARIO MÉDIAN : </a:t>
             </a:r>
@@ -4884,7 +4886,7 @@
           <a:p>
             <a:r>
               <a:rPr lang="fr-FR" sz="800" dirty="0">
-                <a:latin typeface="+mn-lt"/>
+                <a:latin typeface="+mj-lt"/>
               </a:rPr>
               <a:t>SCÉNARIO FAVORABLE : </a:t>
             </a:r>
@@ -4913,15 +4915,15 @@
         </p:nvSpPr>
         <p:spPr>
           <a:xfrm>
-            <a:off x="458459" y="9282268"/>
-            <a:ext cx="6739266" cy="396000"/>
+            <a:off x="361950" y="9414537"/>
+            <a:ext cx="6835769" cy="246731"/>
           </a:xfrm>
           <a:prstGeom prst="rect">
             <a:avLst/>
           </a:prstGeom>
         </p:spPr>
         <p:txBody>
-          <a:bodyPr lIns="0" tIns="0" rIns="0" bIns="0">
+          <a:bodyPr lIns="0" tIns="0" rIns="0" bIns="0" anchor="ctr">
             <a:noAutofit/>
           </a:bodyPr>
           <a:lstStyle>
@@ -5110,25 +5112,7 @@
                 </a:solidFill>
                 <a:latin typeface="+mn-lt"/>
               </a:rPr>
-              <a:t>LE RENDEMENT DU PRODUIT « &lt;NOM&gt; » EST TRÈS SENSIBLE À UNE FAIBLE </a:t>
-            </a:r>
-            <a:r>
-              <a:rPr lang="fr-FR" sz="800">
-                <a:solidFill>
-                  <a:srgbClr val="B9A049"/>
-                </a:solidFill>
-                <a:latin typeface="+mn-lt"/>
-              </a:rPr>
-              <a:t>VARIATION DU &lt;SJR3&gt; </a:t>
-            </a:r>
-            <a:r>
-              <a:rPr lang="fr-FR" sz="800" dirty="0">
-                <a:solidFill>
-                  <a:srgbClr val="B9A049"/>
-                </a:solidFill>
-                <a:latin typeface="+mn-lt"/>
-              </a:rPr>
-              <a:t>DE &lt;SJR1&gt; AUTOUR DES SEUILS DE &lt;PDI&gt; ET DE &lt;BFP&gt; DE SON &lt;NDR&gt; À LA DATE DE CONSTATATION FINALE</a:t>
+              <a:t>LE RENDEMENT DU PRODUIT « &lt;NOM&gt; » EST TRÈS SENSIBLE À UNE FAIBLE VARIATION DU &lt;SJR3&gt; DE &lt;SJR1&gt; AUTOUR DES SEUILS DE &lt;PDI&gt; ET DE &lt;BFP&gt; DE SON &lt;NDR&gt; À LA DATE DE CONSTATATION FINALE</a:t>
             </a:r>
             <a:r>
               <a:rPr lang="fr-FR" sz="800" baseline="30000" dirty="0">
@@ -5290,9 +5274,6 @@
                 <a:solidFill>
                   <a:srgbClr val="000000"/>
                 </a:solidFill>
-                <a:highlight>
-                  <a:srgbClr val="00FFFF"/>
-                </a:highlight>
               </a:rPr>
               <a:t>&lt;TRA.D.P&gt;</a:t>
             </a:r>
@@ -5309,9 +5290,6 @@
                 <a:solidFill>
                   <a:srgbClr val="000000"/>
                 </a:solidFill>
-                <a:highlight>
-                  <a:srgbClr val="00FFFF"/>
-                </a:highlight>
               </a:rPr>
               <a:t>&lt;TRA.D.A&gt;</a:t>
             </a:r>
@@ -5447,9 +5425,6 @@
                 <a:solidFill>
                   <a:srgbClr val="000000"/>
                 </a:solidFill>
-                <a:highlight>
-                  <a:srgbClr val="00FFFF"/>
-                </a:highlight>
                 <a:latin typeface="+mn-lt"/>
               </a:rPr>
               <a:t>&lt;TRA.RM.P&gt;</a:t>
@@ -5483,9 +5458,6 @@
                 <a:solidFill>
                   <a:srgbClr val="000000"/>
                 </a:solidFill>
-                <a:highlight>
-                  <a:srgbClr val="00FFFF"/>
-                </a:highlight>
                 <a:latin typeface="+mn-lt"/>
               </a:rPr>
               <a:t>&lt;TRA.M.SJ&gt;</a:t>
@@ -5684,72 +5656,35 @@
                   <a:srgbClr val="04202E"/>
                 </a:solidFill>
               </a:rPr>
-              <a:t>Ce qui correspond à un Taux de Rendement Annuel net de </a:t>
+              <a:t>Ce qui correspond à un Taux de Rendement Annuel net de &lt;TRA.F.P&gt;</a:t>
+            </a:r>
+            <a:r>
+              <a:rPr lang="fr-FR" sz="800" baseline="30000" dirty="0">
+                <a:solidFill>
+                  <a:srgbClr val="04202E"/>
+                </a:solidFill>
+              </a:rPr>
+              <a:t>(2)</a:t>
             </a:r>
             <a:r>
               <a:rPr lang="fr-FR" sz="800" dirty="0">
                 <a:solidFill>
                   <a:srgbClr val="04202E"/>
                 </a:solidFill>
-                <a:highlight>
-                  <a:srgbClr val="00FFFF"/>
-                </a:highlight>
-              </a:rPr>
-              <a:t>&lt;TRA.F.P&gt;</a:t>
+              </a:rPr>
+              <a:t>, contre un Taux de Rendement Annuel net de </a:t>
+            </a:r>
+            <a:r>
+              <a:rPr lang="fr-FR" sz="800" dirty="0"/>
+              <a:t>&lt;TRA.F.SJ&gt;</a:t>
             </a:r>
             <a:r>
               <a:rPr lang="fr-FR" sz="800" baseline="30000" dirty="0">
                 <a:solidFill>
                   <a:srgbClr val="04202E"/>
                 </a:solidFill>
-                <a:highlight>
-                  <a:srgbClr val="00FFFF"/>
-                </a:highlight>
-              </a:rPr>
-              <a:t>(</a:t>
-            </a:r>
-            <a:r>
-              <a:rPr lang="fr-FR" sz="800" baseline="30000" dirty="0">
-                <a:solidFill>
-                  <a:srgbClr val="04202E"/>
-                </a:solidFill>
-              </a:rPr>
-              <a:t>2)</a:t>
-            </a:r>
-            <a:r>
-              <a:rPr lang="fr-FR" sz="800" dirty="0">
-                <a:solidFill>
-                  <a:srgbClr val="04202E"/>
-                </a:solidFill>
-              </a:rPr>
-              <a:t>, contre un Taux de Rendement Annuel net de </a:t>
-            </a:r>
-            <a:r>
-              <a:rPr lang="fr-FR" sz="800" dirty="0">
-                <a:highlight>
-                  <a:srgbClr val="00FFFF"/>
-                </a:highlight>
-              </a:rPr>
-              <a:t>&lt;TRA.F.SJ&gt;</a:t>
-            </a:r>
-            <a:r>
-              <a:rPr lang="fr-FR" sz="800" baseline="30000" dirty="0">
-                <a:solidFill>
-                  <a:srgbClr val="04202E"/>
-                </a:solidFill>
-                <a:highlight>
-                  <a:srgbClr val="00FFFF"/>
-                </a:highlight>
-              </a:rPr>
-              <a:t>(</a:t>
-            </a:r>
-            <a:r>
-              <a:rPr lang="fr-FR" sz="800" baseline="30000" dirty="0">
-                <a:solidFill>
-                  <a:srgbClr val="04202E"/>
-                </a:solidFill>
-              </a:rPr>
-              <a:t>2)</a:t>
+              </a:rPr>
+              <a:t>(2)</a:t>
             </a:r>
             <a:r>
               <a:rPr lang="fr-FR" sz="800" dirty="0">
@@ -7736,111 +7671,6 @@
           </a:p>
         </p:txBody>
       </p:sp>
-      <p:sp>
-        <p:nvSpPr>
-          <p:cNvPr id="5" name="Text Box 2">
-            <a:extLst>
-              <a:ext uri="{FF2B5EF4-FFF2-40B4-BE49-F238E27FC236}">
-                <a16:creationId xmlns:a16="http://schemas.microsoft.com/office/drawing/2014/main" id="{45E1DCC2-11CD-41F7-969A-E4566F5B1573}"/>
-              </a:ext>
-            </a:extLst>
-          </p:cNvPr>
-          <p:cNvSpPr txBox="1">
-            <a:spLocks noChangeArrowheads="1"/>
-          </p:cNvSpPr>
-          <p:nvPr/>
-        </p:nvSpPr>
-        <p:spPr bwMode="auto">
-          <a:xfrm>
-            <a:off x="361950" y="9765983"/>
-            <a:ext cx="6483350" cy="312906"/>
-          </a:xfrm>
-          <a:prstGeom prst="rect">
-            <a:avLst/>
-          </a:prstGeom>
-          <a:noFill/>
-          <a:ln w="9525">
-            <a:noFill/>
-            <a:miter lim="800000"/>
-            <a:headEnd/>
-            <a:tailEnd/>
-          </a:ln>
-        </p:spPr>
-        <p:txBody>
-          <a:bodyPr wrap="square" lIns="0" tIns="0" rIns="0" bIns="0">
-            <a:spAutoFit/>
-          </a:bodyPr>
-          <a:lstStyle/>
-          <a:p>
-            <a:pPr lvl="0" algn="just" defTabSz="914400">
-              <a:spcAft>
-                <a:spcPts val="100"/>
-              </a:spcAft>
-            </a:pPr>
-            <a:r>
-              <a:rPr lang="fr-FR" sz="650" i="1" baseline="30000" dirty="0">
-                <a:solidFill>
-                  <a:srgbClr val="000000"/>
-                </a:solidFill>
-                <a:latin typeface="Proxima Nova Rg" panose="02000506030000020004" pitchFamily="2" charset="0"/>
-              </a:rPr>
-              <a:t>(1)</a:t>
-            </a:r>
-            <a:r>
-              <a:rPr lang="fr-FR" sz="650" i="1" dirty="0">
-                <a:solidFill>
-                  <a:srgbClr val="000000"/>
-                </a:solidFill>
-                <a:latin typeface="Proxima Nova Rg" panose="02000506030000020004" pitchFamily="2" charset="0"/>
-              </a:rPr>
-              <a:t> Natixis : Standard &amp; </a:t>
-            </a:r>
-            <a:r>
-              <a:rPr lang="fr-FR" sz="650" i="1" dirty="0" err="1">
-                <a:solidFill>
-                  <a:srgbClr val="000000"/>
-                </a:solidFill>
-                <a:latin typeface="Proxima Nova Rg" panose="02000506030000020004" pitchFamily="2" charset="0"/>
-              </a:rPr>
-              <a:t>Poor’s</a:t>
-            </a:r>
-            <a:r>
-              <a:rPr lang="fr-FR" sz="650" i="1" dirty="0">
-                <a:solidFill>
-                  <a:srgbClr val="000000"/>
-                </a:solidFill>
-                <a:latin typeface="Proxima Nova Rg" panose="02000506030000020004" pitchFamily="2" charset="0"/>
-              </a:rPr>
-              <a:t> : A / Moody’s : A1 / Fitch : A+. Notations en vigueur au moment de la rédaction de la présente brochure. Ces notations peuvent être révisées à tout moment et ne sont pas une garantie de solvabilité de l’Émetteur ni du Garant. Elles ne sauraient constituer un argument de souscription au titre de créance.</a:t>
-            </a:r>
-          </a:p>
-          <a:p>
-            <a:pPr lvl="0" algn="just" defTabSz="914400">
-              <a:spcAft>
-                <a:spcPts val="100"/>
-              </a:spcAft>
-            </a:pPr>
-            <a:r>
-              <a:rPr lang="fr-FR" sz="650" i="1" baseline="30000" dirty="0">
-                <a:solidFill>
-                  <a:srgbClr val="000000"/>
-                </a:solidFill>
-                <a:latin typeface="Proxima Nova Rg" panose="02000506030000020004" pitchFamily="2" charset="0"/>
-              </a:rPr>
-              <a:t>(2)</a:t>
-            </a:r>
-            <a:r>
-              <a:rPr lang="fr-FR" sz="650" i="1" dirty="0">
-                <a:solidFill>
-                  <a:srgbClr val="000000"/>
-                </a:solidFill>
-                <a:latin typeface="Proxima Nova Rg" panose="02000506030000020004" pitchFamily="2" charset="0"/>
-              </a:rPr>
-              <a:t> Les conflits d’intérêts seront gérés suivant la réglementation en vigueur.</a:t>
-            </a:r>
-          </a:p>
-        </p:txBody>
-      </p:sp>
       <p:graphicFrame>
         <p:nvGraphicFramePr>
           <p:cNvPr id="4" name="Tableau 3">
@@ -7856,14 +7686,14 @@
           <p:nvPr>
             <p:extLst>
               <p:ext uri="{D42A27DB-BD31-4B8C-83A1-F6EECF244321}">
-                <p14:modId xmlns:p14="http://schemas.microsoft.com/office/powerpoint/2010/main" val="1360903536"/>
+                <p14:modId xmlns:p14="http://schemas.microsoft.com/office/powerpoint/2010/main" val="2678998143"/>
               </p:ext>
             </p:extLst>
           </p:nvPr>
         </p:nvGraphicFramePr>
         <p:xfrm>
           <a:off x="361950" y="979297"/>
-          <a:ext cx="6837886" cy="8053357"/>
+          <a:ext cx="6837886" cy="7740301"/>
         </p:xfrm>
         <a:graphic>
           <a:graphicData uri="http://schemas.openxmlformats.org/drawingml/2006/table">
@@ -7887,180 +7717,13 @@
                   </a:extLst>
                 </a:gridCol>
               </a:tblGrid>
-              <a:tr h="0">
-                <a:tc>
-                  <a:txBody>
-                    <a:bodyPr/>
-                    <a:lstStyle/>
-                    <a:p>
-                      <a:pPr marL="0" marR="0" lvl="0" indent="0" algn="l" defTabSz="755934" rtl="0" eaLnBrk="1" fontAlgn="auto" latinLnBrk="0" hangingPunct="1">
-                        <a:lnSpc>
-                          <a:spcPct val="90000"/>
-                        </a:lnSpc>
-                        <a:spcBef>
-                          <a:spcPts val="0"/>
-                        </a:spcBef>
-                        <a:spcAft>
-                          <a:spcPts val="0"/>
-                        </a:spcAft>
-                        <a:buClrTx/>
-                        <a:buSzTx/>
-                        <a:buFontTx/>
-                        <a:buNone/>
-                        <a:tabLst/>
-                        <a:defRPr/>
-                      </a:pPr>
-                      <a:endParaRPr lang="fr-FR" sz="700" b="1" kern="1200" dirty="0">
-                        <a:solidFill>
-                          <a:srgbClr val="B9A049"/>
-                        </a:solidFill>
-                        <a:latin typeface="+mn-lt"/>
-                        <a:ea typeface="+mn-ea"/>
-                        <a:cs typeface="+mn-cs"/>
-                      </a:endParaRPr>
-                    </a:p>
-                  </a:txBody>
-                  <a:tcPr marL="72000" marR="72000" marT="46800" marB="46800" anchor="ctr">
-                    <a:lnL w="12700" cap="flat" cmpd="sng" algn="ctr">
-                      <a:solidFill>
-                        <a:schemeClr val="bg1">
-                          <a:lumMod val="85000"/>
-                        </a:schemeClr>
-                      </a:solidFill>
-                      <a:prstDash val="solid"/>
-                      <a:round/>
-                      <a:headEnd type="none" w="med" len="med"/>
-                      <a:tailEnd type="none" w="med" len="med"/>
-                    </a:lnL>
-                    <a:lnR w="12700" cap="flat" cmpd="sng" algn="ctr">
-                      <a:solidFill>
-                        <a:schemeClr val="bg1"/>
-                      </a:solidFill>
-                      <a:prstDash val="solid"/>
-                      <a:round/>
-                      <a:headEnd type="none" w="med" len="med"/>
-                      <a:tailEnd type="none" w="med" len="med"/>
-                    </a:lnR>
-                    <a:lnT w="12700" cap="flat" cmpd="sng" algn="ctr">
-                      <a:solidFill>
-                        <a:schemeClr val="bg1">
-                          <a:lumMod val="85000"/>
-                        </a:schemeClr>
-                      </a:solidFill>
-                      <a:prstDash val="solid"/>
-                      <a:round/>
-                      <a:headEnd type="none" w="med" len="med"/>
-                      <a:tailEnd type="none" w="med" len="med"/>
-                    </a:lnT>
-                    <a:lnB w="12700" cap="flat" cmpd="sng" algn="ctr">
-                      <a:solidFill>
-                        <a:schemeClr val="bg1"/>
-                      </a:solidFill>
-                      <a:prstDash val="solid"/>
-                      <a:round/>
-                      <a:headEnd type="none" w="med" len="med"/>
-                      <a:tailEnd type="none" w="med" len="med"/>
-                    </a:lnB>
-                    <a:lnTlToBr w="12700" cmpd="sng">
-                      <a:noFill/>
-                      <a:prstDash val="solid"/>
-                    </a:lnTlToBr>
-                    <a:lnBlToTr w="12700" cmpd="sng">
-                      <a:noFill/>
-                      <a:prstDash val="solid"/>
-                    </a:lnBlToTr>
-                    <a:solidFill>
-                      <a:schemeClr val="bg1">
-                        <a:lumMod val="95000"/>
-                      </a:schemeClr>
-                    </a:solidFill>
-                  </a:tcPr>
-                </a:tc>
-                <a:tc>
-                  <a:txBody>
-                    <a:bodyPr/>
-                    <a:lstStyle/>
-                    <a:p>
-                      <a:pPr algn="just">
-                        <a:lnSpc>
-                          <a:spcPct val="90000"/>
-                        </a:lnSpc>
-                      </a:pPr>
-                      <a:endParaRPr lang="fr-FR" sz="700" b="1" i="0" dirty="0">
-                        <a:solidFill>
-                          <a:schemeClr val="tx1"/>
-                        </a:solidFill>
-                        <a:latin typeface="+mn-lt"/>
-                      </a:endParaRPr>
-                    </a:p>
-                  </a:txBody>
-                  <a:tcPr marL="36000" marR="36000" marT="46800" marB="46800" anchor="ctr">
-                    <a:lnL w="12700" cap="flat" cmpd="sng" algn="ctr">
-                      <a:solidFill>
-                        <a:schemeClr val="bg1"/>
-                      </a:solidFill>
-                      <a:prstDash val="solid"/>
-                      <a:round/>
-                      <a:headEnd type="none" w="med" len="med"/>
-                      <a:tailEnd type="none" w="med" len="med"/>
-                    </a:lnL>
-                    <a:lnR w="6350" cap="flat" cmpd="sng" algn="ctr">
-                      <a:solidFill>
-                        <a:schemeClr val="bg1">
-                          <a:lumMod val="65000"/>
-                        </a:schemeClr>
-                      </a:solidFill>
-                      <a:prstDash val="solid"/>
-                      <a:round/>
-                      <a:headEnd type="none" w="med" len="med"/>
-                      <a:tailEnd type="none" w="med" len="med"/>
-                    </a:lnR>
-                    <a:lnT w="6350" cap="flat" cmpd="sng" algn="ctr">
-                      <a:solidFill>
-                        <a:schemeClr val="bg1">
-                          <a:lumMod val="65000"/>
-                        </a:schemeClr>
-                      </a:solidFill>
-                      <a:prstDash val="solid"/>
-                      <a:round/>
-                      <a:headEnd type="none" w="med" len="med"/>
-                      <a:tailEnd type="none" w="med" len="med"/>
-                    </a:lnT>
-                    <a:lnB w="6350" cap="flat" cmpd="sng" algn="ctr">
-                      <a:solidFill>
-                        <a:schemeClr val="bg1">
-                          <a:lumMod val="65000"/>
-                        </a:schemeClr>
-                      </a:solidFill>
-                      <a:prstDash val="solid"/>
-                      <a:round/>
-                      <a:headEnd type="none" w="med" len="med"/>
-                      <a:tailEnd type="none" w="med" len="med"/>
-                    </a:lnB>
-                    <a:lnTlToBr w="12700" cmpd="sng">
-                      <a:noFill/>
-                      <a:prstDash val="solid"/>
-                    </a:lnTlToBr>
-                    <a:lnBlToTr w="12700" cmpd="sng">
-                      <a:noFill/>
-                      <a:prstDash val="solid"/>
-                    </a:lnBlToTr>
-                    <a:noFill/>
-                  </a:tcPr>
-                </a:tc>
-                <a:extLst>
-                  <a:ext uri="{0D108BD9-81ED-4DB2-BD59-A6C34878D82A}">
-                    <a16:rowId xmlns:a16="http://schemas.microsoft.com/office/drawing/2014/main" val="1365312463"/>
-                  </a:ext>
-                </a:extLst>
-              </a:tr>
               <a:tr h="268891">
                 <a:tc>
                   <a:txBody>
                     <a:bodyPr/>
                     <a:lstStyle/>
                     <a:p>
-                      <a:pPr marL="0" marR="0" lvl="0" indent="0" algn="l" defTabSz="755934" rtl="0" eaLnBrk="1" fontAlgn="auto" latinLnBrk="0" hangingPunct="1">
+                      <a:pPr marL="0" marR="0" lvl="0" indent="0" algn="just" defTabSz="755934" rtl="0" eaLnBrk="1" fontAlgn="auto" latinLnBrk="0" hangingPunct="1">
                         <a:lnSpc>
                           <a:spcPct val="90000"/>
                         </a:lnSpc>
@@ -8159,7 +7822,7 @@
                           <a:solidFill>
                             <a:srgbClr val="000000"/>
                           </a:solidFill>
-                          <a:latin typeface="Proxima Nova Rg" panose="02000506030000020004" pitchFamily="2" charset="0"/>
+                          <a:latin typeface="+mn-lt"/>
                         </a:rPr>
                         <a:t>Titre de créance de droit &lt;droit&gt; présentant un risque de perte en capital en cours de vie et à l’échéance, émis dans le cadre du Prospectus de Base (tel que défini dans la section « Informations Importantes ») de la présente brochure(*). Bien que la formule de remboursement du titre de créance soit garantie par Natixis</a:t>
                       </a:r>
@@ -8168,7 +7831,7 @@
                           <a:solidFill>
                             <a:srgbClr val="000000"/>
                           </a:solidFill>
-                          <a:latin typeface="Proxima Nova Rg" panose="02000506030000020004" pitchFamily="2" charset="0"/>
+                          <a:latin typeface="+mn-lt"/>
                         </a:rPr>
                         <a:t>(1)</a:t>
                       </a:r>
@@ -8177,7 +7840,7 @@
                           <a:solidFill>
                             <a:srgbClr val="000000"/>
                           </a:solidFill>
-                          <a:latin typeface="Proxima Nova Rg" panose="02000506030000020004" pitchFamily="2" charset="0"/>
+                          <a:latin typeface="+mn-lt"/>
                         </a:rPr>
                         <a:t>, le titre de créance présente un risque de perte en capital à hauteur de l’intégralité de la baisse enregistrée par le sous-jacent.</a:t>
                       </a:r>
@@ -8249,7 +7912,7 @@
                     <a:bodyPr/>
                     <a:lstStyle/>
                     <a:p>
-                      <a:pPr marL="0" marR="0" lvl="0" indent="0" algn="l" defTabSz="755934" rtl="0" eaLnBrk="1" fontAlgn="auto" latinLnBrk="0" hangingPunct="1">
+                      <a:pPr marL="0" marR="0" lvl="0" indent="0" algn="just" defTabSz="755934" rtl="0" eaLnBrk="1" fontAlgn="auto" latinLnBrk="0" hangingPunct="1">
                         <a:lnSpc>
                           <a:spcPct val="90000"/>
                         </a:lnSpc>
@@ -8267,7 +7930,7 @@
                         <a:defRPr/>
                       </a:pPr>
                       <a:r>
-                        <a:rPr lang="fr-FR" sz="700" b="1" kern="1200">
+                        <a:rPr lang="fr-FR" sz="700" b="1" kern="1200" dirty="0">
                           <a:solidFill>
                             <a:srgbClr val="B9A049"/>
                           </a:solidFill>
@@ -8348,7 +8011,7 @@
                           <a:solidFill>
                             <a:srgbClr val="000000"/>
                           </a:solidFill>
-                          <a:latin typeface="Proxima Nova Rg" panose="02000506030000020004" pitchFamily="2" charset="0"/>
+                          <a:latin typeface="+mn-lt"/>
                         </a:rPr>
                         <a:t>Natixis Structured </a:t>
                       </a:r>
@@ -8357,7 +8020,7 @@
                           <a:solidFill>
                             <a:srgbClr val="000000"/>
                           </a:solidFill>
-                          <a:latin typeface="Proxima Nova Rg" panose="02000506030000020004" pitchFamily="2" charset="0"/>
+                          <a:latin typeface="+mn-lt"/>
                         </a:rPr>
                         <a:t>Issuance</a:t>
                       </a:r>
@@ -8366,7 +8029,7 @@
                           <a:solidFill>
                             <a:srgbClr val="000000"/>
                           </a:solidFill>
-                          <a:latin typeface="Proxima Nova Rg" panose="02000506030000020004" pitchFamily="2" charset="0"/>
+                          <a:latin typeface="+mn-lt"/>
                         </a:rPr>
                         <a:t> SA (bien que bénéficiant de la garantie inconditionnelle et irrévocable de Natixis</a:t>
                       </a:r>
@@ -8375,7 +8038,7 @@
                           <a:solidFill>
                             <a:srgbClr val="000000"/>
                           </a:solidFill>
-                          <a:latin typeface="Proxima Nova Rg" panose="02000506030000020004" pitchFamily="2" charset="0"/>
+                          <a:latin typeface="+mn-lt"/>
                         </a:rPr>
                         <a:t>(1)</a:t>
                       </a:r>
@@ -8384,7 +8047,7 @@
                           <a:solidFill>
                             <a:srgbClr val="000000"/>
                           </a:solidFill>
-                          <a:latin typeface="Proxima Nova Rg" panose="02000506030000020004" pitchFamily="2" charset="0"/>
+                          <a:latin typeface="+mn-lt"/>
                         </a:rPr>
                         <a:t>, les titres de créance présentent un risque de perte en capital en cours de vie et à l’échéance).</a:t>
                       </a:r>
@@ -8456,7 +8119,7 @@
                     <a:bodyPr/>
                     <a:lstStyle/>
                     <a:p>
-                      <a:pPr marL="0" marR="0" lvl="0" indent="0" algn="l" defTabSz="755934" rtl="0" eaLnBrk="1" fontAlgn="auto" latinLnBrk="0" hangingPunct="1">
+                      <a:pPr marL="0" marR="0" lvl="0" indent="0" algn="just" defTabSz="755934" rtl="0" eaLnBrk="1" fontAlgn="auto" latinLnBrk="0" hangingPunct="1">
                         <a:lnSpc>
                           <a:spcPct val="90000"/>
                         </a:lnSpc>
@@ -8555,7 +8218,7 @@
                           <a:solidFill>
                             <a:srgbClr val="000000"/>
                           </a:solidFill>
-                          <a:latin typeface="Proxima Nova Rg" panose="02000506030000020004" pitchFamily="2" charset="0"/>
+                          <a:latin typeface="+mn-lt"/>
                         </a:rPr>
                         <a:t>Natixis</a:t>
                       </a:r>
@@ -8564,7 +8227,7 @@
                           <a:solidFill>
                             <a:srgbClr val="000000"/>
                           </a:solidFill>
-                          <a:latin typeface="Proxima Nova Rg" panose="02000506030000020004" pitchFamily="2" charset="0"/>
+                          <a:latin typeface="+mn-lt"/>
                         </a:rPr>
                         <a:t>(1)</a:t>
                       </a:r>
@@ -8636,7 +8299,7 @@
                     <a:bodyPr/>
                     <a:lstStyle/>
                     <a:p>
-                      <a:pPr marL="0" marR="0" lvl="0" indent="0" algn="l" defTabSz="755934" rtl="0" eaLnBrk="1" fontAlgn="auto" latinLnBrk="0" hangingPunct="1">
+                      <a:pPr marL="0" marR="0" lvl="0" indent="0" algn="just" defTabSz="755934" rtl="0" eaLnBrk="1" fontAlgn="auto" latinLnBrk="0" hangingPunct="1">
                         <a:lnSpc>
                           <a:spcPct val="90000"/>
                         </a:lnSpc>
@@ -8821,7 +8484,7 @@
                     <a:bodyPr/>
                     <a:lstStyle/>
                     <a:p>
-                      <a:pPr marL="0" marR="0" lvl="0" indent="0" algn="l" defTabSz="755934" rtl="0" eaLnBrk="1" fontAlgn="auto" latinLnBrk="0" hangingPunct="1">
+                      <a:pPr marL="0" marR="0" lvl="0" indent="0" algn="just" defTabSz="755934" rtl="0" eaLnBrk="1" fontAlgn="auto" latinLnBrk="0" hangingPunct="1">
                         <a:lnSpc>
                           <a:spcPct val="90000"/>
                         </a:lnSpc>
@@ -8928,7 +8591,7 @@
                         <a:defRPr/>
                       </a:pPr>
                       <a:r>
-                        <a:rPr kumimoji="0" lang="fr-FR" sz="800" b="1" i="0" u="none" strike="noStrike" kern="1200" cap="none" spc="0" normalizeH="0" baseline="0" noProof="0" dirty="0">
+                        <a:rPr kumimoji="0" lang="fr-FR" sz="700" b="1" i="0" u="none" strike="noStrike" kern="1200" cap="none" spc="0" normalizeH="0" baseline="0" noProof="0" dirty="0">
                           <a:ln>
                             <a:noFill/>
                           </a:ln>
@@ -8945,92 +8608,7 @@
                         <a:t>&lt;SJR1&gt; entre &lt;NOMSOUSJACENT&gt; </a:t>
                       </a:r>
                       <a:r>
-                        <a:rPr kumimoji="0" lang="fr-FR" sz="800" b="0" i="0" u="none" strike="noStrike" kern="1200" cap="none" spc="0" normalizeH="0" baseline="0" noProof="0" dirty="0">
-                          <a:ln>
-                            <a:noFill/>
-                          </a:ln>
-                          <a:solidFill>
-                            <a:schemeClr val="tx1"/>
-                          </a:solidFill>
-                          <a:effectLst/>
-                          <a:uLnTx/>
-                          <a:uFillTx/>
-                          <a:latin typeface="Proxima Nova Rg" panose="02000506030000020004" pitchFamily="2" charset="0"/>
-                          <a:ea typeface="+mn-ea"/>
-                          <a:cs typeface="+mn-cs"/>
-                        </a:rPr>
-                        <a:t>(</a:t>
-                      </a:r>
-                      <a:r>
-                        <a:rPr kumimoji="0" lang="fr-FR" sz="800" b="1" i="0" u="none" strike="noStrike" kern="1200" cap="none" spc="0" normalizeH="0" baseline="0" noProof="0" dirty="0">
-                          <a:ln>
-                            <a:noFill/>
-                          </a:ln>
-                          <a:solidFill>
-                            <a:schemeClr val="tx1"/>
-                          </a:solidFill>
-                          <a:effectLst/>
-                          <a:uLnTx/>
-                          <a:uFillTx/>
-                          <a:latin typeface="Proxima Nova Rg" panose="02000506030000020004" pitchFamily="2" charset="0"/>
-                          <a:ea typeface="+mn-ea"/>
-                          <a:cs typeface="+mn-cs"/>
-                        </a:rPr>
-                        <a:t>&lt;DIVIDENDE&gt; </a:t>
-                      </a:r>
-                      <a:r>
-                        <a:rPr kumimoji="0" lang="fr-FR" sz="800" b="0" i="0" u="none" strike="noStrike" kern="1200" cap="none" spc="0" normalizeH="0" baseline="0" noProof="0" dirty="0">
-                          <a:ln>
-                            <a:noFill/>
-                          </a:ln>
-                          <a:solidFill>
-                            <a:schemeClr val="tx1"/>
-                          </a:solidFill>
-                          <a:effectLst/>
-                          <a:uLnTx/>
-                          <a:uFillTx/>
-                          <a:latin typeface="Proxima Nova Rg" panose="02000506030000020004" pitchFamily="2" charset="0"/>
-                          <a:ea typeface="+mn-ea"/>
-                          <a:cs typeface="+mn-cs"/>
-                        </a:rPr>
-                        <a:t>; code Bloomberg : &lt;TICKER&gt; ; &lt;sponsor&gt; : &lt;SPONSOR&gt; ; </a:t>
-                      </a:r>
-                      <a:r>
-                        <a:rPr kumimoji="0" lang="fr-FR" sz="800" b="0" i="0" u="sng" strike="noStrike" kern="1200" cap="none" spc="0" normalizeH="0" baseline="0" noProof="0" dirty="0">
-                          <a:ln>
-                            <a:noFill/>
-                          </a:ln>
-                          <a:solidFill>
-                            <a:srgbClr val="B9A049"/>
-                          </a:solidFill>
-                          <a:effectLst/>
-                          <a:uLnTx/>
-                          <a:uFillTx/>
-                          <a:latin typeface="Proxima Nova Rg" panose="02000506030000020004" pitchFamily="2" charset="0"/>
-                          <a:ea typeface="+mn-ea"/>
-                          <a:cs typeface="+mn-cs"/>
-                        </a:rPr>
-                        <a:t>&lt;SITE&gt;</a:t>
-                      </a:r>
-                      <a:r>
-                        <a:rPr kumimoji="0" lang="fr-FR" sz="800" b="0" i="0" u="none" strike="noStrike" kern="1200" cap="none" spc="0" normalizeH="0" baseline="0" noProof="0" dirty="0">
-                          <a:ln>
-                            <a:noFill/>
-                          </a:ln>
-                          <a:solidFill>
-                            <a:schemeClr val="tx1"/>
-                          </a:solidFill>
-                          <a:effectLst/>
-                          <a:uLnTx/>
-                          <a:uFillTx/>
-                          <a:latin typeface="Proxima Nova Rg" panose="02000506030000020004" pitchFamily="2" charset="0"/>
-                          <a:ea typeface="+mn-ea"/>
-                          <a:cs typeface="+mn-cs"/>
-                        </a:rPr>
-                        <a:t>)</a:t>
-                      </a:r>
-                      <a:r>
-                        <a:rPr kumimoji="0" lang="fr-FR" sz="800" b="0" i="0" u="none" strike="noStrike" kern="1200" cap="none" spc="0" normalizeH="0" baseline="0" noProof="0" dirty="0">
+                        <a:rPr kumimoji="0" lang="fr-FR" sz="700" b="0" i="0" u="none" strike="noStrike" kern="1200" cap="none" spc="0" normalizeH="0" baseline="0" noProof="0" dirty="0">
                           <a:ln>
                             <a:noFill/>
                           </a:ln>
@@ -9044,7 +8622,75 @@
                           <a:ea typeface="+mn-ea"/>
                           <a:cs typeface="+mn-cs"/>
                         </a:rPr>
-                        <a:t>.</a:t>
+                        <a:t>(</a:t>
+                      </a:r>
+                      <a:r>
+                        <a:rPr kumimoji="0" lang="fr-FR" sz="700" b="1" i="0" u="none" strike="noStrike" kern="1200" cap="none" spc="0" normalizeH="0" baseline="0" noProof="0" dirty="0">
+                          <a:ln>
+                            <a:noFill/>
+                          </a:ln>
+                          <a:solidFill>
+                            <a:schemeClr val="tx1"/>
+                          </a:solidFill>
+                          <a:effectLst/>
+                          <a:uLnTx/>
+                          <a:uFillTx/>
+                          <a:latin typeface="+mn-lt"/>
+                          <a:ea typeface="+mn-ea"/>
+                          <a:cs typeface="+mn-cs"/>
+                        </a:rPr>
+                        <a:t>&lt;DIVIDENDE&gt; </a:t>
+                      </a:r>
+                      <a:r>
+                        <a:rPr kumimoji="0" lang="fr-FR" sz="700" b="0" i="0" u="none" strike="noStrike" kern="1200" cap="none" spc="0" normalizeH="0" baseline="0" noProof="0" dirty="0">
+                          <a:ln>
+                            <a:noFill/>
+                          </a:ln>
+                          <a:solidFill>
+                            <a:schemeClr val="tx1"/>
+                          </a:solidFill>
+                          <a:effectLst/>
+                          <a:uLnTx/>
+                          <a:uFillTx/>
+                          <a:latin typeface="+mn-lt"/>
+                          <a:ea typeface="+mn-ea"/>
+                          <a:cs typeface="+mn-cs"/>
+                        </a:rPr>
+                        <a:t>; code Bloomberg : &lt;TICKER&gt; ; &lt;sponsor&gt; : &lt;SPONSOR&gt; ; </a:t>
+                      </a:r>
+                      <a:r>
+                        <a:rPr kumimoji="0" lang="fr-FR" sz="700" b="0" i="0" u="sng" strike="noStrike" kern="1200" cap="none" spc="0" normalizeH="0" baseline="0" noProof="0" dirty="0">
+                          <a:ln>
+                            <a:noFill/>
+                          </a:ln>
+                          <a:solidFill>
+                            <a:srgbClr val="B9A049"/>
+                          </a:solidFill>
+                          <a:effectLst/>
+                          <a:uLnTx/>
+                          <a:uFillTx/>
+                          <a:latin typeface="+mn-lt"/>
+                          <a:ea typeface="+mn-ea"/>
+                          <a:cs typeface="+mn-cs"/>
+                        </a:rPr>
+                        <a:t>&lt;SITE&gt;</a:t>
+                      </a:r>
+                      <a:r>
+                        <a:rPr kumimoji="0" lang="fr-FR" sz="700" b="0" i="0" u="none" strike="noStrike" kern="1200" cap="none" spc="0" normalizeH="0" baseline="0" noProof="0" dirty="0">
+                          <a:ln>
+                            <a:noFill/>
+                          </a:ln>
+                          <a:solidFill>
+                            <a:schemeClr val="tx1"/>
+                          </a:solidFill>
+                          <a:effectLst/>
+                          <a:uLnTx/>
+                          <a:uFillTx/>
+                          <a:latin typeface="+mn-lt"/>
+                          <a:ea typeface="+mn-ea"/>
+                          <a:cs typeface="+mn-cs"/>
+                        </a:rPr>
+                        <a:t>).</a:t>
                       </a:r>
                     </a:p>
                   </a:txBody>
@@ -9114,7 +8760,7 @@
                     <a:bodyPr/>
                     <a:lstStyle/>
                     <a:p>
-                      <a:pPr marL="0" marR="0" lvl="0" indent="0" algn="l" defTabSz="755934" rtl="0" eaLnBrk="1" fontAlgn="auto" latinLnBrk="0" hangingPunct="1">
+                      <a:pPr marL="0" marR="0" lvl="0" indent="0" algn="just" defTabSz="755934" rtl="0" eaLnBrk="1" fontAlgn="auto" latinLnBrk="0" hangingPunct="1">
                         <a:lnSpc>
                           <a:spcPct val="90000"/>
                         </a:lnSpc>
@@ -9298,7 +8944,7 @@
                     <a:bodyPr/>
                     <a:lstStyle/>
                     <a:p>
-                      <a:pPr marL="0" marR="0" lvl="0" indent="0" algn="l" defTabSz="755934" rtl="0" eaLnBrk="1" fontAlgn="auto" latinLnBrk="0" hangingPunct="1">
+                      <a:pPr marL="0" marR="0" lvl="0" indent="0" algn="just" defTabSz="755934" rtl="0" eaLnBrk="1" fontAlgn="auto" latinLnBrk="0" hangingPunct="1">
                         <a:lnSpc>
                           <a:spcPct val="90000"/>
                         </a:lnSpc>
@@ -9482,7 +9128,7 @@
                     <a:bodyPr/>
                     <a:lstStyle/>
                     <a:p>
-                      <a:pPr marL="0" marR="0" lvl="0" indent="0" algn="l" defTabSz="755934" rtl="0" eaLnBrk="1" fontAlgn="auto" latinLnBrk="0" hangingPunct="1">
+                      <a:pPr marL="0" marR="0" lvl="0" indent="0" algn="just" defTabSz="755934" rtl="0" eaLnBrk="1" fontAlgn="auto" latinLnBrk="0" hangingPunct="1">
                         <a:lnSpc>
                           <a:spcPct val="90000"/>
                         </a:lnSpc>
@@ -9666,7 +9312,7 @@
                     <a:bodyPr/>
                     <a:lstStyle/>
                     <a:p>
-                      <a:pPr marL="0" marR="0" lvl="0" indent="0" algn="l" defTabSz="755934" rtl="0" eaLnBrk="1" fontAlgn="auto" latinLnBrk="0" hangingPunct="1">
+                      <a:pPr marL="0" marR="0" lvl="0" indent="0" algn="just" defTabSz="755934" rtl="0" eaLnBrk="1" fontAlgn="auto" latinLnBrk="0" hangingPunct="1">
                         <a:lnSpc>
                           <a:spcPct val="90000"/>
                         </a:lnSpc>
@@ -9850,7 +9496,7 @@
                     <a:bodyPr/>
                     <a:lstStyle/>
                     <a:p>
-                      <a:pPr marL="0" marR="0" lvl="0" indent="0" algn="l" defTabSz="755934" rtl="0" eaLnBrk="1" fontAlgn="auto" latinLnBrk="0" hangingPunct="1">
+                      <a:pPr marL="0" marR="0" lvl="0" indent="0" algn="just" defTabSz="755934" rtl="0" eaLnBrk="1" fontAlgn="auto" latinLnBrk="0" hangingPunct="1">
                         <a:lnSpc>
                           <a:spcPct val="90000"/>
                         </a:lnSpc>
@@ -10067,7 +9713,7 @@
                     <a:bodyPr/>
                     <a:lstStyle/>
                     <a:p>
-                      <a:pPr marL="0" marR="0" lvl="0" indent="0" algn="l" defTabSz="755934" rtl="0" eaLnBrk="1" fontAlgn="auto" latinLnBrk="0" hangingPunct="1">
+                      <a:pPr marL="0" marR="0" lvl="0" indent="0" algn="just" defTabSz="755934" rtl="0" eaLnBrk="1" fontAlgn="auto" latinLnBrk="0" hangingPunct="1">
                         <a:lnSpc>
                           <a:spcPct val="90000"/>
                         </a:lnSpc>
@@ -10251,7 +9897,7 @@
                     <a:bodyPr/>
                     <a:lstStyle/>
                     <a:p>
-                      <a:pPr marL="0" marR="0" lvl="0" indent="0" algn="l" defTabSz="755934" rtl="0" eaLnBrk="1" fontAlgn="auto" latinLnBrk="0" hangingPunct="1">
+                      <a:pPr marL="0" marR="0" lvl="0" indent="0" algn="just" defTabSz="755934" rtl="0" eaLnBrk="1" fontAlgn="auto" latinLnBrk="0" hangingPunct="1">
                         <a:lnSpc>
                           <a:spcPct val="90000"/>
                         </a:lnSpc>
@@ -10446,7 +10092,7 @@
                     <a:bodyPr/>
                     <a:lstStyle/>
                     <a:p>
-                      <a:pPr marL="0" marR="0" lvl="0" indent="0" algn="l" defTabSz="755934" rtl="0" eaLnBrk="1" fontAlgn="auto" latinLnBrk="0" hangingPunct="1">
+                      <a:pPr marL="0" marR="0" lvl="0" indent="0" algn="just" defTabSz="755934" rtl="0" eaLnBrk="1" fontAlgn="auto" latinLnBrk="0" hangingPunct="1">
                         <a:lnSpc>
                           <a:spcPct val="90000"/>
                         </a:lnSpc>
@@ -10631,7 +10277,7 @@
                     <a:bodyPr/>
                     <a:lstStyle/>
                     <a:p>
-                      <a:pPr marL="0" marR="0" lvl="0" indent="0" algn="l" defTabSz="755934" rtl="0" eaLnBrk="1" fontAlgn="auto" latinLnBrk="0" hangingPunct="1">
+                      <a:pPr marL="0" marR="0" lvl="0" indent="0" algn="just" defTabSz="755934" rtl="0" eaLnBrk="1" fontAlgn="auto" latinLnBrk="0" hangingPunct="1">
                         <a:lnSpc>
                           <a:spcPct val="90000"/>
                         </a:lnSpc>
@@ -10720,7 +10366,7 @@
                     <a:bodyPr/>
                     <a:lstStyle/>
                     <a:p>
-                      <a:pPr marL="0" marR="0" lvl="0" indent="0" defTabSz="755934" rtl="0" eaLnBrk="1" fontAlgn="base" latinLnBrk="0" hangingPunct="1">
+                      <a:pPr marL="0" marR="0" lvl="0" indent="0" algn="just" defTabSz="755934" rtl="0" eaLnBrk="1" fontAlgn="base" latinLnBrk="0" hangingPunct="1">
                         <a:lnSpc>
                           <a:spcPct val="100000"/>
                         </a:lnSpc>
@@ -10816,7 +10462,7 @@
                     <a:bodyPr/>
                     <a:lstStyle/>
                     <a:p>
-                      <a:pPr marL="0" marR="0" lvl="0" indent="0" algn="l" defTabSz="755934" rtl="0" eaLnBrk="1" fontAlgn="auto" latinLnBrk="0" hangingPunct="1">
+                      <a:pPr marL="0" marR="0" lvl="0" indent="0" algn="just" defTabSz="755934" rtl="0" eaLnBrk="1" fontAlgn="auto" latinLnBrk="0" hangingPunct="1">
                         <a:lnSpc>
                           <a:spcPct val="90000"/>
                         </a:lnSpc>
@@ -11001,7 +10647,7 @@
                     <a:bodyPr/>
                     <a:lstStyle/>
                     <a:p>
-                      <a:pPr marL="0" marR="0" lvl="0" indent="0" algn="l" defTabSz="755934" rtl="0" eaLnBrk="1" fontAlgn="auto" latinLnBrk="0" hangingPunct="1">
+                      <a:pPr marL="0" marR="0" lvl="0" indent="0" algn="just" defTabSz="755934" rtl="0" eaLnBrk="1" fontAlgn="auto" latinLnBrk="0" hangingPunct="1">
                         <a:lnSpc>
                           <a:spcPct val="90000"/>
                         </a:lnSpc>
@@ -11185,7 +10831,7 @@
                     <a:bodyPr/>
                     <a:lstStyle/>
                     <a:p>
-                      <a:pPr marL="0" marR="0" lvl="0" indent="0" algn="l" defTabSz="755934" rtl="0" eaLnBrk="1" fontAlgn="auto" latinLnBrk="0" hangingPunct="1">
+                      <a:pPr marL="0" marR="0" lvl="0" indent="0" algn="just" defTabSz="755934" rtl="0" eaLnBrk="1" fontAlgn="auto" latinLnBrk="0" hangingPunct="1">
                         <a:lnSpc>
                           <a:spcPct val="90000"/>
                         </a:lnSpc>
@@ -11296,9 +10942,6 @@
                           <a:solidFill>
                             <a:schemeClr val="tx1"/>
                           </a:solidFill>
-                          <a:highlight>
-                            <a:srgbClr val="00FFFF"/>
-                          </a:highlight>
                           <a:latin typeface="+mn-lt"/>
                           <a:ea typeface="+mn-ea"/>
                           <a:cs typeface="+mn-cs"/>
@@ -11373,7 +11016,7 @@
                     <a:bodyPr/>
                     <a:lstStyle/>
                     <a:p>
-                      <a:pPr marL="0" marR="0" lvl="0" indent="0" algn="l" defTabSz="755934" rtl="0" eaLnBrk="1" fontAlgn="auto" latinLnBrk="0" hangingPunct="1">
+                      <a:pPr marL="0" marR="0" lvl="0" indent="0" algn="just" defTabSz="755934" rtl="0" eaLnBrk="1" fontAlgn="auto" latinLnBrk="0" hangingPunct="1">
                         <a:lnSpc>
                           <a:spcPct val="90000"/>
                         </a:lnSpc>
@@ -11484,9 +11127,6 @@
                           <a:solidFill>
                             <a:schemeClr val="tx1"/>
                           </a:solidFill>
-                          <a:highlight>
-                            <a:srgbClr val="00FFFF"/>
-                          </a:highlight>
                           <a:latin typeface="+mn-lt"/>
                           <a:ea typeface="+mn-ea"/>
                           <a:cs typeface="+mn-cs"/>
@@ -11561,7 +11201,7 @@
                     <a:bodyPr/>
                     <a:lstStyle/>
                     <a:p>
-                      <a:pPr marL="0" marR="0" lvl="0" indent="0" algn="l" defTabSz="755934" rtl="0" eaLnBrk="1" fontAlgn="auto" latinLnBrk="0" hangingPunct="1">
+                      <a:pPr marL="0" marR="0" lvl="0" indent="0" algn="just" defTabSz="755934" rtl="0" eaLnBrk="1" fontAlgn="auto" latinLnBrk="0" hangingPunct="1">
                         <a:lnSpc>
                           <a:spcPct val="90000"/>
                         </a:lnSpc>
@@ -11746,7 +11386,7 @@
                     <a:bodyPr/>
                     <a:lstStyle/>
                     <a:p>
-                      <a:pPr marL="0" marR="0" lvl="0" indent="0" algn="l" defTabSz="755934" rtl="0" eaLnBrk="1" fontAlgn="auto" latinLnBrk="0" hangingPunct="1">
+                      <a:pPr marL="0" marR="0" lvl="0" indent="0" algn="just" defTabSz="755934" rtl="0" eaLnBrk="1" fontAlgn="auto" latinLnBrk="0" hangingPunct="1">
                         <a:lnSpc>
                           <a:spcPct val="90000"/>
                         </a:lnSpc>
@@ -11931,7 +11571,7 @@
                     <a:bodyPr/>
                     <a:lstStyle/>
                     <a:p>
-                      <a:pPr marL="0" marR="0" lvl="0" indent="0" algn="l" defTabSz="1042988" rtl="0" eaLnBrk="0" fontAlgn="base" latinLnBrk="0" hangingPunct="0">
+                      <a:pPr marL="0" marR="0" lvl="0" indent="0" algn="just" defTabSz="1042988" rtl="0" eaLnBrk="0" fontAlgn="base" latinLnBrk="0" hangingPunct="0">
                         <a:lnSpc>
                           <a:spcPct val="88000"/>
                         </a:lnSpc>
@@ -12116,7 +11756,7 @@
                     <a:bodyPr/>
                     <a:lstStyle/>
                     <a:p>
-                      <a:pPr marL="0" marR="0" lvl="0" indent="0" algn="l" defTabSz="755934" rtl="0" eaLnBrk="1" fontAlgn="auto" latinLnBrk="0" hangingPunct="1">
+                      <a:pPr marL="0" marR="0" lvl="0" indent="0" algn="just" defTabSz="755934" rtl="0" eaLnBrk="1" fontAlgn="auto" latinLnBrk="0" hangingPunct="1">
                         <a:lnSpc>
                           <a:spcPct val="90000"/>
                         </a:lnSpc>
@@ -12301,7 +11941,7 @@
                     <a:bodyPr/>
                     <a:lstStyle/>
                     <a:p>
-                      <a:pPr marL="0" marR="0" lvl="0" indent="0" algn="l" defTabSz="755934" rtl="0" eaLnBrk="1" fontAlgn="auto" latinLnBrk="0" hangingPunct="1">
+                      <a:pPr marL="0" marR="0" lvl="0" indent="0" algn="just" defTabSz="755934" rtl="0" eaLnBrk="1" fontAlgn="auto" latinLnBrk="0" hangingPunct="1">
                         <a:lnSpc>
                           <a:spcPct val="90000"/>
                         </a:lnSpc>
@@ -12319,7 +11959,7 @@
                         <a:defRPr/>
                       </a:pPr>
                       <a:r>
-                        <a:rPr lang="fr-FR" sz="700" b="1" kern="1200">
+                        <a:rPr lang="fr-FR" sz="700" b="1" kern="1200" dirty="0">
                           <a:solidFill>
                             <a:srgbClr val="B9A049"/>
                           </a:solidFill>
@@ -12422,7 +12062,7 @@
                           <a:solidFill>
                             <a:srgbClr val="000000"/>
                           </a:solidFill>
-                          <a:latin typeface="Proxima Nova Rg" panose="02000506030000020004" pitchFamily="2" charset="0"/>
+                          <a:latin typeface="+mn-lt"/>
                           <a:ea typeface="+mn-ea"/>
                           <a:cs typeface="+mn-cs"/>
                         </a:rPr>
@@ -12504,7 +12144,7 @@
                     <a:bodyPr/>
                     <a:lstStyle/>
                     <a:p>
-                      <a:pPr marL="0" marR="0" lvl="0" indent="0" algn="l" defTabSz="755934" rtl="0" eaLnBrk="1" fontAlgn="auto" latinLnBrk="0" hangingPunct="1">
+                      <a:pPr marL="0" marR="0" lvl="0" indent="0" algn="just" defTabSz="755934" rtl="0" eaLnBrk="1" fontAlgn="auto" latinLnBrk="0" hangingPunct="1">
                         <a:lnSpc>
                           <a:spcPct val="90000"/>
                         </a:lnSpc>
@@ -12688,7 +12328,7 @@
                     <a:bodyPr/>
                     <a:lstStyle/>
                     <a:p>
-                      <a:pPr marL="0" marR="0" lvl="0" indent="0" algn="l" defTabSz="755934" rtl="0" eaLnBrk="1" fontAlgn="auto" latinLnBrk="0" hangingPunct="1">
+                      <a:pPr marL="0" marR="0" lvl="0" indent="0" algn="just" defTabSz="755934" rtl="0" eaLnBrk="1" fontAlgn="auto" latinLnBrk="0" hangingPunct="1">
                         <a:lnSpc>
                           <a:spcPct val="90000"/>
                         </a:lnSpc>
@@ -12873,7 +12513,7 @@
                     <a:bodyPr/>
                     <a:lstStyle/>
                     <a:p>
-                      <a:pPr marL="0" marR="0" lvl="0" indent="0" algn="l" defTabSz="755934" rtl="0" eaLnBrk="1" fontAlgn="auto" latinLnBrk="0" hangingPunct="1">
+                      <a:pPr marL="0" marR="0" lvl="0" indent="0" algn="just" defTabSz="755934" rtl="0" eaLnBrk="1" fontAlgn="auto" latinLnBrk="0" hangingPunct="1">
                         <a:lnSpc>
                           <a:spcPct val="90000"/>
                         </a:lnSpc>
@@ -13057,7 +12697,7 @@
                     <a:bodyPr/>
                     <a:lstStyle/>
                     <a:p>
-                      <a:pPr marL="0" marR="0" lvl="0" indent="0" algn="l" defTabSz="755934" rtl="0" eaLnBrk="1" fontAlgn="auto" latinLnBrk="0" hangingPunct="1">
+                      <a:pPr marL="0" marR="0" lvl="0" indent="0" algn="just" defTabSz="755934" rtl="0" eaLnBrk="1" fontAlgn="auto" latinLnBrk="0" hangingPunct="1">
                         <a:lnSpc>
                           <a:spcPct val="90000"/>
                         </a:lnSpc>
@@ -13168,7 +12808,7 @@
                           <a:solidFill>
                             <a:srgbClr val="000000"/>
                           </a:solidFill>
-                          <a:latin typeface="Proxima Nova Rg" panose="02000506030000020004" pitchFamily="2" charset="0"/>
+                          <a:latin typeface="+mn-lt"/>
                         </a:rPr>
                         <a:t>Une commission de distribution sera versée, qui pourra atteindre un montant maximum annuel de 1,00 % du montant nominal des titres de créance placés. De plus, La commission de distribution récurrente pourra atteindre un montant maximum annuel de 0,80% du montant des Titres de créance détenues et sur la durée de détention des titres par les investisseurs. Le paiement de cette commission pourra être effectué par un règlement au moment de l’émission ou par une diminution du Prix d’Emission.</a:t>
                       </a:r>
@@ -13240,7 +12880,7 @@
                     <a:bodyPr/>
                     <a:lstStyle/>
                     <a:p>
-                      <a:pPr marL="0" marR="0" lvl="0" indent="0" algn="l" defTabSz="755934" rtl="0" eaLnBrk="1" fontAlgn="auto" latinLnBrk="0" hangingPunct="1">
+                      <a:pPr marL="0" marR="0" lvl="0" indent="0" algn="just" defTabSz="755934" rtl="0" eaLnBrk="1" fontAlgn="auto" latinLnBrk="0" hangingPunct="1">
                         <a:lnSpc>
                           <a:spcPct val="90000"/>
                         </a:lnSpc>
@@ -13351,7 +12991,7 @@
                           <a:solidFill>
                             <a:srgbClr val="000000"/>
                           </a:solidFill>
-                          <a:latin typeface="Proxima Nova Rg" panose="02000506030000020004" pitchFamily="2" charset="0"/>
+                          <a:latin typeface="+mn-lt"/>
                           <a:ea typeface="+mn-ea"/>
                           <a:cs typeface="+mn-cs"/>
                         </a:rPr>
@@ -13362,7 +13002,7 @@
                           <a:solidFill>
                             <a:srgbClr val="000000"/>
                           </a:solidFill>
-                          <a:latin typeface="Proxima Nova Rg" panose="02000506030000020004" pitchFamily="2" charset="0"/>
+                          <a:latin typeface="+mn-lt"/>
                           <a:ea typeface="+mn-ea"/>
                           <a:cs typeface="+mn-cs"/>
                         </a:rPr>
@@ -13373,7 +13013,7 @@
                           <a:solidFill>
                             <a:srgbClr val="000000"/>
                           </a:solidFill>
-                          <a:latin typeface="Proxima Nova Rg" panose="02000506030000020004" pitchFamily="2" charset="0"/>
+                          <a:latin typeface="+mn-lt"/>
                           <a:ea typeface="+mn-ea"/>
                           <a:cs typeface="+mn-cs"/>
                         </a:rPr>
@@ -13447,7 +13087,7 @@
                     <a:bodyPr/>
                     <a:lstStyle/>
                     <a:p>
-                      <a:pPr marL="0" marR="0" lvl="0" indent="0" algn="l" defTabSz="755934" rtl="0" eaLnBrk="1" fontAlgn="auto" latinLnBrk="0" hangingPunct="1">
+                      <a:pPr marL="0" marR="0" lvl="0" indent="0" algn="just" defTabSz="755934" rtl="0" eaLnBrk="1" fontAlgn="auto" latinLnBrk="0" hangingPunct="1">
                         <a:lnSpc>
                           <a:spcPct val="90000"/>
                         </a:lnSpc>
@@ -13558,7 +13198,7 @@
                           <a:solidFill>
                             <a:srgbClr val="000000"/>
                           </a:solidFill>
-                          <a:latin typeface="Proxima Nova Rg" panose="02000506030000020004" pitchFamily="2" charset="0"/>
+                          <a:latin typeface="+mn-lt"/>
                           <a:ea typeface="+mn-ea"/>
                           <a:cs typeface="+mn-cs"/>
                         </a:rPr>
@@ -13569,7 +13209,7 @@
                           <a:solidFill>
                             <a:srgbClr val="000000"/>
                           </a:solidFill>
-                          <a:latin typeface="Proxima Nova Rg" panose="02000506030000020004" pitchFamily="2" charset="0"/>
+                          <a:latin typeface="+mn-lt"/>
                           <a:ea typeface="+mn-ea"/>
                           <a:cs typeface="+mn-cs"/>
                         </a:rPr>
@@ -13580,7 +13220,7 @@
                           <a:solidFill>
                             <a:srgbClr val="000000"/>
                           </a:solidFill>
-                          <a:latin typeface="Proxima Nova Rg" panose="02000506030000020004" pitchFamily="2" charset="0"/>
+                          <a:latin typeface="+mn-lt"/>
                           <a:ea typeface="+mn-ea"/>
                           <a:cs typeface="+mn-cs"/>
                         </a:rPr>
@@ -13654,7 +13294,7 @@
                     <a:bodyPr/>
                     <a:lstStyle/>
                     <a:p>
-                      <a:pPr marL="0" marR="0" lvl="0" indent="0" algn="l" defTabSz="755934" rtl="0" eaLnBrk="1" fontAlgn="auto" latinLnBrk="0" hangingPunct="1">
+                      <a:pPr marL="0" marR="0" lvl="0" indent="0" algn="just" defTabSz="755934" rtl="0" eaLnBrk="1" fontAlgn="auto" latinLnBrk="0" hangingPunct="1">
                         <a:lnSpc>
                           <a:spcPct val="90000"/>
                         </a:lnSpc>
@@ -13765,7 +13405,7 @@
                           <a:solidFill>
                             <a:srgbClr val="000000"/>
                           </a:solidFill>
-                          <a:latin typeface="Proxima Nova Rg" panose="02000506030000020004" pitchFamily="2" charset="0"/>
+                          <a:latin typeface="+mn-lt"/>
                           <a:ea typeface="+mn-ea"/>
                           <a:cs typeface="+mn-cs"/>
                         </a:rPr>
@@ -13776,7 +13416,7 @@
                           <a:solidFill>
                             <a:srgbClr val="000000"/>
                           </a:solidFill>
-                          <a:latin typeface="Proxima Nova Rg" panose="02000506030000020004" pitchFamily="2" charset="0"/>
+                          <a:latin typeface="+mn-lt"/>
                           <a:ea typeface="+mn-ea"/>
                           <a:cs typeface="+mn-cs"/>
                         </a:rPr>
@@ -13787,7 +13427,7 @@
                           <a:solidFill>
                             <a:srgbClr val="000000"/>
                           </a:solidFill>
-                          <a:latin typeface="Proxima Nova Rg" panose="02000506030000020004" pitchFamily="2" charset="0"/>
+                          <a:latin typeface="+mn-lt"/>
                           <a:ea typeface="+mn-ea"/>
                           <a:cs typeface="+mn-cs"/>
                         </a:rPr>
@@ -13861,13 +13501,13 @@
                     <a:bodyPr/>
                     <a:lstStyle/>
                     <a:p>
-                      <a:pPr algn="l">
+                      <a:pPr algn="just">
                         <a:lnSpc>
                           <a:spcPct val="100000"/>
                         </a:lnSpc>
                       </a:pPr>
                       <a:r>
-                        <a:rPr lang="fr-FR" sz="700" b="1" kern="1200">
+                        <a:rPr lang="fr-FR" sz="700" b="1" kern="1200" dirty="0">
                           <a:solidFill>
                             <a:srgbClr val="B9A049"/>
                           </a:solidFill>
@@ -13960,7 +13600,7 @@
                           <a:solidFill>
                             <a:srgbClr val="000000"/>
                           </a:solidFill>
-                          <a:latin typeface="Proxima Nova Rg" panose="02000506030000020004" pitchFamily="2" charset="0"/>
+                          <a:latin typeface="+mn-lt"/>
                           <a:ea typeface="+mn-ea"/>
                           <a:cs typeface="+mn-cs"/>
                         </a:rPr>
@@ -13971,7 +13611,7 @@
                           <a:solidFill>
                             <a:srgbClr val="000000"/>
                           </a:solidFill>
-                          <a:latin typeface="Proxima Nova Rg" panose="02000506030000020004" pitchFamily="2" charset="0"/>
+                          <a:latin typeface="+mn-lt"/>
                           <a:ea typeface="+mn-ea"/>
                           <a:cs typeface="+mn-cs"/>
                         </a:rPr>
@@ -13982,7 +13622,7 @@
                           <a:solidFill>
                             <a:srgbClr val="000000"/>
                           </a:solidFill>
-                          <a:latin typeface="Proxima Nova Rg" panose="02000506030000020004" pitchFamily="2" charset="0"/>
+                          <a:latin typeface="+mn-lt"/>
                           <a:ea typeface="+mn-ea"/>
                           <a:cs typeface="+mn-cs"/>
                         </a:rPr>
@@ -13993,7 +13633,7 @@
                           <a:solidFill>
                             <a:srgbClr val="000000"/>
                           </a:solidFill>
-                          <a:latin typeface="Proxima Nova Rg" panose="02000506030000020004" pitchFamily="2" charset="0"/>
+                          <a:latin typeface="+mn-lt"/>
                           <a:cs typeface="Century Gothic"/>
                         </a:rPr>
                         <a:t>(2)</a:t>
@@ -14003,7 +13643,7 @@
                           <a:solidFill>
                             <a:srgbClr val="000000"/>
                           </a:solidFill>
-                          <a:latin typeface="Proxima Nova Rg" panose="02000506030000020004" pitchFamily="2" charset="0"/>
+                          <a:latin typeface="+mn-lt"/>
                           <a:cs typeface="Century Gothic"/>
                         </a:rPr>
                         <a:t>.</a:t>
@@ -14012,7 +13652,7 @@
                         <a:solidFill>
                           <a:srgbClr val="000000"/>
                         </a:solidFill>
-                        <a:latin typeface="Proxima Nova Rg" panose="02000506030000020004" pitchFamily="2" charset="0"/>
+                        <a:latin typeface="+mn-lt"/>
                         <a:ea typeface="+mn-ea"/>
                         <a:cs typeface="+mn-cs"/>
                       </a:endParaRPr>
@@ -14084,7 +13724,7 @@
                     <a:bodyPr/>
                     <a:lstStyle/>
                     <a:p>
-                      <a:pPr marL="0" marR="0" lvl="0" indent="0" algn="l" defTabSz="1042988" rtl="0" eaLnBrk="1" fontAlgn="base" latinLnBrk="0" hangingPunct="1">
+                      <a:pPr marL="0" marR="0" lvl="0" indent="0" algn="just" defTabSz="1042988" rtl="0" eaLnBrk="1" fontAlgn="base" latinLnBrk="0" hangingPunct="1">
                         <a:lnSpc>
                           <a:spcPct val="100000"/>
                         </a:lnSpc>
@@ -14101,7 +13741,7 @@
                         <a:tabLst/>
                       </a:pPr>
                       <a:r>
-                        <a:rPr lang="fr-FR" sz="700" b="1" kern="1200">
+                        <a:rPr lang="fr-FR" sz="700" b="1" kern="1200" dirty="0">
                           <a:solidFill>
                             <a:srgbClr val="B9A049"/>
                           </a:solidFill>
@@ -14511,6 +14151,104 @@
               </a:defRPr>
             </a:pPr>
             <a:endParaRPr/>
+          </a:p>
+        </p:txBody>
+      </p:sp>
+      <p:sp>
+        <p:nvSpPr>
+          <p:cNvPr id="8" name="Text Box 2">
+            <a:extLst>
+              <a:ext uri="{FF2B5EF4-FFF2-40B4-BE49-F238E27FC236}">
+                <a16:creationId xmlns:a16="http://schemas.microsoft.com/office/drawing/2014/main" id="{07494498-5E14-4A58-F9B9-6702F361477F}"/>
+              </a:ext>
+            </a:extLst>
+          </p:cNvPr>
+          <p:cNvSpPr txBox="1">
+            <a:spLocks noChangeArrowheads="1"/>
+          </p:cNvSpPr>
+          <p:nvPr/>
+        </p:nvSpPr>
+        <p:spPr bwMode="auto">
+          <a:xfrm>
+            <a:off x="361950" y="9765983"/>
+            <a:ext cx="6483350" cy="600164"/>
+          </a:xfrm>
+          <a:prstGeom prst="rect">
+            <a:avLst/>
+          </a:prstGeom>
+          <a:noFill/>
+          <a:ln w="9525">
+            <a:noFill/>
+            <a:miter lim="800000"/>
+            <a:headEnd/>
+            <a:tailEnd/>
+          </a:ln>
+        </p:spPr>
+        <p:txBody>
+          <a:bodyPr wrap="square" lIns="0" tIns="0" rIns="0" bIns="0">
+            <a:spAutoFit/>
+          </a:bodyPr>
+          <a:lstStyle/>
+          <a:p>
+            <a:pPr marL="228600" indent="-228600" algn="just" defTabSz="914400">
+              <a:buAutoNum type="arabicParenBoth"/>
+            </a:pPr>
+            <a:r>
+              <a:rPr lang="fr-FR" sz="650" dirty="0">
+                <a:solidFill>
+                  <a:srgbClr val="000000"/>
+                </a:solidFill>
+                <a:latin typeface="Proxima Nova Rg" panose="02000506030000020004" pitchFamily="2" charset="0"/>
+              </a:rPr>
+              <a:t>Nous attirons votre attention sur le fait que le titre de créance est destiné à être offert exclusivement à un cercle restreint d’investisseurs au sens de l’article L411-2 du Code monétaire et financier. Le titre de créance est adressé à des investisseurs ayant un montant minimum de souscription de 100 000 EUR. La présente brochure commerciale n’a pas fait l’objet d’une communication à l’AMF. </a:t>
+            </a:r>
+          </a:p>
+          <a:p>
+            <a:pPr marL="228600" indent="-228600" algn="just" defTabSz="914400">
+              <a:buFontTx/>
+              <a:buAutoNum type="arabicParenBoth"/>
+            </a:pPr>
+            <a:r>
+              <a:rPr lang="fr-FR" sz="650" dirty="0">
+                <a:solidFill>
+                  <a:srgbClr val="000000"/>
+                </a:solidFill>
+                <a:latin typeface="Proxima Nova Rg" panose="02000506030000020004" pitchFamily="2" charset="0"/>
+              </a:rPr>
+              <a:t>Natixis : Standard &amp; </a:t>
+            </a:r>
+            <a:r>
+              <a:rPr lang="fr-FR" sz="650" dirty="0" err="1">
+                <a:solidFill>
+                  <a:srgbClr val="000000"/>
+                </a:solidFill>
+                <a:latin typeface="Proxima Nova Rg" panose="02000506030000020004" pitchFamily="2" charset="0"/>
+              </a:rPr>
+              <a:t>Poor’s</a:t>
+            </a:r>
+            <a:r>
+              <a:rPr lang="fr-FR" sz="650" dirty="0">
+                <a:solidFill>
+                  <a:srgbClr val="000000"/>
+                </a:solidFill>
+                <a:latin typeface="Proxima Nova Rg" panose="02000506030000020004" pitchFamily="2" charset="0"/>
+              </a:rPr>
+              <a:t> : A+ / Moody’s : A1 / Fitch : A+. Notations en vigueur au moment de la rédaction de la présente brochure. Ces notations peuvent être révisées à tout moment et ne sont pas une garantie de solvabilité de l’Émetteur ni du Garant. Elles ne sauraient constituer un argument de souscription au titre de créance.</a:t>
+            </a:r>
+          </a:p>
+          <a:p>
+            <a:pPr marL="228600" indent="-228600" algn="just" defTabSz="914400">
+              <a:buAutoNum type="arabicParenBoth"/>
+            </a:pPr>
+            <a:r>
+              <a:rPr lang="fr-FR" sz="650" dirty="0">
+                <a:solidFill>
+                  <a:srgbClr val="000000"/>
+                </a:solidFill>
+                <a:latin typeface="Proxima Nova Rg" panose="02000506030000020004" pitchFamily="2" charset="0"/>
+              </a:rPr>
+              <a:t>Les conflits d’intérêts seront gérés suivant la réglementation en vigueur.</a:t>
+            </a:r>
           </a:p>
         </p:txBody>
       </p:sp>
@@ -14591,7 +14329,7 @@
         <p:spPr bwMode="auto">
           <a:xfrm>
             <a:off x="361950" y="9765983"/>
-            <a:ext cx="6483350" cy="700192"/>
+            <a:ext cx="6483350" cy="600164"/>
           </a:xfrm>
           <a:prstGeom prst="rect">
             <a:avLst/>
@@ -14614,15 +14352,6 @@
               <a:buAutoNum type="arabicParenBoth"/>
             </a:pPr>
             <a:r>
-              <a:rPr lang="fr-FR" sz="650" baseline="30000" dirty="0">
-                <a:solidFill>
-                  <a:srgbClr val="000000"/>
-                </a:solidFill>
-                <a:latin typeface="Proxima Nova Rg" panose="02000506030000020004" pitchFamily="2" charset="0"/>
-              </a:rPr>
-              <a:t>(*) </a:t>
-            </a:r>
-            <a:r>
               <a:rPr lang="fr-FR" sz="650" dirty="0">
                 <a:solidFill>
                   <a:srgbClr val="000000"/>
@@ -14678,12 +14407,6 @@
               </a:rPr>
               <a:t>Les conflits d’intérêts seront gérés suivant la réglementation en vigueur.</a:t>
             </a:r>
-          </a:p>
-          <a:p>
-            <a:pPr lvl="0" algn="just" defTabSz="914400"/>
-            <a:endParaRPr lang="fr-FR" sz="650" i="1" dirty="0">
-              <a:latin typeface="Proxima Nova Rg" panose="02000506030000020004" pitchFamily="2" charset="0"/>
-            </a:endParaRPr>
           </a:p>
         </p:txBody>
       </p:sp>
@@ -14955,14 +14678,14 @@
           <p:nvPr>
             <p:extLst>
               <p:ext uri="{D42A27DB-BD31-4B8C-83A1-F6EECF244321}">
-                <p14:modId xmlns:p14="http://schemas.microsoft.com/office/powerpoint/2010/main" val="3438618805"/>
+                <p14:modId xmlns:p14="http://schemas.microsoft.com/office/powerpoint/2010/main" val="1694449830"/>
               </p:ext>
             </p:extLst>
           </p:nvPr>
         </p:nvGraphicFramePr>
         <p:xfrm>
           <a:off x="361950" y="1092200"/>
-          <a:ext cx="6790215" cy="7741754"/>
+          <a:ext cx="6790215" cy="7548655"/>
         </p:xfrm>
         <a:graphic>
           <a:graphicData uri="http://schemas.openxmlformats.org/drawingml/2006/table">
@@ -14986,180 +14709,13 @@
                   </a:extLst>
                 </a:gridCol>
               </a:tblGrid>
-              <a:tr h="0">
-                <a:tc>
-                  <a:txBody>
-                    <a:bodyPr/>
-                    <a:lstStyle/>
-                    <a:p>
-                      <a:pPr marL="0" marR="0" lvl="0" indent="0" algn="l" defTabSz="755934" rtl="0" eaLnBrk="1" fontAlgn="auto" latinLnBrk="0" hangingPunct="1">
-                        <a:lnSpc>
-                          <a:spcPct val="90000"/>
-                        </a:lnSpc>
-                        <a:spcBef>
-                          <a:spcPts val="0"/>
-                        </a:spcBef>
-                        <a:spcAft>
-                          <a:spcPts val="0"/>
-                        </a:spcAft>
-                        <a:buClrTx/>
-                        <a:buSzTx/>
-                        <a:buFontTx/>
-                        <a:buNone/>
-                        <a:tabLst/>
-                        <a:defRPr/>
-                      </a:pPr>
-                      <a:endParaRPr lang="fr-FR" sz="700" b="1" kern="1200" dirty="0">
-                        <a:solidFill>
-                          <a:srgbClr val="B9A049"/>
-                        </a:solidFill>
-                        <a:latin typeface="+mn-lt"/>
-                        <a:ea typeface="+mn-ea"/>
-                        <a:cs typeface="+mn-cs"/>
-                      </a:endParaRPr>
-                    </a:p>
-                  </a:txBody>
-                  <a:tcPr marL="72000" marR="72000" marT="46800" marB="46800" anchor="ctr">
-                    <a:lnL w="12700" cap="flat" cmpd="sng" algn="ctr">
-                      <a:solidFill>
-                        <a:schemeClr val="bg1">
-                          <a:lumMod val="85000"/>
-                        </a:schemeClr>
-                      </a:solidFill>
-                      <a:prstDash val="solid"/>
-                      <a:round/>
-                      <a:headEnd type="none" w="med" len="med"/>
-                      <a:tailEnd type="none" w="med" len="med"/>
-                    </a:lnL>
-                    <a:lnR w="12700" cap="flat" cmpd="sng" algn="ctr">
-                      <a:solidFill>
-                        <a:schemeClr val="bg1"/>
-                      </a:solidFill>
-                      <a:prstDash val="solid"/>
-                      <a:round/>
-                      <a:headEnd type="none" w="med" len="med"/>
-                      <a:tailEnd type="none" w="med" len="med"/>
-                    </a:lnR>
-                    <a:lnT w="12700" cap="flat" cmpd="sng" algn="ctr">
-                      <a:solidFill>
-                        <a:schemeClr val="bg1">
-                          <a:lumMod val="85000"/>
-                        </a:schemeClr>
-                      </a:solidFill>
-                      <a:prstDash val="solid"/>
-                      <a:round/>
-                      <a:headEnd type="none" w="med" len="med"/>
-                      <a:tailEnd type="none" w="med" len="med"/>
-                    </a:lnT>
-                    <a:lnB w="12700" cap="flat" cmpd="sng" algn="ctr">
-                      <a:solidFill>
-                        <a:schemeClr val="bg1"/>
-                      </a:solidFill>
-                      <a:prstDash val="solid"/>
-                      <a:round/>
-                      <a:headEnd type="none" w="med" len="med"/>
-                      <a:tailEnd type="none" w="med" len="med"/>
-                    </a:lnB>
-                    <a:lnTlToBr w="12700" cmpd="sng">
-                      <a:noFill/>
-                      <a:prstDash val="solid"/>
-                    </a:lnTlToBr>
-                    <a:lnBlToTr w="12700" cmpd="sng">
-                      <a:noFill/>
-                      <a:prstDash val="solid"/>
-                    </a:lnBlToTr>
-                    <a:solidFill>
-                      <a:schemeClr val="bg1">
-                        <a:lumMod val="95000"/>
-                      </a:schemeClr>
-                    </a:solidFill>
-                  </a:tcPr>
-                </a:tc>
-                <a:tc>
-                  <a:txBody>
-                    <a:bodyPr/>
-                    <a:lstStyle/>
-                    <a:p>
-                      <a:pPr algn="just">
-                        <a:lnSpc>
-                          <a:spcPct val="90000"/>
-                        </a:lnSpc>
-                      </a:pPr>
-                      <a:endParaRPr lang="fr-FR" sz="700" b="1" i="0" dirty="0">
-                        <a:solidFill>
-                          <a:schemeClr val="tx1"/>
-                        </a:solidFill>
-                        <a:latin typeface="+mn-lt"/>
-                      </a:endParaRPr>
-                    </a:p>
-                  </a:txBody>
-                  <a:tcPr marL="36000" marR="36000" marT="46800" marB="46800" anchor="ctr">
-                    <a:lnL w="12700" cap="flat" cmpd="sng" algn="ctr">
-                      <a:solidFill>
-                        <a:schemeClr val="bg1"/>
-                      </a:solidFill>
-                      <a:prstDash val="solid"/>
-                      <a:round/>
-                      <a:headEnd type="none" w="med" len="med"/>
-                      <a:tailEnd type="none" w="med" len="med"/>
-                    </a:lnL>
-                    <a:lnR w="6350" cap="flat" cmpd="sng" algn="ctr">
-                      <a:solidFill>
-                        <a:schemeClr val="bg1">
-                          <a:lumMod val="65000"/>
-                        </a:schemeClr>
-                      </a:solidFill>
-                      <a:prstDash val="solid"/>
-                      <a:round/>
-                      <a:headEnd type="none" w="med" len="med"/>
-                      <a:tailEnd type="none" w="med" len="med"/>
-                    </a:lnR>
-                    <a:lnT w="6350" cap="flat" cmpd="sng" algn="ctr">
-                      <a:solidFill>
-                        <a:schemeClr val="bg1">
-                          <a:lumMod val="65000"/>
-                        </a:schemeClr>
-                      </a:solidFill>
-                      <a:prstDash val="solid"/>
-                      <a:round/>
-                      <a:headEnd type="none" w="med" len="med"/>
-                      <a:tailEnd type="none" w="med" len="med"/>
-                    </a:lnT>
-                    <a:lnB w="6350" cap="flat" cmpd="sng" algn="ctr">
-                      <a:solidFill>
-                        <a:schemeClr val="bg1">
-                          <a:lumMod val="65000"/>
-                        </a:schemeClr>
-                      </a:solidFill>
-                      <a:prstDash val="solid"/>
-                      <a:round/>
-                      <a:headEnd type="none" w="med" len="med"/>
-                      <a:tailEnd type="none" w="med" len="med"/>
-                    </a:lnB>
-                    <a:lnTlToBr w="12700" cmpd="sng">
-                      <a:noFill/>
-                      <a:prstDash val="solid"/>
-                    </a:lnTlToBr>
-                    <a:lnBlToTr w="12700" cmpd="sng">
-                      <a:noFill/>
-                      <a:prstDash val="solid"/>
-                    </a:lnBlToTr>
-                    <a:noFill/>
-                  </a:tcPr>
-                </a:tc>
-                <a:extLst>
-                  <a:ext uri="{0D108BD9-81ED-4DB2-BD59-A6C34878D82A}">
-                    <a16:rowId xmlns:a16="http://schemas.microsoft.com/office/drawing/2014/main" val="405921866"/>
-                  </a:ext>
-                </a:extLst>
-              </a:tr>
               <a:tr h="472328">
                 <a:tc>
                   <a:txBody>
                     <a:bodyPr/>
                     <a:lstStyle/>
                     <a:p>
-                      <a:pPr marL="0" marR="0" lvl="0" indent="0" algn="l" defTabSz="755934" rtl="0" eaLnBrk="1" fontAlgn="auto" latinLnBrk="0" hangingPunct="1">
+                      <a:pPr marL="0" marR="0" lvl="0" indent="0" algn="just" defTabSz="755934" rtl="0" eaLnBrk="1" fontAlgn="auto" latinLnBrk="0" hangingPunct="1">
                         <a:lnSpc>
                           <a:spcPct val="90000"/>
                         </a:lnSpc>
@@ -15258,7 +14814,7 @@
                           <a:solidFill>
                             <a:srgbClr val="000000"/>
                           </a:solidFill>
-                          <a:latin typeface="Proxima Nova Rg" panose="02000506030000020004" pitchFamily="2" charset="0"/>
+                          <a:latin typeface="+mn-lt"/>
                         </a:rPr>
                         <a:t>Titre de créance de droit &lt;droit&gt; présentant un risque de perte en capital en cours de vie et à l’échéance, émis dans le cadre du Prospectus de Base (tel que défini dans la section « Informations Importantes ») de la présente brochure(*). Bien que la formule de remboursement du titre de créance soit garantie par Natixis</a:t>
                       </a:r>
@@ -15267,7 +14823,7 @@
                           <a:solidFill>
                             <a:srgbClr val="000000"/>
                           </a:solidFill>
-                          <a:latin typeface="Proxima Nova Rg" panose="02000506030000020004" pitchFamily="2" charset="0"/>
+                          <a:latin typeface="+mn-lt"/>
                         </a:rPr>
                         <a:t>(1)</a:t>
                       </a:r>
@@ -15276,7 +14832,7 @@
                           <a:solidFill>
                             <a:srgbClr val="000000"/>
                           </a:solidFill>
-                          <a:latin typeface="Proxima Nova Rg" panose="02000506030000020004" pitchFamily="2" charset="0"/>
+                          <a:latin typeface="+mn-lt"/>
                         </a:rPr>
                         <a:t>, le titre de créance présente un risque de perte en capital à hauteur de l’intégralité de la baisse enregistrée par </a:t>
                       </a:r>
@@ -15357,7 +14913,7 @@
                     <a:bodyPr/>
                     <a:lstStyle/>
                     <a:p>
-                      <a:pPr marL="0" marR="0" lvl="0" indent="0" algn="l" defTabSz="755934" rtl="0" eaLnBrk="1" fontAlgn="auto" latinLnBrk="0" hangingPunct="1">
+                      <a:pPr marL="0" marR="0" lvl="0" indent="0" algn="just" defTabSz="755934" rtl="0" eaLnBrk="1" fontAlgn="auto" latinLnBrk="0" hangingPunct="1">
                         <a:lnSpc>
                           <a:spcPct val="90000"/>
                         </a:lnSpc>
@@ -15456,7 +15012,7 @@
                           <a:solidFill>
                             <a:srgbClr val="000000"/>
                           </a:solidFill>
-                          <a:latin typeface="Proxima Nova Rg" panose="02000506030000020004" pitchFamily="2" charset="0"/>
+                          <a:latin typeface="+mn-lt"/>
                         </a:rPr>
                         <a:t>Natixis Structured </a:t>
                       </a:r>
@@ -15465,7 +15021,7 @@
                           <a:solidFill>
                             <a:srgbClr val="000000"/>
                           </a:solidFill>
-                          <a:latin typeface="Proxima Nova Rg" panose="02000506030000020004" pitchFamily="2" charset="0"/>
+                          <a:latin typeface="+mn-lt"/>
                         </a:rPr>
                         <a:t>Issuance</a:t>
                       </a:r>
@@ -15474,7 +15030,7 @@
                           <a:solidFill>
                             <a:srgbClr val="000000"/>
                           </a:solidFill>
-                          <a:latin typeface="Proxima Nova Rg" panose="02000506030000020004" pitchFamily="2" charset="0"/>
+                          <a:latin typeface="+mn-lt"/>
                         </a:rPr>
                         <a:t> SA (bien que bénéficiant de la garantie inconditionnelle et irrévocable de Natixis</a:t>
                       </a:r>
@@ -15483,7 +15039,7 @@
                           <a:solidFill>
                             <a:srgbClr val="000000"/>
                           </a:solidFill>
-                          <a:latin typeface="Proxima Nova Rg" panose="02000506030000020004" pitchFamily="2" charset="0"/>
+                          <a:latin typeface="+mn-lt"/>
                         </a:rPr>
                         <a:t>(1)</a:t>
                       </a:r>
@@ -15492,7 +15048,7 @@
                           <a:solidFill>
                             <a:srgbClr val="000000"/>
                           </a:solidFill>
-                          <a:latin typeface="Proxima Nova Rg" panose="02000506030000020004" pitchFamily="2" charset="0"/>
+                          <a:latin typeface="+mn-lt"/>
                         </a:rPr>
                         <a:t>, les titres de créance présentent un risque de perte en capital en cours de vie et à l’échéance).</a:t>
                       </a:r>
@@ -15564,7 +15120,7 @@
                     <a:bodyPr/>
                     <a:lstStyle/>
                     <a:p>
-                      <a:pPr marL="0" marR="0" lvl="0" indent="0" algn="l" defTabSz="755934" rtl="0" eaLnBrk="1" fontAlgn="auto" latinLnBrk="0" hangingPunct="1">
+                      <a:pPr marL="0" marR="0" lvl="0" indent="0" algn="just" defTabSz="755934" rtl="0" eaLnBrk="1" fontAlgn="auto" latinLnBrk="0" hangingPunct="1">
                         <a:lnSpc>
                           <a:spcPct val="90000"/>
                         </a:lnSpc>
@@ -15582,7 +15138,7 @@
                         <a:defRPr/>
                       </a:pPr>
                       <a:r>
-                        <a:rPr lang="fr-FR" sz="700" b="1" kern="1200">
+                        <a:rPr lang="fr-FR" sz="700" b="1" kern="1200" dirty="0">
                           <a:solidFill>
                             <a:srgbClr val="B9A049"/>
                           </a:solidFill>
@@ -15663,7 +15219,7 @@
                           <a:solidFill>
                             <a:srgbClr val="000000"/>
                           </a:solidFill>
-                          <a:latin typeface="Proxima Nova Rg" panose="02000506030000020004" pitchFamily="2" charset="0"/>
+                          <a:latin typeface="+mn-lt"/>
                         </a:rPr>
                         <a:t>Natixis</a:t>
                       </a:r>
@@ -15672,7 +15228,7 @@
                           <a:solidFill>
                             <a:srgbClr val="000000"/>
                           </a:solidFill>
-                          <a:latin typeface="Proxima Nova Rg" panose="02000506030000020004" pitchFamily="2" charset="0"/>
+                          <a:latin typeface="+mn-lt"/>
                         </a:rPr>
                         <a:t>(1)</a:t>
                       </a:r>
@@ -15744,7 +15300,7 @@
                     <a:bodyPr/>
                     <a:lstStyle/>
                     <a:p>
-                      <a:pPr marL="0" marR="0" lvl="0" indent="0" algn="l" defTabSz="755934" rtl="0" eaLnBrk="1" fontAlgn="auto" latinLnBrk="0" hangingPunct="1">
+                      <a:pPr marL="0" marR="0" lvl="0" indent="0" algn="just" defTabSz="755934" rtl="0" eaLnBrk="1" fontAlgn="auto" latinLnBrk="0" hangingPunct="1">
                         <a:lnSpc>
                           <a:spcPct val="90000"/>
                         </a:lnSpc>
@@ -15929,7 +15485,7 @@
                     <a:bodyPr/>
                     <a:lstStyle/>
                     <a:p>
-                      <a:pPr marL="0" marR="0" lvl="0" indent="0" algn="l" defTabSz="755934" rtl="0" eaLnBrk="1" fontAlgn="auto" latinLnBrk="0" hangingPunct="1">
+                      <a:pPr marL="0" marR="0" lvl="0" indent="0" algn="just" defTabSz="755934" rtl="0" eaLnBrk="1" fontAlgn="auto" latinLnBrk="0" hangingPunct="1">
                         <a:lnSpc>
                           <a:spcPct val="90000"/>
                         </a:lnSpc>
@@ -16036,7 +15592,7 @@
                         <a:defRPr/>
                       </a:pPr>
                       <a:r>
-                        <a:rPr kumimoji="0" lang="fr-FR" sz="800" b="1" i="0" u="none" strike="noStrike" kern="1200" cap="none" spc="0" normalizeH="0" baseline="0" noProof="0" dirty="0">
+                        <a:rPr kumimoji="0" lang="fr-FR" sz="700" b="1" i="0" u="none" strike="noStrike" kern="1200" cap="none" spc="0" normalizeH="0" baseline="0" noProof="0" dirty="0">
                           <a:ln>
                             <a:noFill/>
                           </a:ln>
@@ -16053,92 +15609,7 @@
                         <a:t>&lt;SJR1&gt; entre &lt;NOMSOUSJACENT&gt; </a:t>
                       </a:r>
                       <a:r>
-                        <a:rPr kumimoji="0" lang="fr-FR" sz="800" b="0" i="0" u="none" strike="noStrike" kern="1200" cap="none" spc="0" normalizeH="0" baseline="0" noProof="0" dirty="0">
-                          <a:ln>
-                            <a:noFill/>
-                          </a:ln>
-                          <a:solidFill>
-                            <a:schemeClr val="tx1"/>
-                          </a:solidFill>
-                          <a:effectLst/>
-                          <a:uLnTx/>
-                          <a:uFillTx/>
-                          <a:latin typeface="Proxima Nova Rg" panose="02000506030000020004" pitchFamily="2" charset="0"/>
-                          <a:ea typeface="+mn-ea"/>
-                          <a:cs typeface="+mn-cs"/>
-                        </a:rPr>
-                        <a:t>(</a:t>
-                      </a:r>
-                      <a:r>
-                        <a:rPr kumimoji="0" lang="fr-FR" sz="800" b="1" i="0" u="none" strike="noStrike" kern="1200" cap="none" spc="0" normalizeH="0" baseline="0" noProof="0" dirty="0">
-                          <a:ln>
-                            <a:noFill/>
-                          </a:ln>
-                          <a:solidFill>
-                            <a:schemeClr val="tx1"/>
-                          </a:solidFill>
-                          <a:effectLst/>
-                          <a:uLnTx/>
-                          <a:uFillTx/>
-                          <a:latin typeface="Proxima Nova Rg" panose="02000506030000020004" pitchFamily="2" charset="0"/>
-                          <a:ea typeface="+mn-ea"/>
-                          <a:cs typeface="+mn-cs"/>
-                        </a:rPr>
-                        <a:t>&lt;DIVIDENDE&gt; </a:t>
-                      </a:r>
-                      <a:r>
-                        <a:rPr kumimoji="0" lang="fr-FR" sz="800" b="0" i="0" u="none" strike="noStrike" kern="1200" cap="none" spc="0" normalizeH="0" baseline="0" noProof="0" dirty="0">
-                          <a:ln>
-                            <a:noFill/>
-                          </a:ln>
-                          <a:solidFill>
-                            <a:schemeClr val="tx1"/>
-                          </a:solidFill>
-                          <a:effectLst/>
-                          <a:uLnTx/>
-                          <a:uFillTx/>
-                          <a:latin typeface="Proxima Nova Rg" panose="02000506030000020004" pitchFamily="2" charset="0"/>
-                          <a:ea typeface="+mn-ea"/>
-                          <a:cs typeface="+mn-cs"/>
-                        </a:rPr>
-                        <a:t>; code Bloomberg : &lt;TICKER&gt; ; &lt;sponsor&gt; : &lt;SPONSOR&gt; ; </a:t>
-                      </a:r>
-                      <a:r>
-                        <a:rPr kumimoji="0" lang="fr-FR" sz="800" b="0" i="0" u="sng" strike="noStrike" kern="1200" cap="none" spc="0" normalizeH="0" baseline="0" noProof="0" dirty="0">
-                          <a:ln>
-                            <a:noFill/>
-                          </a:ln>
-                          <a:solidFill>
-                            <a:srgbClr val="B9A049"/>
-                          </a:solidFill>
-                          <a:effectLst/>
-                          <a:uLnTx/>
-                          <a:uFillTx/>
-                          <a:latin typeface="Proxima Nova Rg" panose="02000506030000020004" pitchFamily="2" charset="0"/>
-                          <a:ea typeface="+mn-ea"/>
-                          <a:cs typeface="+mn-cs"/>
-                        </a:rPr>
-                        <a:t>&lt;SITE&gt;</a:t>
-                      </a:r>
-                      <a:r>
-                        <a:rPr kumimoji="0" lang="fr-FR" sz="800" b="0" i="0" u="none" strike="noStrike" kern="1200" cap="none" spc="0" normalizeH="0" baseline="0" noProof="0" dirty="0">
-                          <a:ln>
-                            <a:noFill/>
-                          </a:ln>
-                          <a:solidFill>
-                            <a:schemeClr val="tx1"/>
-                          </a:solidFill>
-                          <a:effectLst/>
-                          <a:uLnTx/>
-                          <a:uFillTx/>
-                          <a:latin typeface="Proxima Nova Rg" panose="02000506030000020004" pitchFamily="2" charset="0"/>
-                          <a:ea typeface="+mn-ea"/>
-                          <a:cs typeface="+mn-cs"/>
-                        </a:rPr>
-                        <a:t>)</a:t>
-                      </a:r>
-                      <a:r>
-                        <a:rPr kumimoji="0" lang="fr-FR" sz="800" b="0" i="0" u="none" strike="noStrike" kern="1200" cap="none" spc="0" normalizeH="0" baseline="0" noProof="0" dirty="0">
+                        <a:rPr kumimoji="0" lang="fr-FR" sz="700" b="0" i="0" u="none" strike="noStrike" kern="1200" cap="none" spc="0" normalizeH="0" baseline="0" noProof="0" dirty="0">
                           <a:ln>
                             <a:noFill/>
                           </a:ln>
@@ -16152,7 +15623,75 @@
                           <a:ea typeface="+mn-ea"/>
                           <a:cs typeface="+mn-cs"/>
                         </a:rPr>
-                        <a:t>.</a:t>
+                        <a:t>(</a:t>
+                      </a:r>
+                      <a:r>
+                        <a:rPr kumimoji="0" lang="fr-FR" sz="700" b="1" i="0" u="none" strike="noStrike" kern="1200" cap="none" spc="0" normalizeH="0" baseline="0" noProof="0" dirty="0">
+                          <a:ln>
+                            <a:noFill/>
+                          </a:ln>
+                          <a:solidFill>
+                            <a:schemeClr val="tx1"/>
+                          </a:solidFill>
+                          <a:effectLst/>
+                          <a:uLnTx/>
+                          <a:uFillTx/>
+                          <a:latin typeface="+mn-lt"/>
+                          <a:ea typeface="+mn-ea"/>
+                          <a:cs typeface="+mn-cs"/>
+                        </a:rPr>
+                        <a:t>&lt;DIVIDENDE&gt; </a:t>
+                      </a:r>
+                      <a:r>
+                        <a:rPr kumimoji="0" lang="fr-FR" sz="700" b="0" i="0" u="none" strike="noStrike" kern="1200" cap="none" spc="0" normalizeH="0" baseline="0" noProof="0" dirty="0">
+                          <a:ln>
+                            <a:noFill/>
+                          </a:ln>
+                          <a:solidFill>
+                            <a:schemeClr val="tx1"/>
+                          </a:solidFill>
+                          <a:effectLst/>
+                          <a:uLnTx/>
+                          <a:uFillTx/>
+                          <a:latin typeface="+mn-lt"/>
+                          <a:ea typeface="+mn-ea"/>
+                          <a:cs typeface="+mn-cs"/>
+                        </a:rPr>
+                        <a:t>; code Bloomberg : &lt;TICKER&gt; ; &lt;sponsor&gt; : &lt;SPONSOR&gt; ; </a:t>
+                      </a:r>
+                      <a:r>
+                        <a:rPr kumimoji="0" lang="fr-FR" sz="700" b="0" i="0" u="sng" strike="noStrike" kern="1200" cap="none" spc="0" normalizeH="0" baseline="0" noProof="0" dirty="0">
+                          <a:ln>
+                            <a:noFill/>
+                          </a:ln>
+                          <a:solidFill>
+                            <a:srgbClr val="B9A049"/>
+                          </a:solidFill>
+                          <a:effectLst/>
+                          <a:uLnTx/>
+                          <a:uFillTx/>
+                          <a:latin typeface="+mn-lt"/>
+                          <a:ea typeface="+mn-ea"/>
+                          <a:cs typeface="+mn-cs"/>
+                        </a:rPr>
+                        <a:t>&lt;SITE&gt;</a:t>
+                      </a:r>
+                      <a:r>
+                        <a:rPr kumimoji="0" lang="fr-FR" sz="700" b="0" i="0" u="none" strike="noStrike" kern="1200" cap="none" spc="0" normalizeH="0" baseline="0" noProof="0" dirty="0">
+                          <a:ln>
+                            <a:noFill/>
+                          </a:ln>
+                          <a:solidFill>
+                            <a:schemeClr val="tx1"/>
+                          </a:solidFill>
+                          <a:effectLst/>
+                          <a:uLnTx/>
+                          <a:uFillTx/>
+                          <a:latin typeface="+mn-lt"/>
+                          <a:ea typeface="+mn-ea"/>
+                          <a:cs typeface="+mn-cs"/>
+                        </a:rPr>
+                        <a:t>).</a:t>
                       </a:r>
                     </a:p>
                   </a:txBody>
@@ -16222,7 +15761,7 @@
                     <a:bodyPr/>
                     <a:lstStyle/>
                     <a:p>
-                      <a:pPr marL="0" marR="0" lvl="0" indent="0" algn="l" defTabSz="755934" rtl="0" eaLnBrk="1" fontAlgn="auto" latinLnBrk="0" hangingPunct="1">
+                      <a:pPr marL="0" marR="0" lvl="0" indent="0" algn="just" defTabSz="755934" rtl="0" eaLnBrk="1" fontAlgn="auto" latinLnBrk="0" hangingPunct="1">
                         <a:lnSpc>
                           <a:spcPct val="90000"/>
                         </a:lnSpc>
@@ -16406,7 +15945,7 @@
                     <a:bodyPr/>
                     <a:lstStyle/>
                     <a:p>
-                      <a:pPr marL="0" marR="0" lvl="0" indent="0" algn="l" defTabSz="755934" rtl="0" eaLnBrk="1" fontAlgn="auto" latinLnBrk="0" hangingPunct="1">
+                      <a:pPr marL="0" marR="0" lvl="0" indent="0" algn="just" defTabSz="755934" rtl="0" eaLnBrk="1" fontAlgn="auto" latinLnBrk="0" hangingPunct="1">
                         <a:lnSpc>
                           <a:spcPct val="90000"/>
                         </a:lnSpc>
@@ -16590,7 +16129,7 @@
                     <a:bodyPr/>
                     <a:lstStyle/>
                     <a:p>
-                      <a:pPr marL="0" marR="0" lvl="0" indent="0" algn="l" defTabSz="755934" rtl="0" eaLnBrk="1" fontAlgn="auto" latinLnBrk="0" hangingPunct="1">
+                      <a:pPr marL="0" marR="0" lvl="0" indent="0" algn="just" defTabSz="755934" rtl="0" eaLnBrk="1" fontAlgn="auto" latinLnBrk="0" hangingPunct="1">
                         <a:lnSpc>
                           <a:spcPct val="90000"/>
                         </a:lnSpc>
@@ -16696,7 +16235,7 @@
                         <a:tabLst/>
                       </a:pPr>
                       <a:r>
-                        <a:rPr lang="fr-FR" sz="700" b="0" i="0" kern="1200">
+                        <a:rPr lang="fr-FR" sz="700" b="0" i="0" kern="1200" dirty="0">
                           <a:solidFill>
                             <a:schemeClr val="tx1"/>
                           </a:solidFill>
@@ -16774,7 +16313,7 @@
                     <a:bodyPr/>
                     <a:lstStyle/>
                     <a:p>
-                      <a:pPr marL="0" marR="0" lvl="0" indent="0" algn="l" defTabSz="755934" rtl="0" eaLnBrk="1" fontAlgn="auto" latinLnBrk="0" hangingPunct="1">
+                      <a:pPr marL="0" marR="0" lvl="0" indent="0" algn="just" defTabSz="755934" rtl="0" eaLnBrk="1" fontAlgn="auto" latinLnBrk="0" hangingPunct="1">
                         <a:lnSpc>
                           <a:spcPct val="90000"/>
                         </a:lnSpc>
@@ -16792,7 +16331,7 @@
                         <a:defRPr/>
                       </a:pPr>
                       <a:r>
-                        <a:rPr lang="fr-FR" sz="700" b="1" kern="1200">
+                        <a:rPr lang="fr-FR" sz="700" b="1" kern="1200" dirty="0">
                           <a:solidFill>
                             <a:srgbClr val="B9A049"/>
                           </a:solidFill>
@@ -16958,7 +16497,7 @@
                     <a:bodyPr/>
                     <a:lstStyle/>
                     <a:p>
-                      <a:pPr marL="0" marR="0" lvl="0" indent="0" algn="l" defTabSz="755934" rtl="0" eaLnBrk="1" fontAlgn="auto" latinLnBrk="0" hangingPunct="1">
+                      <a:pPr marL="0" marR="0" lvl="0" indent="0" algn="just" defTabSz="755934" rtl="0" eaLnBrk="1" fontAlgn="auto" latinLnBrk="0" hangingPunct="1">
                         <a:lnSpc>
                           <a:spcPct val="90000"/>
                         </a:lnSpc>
@@ -17175,7 +16714,7 @@
                     <a:bodyPr/>
                     <a:lstStyle/>
                     <a:p>
-                      <a:pPr marL="0" marR="0" lvl="0" indent="0" algn="l" defTabSz="755934" rtl="0" eaLnBrk="1" fontAlgn="auto" latinLnBrk="0" hangingPunct="1">
+                      <a:pPr marL="0" marR="0" lvl="0" indent="0" algn="just" defTabSz="755934" rtl="0" eaLnBrk="1" fontAlgn="auto" latinLnBrk="0" hangingPunct="1">
                         <a:lnSpc>
                           <a:spcPct val="90000"/>
                         </a:lnSpc>
@@ -17359,7 +16898,7 @@
                     <a:bodyPr/>
                     <a:lstStyle/>
                     <a:p>
-                      <a:pPr marL="0" marR="0" lvl="0" indent="0" algn="l" defTabSz="755934" rtl="0" eaLnBrk="1" fontAlgn="auto" latinLnBrk="0" hangingPunct="1">
+                      <a:pPr marL="0" marR="0" lvl="0" indent="0" algn="just" defTabSz="755934" rtl="0" eaLnBrk="1" fontAlgn="auto" latinLnBrk="0" hangingPunct="1">
                         <a:lnSpc>
                           <a:spcPct val="90000"/>
                         </a:lnSpc>
@@ -17554,7 +17093,7 @@
                     <a:bodyPr/>
                     <a:lstStyle/>
                     <a:p>
-                      <a:pPr marL="0" marR="0" lvl="0" indent="0" algn="l" defTabSz="755934" rtl="0" eaLnBrk="1" fontAlgn="auto" latinLnBrk="0" hangingPunct="1">
+                      <a:pPr marL="0" marR="0" lvl="0" indent="0" algn="just" defTabSz="755934" rtl="0" eaLnBrk="1" fontAlgn="auto" latinLnBrk="0" hangingPunct="1">
                         <a:lnSpc>
                           <a:spcPct val="90000"/>
                         </a:lnSpc>
@@ -17739,7 +17278,7 @@
                     <a:bodyPr/>
                     <a:lstStyle/>
                     <a:p>
-                      <a:pPr marL="0" marR="0" lvl="0" indent="0" algn="l" defTabSz="755934" rtl="0" eaLnBrk="1" fontAlgn="auto" latinLnBrk="0" hangingPunct="1">
+                      <a:pPr marL="0" marR="0" lvl="0" indent="0" algn="just" defTabSz="755934" rtl="0" eaLnBrk="1" fontAlgn="auto" latinLnBrk="0" hangingPunct="1">
                         <a:lnSpc>
                           <a:spcPct val="90000"/>
                         </a:lnSpc>
@@ -17828,7 +17367,7 @@
                     <a:bodyPr/>
                     <a:lstStyle/>
                     <a:p>
-                      <a:pPr marL="0" marR="0" lvl="0" indent="0" defTabSz="755934" rtl="0" eaLnBrk="1" fontAlgn="base" latinLnBrk="0" hangingPunct="1">
+                      <a:pPr marL="0" marR="0" lvl="0" indent="0" algn="just" defTabSz="755934" rtl="0" eaLnBrk="1" fontAlgn="base" latinLnBrk="0" hangingPunct="1">
                         <a:lnSpc>
                           <a:spcPct val="100000"/>
                         </a:lnSpc>
@@ -17924,7 +17463,7 @@
                     <a:bodyPr/>
                     <a:lstStyle/>
                     <a:p>
-                      <a:pPr marL="0" marR="0" lvl="0" indent="0" algn="l" defTabSz="755934" rtl="0" eaLnBrk="1" fontAlgn="auto" latinLnBrk="0" hangingPunct="1">
+                      <a:pPr marL="0" marR="0" lvl="0" indent="0" algn="just" defTabSz="755934" rtl="0" eaLnBrk="1" fontAlgn="auto" latinLnBrk="0" hangingPunct="1">
                         <a:lnSpc>
                           <a:spcPct val="90000"/>
                         </a:lnSpc>
@@ -18109,7 +17648,7 @@
                     <a:bodyPr/>
                     <a:lstStyle/>
                     <a:p>
-                      <a:pPr marL="0" marR="0" lvl="0" indent="0" algn="l" defTabSz="755934" rtl="0" eaLnBrk="1" fontAlgn="auto" latinLnBrk="0" hangingPunct="1">
+                      <a:pPr marL="0" marR="0" lvl="0" indent="0" algn="just" defTabSz="755934" rtl="0" eaLnBrk="1" fontAlgn="auto" latinLnBrk="0" hangingPunct="1">
                         <a:lnSpc>
                           <a:spcPct val="90000"/>
                         </a:lnSpc>
@@ -18293,7 +17832,7 @@
                     <a:bodyPr/>
                     <a:lstStyle/>
                     <a:p>
-                      <a:pPr marL="0" marR="0" lvl="0" indent="0" algn="l" defTabSz="755934" rtl="0" eaLnBrk="1" fontAlgn="auto" latinLnBrk="0" hangingPunct="1">
+                      <a:pPr marL="0" marR="0" lvl="0" indent="0" algn="just" defTabSz="755934" rtl="0" eaLnBrk="1" fontAlgn="auto" latinLnBrk="0" hangingPunct="1">
                         <a:lnSpc>
                           <a:spcPct val="90000"/>
                         </a:lnSpc>
@@ -18404,9 +17943,6 @@
                           <a:solidFill>
                             <a:schemeClr val="tx1"/>
                           </a:solidFill>
-                          <a:highlight>
-                            <a:srgbClr val="00FFFF"/>
-                          </a:highlight>
                           <a:latin typeface="+mn-lt"/>
                           <a:ea typeface="+mn-ea"/>
                           <a:cs typeface="+mn-cs"/>
@@ -18481,7 +18017,7 @@
                     <a:bodyPr/>
                     <a:lstStyle/>
                     <a:p>
-                      <a:pPr marL="0" marR="0" lvl="0" indent="0" algn="l" defTabSz="755934" rtl="0" eaLnBrk="1" fontAlgn="auto" latinLnBrk="0" hangingPunct="1">
+                      <a:pPr marL="0" marR="0" lvl="0" indent="0" algn="just" defTabSz="755934" rtl="0" eaLnBrk="1" fontAlgn="auto" latinLnBrk="0" hangingPunct="1">
                         <a:lnSpc>
                           <a:spcPct val="90000"/>
                         </a:lnSpc>
@@ -18592,9 +18128,6 @@
                           <a:solidFill>
                             <a:schemeClr val="tx1"/>
                           </a:solidFill>
-                          <a:highlight>
-                            <a:srgbClr val="00FFFF"/>
-                          </a:highlight>
                           <a:latin typeface="+mn-lt"/>
                           <a:ea typeface="+mn-ea"/>
                           <a:cs typeface="+mn-cs"/>
@@ -18669,7 +18202,7 @@
                     <a:bodyPr/>
                     <a:lstStyle/>
                     <a:p>
-                      <a:pPr marL="0" marR="0" lvl="0" indent="0" algn="l" defTabSz="755934" rtl="0" eaLnBrk="1" fontAlgn="auto" latinLnBrk="0" hangingPunct="1">
+                      <a:pPr marL="0" marR="0" lvl="0" indent="0" algn="just" defTabSz="755934" rtl="0" eaLnBrk="1" fontAlgn="auto" latinLnBrk="0" hangingPunct="1">
                         <a:lnSpc>
                           <a:spcPct val="90000"/>
                         </a:lnSpc>
@@ -18780,9 +18313,6 @@
                           <a:solidFill>
                             <a:schemeClr val="tx1"/>
                           </a:solidFill>
-                          <a:highlight>
-                            <a:srgbClr val="00FFFF"/>
-                          </a:highlight>
                           <a:latin typeface="+mn-lt"/>
                           <a:ea typeface="+mn-ea"/>
                           <a:cs typeface="+mn-cs"/>
@@ -18857,7 +18387,7 @@
                     <a:bodyPr/>
                     <a:lstStyle/>
                     <a:p>
-                      <a:pPr marL="0" marR="0" lvl="0" indent="0" algn="l" defTabSz="755934" rtl="0" eaLnBrk="1" fontAlgn="auto" latinLnBrk="0" hangingPunct="1">
+                      <a:pPr marL="0" marR="0" lvl="0" indent="0" algn="just" defTabSz="755934" rtl="0" eaLnBrk="1" fontAlgn="auto" latinLnBrk="0" hangingPunct="1">
                         <a:lnSpc>
                           <a:spcPct val="90000"/>
                         </a:lnSpc>
@@ -19042,7 +18572,7 @@
                     <a:bodyPr/>
                     <a:lstStyle/>
                     <a:p>
-                      <a:pPr marL="0" marR="0" lvl="0" indent="0" algn="l" defTabSz="755934" rtl="0" eaLnBrk="1" fontAlgn="auto" latinLnBrk="0" hangingPunct="1">
+                      <a:pPr marL="0" marR="0" lvl="0" indent="0" algn="just" defTabSz="755934" rtl="0" eaLnBrk="1" fontAlgn="auto" latinLnBrk="0" hangingPunct="1">
                         <a:lnSpc>
                           <a:spcPct val="90000"/>
                         </a:lnSpc>
@@ -19227,7 +18757,7 @@
                     <a:bodyPr/>
                     <a:lstStyle/>
                     <a:p>
-                      <a:pPr marL="0" marR="0" lvl="0" indent="0" algn="l" defTabSz="1042988" rtl="0" eaLnBrk="0" fontAlgn="base" latinLnBrk="0" hangingPunct="0">
+                      <a:pPr marL="0" marR="0" lvl="0" indent="0" algn="just" defTabSz="1042988" rtl="0" eaLnBrk="0" fontAlgn="base" latinLnBrk="0" hangingPunct="0">
                         <a:lnSpc>
                           <a:spcPct val="88000"/>
                         </a:lnSpc>
@@ -19412,7 +18942,7 @@
                     <a:bodyPr/>
                     <a:lstStyle/>
                     <a:p>
-                      <a:pPr marL="0" marR="0" lvl="0" indent="0" algn="l" defTabSz="755934" rtl="0" eaLnBrk="1" fontAlgn="auto" latinLnBrk="0" hangingPunct="1">
+                      <a:pPr marL="0" marR="0" lvl="0" indent="0" algn="just" defTabSz="755934" rtl="0" eaLnBrk="1" fontAlgn="auto" latinLnBrk="0" hangingPunct="1">
                         <a:lnSpc>
                           <a:spcPct val="90000"/>
                         </a:lnSpc>
@@ -19597,7 +19127,7 @@
                     <a:bodyPr/>
                     <a:lstStyle/>
                     <a:p>
-                      <a:pPr marL="0" marR="0" lvl="0" indent="0" algn="l" defTabSz="755934" rtl="0" eaLnBrk="1" fontAlgn="auto" latinLnBrk="0" hangingPunct="1">
+                      <a:pPr marL="0" marR="0" lvl="0" indent="0" algn="just" defTabSz="755934" rtl="0" eaLnBrk="1" fontAlgn="auto" latinLnBrk="0" hangingPunct="1">
                         <a:lnSpc>
                           <a:spcPct val="90000"/>
                         </a:lnSpc>
@@ -19707,7 +19237,7 @@
                           <a:solidFill>
                             <a:srgbClr val="000000"/>
                           </a:solidFill>
-                          <a:latin typeface="Proxima Nova Rg" panose="02000506030000020004" pitchFamily="2" charset="0"/>
+                          <a:latin typeface="+mn-lt"/>
                           <a:ea typeface="+mn-ea"/>
                           <a:cs typeface="+mn-cs"/>
                         </a:rPr>
@@ -19781,7 +19311,7 @@
                     <a:bodyPr/>
                     <a:lstStyle/>
                     <a:p>
-                      <a:pPr marL="0" marR="0" lvl="0" indent="0" algn="l" defTabSz="755934" rtl="0" eaLnBrk="1" fontAlgn="auto" latinLnBrk="0" hangingPunct="1">
+                      <a:pPr marL="0" marR="0" lvl="0" indent="0" algn="just" defTabSz="755934" rtl="0" eaLnBrk="1" fontAlgn="auto" latinLnBrk="0" hangingPunct="1">
                         <a:lnSpc>
                           <a:spcPct val="90000"/>
                         </a:lnSpc>
@@ -19965,7 +19495,7 @@
                     <a:bodyPr/>
                     <a:lstStyle/>
                     <a:p>
-                      <a:pPr marL="0" marR="0" lvl="0" indent="0" algn="l" defTabSz="755934" rtl="0" eaLnBrk="1" fontAlgn="auto" latinLnBrk="0" hangingPunct="1">
+                      <a:pPr marL="0" marR="0" lvl="0" indent="0" algn="just" defTabSz="755934" rtl="0" eaLnBrk="1" fontAlgn="auto" latinLnBrk="0" hangingPunct="1">
                         <a:lnSpc>
                           <a:spcPct val="90000"/>
                         </a:lnSpc>
@@ -20150,7 +19680,7 @@
                     <a:bodyPr/>
                     <a:lstStyle/>
                     <a:p>
-                      <a:pPr marL="0" marR="0" lvl="0" indent="0" algn="l" defTabSz="755934" rtl="0" eaLnBrk="1" fontAlgn="auto" latinLnBrk="0" hangingPunct="1">
+                      <a:pPr marL="0" marR="0" lvl="0" indent="0" algn="just" defTabSz="755934" rtl="0" eaLnBrk="1" fontAlgn="auto" latinLnBrk="0" hangingPunct="1">
                         <a:lnSpc>
                           <a:spcPct val="90000"/>
                         </a:lnSpc>
@@ -20245,7 +19775,7 @@
                           <a:solidFill>
                             <a:srgbClr val="000000"/>
                           </a:solidFill>
-                          <a:latin typeface="Proxima Nova Rg" panose="02000506030000020004" pitchFamily="2" charset="0"/>
+                          <a:latin typeface="+mn-lt"/>
                           <a:ea typeface="+mn-ea"/>
                           <a:cs typeface="+mn-cs"/>
                         </a:rPr>
@@ -20253,12 +19783,13 @@
                       </a:r>
                     </a:p>
                     <a:p>
+                      <a:pPr algn="just"/>
                       <a:r>
                         <a:rPr lang="fr-FR" sz="700" b="0" i="0" kern="1200" dirty="0">
                           <a:solidFill>
                             <a:srgbClr val="000000"/>
                           </a:solidFill>
-                          <a:latin typeface="Proxima Nova Rg" panose="02000506030000020004" pitchFamily="2" charset="0"/>
+                          <a:latin typeface="+mn-lt"/>
                           <a:ea typeface="+mn-ea"/>
                           <a:cs typeface="+mn-cs"/>
                         </a:rPr>
@@ -20340,7 +19871,7 @@
                     <a:bodyPr/>
                     <a:lstStyle/>
                     <a:p>
-                      <a:pPr marL="0" marR="0" lvl="0" indent="0" algn="l" defTabSz="755934" rtl="0" eaLnBrk="1" fontAlgn="auto" latinLnBrk="0" hangingPunct="1">
+                      <a:pPr marL="0" marR="0" lvl="0" indent="0" algn="just" defTabSz="755934" rtl="0" eaLnBrk="1" fontAlgn="auto" latinLnBrk="0" hangingPunct="1">
                         <a:lnSpc>
                           <a:spcPct val="90000"/>
                         </a:lnSpc>
@@ -20451,7 +19982,7 @@
                           <a:solidFill>
                             <a:srgbClr val="000000"/>
                           </a:solidFill>
-                          <a:latin typeface="Proxima Nova Rg" panose="02000506030000020004" pitchFamily="2" charset="0"/>
+                          <a:latin typeface="+mn-lt"/>
                           <a:ea typeface="+mn-ea"/>
                           <a:cs typeface="+mn-cs"/>
                         </a:rPr>
@@ -20462,7 +19993,7 @@
                           <a:solidFill>
                             <a:srgbClr val="000000"/>
                           </a:solidFill>
-                          <a:latin typeface="Proxima Nova Rg" panose="02000506030000020004" pitchFamily="2" charset="0"/>
+                          <a:latin typeface="+mn-lt"/>
                           <a:ea typeface="+mn-ea"/>
                           <a:cs typeface="+mn-cs"/>
                         </a:rPr>
@@ -20473,7 +20004,7 @@
                           <a:solidFill>
                             <a:srgbClr val="000000"/>
                           </a:solidFill>
-                          <a:latin typeface="Proxima Nova Rg" panose="02000506030000020004" pitchFamily="2" charset="0"/>
+                          <a:latin typeface="+mn-lt"/>
                           <a:ea typeface="+mn-ea"/>
                           <a:cs typeface="+mn-cs"/>
                         </a:rPr>
@@ -20547,7 +20078,7 @@
                     <a:bodyPr/>
                     <a:lstStyle/>
                     <a:p>
-                      <a:pPr marL="0" marR="0" lvl="0" indent="0" algn="l" defTabSz="755934" rtl="0" eaLnBrk="1" fontAlgn="auto" latinLnBrk="0" hangingPunct="1">
+                      <a:pPr marL="0" marR="0" lvl="0" indent="0" algn="just" defTabSz="755934" rtl="0" eaLnBrk="1" fontAlgn="auto" latinLnBrk="0" hangingPunct="1">
                         <a:lnSpc>
                           <a:spcPct val="90000"/>
                         </a:lnSpc>
@@ -20658,7 +20189,7 @@
                           <a:solidFill>
                             <a:srgbClr val="000000"/>
                           </a:solidFill>
-                          <a:latin typeface="Proxima Nova Rg" panose="02000506030000020004" pitchFamily="2" charset="0"/>
+                          <a:latin typeface="+mn-lt"/>
                           <a:ea typeface="+mn-ea"/>
                           <a:cs typeface="+mn-cs"/>
                         </a:rPr>
@@ -20669,7 +20200,7 @@
                           <a:solidFill>
                             <a:srgbClr val="000000"/>
                           </a:solidFill>
-                          <a:latin typeface="Proxima Nova Rg" panose="02000506030000020004" pitchFamily="2" charset="0"/>
+                          <a:latin typeface="+mn-lt"/>
                           <a:ea typeface="+mn-ea"/>
                           <a:cs typeface="+mn-cs"/>
                         </a:rPr>
@@ -20680,7 +20211,7 @@
                           <a:solidFill>
                             <a:srgbClr val="000000"/>
                           </a:solidFill>
-                          <a:latin typeface="Proxima Nova Rg" panose="02000506030000020004" pitchFamily="2" charset="0"/>
+                          <a:latin typeface="+mn-lt"/>
                           <a:ea typeface="+mn-ea"/>
                           <a:cs typeface="+mn-cs"/>
                         </a:rPr>
@@ -20754,7 +20285,7 @@
                     <a:bodyPr/>
                     <a:lstStyle/>
                     <a:p>
-                      <a:pPr marL="0" marR="0" lvl="0" indent="0" algn="l" defTabSz="755934" rtl="0" eaLnBrk="1" fontAlgn="auto" latinLnBrk="0" hangingPunct="1">
+                      <a:pPr marL="0" marR="0" lvl="0" indent="0" algn="just" defTabSz="755934" rtl="0" eaLnBrk="1" fontAlgn="auto" latinLnBrk="0" hangingPunct="1">
                         <a:lnSpc>
                           <a:spcPct val="90000"/>
                         </a:lnSpc>
@@ -20772,7 +20303,7 @@
                         <a:defRPr/>
                       </a:pPr>
                       <a:r>
-                        <a:rPr lang="fr-FR" sz="700" b="1" kern="1200">
+                        <a:rPr lang="fr-FR" sz="700" b="1" kern="1200" dirty="0">
                           <a:solidFill>
                             <a:srgbClr val="B9A049"/>
                           </a:solidFill>
@@ -20865,7 +20396,7 @@
                           <a:solidFill>
                             <a:srgbClr val="000000"/>
                           </a:solidFill>
-                          <a:latin typeface="Proxima Nova Rg" panose="02000506030000020004" pitchFamily="2" charset="0"/>
+                          <a:latin typeface="+mn-lt"/>
                           <a:ea typeface="+mn-ea"/>
                           <a:cs typeface="+mn-cs"/>
                         </a:rPr>
@@ -20876,7 +20407,7 @@
                           <a:solidFill>
                             <a:srgbClr val="000000"/>
                           </a:solidFill>
-                          <a:latin typeface="Proxima Nova Rg" panose="02000506030000020004" pitchFamily="2" charset="0"/>
+                          <a:latin typeface="+mn-lt"/>
                           <a:ea typeface="+mn-ea"/>
                           <a:cs typeface="+mn-cs"/>
                         </a:rPr>
@@ -20887,7 +20418,7 @@
                           <a:solidFill>
                             <a:srgbClr val="000000"/>
                           </a:solidFill>
-                          <a:latin typeface="Proxima Nova Rg" panose="02000506030000020004" pitchFamily="2" charset="0"/>
+                          <a:latin typeface="+mn-lt"/>
                           <a:ea typeface="+mn-ea"/>
                           <a:cs typeface="+mn-cs"/>
                         </a:rPr>
@@ -20961,7 +20492,7 @@
                     <a:bodyPr/>
                     <a:lstStyle/>
                     <a:p>
-                      <a:pPr algn="l">
+                      <a:pPr algn="just">
                         <a:lnSpc>
                           <a:spcPct val="100000"/>
                         </a:lnSpc>
@@ -21060,7 +20591,7 @@
                           <a:solidFill>
                             <a:srgbClr val="000000"/>
                           </a:solidFill>
-                          <a:latin typeface="Proxima Nova Rg" panose="02000506030000020004" pitchFamily="2" charset="0"/>
+                          <a:latin typeface="+mn-lt"/>
                           <a:ea typeface="+mn-ea"/>
                           <a:cs typeface="+mn-cs"/>
                         </a:rPr>
@@ -21071,7 +20602,7 @@
                           <a:solidFill>
                             <a:srgbClr val="000000"/>
                           </a:solidFill>
-                          <a:latin typeface="Proxima Nova Rg" panose="02000506030000020004" pitchFamily="2" charset="0"/>
+                          <a:latin typeface="+mn-lt"/>
                           <a:ea typeface="+mn-ea"/>
                           <a:cs typeface="+mn-cs"/>
                         </a:rPr>
@@ -21082,7 +20613,7 @@
                           <a:solidFill>
                             <a:srgbClr val="000000"/>
                           </a:solidFill>
-                          <a:latin typeface="Proxima Nova Rg" panose="02000506030000020004" pitchFamily="2" charset="0"/>
+                          <a:latin typeface="+mn-lt"/>
                           <a:ea typeface="+mn-ea"/>
                           <a:cs typeface="+mn-cs"/>
                         </a:rPr>
@@ -21093,7 +20624,7 @@
                           <a:solidFill>
                             <a:srgbClr val="000000"/>
                           </a:solidFill>
-                          <a:latin typeface="Proxima Nova Rg" panose="02000506030000020004" pitchFamily="2" charset="0"/>
+                          <a:latin typeface="+mn-lt"/>
                           <a:cs typeface="Century Gothic"/>
                         </a:rPr>
                         <a:t>(2)</a:t>
@@ -21103,7 +20634,7 @@
                           <a:solidFill>
                             <a:srgbClr val="000000"/>
                           </a:solidFill>
-                          <a:latin typeface="Proxima Nova Rg" panose="02000506030000020004" pitchFamily="2" charset="0"/>
+                          <a:latin typeface="+mn-lt"/>
                           <a:cs typeface="Century Gothic"/>
                         </a:rPr>
                         <a:t>.</a:t>
@@ -21112,7 +20643,7 @@
                         <a:solidFill>
                           <a:srgbClr val="000000"/>
                         </a:solidFill>
-                        <a:latin typeface="Proxima Nova Rg" panose="02000506030000020004" pitchFamily="2" charset="0"/>
+                        <a:latin typeface="+mn-lt"/>
                         <a:ea typeface="+mn-ea"/>
                         <a:cs typeface="+mn-cs"/>
                       </a:endParaRPr>
@@ -21184,7 +20715,7 @@
                     <a:bodyPr/>
                     <a:lstStyle/>
                     <a:p>
-                      <a:pPr marL="0" marR="0" lvl="0" indent="0" algn="l" defTabSz="1042988" rtl="0" eaLnBrk="1" fontAlgn="base" latinLnBrk="0" hangingPunct="1">
+                      <a:pPr marL="0" marR="0" lvl="0" indent="0" algn="just" defTabSz="1042988" rtl="0" eaLnBrk="1" fontAlgn="base" latinLnBrk="0" hangingPunct="1">
                         <a:lnSpc>
                           <a:spcPct val="100000"/>
                         </a:lnSpc>
@@ -21201,7 +20732,7 @@
                         <a:tabLst/>
                       </a:pPr>
                       <a:r>
-                        <a:rPr lang="fr-FR" sz="700" b="1" kern="1200">
+                        <a:rPr lang="fr-FR" sz="700" b="1" kern="1200" dirty="0">
                           <a:solidFill>
                             <a:srgbClr val="B9A049"/>
                           </a:solidFill>
@@ -21779,9 +21310,6 @@
                 <a:solidFill>
                   <a:srgbClr val="B9A049"/>
                 </a:solidFill>
-                <a:highlight>
-                  <a:srgbClr val="FFFF00"/>
-                </a:highlight>
                 <a:hlinkClick r:id="rId2">
                   <a:extLst>
                     <a:ext uri="{A12FA001-AC4F-418D-AE19-62706E023703}">
@@ -21796,9 +21324,6 @@
               <a:solidFill>
                 <a:srgbClr val="B9A049"/>
               </a:solidFill>
-              <a:highlight>
-                <a:srgbClr val="FFFF00"/>
-              </a:highlight>
             </a:endParaRPr>
           </a:p>
           <a:p>
@@ -23934,7 +23459,7 @@
                 </a:solidFill>
                 <a:latin typeface="Proxima Nova Rg"/>
               </a:rPr>
-              <a:t>&lt;SJR1&gt;, &lt;DIVERSACTION&gt;. Vous </a:t>
+              <a:t>&lt;SJR1&gt; &lt;DIVERSACTION&gt;. Vous </a:t>
             </a:r>
             <a:r>
               <a:rPr kumimoji="0" lang="fr-FR" b="1" i="1" u="none" strike="noStrike" kern="1200" cap="none" spc="0" normalizeH="0" baseline="0" noProof="0" dirty="0">
@@ -25828,27 +25353,7 @@
                 <a:ea typeface="+mn-ea"/>
                 <a:cs typeface="+mn-cs"/>
               </a:rPr>
-              <a:t> de Rendement Annuel net maximum de </a:t>
-            </a:r>
-            <a:r>
-              <a:rPr kumimoji="0" lang="fr-FR" sz="800" b="0" i="0" u="none" strike="noStrike" kern="1200" cap="none" spc="0" normalizeH="0" baseline="0" noProof="0" dirty="0">
-                <a:ln>
-                  <a:noFill/>
-                </a:ln>
-                <a:solidFill>
-                  <a:schemeClr val="tx1"/>
-                </a:solidFill>
-                <a:effectLst/>
-                <a:highlight>
-                  <a:srgbClr val="00FFFF"/>
-                </a:highlight>
-                <a:uLnTx/>
-                <a:uFillTx/>
-                <a:latin typeface="Proxima Nova Rg"/>
-                <a:ea typeface="+mn-ea"/>
-                <a:cs typeface="+mn-cs"/>
-              </a:rPr>
-              <a:t>&lt;TRA.MAX.P&gt;</a:t>
+              <a:t> de Rendement Annuel net maximum de &lt;TRA.MAX.P&gt;</a:t>
             </a:r>
             <a:r>
               <a:rPr kumimoji="0" lang="fr-FR" sz="800" b="0" i="0" u="none" strike="noStrike" kern="1200" cap="none" spc="0" normalizeH="0" baseline="30000" noProof="0" dirty="0">
@@ -25859,33 +25364,13 @@
                   <a:schemeClr val="tx1"/>
                 </a:solidFill>
                 <a:effectLst/>
-                <a:highlight>
-                  <a:srgbClr val="00FFFF"/>
-                </a:highlight>
                 <a:uLnTx/>
                 <a:uFillTx/>
                 <a:latin typeface="Proxima Nova Rg"/>
                 <a:ea typeface="+mn-ea"/>
                 <a:cs typeface="+mn-cs"/>
               </a:rPr>
-              <a:t>(</a:t>
-            </a:r>
-            <a:r>
-              <a:rPr kumimoji="0" lang="fr-FR" sz="800" b="0" i="0" u="none" strike="noStrike" kern="1200" cap="none" spc="0" normalizeH="0" baseline="30000" noProof="0" dirty="0">
-                <a:ln>
-                  <a:noFill/>
-                </a:ln>
-                <a:solidFill>
-                  <a:schemeClr val="tx1"/>
-                </a:solidFill>
-                <a:effectLst/>
-                <a:uLnTx/>
-                <a:uFillTx/>
-                <a:latin typeface="Proxima Nova Rg"/>
-                <a:ea typeface="+mn-ea"/>
-                <a:cs typeface="+mn-cs"/>
-              </a:rPr>
-              <a:t>2)</a:t>
+              <a:t>(2)</a:t>
             </a:r>
             <a:r>
               <a:rPr kumimoji="0" lang="fr-FR" sz="800" b="0" i="0" u="none" strike="noStrike" kern="1200" cap="none" spc="0" normalizeH="0" baseline="0" noProof="0" dirty="0">
@@ -26077,7 +25562,7 @@
                 </a:solidFill>
                 <a:latin typeface="Proxima Nova Rg"/>
               </a:rPr>
-              <a:t>SJR1&gt;, &lt;DIVERSACTION&gt;. Vous </a:t>
+              <a:t>SJR1&gt; &lt;DIVERSACTION&gt;. Vous </a:t>
             </a:r>
             <a:r>
               <a:rPr kumimoji="0" lang="fr-FR" b="1" i="1" u="none" strike="noStrike" kern="1200" cap="none" spc="0" normalizeH="0" baseline="0" noProof="0" dirty="0">
@@ -26308,7 +25793,7 @@
               <a:t>. Les TRA sont calculés à partir </a:t>
             </a:r>
             <a:r>
-              <a:rPr lang="fr-FR" sz="700" i="1" dirty="0">
+              <a:rPr lang="fr-FR" sz="700" dirty="0">
                 <a:solidFill>
                   <a:srgbClr val="000000"/>
                 </a:solidFill>
@@ -31646,15 +31131,7 @@
             </a:pPr>
             <a:r>
               <a:rPr lang="fr-FR" sz="800" dirty="0"/>
-              <a:t>(soit un Taux de Rendement Annuel net entre </a:t>
-            </a:r>
-            <a:r>
-              <a:rPr lang="fr-FR" sz="800" dirty="0">
-                <a:highlight>
-                  <a:srgbClr val="00FFFF"/>
-                </a:highlight>
-              </a:rPr>
-              <a:t>&lt;TRA.MRE.MIN.PM&gt;</a:t>
+              <a:t>(soit un Taux de Rendement Annuel net entre &lt;TRA.MRE.MIN.PM&gt;</a:t>
             </a:r>
             <a:r>
               <a:rPr lang="fr-FR" sz="800" baseline="30000" dirty="0"/>
@@ -31662,15 +31139,7 @@
             </a:r>
             <a:r>
               <a:rPr lang="fr-FR" sz="800" dirty="0"/>
-              <a:t> et </a:t>
-            </a:r>
-            <a:r>
-              <a:rPr lang="fr-FR" sz="800" dirty="0">
-                <a:highlight>
-                  <a:srgbClr val="00FFFF"/>
-                </a:highlight>
-              </a:rPr>
-              <a:t>&lt;TRA.TOUT.P&gt;</a:t>
+              <a:t> et &lt;TRA.TOUT.P&gt;</a:t>
             </a:r>
             <a:r>
               <a:rPr lang="fr-FR" sz="800" baseline="30000" dirty="0"/>
@@ -32531,11 +32000,7 @@
               <a:t>(soit un Taux de Rendement Annuel net compris entre -1,00% et </a:t>
             </a:r>
             <a:r>
-              <a:rPr lang="fr-FR" sz="800" dirty="0">
-                <a:highlight>
-                  <a:srgbClr val="00FFFF"/>
-                </a:highlight>
-              </a:rPr>
+              <a:rPr lang="fr-FR" sz="800" dirty="0"/>
               <a:t>&lt;TRA.TOUT.SAUF.P&gt;</a:t>
             </a:r>
             <a:r>
@@ -32907,15 +32372,7 @@
             </a:pPr>
             <a:r>
               <a:rPr lang="fr-FR" sz="800" dirty="0"/>
-              <a:t>(Soit un Taux de Rendement Annuel net compris entre </a:t>
-            </a:r>
-            <a:r>
-              <a:rPr lang="fr-FR" sz="800" dirty="0">
-                <a:highlight>
-                  <a:srgbClr val="00FFFF"/>
-                </a:highlight>
-              </a:rPr>
-              <a:t>&lt;TRA.MRA.MIN.PM&gt;</a:t>
+              <a:t>(Soit un Taux de Rendement Annuel net compris entre &lt;TRA.MRA.MIN.PM&gt;</a:t>
             </a:r>
             <a:r>
               <a:rPr lang="fr-FR" sz="800" baseline="30000" dirty="0"/>
@@ -32926,16 +32383,8 @@
               <a:t>et &lt;TRA.TOUT-1.P&gt;</a:t>
             </a:r>
             <a:r>
-              <a:rPr lang="fr-FR" sz="800" baseline="30000" dirty="0">
-                <a:highlight>
-                  <a:srgbClr val="00FFFF"/>
-                </a:highlight>
-              </a:rPr>
-              <a:t>(</a:t>
-            </a:r>
-            <a:r>
               <a:rPr lang="fr-FR" sz="800" baseline="30000" dirty="0"/>
-              <a:t>2)</a:t>
+              <a:t>(2)</a:t>
             </a:r>
             <a:r>
               <a:rPr lang="fr-FR" sz="800" dirty="0"/>
@@ -34586,20 +34035,12 @@
               <a:buChar char="•"/>
             </a:pPr>
             <a:r>
-              <a:rPr lang="fr-FR" sz="800" b="1" i="1" dirty="0">
+              <a:rPr lang="fr-FR" sz="800" b="1" dirty="0">
                 <a:solidFill>
                   <a:srgbClr val="000000"/>
                 </a:solidFill>
               </a:rPr>
-              <a:t>Risque de perte en capital </a:t>
-            </a:r>
-            <a:r>
-              <a:rPr lang="fr-FR" sz="800" b="1" dirty="0">
-                <a:solidFill>
-                  <a:srgbClr val="000000"/>
-                </a:solidFill>
-              </a:rPr>
-              <a:t>: </a:t>
+              <a:t>Risque de perte en capital : </a:t>
             </a:r>
             <a:r>
               <a:rPr lang="fr-FR" sz="800" dirty="0">
@@ -34623,7 +34064,7 @@
               <a:buChar char="•"/>
             </a:pPr>
             <a:r>
-              <a:rPr lang="fr-FR" sz="800" b="1" i="1" dirty="0">
+              <a:rPr lang="fr-FR" sz="800" b="1" dirty="0">
                 <a:solidFill>
                   <a:srgbClr val="000000"/>
                 </a:solidFill>
@@ -34632,22 +34073,13 @@
               <a:t>Risque lié au sous-jacent </a:t>
             </a:r>
             <a:r>
-              <a:rPr lang="fr-FR" sz="800" i="1" dirty="0">
+              <a:rPr lang="fr-FR" sz="800" dirty="0">
                 <a:solidFill>
                   <a:srgbClr val="000000"/>
                 </a:solidFill>
                 <a:latin typeface="Proxima Nova Rg" panose="02000506030000020004" pitchFamily="2" charset="0"/>
               </a:rPr>
-              <a:t>: </a:t>
-            </a:r>
-            <a:r>
-              <a:rPr lang="fr-FR" sz="800" dirty="0">
-                <a:solidFill>
-                  <a:srgbClr val="000000"/>
-                </a:solidFill>
-                <a:latin typeface="Proxima Nova Rg" panose="02000506030000020004" pitchFamily="2" charset="0"/>
-              </a:rPr>
-              <a:t>Le remboursement du capital dépend de la performance du sous-jacent. Ces montants seront  déterminés par application d’une formule de calcul (voir le mécanisme de remboursement) en relation avec le sous-  jacent. Dans le cas d’une évolution défavorable de la performance du sous-jacent, les investisseurs pourraient subir une baisse substantielle des montants dus lors du remboursement et pourraient perdre tout ou partie de leur investissement.</a:t>
+              <a:t>: Le remboursement du capital dépend de la performance du sous-jacent. Ces montants seront  déterminés par application d’une formule de calcul (voir le mécanisme de remboursement) en relation avec le sous-  jacent. Dans le cas d’une évolution défavorable de la performance du sous-jacent, les investisseurs pourraient subir une baisse substantielle des montants dus lors du remboursement et pourraient perdre tout ou partie de leur investissement.</a:t>
             </a:r>
           </a:p>
           <a:p>
@@ -34662,7 +34094,7 @@
               <a:buChar char="•"/>
             </a:pPr>
             <a:r>
-              <a:rPr lang="fr-FR" sz="800" b="1" i="1" dirty="0">
+              <a:rPr lang="fr-FR" sz="800" b="1" dirty="0">
                 <a:solidFill>
                   <a:srgbClr val="000000"/>
                 </a:solidFill>
@@ -34671,22 +34103,13 @@
               <a:t>Risques liés à l’éventuelle ouverture d’une procédure de résolution ou de faillite </a:t>
             </a:r>
             <a:r>
-              <a:rPr lang="fr-FR" sz="800" i="1" dirty="0">
+              <a:rPr lang="fr-FR" sz="800" dirty="0">
                 <a:solidFill>
                   <a:srgbClr val="000000"/>
                 </a:solidFill>
                 <a:latin typeface="Proxima Nova Rg" panose="02000506030000020004" pitchFamily="2" charset="0"/>
               </a:rPr>
-              <a:t>: </a:t>
-            </a:r>
-            <a:r>
-              <a:rPr lang="fr-FR" sz="800" dirty="0">
-                <a:solidFill>
-                  <a:srgbClr val="000000"/>
-                </a:solidFill>
-                <a:latin typeface="Proxima Nova Rg" panose="02000506030000020004" pitchFamily="2" charset="0"/>
-              </a:rPr>
-              <a:t>En cas d’ouverture d’une procédure  de résolution au niveau de l’Émetteur et/ou du Garant et/ou du Groupe BPCE ou en cas de faillite de l’Émetteur et/  ou du Garant, les investisseurs pourraient perdre tout ou partie de leur investissement initial et/ou ne pas recevoir la  rémunération initialement prévue.</a:t>
+              <a:t>: En cas d’ouverture d’une procédure  de résolution au niveau de l’Émetteur et/ou du Garant et/ou du Groupe BPCE ou en cas de faillite de l’Émetteur et/  ou du Garant, les investisseurs pourraient perdre tout ou partie de leur investissement initial et/ou ne pas recevoir la  rémunération initialement prévue.</a:t>
             </a:r>
             <a:r>
               <a:rPr lang="fr-FR" sz="800" dirty="0">
@@ -34709,7 +34132,7 @@
               <a:buChar char="•"/>
             </a:pPr>
             <a:r>
-              <a:rPr lang="fr-FR" sz="800" b="1" i="1" dirty="0">
+              <a:rPr lang="fr-FR" sz="800" b="1" dirty="0">
                 <a:solidFill>
                   <a:srgbClr val="000000"/>
                 </a:solidFill>
@@ -34718,22 +34141,13 @@
               <a:t>Risque de volatilité, risque de liquidité </a:t>
             </a:r>
             <a:r>
-              <a:rPr lang="fr-FR" sz="800" i="1" dirty="0">
+              <a:rPr lang="fr-FR" sz="800" dirty="0">
                 <a:solidFill>
                   <a:srgbClr val="000000"/>
                 </a:solidFill>
                 <a:latin typeface="Proxima Nova Rg" panose="02000506030000020004" pitchFamily="2" charset="0"/>
               </a:rPr>
-              <a:t>: </a:t>
-            </a:r>
-            <a:r>
-              <a:rPr lang="fr-FR" sz="800" dirty="0">
-                <a:solidFill>
-                  <a:srgbClr val="000000"/>
-                </a:solidFill>
-                <a:latin typeface="Proxima Nova Rg" panose="02000506030000020004" pitchFamily="2" charset="0"/>
-              </a:rPr>
-              <a:t>Une forte volatilité des cours (amplitude des variations des cours) ou une faible  liquidité pourrait avoir un impact négatif sur le prix de cession des titres de créance. En cas de cession des titres de créance  avant l’échéance, le prix de cession pourrait être inférieur à ce qu’un investisseur pourrait attendre compte tenu de la  valorisation desdits titres de créance. En l’absence de liquidité, les investisseurs pourraient ne pas être en mesure de les céder.</a:t>
+              <a:t>: Une forte volatilité des cours (amplitude des variations des cours) ou une faible  liquidité pourrait avoir un impact négatif sur le prix de cession des titres de créance. En cas de cession des titres de créance  avant l’échéance, le prix de cession pourrait être inférieur à ce qu’un investisseur pourrait attendre compte tenu de la  valorisation desdits titres de créance. En l’absence de liquidité, les investisseurs pourraient ne pas être en mesure de les céder.</a:t>
             </a:r>
           </a:p>
           <a:p>
@@ -34963,41 +34377,17 @@
                   <a:srgbClr val="000000"/>
                 </a:solidFill>
               </a:rPr>
-              <a:t>et l’investisseur récupère alors l’intégralité de son capital initial majorée du coupon de &lt;CPN&gt; &lt;Mémoire6&gt; (soit un Taux de Rendement Annuel net maximum de</a:t>
-            </a:r>
-            <a:r>
-              <a:rPr lang="fr-FR" sz="800" dirty="0">
+              <a:t>et l’investisseur récupère alors l’intégralité de son capital initial majorée du coupon de &lt;CPN&gt; &lt;Mémoire6&gt; (soit un Taux de Rendement Annuel net maximum de&lt;TRA.MRA.MAX.P&gt;</a:t>
+            </a:r>
+            <a:r>
+              <a:rPr lang="fr-FR" sz="800" baseline="30000" dirty="0">
                 <a:solidFill>
                   <a:srgbClr val="000000"/>
                 </a:solidFill>
-                <a:highlight>
-                  <a:srgbClr val="00FFFF"/>
-                </a:highlight>
-              </a:rPr>
-              <a:t>&lt;TRA.MRA.MAX.P&gt;</a:t>
-            </a:r>
-            <a:r>
-              <a:rPr lang="fr-FR" sz="800" baseline="30000" dirty="0">
-                <a:solidFill>
-                  <a:srgbClr val="000000"/>
-                </a:solidFill>
-                <a:highlight>
-                  <a:srgbClr val="00FFFF"/>
-                </a:highlight>
                 <a:ea typeface="SimSun" pitchFamily="2" charset="-122"/>
                 <a:cs typeface="Times New Roman" pitchFamily="18" charset="0"/>
               </a:rPr>
-              <a:t>(</a:t>
-            </a:r>
-            <a:r>
-              <a:rPr lang="fr-FR" sz="800" baseline="30000" dirty="0">
-                <a:solidFill>
-                  <a:srgbClr val="000000"/>
-                </a:solidFill>
-                <a:ea typeface="SimSun" pitchFamily="2" charset="-122"/>
-                <a:cs typeface="Times New Roman" pitchFamily="18" charset="0"/>
-              </a:rPr>
-              <a:t>2)</a:t>
+              <a:t>(2)</a:t>
             </a:r>
             <a:r>
               <a:rPr lang="fr-FR" sz="800" dirty="0">
@@ -35331,18 +34721,7 @@
                   <a:srgbClr val="000000"/>
                 </a:solidFill>
               </a:rPr>
-              <a:t>(soit un Taux de Rendement Annuel net maximum de </a:t>
-            </a:r>
-            <a:r>
-              <a:rPr lang="fr-FR" sz="800" dirty="0">
-                <a:solidFill>
-                  <a:srgbClr val="000000"/>
-                </a:solidFill>
-                <a:highlight>
-                  <a:srgbClr val="00FFFF"/>
-                </a:highlight>
-              </a:rPr>
-              <a:t>&lt;TRA.TOUT.P&gt;</a:t>
+              <a:t>(soit un Taux de Rendement Annuel net maximum de &lt;TRA.TOUT.P&gt;</a:t>
             </a:r>
             <a:r>
               <a:rPr lang="fr-FR" sz="800" baseline="30000" dirty="0">
@@ -35605,7 +34984,7 @@
               <a:buChar char="•"/>
             </a:pPr>
             <a:r>
-              <a:rPr lang="fr-FR" sz="800" b="1" i="1" dirty="0">
+              <a:rPr lang="fr-FR" sz="800" b="1" dirty="0">
                 <a:solidFill>
                   <a:srgbClr val="000000"/>
                 </a:solidFill>
@@ -35635,7 +35014,7 @@
               <a:buChar char="•"/>
             </a:pPr>
             <a:r>
-              <a:rPr lang="fr-FR" sz="800" b="1" i="1" dirty="0">
+              <a:rPr lang="fr-FR" sz="800" b="1" dirty="0">
                 <a:solidFill>
                   <a:srgbClr val="000000"/>
                 </a:solidFill>
@@ -35644,22 +35023,13 @@
               <a:t>Risques liés à l’éventuelle ouverture d’une procédure de résolution ou de faillite </a:t>
             </a:r>
             <a:r>
-              <a:rPr lang="fr-FR" sz="800" i="1" dirty="0">
+              <a:rPr lang="fr-FR" sz="800" dirty="0">
                 <a:solidFill>
                   <a:srgbClr val="000000"/>
                 </a:solidFill>
                 <a:latin typeface="Proxima Nova Rg" panose="02000506030000020004" pitchFamily="2" charset="0"/>
               </a:rPr>
-              <a:t>: </a:t>
-            </a:r>
-            <a:r>
-              <a:rPr lang="fr-FR" sz="800" dirty="0">
-                <a:solidFill>
-                  <a:srgbClr val="000000"/>
-                </a:solidFill>
-                <a:latin typeface="Proxima Nova Rg" panose="02000506030000020004" pitchFamily="2" charset="0"/>
-              </a:rPr>
-              <a:t>En cas d’ouverture d’une procédure  de résolution au niveau de l’Émetteur et/ou du Garant et/ou du Groupe BPCE ou en cas de faillite de l’Émetteur et/  ou du Garant, les investisseurs pourraient perdre tout ou partie de leur investissement initial et/ou ne pas recevoir la  rémunération initialement prévue.</a:t>
+              <a:t>: En cas d’ouverture d’une procédure  de résolution au niveau de l’Émetteur et/ou du Garant et/ou du Groupe BPCE ou en cas de faillite de l’Émetteur et/  ou du Garant, les investisseurs pourraient perdre tout ou partie de leur investissement initial et/ou ne pas recevoir la  rémunération initialement prévue.</a:t>
             </a:r>
           </a:p>
           <a:p>
@@ -35674,7 +35044,7 @@
               <a:buChar char="•"/>
             </a:pPr>
             <a:r>
-              <a:rPr lang="fr-FR" sz="800" b="1" i="1" dirty="0">
+              <a:rPr lang="fr-FR" sz="800" b="1" dirty="0">
                 <a:solidFill>
                   <a:srgbClr val="000000"/>
                 </a:solidFill>
@@ -35683,22 +35053,13 @@
               <a:t>Risque de volatilité, risque de liquidité </a:t>
             </a:r>
             <a:r>
-              <a:rPr lang="fr-FR" sz="800" i="1" dirty="0">
+              <a:rPr lang="fr-FR" sz="800" dirty="0">
                 <a:solidFill>
                   <a:srgbClr val="000000"/>
                 </a:solidFill>
                 <a:latin typeface="Proxima Nova Rg" panose="02000506030000020004" pitchFamily="2" charset="0"/>
               </a:rPr>
-              <a:t>: </a:t>
-            </a:r>
-            <a:r>
-              <a:rPr lang="fr-FR" sz="800" dirty="0">
-                <a:solidFill>
-                  <a:srgbClr val="000000"/>
-                </a:solidFill>
-                <a:latin typeface="Proxima Nova Rg" panose="02000506030000020004" pitchFamily="2" charset="0"/>
-              </a:rPr>
-              <a:t>Une forte volatilité des cours (amplitude des variations des cours) ou une faible  liquidité pourrait avoir un impact négatif sur le prix de cession des titres de créance. En cas de cession des titres de créance  avant l’échéance, le prix de cession pourrait être inférieur à ce qu’un investisseur pourrait attendre compte tenu de la  valorisation desdits titres de créance. En l’absence de liquidité, les investisseurs pourraient ne pas être en mesure de les céder.</a:t>
+              <a:t>: Une forte volatilité des cours (amplitude des variations des cours) ou une faible  liquidité pourrait avoir un impact négatif sur le prix de cession des titres de créance. En cas de cession des titres de créance  avant l’échéance, le prix de cession pourrait être inférieur à ce qu’un investisseur pourrait attendre compte tenu de la  valorisation desdits titres de créance. En l’absence de liquidité, les investisseurs pourraient ne pas être en mesure de les céder.</a:t>
             </a:r>
           </a:p>
         </p:txBody>
@@ -36737,6 +36098,7 @@
                 <a:solidFill>
                   <a:srgbClr val="B9A049"/>
                 </a:solidFill>
+                <a:latin typeface="+mj-lt"/>
               </a:rPr>
               <a:t>SCÉNARIO DÉFAVORABLE </a:t>
             </a:r>
@@ -36745,8 +36107,17 @@
                 <a:solidFill>
                   <a:srgbClr val="B9A049"/>
                 </a:solidFill>
-              </a:rPr>
-              <a:t>: À la date de constatation finale</a:t>
+                <a:latin typeface="+mj-lt"/>
+              </a:rPr>
+              <a:t>: </a:t>
+            </a:r>
+            <a:r>
+              <a:rPr lang="fr-FR" sz="800" dirty="0">
+                <a:solidFill>
+                  <a:srgbClr val="B9A049"/>
+                </a:solidFill>
+              </a:rPr>
+              <a:t>À la date de constatation finale</a:t>
             </a:r>
             <a:r>
               <a:rPr lang="fr-FR" sz="800" baseline="30000" dirty="0">
@@ -36812,7 +36183,7 @@
           <a:p>
             <a:r>
               <a:rPr lang="fr-FR" sz="800" dirty="0">
-                <a:latin typeface="+mn-lt"/>
+                <a:latin typeface="+mj-lt"/>
               </a:rPr>
               <a:t>SCÉNARIO MÉDIAN : </a:t>
             </a:r>
@@ -36870,7 +36241,7 @@
           <a:p>
             <a:r>
               <a:rPr lang="fr-FR" sz="800" dirty="0">
-                <a:latin typeface="+mn-lt"/>
+                <a:latin typeface="+mj-lt"/>
               </a:rPr>
               <a:t>SCÉNARIO FAVORABLE : </a:t>
             </a:r>
@@ -36923,15 +36294,15 @@
         </p:nvSpPr>
         <p:spPr>
           <a:xfrm>
-            <a:off x="458459" y="9282268"/>
-            <a:ext cx="6739266" cy="396000"/>
+            <a:off x="458459" y="9460068"/>
+            <a:ext cx="6739266" cy="216000"/>
           </a:xfrm>
           <a:prstGeom prst="rect">
             <a:avLst/>
           </a:prstGeom>
         </p:spPr>
         <p:txBody>
-          <a:bodyPr lIns="0" tIns="0" rIns="0" bIns="0">
+          <a:bodyPr lIns="0" tIns="0" rIns="0" bIns="0" anchor="ctr">
             <a:noAutofit/>
           </a:bodyPr>
           <a:lstStyle>
@@ -38564,15 +37935,6 @@
 </file>
 
 <file path=customXml/item2.xml><?xml version="1.0" encoding="utf-8"?>
-<?mso-contentType ?>
-<FormTemplates xmlns="http://schemas.microsoft.com/sharepoint/v3/contenttype/forms">
-  <Display>DocumentLibraryForm</Display>
-  <Edit>DocumentLibraryForm</Edit>
-  <New>DocumentLibraryForm</New>
-</FormTemplates>
-</file>
-
-<file path=customXml/item3.xml><?xml version="1.0" encoding="utf-8"?>
 <ct:contentTypeSchema xmlns:ct="http://schemas.microsoft.com/office/2006/metadata/contentType" xmlns:ma="http://schemas.microsoft.com/office/2006/metadata/properties/metaAttributes" ct:_="" ma:_="" ma:contentTypeName="Document" ma:contentTypeID="0x0101005DDE610BC516E448BB8152259F39635A" ma:contentTypeVersion="17" ma:contentTypeDescription="Crée un document." ma:contentTypeScope="" ma:versionID="bfb75e103009df80b8e5001438c41194">
   <xsd:schema xmlns:xsd="http://www.w3.org/2001/XMLSchema" xmlns:xs="http://www.w3.org/2001/XMLSchema" xmlns:p="http://schemas.microsoft.com/office/2006/metadata/properties" xmlns:ns2="ef624bc2-1644-4d69-8362-5c28ca496374" xmlns:ns3="514a554b-82b0-4359-b247-fc84018a95f0" targetNamespace="http://schemas.microsoft.com/office/2006/metadata/properties" ma:root="true" ma:fieldsID="2ae3df86d13efbb4a35042af2564d386" ns2:_="" ns3:_="">
     <xsd:import namespace="ef624bc2-1644-4d69-8362-5c28ca496374"/>
@@ -38821,6 +38183,15 @@
 </ct:contentTypeSchema>
 </file>
 
+<file path=customXml/item3.xml><?xml version="1.0" encoding="utf-8"?>
+<?mso-contentType ?>
+<FormTemplates xmlns="http://schemas.microsoft.com/sharepoint/v3/contenttype/forms">
+  <Display>DocumentLibraryForm</Display>
+  <Edit>DocumentLibraryForm</Edit>
+  <New>DocumentLibraryForm</New>
+</FormTemplates>
+</file>
+
 <file path=customXml/itemProps1.xml><?xml version="1.0" encoding="utf-8"?>
 <ds:datastoreItem xmlns:ds="http://schemas.openxmlformats.org/officeDocument/2006/customXml" ds:itemID="{25DE574B-2CD2-4078-9BEA-2A14717D9698}">
   <ds:schemaRefs>
@@ -38839,14 +38210,6 @@
 </file>
 
 <file path=customXml/itemProps2.xml><?xml version="1.0" encoding="utf-8"?>
-<ds:datastoreItem xmlns:ds="http://schemas.openxmlformats.org/officeDocument/2006/customXml" ds:itemID="{B00FC41E-FBDE-42E2-B58A-20EBD240A376}">
-  <ds:schemaRefs>
-    <ds:schemaRef ds:uri="http://schemas.microsoft.com/sharepoint/v3/contenttype/forms"/>
-  </ds:schemaRefs>
-</ds:datastoreItem>
-</file>
-
-<file path=customXml/itemProps3.xml><?xml version="1.0" encoding="utf-8"?>
 <ds:datastoreItem xmlns:ds="http://schemas.openxmlformats.org/officeDocument/2006/customXml" ds:itemID="{049ECCCF-890C-4C54-BAB4-06AB610C1865}">
   <ds:schemaRefs>
     <ds:schemaRef ds:uri="http://schemas.microsoft.com/office/2006/metadata/contentType"/>
@@ -38863,4 +38226,12 @@
     <ds:schemaRef ds:uri="http://schemas.microsoft.com/internal/obd"/>
   </ds:schemaRefs>
 </ds:datastoreItem>
+</file>
+
+<file path=customXml/itemProps3.xml><?xml version="1.0" encoding="utf-8"?>
+<ds:datastoreItem xmlns:ds="http://schemas.openxmlformats.org/officeDocument/2006/customXml" ds:itemID="{B00FC41E-FBDE-42E2-B58A-20EBD240A376}">
+  <ds:schemaRefs>
+    <ds:schemaRef ds:uri="http://schemas.microsoft.com/sharepoint/v3/contenttype/forms"/>
+  </ds:schemaRefs>
+</ds:datastoreItem>
 </file>
--- a/Templates/Natixis.pptx
+++ b/Templates/Natixis.pptx
@@ -230,7 +230,7 @@
           <a:p>
             <a:fld id="{515CCE07-1711-4DC7-A7D8-7ED312C82FB8}" type="datetimeFigureOut">
               <a:rPr lang="fr-FR" smtClean="0"/>
-              <a:t>01/07/2022</a:t>
+              <a:t>11/07/2022</a:t>
             </a:fld>
             <a:endParaRPr lang="fr-FR"/>
           </a:p>
@@ -395,7 +395,7 @@
           <a:p>
             <a:fld id="{014ABEAC-8B63-4BD1-9569-A14EB8752A94}" type="datetimeFigureOut">
               <a:rPr lang="fr-FR" smtClean="0"/>
-              <a:t>01/07/2022</a:t>
+              <a:t>11/07/2022</a:t>
             </a:fld>
             <a:endParaRPr lang="fr-FR"/>
           </a:p>
@@ -2541,12 +2541,12 @@
               <a:t>Durée d’investissement conseillée : </a:t>
             </a:r>
             <a:r>
-              <a:rPr lang="fr-FR" sz="800" b="1" dirty="0">
-                <a:solidFill>
-                  <a:srgbClr val="000000"/>
-                </a:solidFill>
-              </a:rPr>
-              <a:t>&lt;DIC&gt; </a:t>
+              <a:rPr lang="fr-FR" sz="800" b="1" cap="none" dirty="0">
+                <a:solidFill>
+                  <a:schemeClr val="tx2"/>
+                </a:solidFill>
+              </a:rPr>
+              <a:t>&lt;DIC&gt;</a:t>
             </a:r>
             <a:r>
               <a:rPr lang="fr-FR" sz="800" cap="none" dirty="0">
@@ -2554,7 +2554,7 @@
                   <a:schemeClr val="tx2"/>
                 </a:solidFill>
               </a:rPr>
-              <a:t>(hors remboursement anticipé automatique). </a:t>
+              <a:t> (hors remboursement anticipé automatique). </a:t>
             </a:r>
           </a:p>
           <a:p>
@@ -2576,18 +2576,22 @@
                   <a:schemeClr val="tx2"/>
                 </a:solidFill>
               </a:rPr>
-              <a:t>l’investisseur prend un risque de perte en capital non mesurable à priori</a:t>
-            </a:r>
-            <a:r>
-              <a:rPr lang="fr-FR" sz="800" i="1" cap="none" dirty="0">
+              <a:t>l’investisseur prend un risque de perte en capital non mesurable à </a:t>
+            </a:r>
+            <a:r>
+              <a:rPr lang="fr-FR" sz="800" b="1" i="1" cap="none">
                 <a:solidFill>
                   <a:schemeClr val="tx2"/>
                 </a:solidFill>
               </a:rPr>
-              <a:t>.</a:t>
-            </a:r>
-            <a:r>
-              <a:rPr lang="fr-FR" sz="800" i="1" cap="none" dirty="0"/>
+              <a:t>priori</a:t>
+            </a:r>
+            <a:r>
+              <a:rPr lang="fr-FR" sz="800" i="1" cap="none">
+                <a:solidFill>
+                  <a:schemeClr val="tx2"/>
+                </a:solidFill>
+              </a:rPr>
               <a:t>.</a:t>
             </a:r>
             <a:endParaRPr lang="fr-FR" sz="800" cap="none" dirty="0"/>
@@ -7686,14 +7690,14 @@
           <p:nvPr>
             <p:extLst>
               <p:ext uri="{D42A27DB-BD31-4B8C-83A1-F6EECF244321}">
-                <p14:modId xmlns:p14="http://schemas.microsoft.com/office/powerpoint/2010/main" val="2678998143"/>
+                <p14:modId xmlns:p14="http://schemas.microsoft.com/office/powerpoint/2010/main" val="397917226"/>
               </p:ext>
             </p:extLst>
           </p:nvPr>
         </p:nvGraphicFramePr>
         <p:xfrm>
           <a:off x="361950" y="979297"/>
-          <a:ext cx="6837886" cy="7740301"/>
+          <a:ext cx="6837886" cy="7940581"/>
         </p:xfrm>
         <a:graphic>
           <a:graphicData uri="http://schemas.openxmlformats.org/drawingml/2006/table">
@@ -7717,6 +7721,171 @@
                   </a:extLst>
                 </a:gridCol>
               </a:tblGrid>
+              <a:tr h="0">
+                <a:tc>
+                  <a:txBody>
+                    <a:bodyPr/>
+                    <a:lstStyle/>
+                    <a:p>
+                      <a:pPr marL="0" marR="0" lvl="0" indent="0" algn="just" defTabSz="755934" rtl="0" eaLnBrk="1" fontAlgn="auto" latinLnBrk="0" hangingPunct="1">
+                        <a:lnSpc>
+                          <a:spcPct val="90000"/>
+                        </a:lnSpc>
+                        <a:spcBef>
+                          <a:spcPts val="0"/>
+                        </a:spcBef>
+                        <a:spcAft>
+                          <a:spcPts val="0"/>
+                        </a:spcAft>
+                        <a:buClrTx/>
+                        <a:buSzTx/>
+                        <a:buFontTx/>
+                        <a:buNone/>
+                        <a:tabLst/>
+                        <a:defRPr/>
+                      </a:pPr>
+                      <a:endParaRPr lang="fr-FR" sz="700" b="1" kern="1200" dirty="0">
+                        <a:solidFill>
+                          <a:srgbClr val="B9A049"/>
+                        </a:solidFill>
+                        <a:latin typeface="+mn-lt"/>
+                        <a:ea typeface="+mn-ea"/>
+                        <a:cs typeface="+mn-cs"/>
+                      </a:endParaRPr>
+                    </a:p>
+                  </a:txBody>
+                  <a:tcPr marL="72000" marR="72000" marT="46800" marB="46800" anchor="ctr">
+                    <a:lnL w="12700" cap="flat" cmpd="sng" algn="ctr">
+                      <a:solidFill>
+                        <a:schemeClr val="bg1">
+                          <a:lumMod val="85000"/>
+                        </a:schemeClr>
+                      </a:solidFill>
+                      <a:prstDash val="solid"/>
+                      <a:round/>
+                      <a:headEnd type="none" w="med" len="med"/>
+                      <a:tailEnd type="none" w="med" len="med"/>
+                    </a:lnL>
+                    <a:lnR w="12700" cap="flat" cmpd="sng" algn="ctr">
+                      <a:solidFill>
+                        <a:schemeClr val="bg1"/>
+                      </a:solidFill>
+                      <a:prstDash val="solid"/>
+                      <a:round/>
+                      <a:headEnd type="none" w="med" len="med"/>
+                      <a:tailEnd type="none" w="med" len="med"/>
+                    </a:lnR>
+                    <a:lnT w="12700" cap="flat" cmpd="sng" algn="ctr">
+                      <a:solidFill>
+                        <a:schemeClr val="bg1"/>
+                      </a:solidFill>
+                      <a:prstDash val="solid"/>
+                      <a:round/>
+                      <a:headEnd type="none" w="med" len="med"/>
+                      <a:tailEnd type="none" w="med" len="med"/>
+                    </a:lnT>
+                    <a:lnB w="12700" cap="flat" cmpd="sng" algn="ctr">
+                      <a:solidFill>
+                        <a:schemeClr val="bg1"/>
+                      </a:solidFill>
+                      <a:prstDash val="solid"/>
+                      <a:round/>
+                      <a:headEnd type="none" w="med" len="med"/>
+                      <a:tailEnd type="none" w="med" len="med"/>
+                    </a:lnB>
+                    <a:lnTlToBr w="12700" cmpd="sng">
+                      <a:noFill/>
+                      <a:prstDash val="solid"/>
+                    </a:lnTlToBr>
+                    <a:lnBlToTr w="12700" cmpd="sng">
+                      <a:noFill/>
+                      <a:prstDash val="solid"/>
+                    </a:lnBlToTr>
+                    <a:solidFill>
+                      <a:schemeClr val="bg1">
+                        <a:lumMod val="95000"/>
+                      </a:schemeClr>
+                    </a:solidFill>
+                  </a:tcPr>
+                </a:tc>
+                <a:tc>
+                  <a:txBody>
+                    <a:bodyPr/>
+                    <a:lstStyle/>
+                    <a:p>
+                      <a:pPr algn="just">
+                        <a:lnSpc>
+                          <a:spcPct val="100000"/>
+                        </a:lnSpc>
+                      </a:pPr>
+                      <a:endParaRPr lang="fr-FR" sz="700" b="1" i="0" dirty="0">
+                        <a:solidFill>
+                          <a:srgbClr val="000000"/>
+                        </a:solidFill>
+                        <a:latin typeface="+mn-lt"/>
+                      </a:endParaRPr>
+                    </a:p>
+                  </a:txBody>
+                  <a:tcPr marL="36000" marR="36000" marT="46800" marB="46800" anchor="ctr">
+                    <a:lnL w="12700" cap="flat" cmpd="sng" algn="ctr">
+                      <a:solidFill>
+                        <a:schemeClr val="bg1"/>
+                      </a:solidFill>
+                      <a:prstDash val="solid"/>
+                      <a:round/>
+                      <a:headEnd type="none" w="med" len="med"/>
+                      <a:tailEnd type="none" w="med" len="med"/>
+                    </a:lnL>
+                    <a:lnR w="6350" cap="flat" cmpd="sng" algn="ctr">
+                      <a:solidFill>
+                        <a:schemeClr val="bg1">
+                          <a:lumMod val="65000"/>
+                        </a:schemeClr>
+                      </a:solidFill>
+                      <a:prstDash val="solid"/>
+                      <a:round/>
+                      <a:headEnd type="none" w="med" len="med"/>
+                      <a:tailEnd type="none" w="med" len="med"/>
+                    </a:lnR>
+                    <a:lnT w="6350" cap="flat" cmpd="sng" algn="ctr">
+                      <a:solidFill>
+                        <a:schemeClr val="bg1">
+                          <a:lumMod val="65000"/>
+                        </a:schemeClr>
+                      </a:solidFill>
+                      <a:prstDash val="solid"/>
+                      <a:round/>
+                      <a:headEnd type="none" w="med" len="med"/>
+                      <a:tailEnd type="none" w="med" len="med"/>
+                    </a:lnT>
+                    <a:lnB w="6350" cap="flat" cmpd="sng" algn="ctr">
+                      <a:solidFill>
+                        <a:schemeClr val="bg1">
+                          <a:lumMod val="65000"/>
+                        </a:schemeClr>
+                      </a:solidFill>
+                      <a:prstDash val="solid"/>
+                      <a:round/>
+                      <a:headEnd type="none" w="med" len="med"/>
+                      <a:tailEnd type="none" w="med" len="med"/>
+                    </a:lnB>
+                    <a:lnTlToBr w="12700" cmpd="sng">
+                      <a:noFill/>
+                      <a:prstDash val="solid"/>
+                    </a:lnTlToBr>
+                    <a:lnBlToTr w="12700" cmpd="sng">
+                      <a:noFill/>
+                      <a:prstDash val="solid"/>
+                    </a:lnBlToTr>
+                    <a:noFill/>
+                  </a:tcPr>
+                </a:tc>
+                <a:extLst>
+                  <a:ext uri="{0D108BD9-81ED-4DB2-BD59-A6C34878D82A}">
+                    <a16:rowId xmlns:a16="http://schemas.microsoft.com/office/drawing/2014/main" val="3393052112"/>
+                  </a:ext>
+                </a:extLst>
+              </a:tr>
               <a:tr h="268891">
                 <a:tc>
                   <a:txBody>
@@ -14282,387 +14451,6 @@
           <a:chExt cx="0" cy="0"/>
         </a:xfrm>
       </p:grpSpPr>
-      <p:sp>
-        <p:nvSpPr>
-          <p:cNvPr id="2" name="Espace réservé du numéro de diapositive 1">
-            <a:extLst>
-              <a:ext uri="{FF2B5EF4-FFF2-40B4-BE49-F238E27FC236}">
-                <a16:creationId xmlns:a16="http://schemas.microsoft.com/office/drawing/2014/main" id="{0C33C7E1-5760-4AFF-97B6-9362D2C8CD65}"/>
-              </a:ext>
-            </a:extLst>
-          </p:cNvPr>
-          <p:cNvSpPr>
-            <a:spLocks noGrp="1"/>
-          </p:cNvSpPr>
-          <p:nvPr>
-            <p:ph type="sldNum" sz="quarter" idx="4"/>
-          </p:nvPr>
-        </p:nvSpPr>
-        <p:spPr/>
-        <p:txBody>
-          <a:bodyPr/>
-          <a:lstStyle/>
-          <a:p>
-            <a:fld id="{58F0BA28-1212-45AE-B075-64C06113A6D3}" type="slidenum">
-              <a:rPr lang="fr-FR" smtClean="0"/>
-              <a:pPr/>
-              <a:t>13</a:t>
-            </a:fld>
-            <a:endParaRPr lang="fr-FR" dirty="0"/>
-          </a:p>
-        </p:txBody>
-      </p:sp>
-      <p:sp>
-        <p:nvSpPr>
-          <p:cNvPr id="5" name="Text Box 2">
-            <a:extLst>
-              <a:ext uri="{FF2B5EF4-FFF2-40B4-BE49-F238E27FC236}">
-                <a16:creationId xmlns:a16="http://schemas.microsoft.com/office/drawing/2014/main" id="{45E1DCC2-11CD-41F7-969A-E4566F5B1573}"/>
-              </a:ext>
-            </a:extLst>
-          </p:cNvPr>
-          <p:cNvSpPr txBox="1">
-            <a:spLocks noChangeArrowheads="1"/>
-          </p:cNvSpPr>
-          <p:nvPr/>
-        </p:nvSpPr>
-        <p:spPr bwMode="auto">
-          <a:xfrm>
-            <a:off x="361950" y="9765983"/>
-            <a:ext cx="6483350" cy="600164"/>
-          </a:xfrm>
-          <a:prstGeom prst="rect">
-            <a:avLst/>
-          </a:prstGeom>
-          <a:noFill/>
-          <a:ln w="9525">
-            <a:noFill/>
-            <a:miter lim="800000"/>
-            <a:headEnd/>
-            <a:tailEnd/>
-          </a:ln>
-        </p:spPr>
-        <p:txBody>
-          <a:bodyPr wrap="square" lIns="0" tIns="0" rIns="0" bIns="0">
-            <a:spAutoFit/>
-          </a:bodyPr>
-          <a:lstStyle/>
-          <a:p>
-            <a:pPr marL="228600" indent="-228600" algn="just" defTabSz="914400">
-              <a:buAutoNum type="arabicParenBoth"/>
-            </a:pPr>
-            <a:r>
-              <a:rPr lang="fr-FR" sz="650" dirty="0">
-                <a:solidFill>
-                  <a:srgbClr val="000000"/>
-                </a:solidFill>
-                <a:latin typeface="Proxima Nova Rg" panose="02000506030000020004" pitchFamily="2" charset="0"/>
-              </a:rPr>
-              <a:t>Nous attirons votre attention sur le fait que le titre de créance est destiné à être offert exclusivement à un cercle restreint d’investisseurs au sens de l’article L411-2 du Code monétaire et financier. Le titre de créance est adressé à des investisseurs ayant un montant minimum de souscription de 100 000 EUR. La présente brochure commerciale n’a pas fait l’objet d’une communication à l’AMF. </a:t>
-            </a:r>
-          </a:p>
-          <a:p>
-            <a:pPr marL="228600" indent="-228600" algn="just" defTabSz="914400">
-              <a:buFontTx/>
-              <a:buAutoNum type="arabicParenBoth"/>
-            </a:pPr>
-            <a:r>
-              <a:rPr lang="fr-FR" sz="650" dirty="0">
-                <a:solidFill>
-                  <a:srgbClr val="000000"/>
-                </a:solidFill>
-                <a:latin typeface="Proxima Nova Rg" panose="02000506030000020004" pitchFamily="2" charset="0"/>
-              </a:rPr>
-              <a:t>Natixis : Standard &amp; </a:t>
-            </a:r>
-            <a:r>
-              <a:rPr lang="fr-FR" sz="650" dirty="0" err="1">
-                <a:solidFill>
-                  <a:srgbClr val="000000"/>
-                </a:solidFill>
-                <a:latin typeface="Proxima Nova Rg" panose="02000506030000020004" pitchFamily="2" charset="0"/>
-              </a:rPr>
-              <a:t>Poor’s</a:t>
-            </a:r>
-            <a:r>
-              <a:rPr lang="fr-FR" sz="650" dirty="0">
-                <a:solidFill>
-                  <a:srgbClr val="000000"/>
-                </a:solidFill>
-                <a:latin typeface="Proxima Nova Rg" panose="02000506030000020004" pitchFamily="2" charset="0"/>
-              </a:rPr>
-              <a:t> : A+ / Moody’s : A1 / Fitch : A+. Notations en vigueur au moment de la rédaction de la présente brochure. Ces notations peuvent être révisées à tout moment et ne sont pas une garantie de solvabilité de l’Émetteur ni du Garant. Elles ne sauraient constituer un argument de souscription au titre de créance.</a:t>
-            </a:r>
-          </a:p>
-          <a:p>
-            <a:pPr marL="228600" indent="-228600" algn="just" defTabSz="914400">
-              <a:buAutoNum type="arabicParenBoth"/>
-            </a:pPr>
-            <a:r>
-              <a:rPr lang="fr-FR" sz="650" dirty="0">
-                <a:solidFill>
-                  <a:srgbClr val="000000"/>
-                </a:solidFill>
-                <a:latin typeface="Proxima Nova Rg" panose="02000506030000020004" pitchFamily="2" charset="0"/>
-              </a:rPr>
-              <a:t>Les conflits d’intérêts seront gérés suivant la réglementation en vigueur.</a:t>
-            </a:r>
-          </a:p>
-        </p:txBody>
-      </p:sp>
-      <p:sp>
-        <p:nvSpPr>
-          <p:cNvPr id="6" name="Espace réservé du texte 11">
-            <a:extLst>
-              <a:ext uri="{FF2B5EF4-FFF2-40B4-BE49-F238E27FC236}">
-                <a16:creationId xmlns:a16="http://schemas.microsoft.com/office/drawing/2014/main" id="{D1EA6C15-C1C4-4A82-BC93-5F15BEC19581}"/>
-              </a:ext>
-            </a:extLst>
-          </p:cNvPr>
-          <p:cNvSpPr txBox="1">
-            <a:spLocks/>
-          </p:cNvSpPr>
-          <p:nvPr/>
-        </p:nvSpPr>
-        <p:spPr>
-          <a:xfrm>
-            <a:off x="458462" y="670080"/>
-            <a:ext cx="6804000" cy="230950"/>
-          </a:xfrm>
-          <a:prstGeom prst="rect">
-            <a:avLst/>
-          </a:prstGeom>
-        </p:spPr>
-        <p:txBody>
-          <a:bodyPr lIns="0" tIns="0" rIns="0" bIns="0" anchor="ctr">
-            <a:noAutofit/>
-          </a:bodyPr>
-          <a:lstStyle>
-            <a:lvl1pPr marL="0" indent="0" algn="l" defTabSz="755934" rtl="0" eaLnBrk="1" latinLnBrk="0" hangingPunct="1">
-              <a:lnSpc>
-                <a:spcPct val="90000"/>
-              </a:lnSpc>
-              <a:spcBef>
-                <a:spcPts val="2400"/>
-              </a:spcBef>
-              <a:buFont typeface="Arial" panose="020B0604020202020204" pitchFamily="34" charset="0"/>
-              <a:buNone/>
-              <a:defRPr sz="1600" b="0" kern="1200" cap="all" baseline="0">
-                <a:solidFill>
-                  <a:schemeClr val="tx1"/>
-                </a:solidFill>
-                <a:latin typeface="Gotham Bold" pitchFamily="50" charset="0"/>
-                <a:ea typeface="+mn-ea"/>
-                <a:cs typeface="Gotham Bold" pitchFamily="50" charset="0"/>
-              </a:defRPr>
-            </a:lvl1pPr>
-            <a:lvl2pPr marL="179388" indent="0" algn="l" defTabSz="755934" rtl="0" eaLnBrk="1" latinLnBrk="0" hangingPunct="1">
-              <a:lnSpc>
-                <a:spcPct val="100000"/>
-              </a:lnSpc>
-              <a:spcBef>
-                <a:spcPts val="900"/>
-              </a:spcBef>
-              <a:buFont typeface="Arial" panose="020B0604020202020204" pitchFamily="34" charset="0"/>
-              <a:buNone/>
-              <a:defRPr sz="1200" kern="1200" cap="all" baseline="0">
-                <a:solidFill>
-                  <a:schemeClr val="tx1"/>
-                </a:solidFill>
-                <a:latin typeface="Gotham Medium" pitchFamily="50" charset="0"/>
-                <a:ea typeface="+mn-ea"/>
-                <a:cs typeface="Gotham Medium" pitchFamily="50" charset="0"/>
-              </a:defRPr>
-            </a:lvl2pPr>
-            <a:lvl3pPr marL="179388" indent="0" algn="l" defTabSz="755934" rtl="0" eaLnBrk="1" latinLnBrk="0" hangingPunct="1">
-              <a:lnSpc>
-                <a:spcPct val="100000"/>
-              </a:lnSpc>
-              <a:spcBef>
-                <a:spcPts val="600"/>
-              </a:spcBef>
-              <a:buFont typeface="Arial" panose="020B0604020202020204" pitchFamily="34" charset="0"/>
-              <a:buNone/>
-              <a:defRPr sz="900" kern="1200">
-                <a:solidFill>
-                  <a:schemeClr val="tx2"/>
-                </a:solidFill>
-                <a:latin typeface="+mn-lt"/>
-                <a:ea typeface="+mn-ea"/>
-                <a:cs typeface="+mn-cs"/>
-              </a:defRPr>
-            </a:lvl3pPr>
-            <a:lvl4pPr marL="0" indent="0" algn="ctr" defTabSz="755934" rtl="0" eaLnBrk="1" latinLnBrk="0" hangingPunct="1">
-              <a:lnSpc>
-                <a:spcPct val="100000"/>
-              </a:lnSpc>
-              <a:spcBef>
-                <a:spcPts val="1000"/>
-              </a:spcBef>
-              <a:spcAft>
-                <a:spcPts val="1000"/>
-              </a:spcAft>
-              <a:buFont typeface="Arial" panose="020B0604020202020204" pitchFamily="34" charset="0"/>
-              <a:buNone/>
-              <a:defRPr sz="900" u="none" kern="1200">
-                <a:solidFill>
-                  <a:schemeClr val="tx2"/>
-                </a:solidFill>
-                <a:latin typeface="Ciutadella Light" panose="02000000000000000000" pitchFamily="50" charset="0"/>
-                <a:ea typeface="+mn-ea"/>
-                <a:cs typeface="+mn-cs"/>
-              </a:defRPr>
-            </a:lvl4pPr>
-            <a:lvl5pPr marL="179388" indent="0" algn="l" defTabSz="755934" rtl="0" eaLnBrk="1" latinLnBrk="0" hangingPunct="1">
-              <a:lnSpc>
-                <a:spcPct val="100000"/>
-              </a:lnSpc>
-              <a:spcBef>
-                <a:spcPts val="600"/>
-              </a:spcBef>
-              <a:buFont typeface="Arial" panose="020B0604020202020204" pitchFamily="34" charset="0"/>
-              <a:buNone/>
-              <a:defRPr sz="900" kern="1200">
-                <a:solidFill>
-                  <a:schemeClr val="tx2"/>
-                </a:solidFill>
-                <a:latin typeface="Ciutadella Medium" panose="01000000000000000000" pitchFamily="50" charset="0"/>
-                <a:ea typeface="+mn-ea"/>
-                <a:cs typeface="+mn-cs"/>
-              </a:defRPr>
-            </a:lvl5pPr>
-            <a:lvl6pPr marL="2078820" indent="-188984" algn="l" defTabSz="755934" rtl="0" eaLnBrk="1" latinLnBrk="0" hangingPunct="1">
-              <a:lnSpc>
-                <a:spcPct val="90000"/>
-              </a:lnSpc>
-              <a:spcBef>
-                <a:spcPts val="413"/>
-              </a:spcBef>
-              <a:buFont typeface="Arial" panose="020B0604020202020204" pitchFamily="34" charset="0"/>
-              <a:buChar char="•"/>
-              <a:defRPr sz="1488" kern="1200">
-                <a:solidFill>
-                  <a:schemeClr val="tx1"/>
-                </a:solidFill>
-                <a:latin typeface="+mn-lt"/>
-                <a:ea typeface="+mn-ea"/>
-                <a:cs typeface="+mn-cs"/>
-              </a:defRPr>
-            </a:lvl6pPr>
-            <a:lvl7pPr marL="2456787" indent="-188984" algn="l" defTabSz="755934" rtl="0" eaLnBrk="1" latinLnBrk="0" hangingPunct="1">
-              <a:lnSpc>
-                <a:spcPct val="90000"/>
-              </a:lnSpc>
-              <a:spcBef>
-                <a:spcPts val="413"/>
-              </a:spcBef>
-              <a:buFont typeface="Arial" panose="020B0604020202020204" pitchFamily="34" charset="0"/>
-              <a:buChar char="•"/>
-              <a:defRPr sz="1488" kern="1200">
-                <a:solidFill>
-                  <a:schemeClr val="tx1"/>
-                </a:solidFill>
-                <a:latin typeface="+mn-lt"/>
-                <a:ea typeface="+mn-ea"/>
-                <a:cs typeface="+mn-cs"/>
-              </a:defRPr>
-            </a:lvl7pPr>
-            <a:lvl8pPr marL="2834754" indent="-188984" algn="l" defTabSz="755934" rtl="0" eaLnBrk="1" latinLnBrk="0" hangingPunct="1">
-              <a:lnSpc>
-                <a:spcPct val="90000"/>
-              </a:lnSpc>
-              <a:spcBef>
-                <a:spcPts val="413"/>
-              </a:spcBef>
-              <a:buFont typeface="Arial" panose="020B0604020202020204" pitchFamily="34" charset="0"/>
-              <a:buChar char="•"/>
-              <a:defRPr sz="1488" kern="1200">
-                <a:solidFill>
-                  <a:schemeClr val="tx1"/>
-                </a:solidFill>
-                <a:latin typeface="+mn-lt"/>
-                <a:ea typeface="+mn-ea"/>
-                <a:cs typeface="+mn-cs"/>
-              </a:defRPr>
-            </a:lvl8pPr>
-            <a:lvl9pPr marL="3212722" indent="-188984" algn="l" defTabSz="755934" rtl="0" eaLnBrk="1" latinLnBrk="0" hangingPunct="1">
-              <a:lnSpc>
-                <a:spcPct val="90000"/>
-              </a:lnSpc>
-              <a:spcBef>
-                <a:spcPts val="413"/>
-              </a:spcBef>
-              <a:buFont typeface="Arial" panose="020B0604020202020204" pitchFamily="34" charset="0"/>
-              <a:buChar char="•"/>
-              <a:defRPr sz="1488" kern="1200">
-                <a:solidFill>
-                  <a:schemeClr val="tx1"/>
-                </a:solidFill>
-                <a:latin typeface="+mn-lt"/>
-                <a:ea typeface="+mn-ea"/>
-                <a:cs typeface="+mn-cs"/>
-              </a:defRPr>
-            </a:lvl9pPr>
-          </a:lstStyle>
-          <a:p>
-            <a:r>
-              <a:rPr lang="fr-FR" sz="1200" dirty="0">
-                <a:latin typeface="Futura PT" panose="020B0902020204020203" pitchFamily="34" charset="0"/>
-              </a:rPr>
-              <a:t>Caractéristiques financières</a:t>
-            </a:r>
-          </a:p>
-        </p:txBody>
-      </p:sp>
-      <p:sp>
-        <p:nvSpPr>
-          <p:cNvPr id="7" name="Rectangle">
-            <a:extLst>
-              <a:ext uri="{FF2B5EF4-FFF2-40B4-BE49-F238E27FC236}">
-                <a16:creationId xmlns:a16="http://schemas.microsoft.com/office/drawing/2014/main" id="{88144A7C-A317-4A1A-AD52-95875AF24439}"/>
-              </a:ext>
-            </a:extLst>
-          </p:cNvPr>
-          <p:cNvSpPr/>
-          <p:nvPr/>
-        </p:nvSpPr>
-        <p:spPr>
-          <a:xfrm>
-            <a:off x="361950" y="703340"/>
-            <a:ext cx="45719" cy="138398"/>
-          </a:xfrm>
-          <a:prstGeom prst="rect">
-            <a:avLst/>
-          </a:prstGeom>
-          <a:solidFill>
-            <a:srgbClr val="B9A049"/>
-          </a:solidFill>
-          <a:ln w="3175">
-            <a:miter lim="400000"/>
-          </a:ln>
-        </p:spPr>
-        <p:txBody>
-          <a:bodyPr lIns="20981" tIns="20981" rIns="20981" bIns="20981"/>
-          <a:lstStyle/>
-          <a:p>
-            <a:pPr algn="ctr" defTabSz="825500">
-              <a:lnSpc>
-                <a:spcPct val="100000"/>
-              </a:lnSpc>
-              <a:defRPr sz="3200" b="0">
-                <a:solidFill>
-                  <a:srgbClr val="FFFFFF"/>
-                </a:solidFill>
-                <a:latin typeface="Helvetica Neue Medium"/>
-                <a:ea typeface="Helvetica Neue Medium"/>
-                <a:cs typeface="Helvetica Neue Medium"/>
-                <a:sym typeface="Helvetica Neue Medium"/>
-              </a:defRPr>
-            </a:pPr>
-            <a:endParaRPr/>
-          </a:p>
-        </p:txBody>
-      </p:sp>
       <p:graphicFrame>
         <p:nvGraphicFramePr>
           <p:cNvPr id="9" name="Tableau 8">
@@ -14678,14 +14466,14 @@
           <p:nvPr>
             <p:extLst>
               <p:ext uri="{D42A27DB-BD31-4B8C-83A1-F6EECF244321}">
-                <p14:modId xmlns:p14="http://schemas.microsoft.com/office/powerpoint/2010/main" val="1694449830"/>
+                <p14:modId xmlns:p14="http://schemas.microsoft.com/office/powerpoint/2010/main" val="1488488447"/>
               </p:ext>
             </p:extLst>
           </p:nvPr>
         </p:nvGraphicFramePr>
         <p:xfrm>
-          <a:off x="361950" y="1092200"/>
-          <a:ext cx="6790215" cy="7548655"/>
+          <a:off x="361950" y="890280"/>
+          <a:ext cx="6790215" cy="7738267"/>
         </p:xfrm>
         <a:graphic>
           <a:graphicData uri="http://schemas.openxmlformats.org/drawingml/2006/table">
@@ -14709,6 +14497,157 @@
                   </a:extLst>
                 </a:gridCol>
               </a:tblGrid>
+              <a:tr h="0">
+                <a:tc>
+                  <a:txBody>
+                    <a:bodyPr/>
+                    <a:lstStyle/>
+                    <a:p>
+                      <a:pPr marL="0" marR="0" lvl="0" indent="0" algn="just" defTabSz="755934" rtl="0" eaLnBrk="1" fontAlgn="auto" latinLnBrk="0" hangingPunct="1">
+                        <a:lnSpc>
+                          <a:spcPct val="90000"/>
+                        </a:lnSpc>
+                        <a:spcBef>
+                          <a:spcPts val="0"/>
+                        </a:spcBef>
+                        <a:spcAft>
+                          <a:spcPts val="0"/>
+                        </a:spcAft>
+                        <a:buClrTx/>
+                        <a:buSzTx/>
+                        <a:buFontTx/>
+                        <a:buNone/>
+                        <a:tabLst/>
+                        <a:defRPr/>
+                      </a:pPr>
+                      <a:endParaRPr lang="fr-FR" sz="700" b="1" kern="1200" dirty="0">
+                        <a:solidFill>
+                          <a:srgbClr val="B9A049"/>
+                        </a:solidFill>
+                        <a:latin typeface="+mn-lt"/>
+                        <a:ea typeface="+mn-ea"/>
+                        <a:cs typeface="+mn-cs"/>
+                      </a:endParaRPr>
+                    </a:p>
+                  </a:txBody>
+                  <a:tcPr marL="72000" marR="72000" marT="46800" marB="46800" anchor="ctr">
+                    <a:lnL w="12700" cap="flat" cmpd="sng" algn="ctr">
+                      <a:solidFill>
+                        <a:schemeClr val="bg1">
+                          <a:lumMod val="85000"/>
+                        </a:schemeClr>
+                      </a:solidFill>
+                      <a:prstDash val="solid"/>
+                      <a:round/>
+                      <a:headEnd type="none" w="med" len="med"/>
+                      <a:tailEnd type="none" w="med" len="med"/>
+                    </a:lnL>
+                    <a:lnR w="12700" cap="flat" cmpd="sng" algn="ctr">
+                      <a:noFill/>
+                      <a:prstDash val="solid"/>
+                      <a:round/>
+                      <a:headEnd type="none" w="med" len="med"/>
+                      <a:tailEnd type="none" w="med" len="med"/>
+                    </a:lnR>
+                    <a:lnT w="12700" cap="flat" cmpd="sng" algn="ctr">
+                      <a:solidFill>
+                        <a:schemeClr val="bg1"/>
+                      </a:solidFill>
+                      <a:prstDash val="solid"/>
+                      <a:round/>
+                      <a:headEnd type="none" w="med" len="med"/>
+                      <a:tailEnd type="none" w="med" len="med"/>
+                    </a:lnT>
+                    <a:lnB w="12700" cap="flat" cmpd="sng" algn="ctr">
+                      <a:solidFill>
+                        <a:schemeClr val="bg1"/>
+                      </a:solidFill>
+                      <a:prstDash val="solid"/>
+                      <a:round/>
+                      <a:headEnd type="none" w="med" len="med"/>
+                      <a:tailEnd type="none" w="med" len="med"/>
+                    </a:lnB>
+                    <a:lnTlToBr w="12700" cmpd="sng">
+                      <a:noFill/>
+                      <a:prstDash val="solid"/>
+                    </a:lnTlToBr>
+                    <a:lnBlToTr w="12700" cmpd="sng">
+                      <a:noFill/>
+                      <a:prstDash val="solid"/>
+                    </a:lnBlToTr>
+                    <a:solidFill>
+                      <a:schemeClr val="bg1">
+                        <a:lumMod val="95000"/>
+                      </a:schemeClr>
+                    </a:solidFill>
+                  </a:tcPr>
+                </a:tc>
+                <a:tc>
+                  <a:txBody>
+                    <a:bodyPr/>
+                    <a:lstStyle/>
+                    <a:p>
+                      <a:pPr algn="just">
+                        <a:lnSpc>
+                          <a:spcPct val="90000"/>
+                        </a:lnSpc>
+                      </a:pPr>
+                      <a:endParaRPr lang="fr-FR" sz="700" b="1" i="0" dirty="0">
+                        <a:solidFill>
+                          <a:schemeClr val="tx1"/>
+                        </a:solidFill>
+                        <a:latin typeface="+mn-lt"/>
+                      </a:endParaRPr>
+                    </a:p>
+                  </a:txBody>
+                  <a:tcPr marL="36000" marR="36000" marT="46800" marB="46800" anchor="ctr">
+                    <a:lnL w="12700" cap="flat" cmpd="sng" algn="ctr">
+                      <a:noFill/>
+                      <a:prstDash val="solid"/>
+                      <a:round/>
+                      <a:headEnd type="none" w="med" len="med"/>
+                      <a:tailEnd type="none" w="med" len="med"/>
+                    </a:lnL>
+                    <a:lnR w="6350" cap="flat" cmpd="sng" algn="ctr">
+                      <a:noFill/>
+                      <a:prstDash val="solid"/>
+                      <a:round/>
+                      <a:headEnd type="none" w="med" len="med"/>
+                      <a:tailEnd type="none" w="med" len="med"/>
+                    </a:lnR>
+                    <a:lnT w="6350" cap="flat" cmpd="sng" algn="ctr">
+                      <a:noFill/>
+                      <a:prstDash val="solid"/>
+                      <a:round/>
+                      <a:headEnd type="none" w="med" len="med"/>
+                      <a:tailEnd type="none" w="med" len="med"/>
+                    </a:lnT>
+                    <a:lnB w="12700" cap="flat" cmpd="sng" algn="ctr">
+                      <a:solidFill>
+                        <a:schemeClr val="tx1"/>
+                      </a:solidFill>
+                      <a:prstDash val="solid"/>
+                      <a:round/>
+                      <a:headEnd type="none" w="med" len="med"/>
+                      <a:tailEnd type="none" w="med" len="med"/>
+                    </a:lnB>
+                    <a:lnTlToBr w="12700" cmpd="sng">
+                      <a:noFill/>
+                      <a:prstDash val="solid"/>
+                    </a:lnTlToBr>
+                    <a:lnBlToTr w="12700" cmpd="sng">
+                      <a:noFill/>
+                      <a:prstDash val="solid"/>
+                    </a:lnBlToTr>
+                    <a:noFill/>
+                  </a:tcPr>
+                </a:tc>
+                <a:extLst>
+                  <a:ext uri="{0D108BD9-81ED-4DB2-BD59-A6C34878D82A}">
+                    <a16:rowId xmlns:a16="http://schemas.microsoft.com/office/drawing/2014/main" val="1150377801"/>
+                  </a:ext>
+                </a:extLst>
+              </a:tr>
               <a:tr h="472328">
                 <a:tc>
                   <a:txBody>
@@ -14868,11 +14807,9 @@
                       <a:headEnd type="none" w="med" len="med"/>
                       <a:tailEnd type="none" w="med" len="med"/>
                     </a:lnR>
-                    <a:lnT w="6350" cap="flat" cmpd="sng" algn="ctr">
-                      <a:solidFill>
-                        <a:schemeClr val="bg1">
-                          <a:lumMod val="65000"/>
-                        </a:schemeClr>
+                    <a:lnT w="12700" cap="flat" cmpd="sng" algn="ctr">
+                      <a:solidFill>
+                        <a:schemeClr val="tx1"/>
                       </a:solidFill>
                       <a:prstDash val="solid"/>
                       <a:round/>
@@ -20892,6 +20829,387 @@
           </a:graphicData>
         </a:graphic>
       </p:graphicFrame>
+      <p:sp>
+        <p:nvSpPr>
+          <p:cNvPr id="2" name="Espace réservé du numéro de diapositive 1">
+            <a:extLst>
+              <a:ext uri="{FF2B5EF4-FFF2-40B4-BE49-F238E27FC236}">
+                <a16:creationId xmlns:a16="http://schemas.microsoft.com/office/drawing/2014/main" id="{0C33C7E1-5760-4AFF-97B6-9362D2C8CD65}"/>
+              </a:ext>
+            </a:extLst>
+          </p:cNvPr>
+          <p:cNvSpPr>
+            <a:spLocks noGrp="1"/>
+          </p:cNvSpPr>
+          <p:nvPr>
+            <p:ph type="sldNum" sz="quarter" idx="4"/>
+          </p:nvPr>
+        </p:nvSpPr>
+        <p:spPr/>
+        <p:txBody>
+          <a:bodyPr/>
+          <a:lstStyle/>
+          <a:p>
+            <a:fld id="{58F0BA28-1212-45AE-B075-64C06113A6D3}" type="slidenum">
+              <a:rPr lang="fr-FR" smtClean="0"/>
+              <a:pPr/>
+              <a:t>13</a:t>
+            </a:fld>
+            <a:endParaRPr lang="fr-FR" dirty="0"/>
+          </a:p>
+        </p:txBody>
+      </p:sp>
+      <p:sp>
+        <p:nvSpPr>
+          <p:cNvPr id="5" name="Text Box 2">
+            <a:extLst>
+              <a:ext uri="{FF2B5EF4-FFF2-40B4-BE49-F238E27FC236}">
+                <a16:creationId xmlns:a16="http://schemas.microsoft.com/office/drawing/2014/main" id="{45E1DCC2-11CD-41F7-969A-E4566F5B1573}"/>
+              </a:ext>
+            </a:extLst>
+          </p:cNvPr>
+          <p:cNvSpPr txBox="1">
+            <a:spLocks noChangeArrowheads="1"/>
+          </p:cNvSpPr>
+          <p:nvPr/>
+        </p:nvSpPr>
+        <p:spPr bwMode="auto">
+          <a:xfrm>
+            <a:off x="361950" y="9765983"/>
+            <a:ext cx="6483350" cy="600164"/>
+          </a:xfrm>
+          <a:prstGeom prst="rect">
+            <a:avLst/>
+          </a:prstGeom>
+          <a:noFill/>
+          <a:ln w="9525">
+            <a:noFill/>
+            <a:miter lim="800000"/>
+            <a:headEnd/>
+            <a:tailEnd/>
+          </a:ln>
+        </p:spPr>
+        <p:txBody>
+          <a:bodyPr wrap="square" lIns="0" tIns="0" rIns="0" bIns="0">
+            <a:spAutoFit/>
+          </a:bodyPr>
+          <a:lstStyle/>
+          <a:p>
+            <a:pPr marL="228600" indent="-228600" algn="just" defTabSz="914400">
+              <a:buAutoNum type="arabicParenBoth"/>
+            </a:pPr>
+            <a:r>
+              <a:rPr lang="fr-FR" sz="650" dirty="0">
+                <a:solidFill>
+                  <a:srgbClr val="000000"/>
+                </a:solidFill>
+                <a:latin typeface="Proxima Nova Rg" panose="02000506030000020004" pitchFamily="2" charset="0"/>
+              </a:rPr>
+              <a:t>Nous attirons votre attention sur le fait que le titre de créance est destiné à être offert exclusivement à un cercle restreint d’investisseurs au sens de l’article L411-2 du Code monétaire et financier. Le titre de créance est adressé à des investisseurs ayant un montant minimum de souscription de 100 000 EUR. La présente brochure commerciale n’a pas fait l’objet d’une communication à l’AMF. </a:t>
+            </a:r>
+          </a:p>
+          <a:p>
+            <a:pPr marL="228600" indent="-228600" algn="just" defTabSz="914400">
+              <a:buFontTx/>
+              <a:buAutoNum type="arabicParenBoth"/>
+            </a:pPr>
+            <a:r>
+              <a:rPr lang="fr-FR" sz="650" dirty="0">
+                <a:solidFill>
+                  <a:srgbClr val="000000"/>
+                </a:solidFill>
+                <a:latin typeface="Proxima Nova Rg" panose="02000506030000020004" pitchFamily="2" charset="0"/>
+              </a:rPr>
+              <a:t>Natixis : Standard &amp; </a:t>
+            </a:r>
+            <a:r>
+              <a:rPr lang="fr-FR" sz="650" dirty="0" err="1">
+                <a:solidFill>
+                  <a:srgbClr val="000000"/>
+                </a:solidFill>
+                <a:latin typeface="Proxima Nova Rg" panose="02000506030000020004" pitchFamily="2" charset="0"/>
+              </a:rPr>
+              <a:t>Poor’s</a:t>
+            </a:r>
+            <a:r>
+              <a:rPr lang="fr-FR" sz="650" dirty="0">
+                <a:solidFill>
+                  <a:srgbClr val="000000"/>
+                </a:solidFill>
+                <a:latin typeface="Proxima Nova Rg" panose="02000506030000020004" pitchFamily="2" charset="0"/>
+              </a:rPr>
+              <a:t> : A+ / Moody’s : A1 / Fitch : A+. Notations en vigueur au moment de la rédaction de la présente brochure. Ces notations peuvent être révisées à tout moment et ne sont pas une garantie de solvabilité de l’Émetteur ni du Garant. Elles ne sauraient constituer un argument de souscription au titre de créance.</a:t>
+            </a:r>
+          </a:p>
+          <a:p>
+            <a:pPr marL="228600" indent="-228600" algn="just" defTabSz="914400">
+              <a:buAutoNum type="arabicParenBoth"/>
+            </a:pPr>
+            <a:r>
+              <a:rPr lang="fr-FR" sz="650" dirty="0">
+                <a:solidFill>
+                  <a:srgbClr val="000000"/>
+                </a:solidFill>
+                <a:latin typeface="Proxima Nova Rg" panose="02000506030000020004" pitchFamily="2" charset="0"/>
+              </a:rPr>
+              <a:t>Les conflits d’intérêts seront gérés suivant la réglementation en vigueur.</a:t>
+            </a:r>
+          </a:p>
+        </p:txBody>
+      </p:sp>
+      <p:sp>
+        <p:nvSpPr>
+          <p:cNvPr id="6" name="Espace réservé du texte 11">
+            <a:extLst>
+              <a:ext uri="{FF2B5EF4-FFF2-40B4-BE49-F238E27FC236}">
+                <a16:creationId xmlns:a16="http://schemas.microsoft.com/office/drawing/2014/main" id="{D1EA6C15-C1C4-4A82-BC93-5F15BEC19581}"/>
+              </a:ext>
+            </a:extLst>
+          </p:cNvPr>
+          <p:cNvSpPr txBox="1">
+            <a:spLocks/>
+          </p:cNvSpPr>
+          <p:nvPr/>
+        </p:nvSpPr>
+        <p:spPr>
+          <a:xfrm>
+            <a:off x="458462" y="670080"/>
+            <a:ext cx="6804000" cy="230950"/>
+          </a:xfrm>
+          <a:prstGeom prst="rect">
+            <a:avLst/>
+          </a:prstGeom>
+        </p:spPr>
+        <p:txBody>
+          <a:bodyPr lIns="0" tIns="0" rIns="0" bIns="0" anchor="ctr">
+            <a:noAutofit/>
+          </a:bodyPr>
+          <a:lstStyle>
+            <a:lvl1pPr marL="0" indent="0" algn="l" defTabSz="755934" rtl="0" eaLnBrk="1" latinLnBrk="0" hangingPunct="1">
+              <a:lnSpc>
+                <a:spcPct val="90000"/>
+              </a:lnSpc>
+              <a:spcBef>
+                <a:spcPts val="2400"/>
+              </a:spcBef>
+              <a:buFont typeface="Arial" panose="020B0604020202020204" pitchFamily="34" charset="0"/>
+              <a:buNone/>
+              <a:defRPr sz="1600" b="0" kern="1200" cap="all" baseline="0">
+                <a:solidFill>
+                  <a:schemeClr val="tx1"/>
+                </a:solidFill>
+                <a:latin typeface="Gotham Bold" pitchFamily="50" charset="0"/>
+                <a:ea typeface="+mn-ea"/>
+                <a:cs typeface="Gotham Bold" pitchFamily="50" charset="0"/>
+              </a:defRPr>
+            </a:lvl1pPr>
+            <a:lvl2pPr marL="179388" indent="0" algn="l" defTabSz="755934" rtl="0" eaLnBrk="1" latinLnBrk="0" hangingPunct="1">
+              <a:lnSpc>
+                <a:spcPct val="100000"/>
+              </a:lnSpc>
+              <a:spcBef>
+                <a:spcPts val="900"/>
+              </a:spcBef>
+              <a:buFont typeface="Arial" panose="020B0604020202020204" pitchFamily="34" charset="0"/>
+              <a:buNone/>
+              <a:defRPr sz="1200" kern="1200" cap="all" baseline="0">
+                <a:solidFill>
+                  <a:schemeClr val="tx1"/>
+                </a:solidFill>
+                <a:latin typeface="Gotham Medium" pitchFamily="50" charset="0"/>
+                <a:ea typeface="+mn-ea"/>
+                <a:cs typeface="Gotham Medium" pitchFamily="50" charset="0"/>
+              </a:defRPr>
+            </a:lvl2pPr>
+            <a:lvl3pPr marL="179388" indent="0" algn="l" defTabSz="755934" rtl="0" eaLnBrk="1" latinLnBrk="0" hangingPunct="1">
+              <a:lnSpc>
+                <a:spcPct val="100000"/>
+              </a:lnSpc>
+              <a:spcBef>
+                <a:spcPts val="600"/>
+              </a:spcBef>
+              <a:buFont typeface="Arial" panose="020B0604020202020204" pitchFamily="34" charset="0"/>
+              <a:buNone/>
+              <a:defRPr sz="900" kern="1200">
+                <a:solidFill>
+                  <a:schemeClr val="tx2"/>
+                </a:solidFill>
+                <a:latin typeface="+mn-lt"/>
+                <a:ea typeface="+mn-ea"/>
+                <a:cs typeface="+mn-cs"/>
+              </a:defRPr>
+            </a:lvl3pPr>
+            <a:lvl4pPr marL="0" indent="0" algn="ctr" defTabSz="755934" rtl="0" eaLnBrk="1" latinLnBrk="0" hangingPunct="1">
+              <a:lnSpc>
+                <a:spcPct val="100000"/>
+              </a:lnSpc>
+              <a:spcBef>
+                <a:spcPts val="1000"/>
+              </a:spcBef>
+              <a:spcAft>
+                <a:spcPts val="1000"/>
+              </a:spcAft>
+              <a:buFont typeface="Arial" panose="020B0604020202020204" pitchFamily="34" charset="0"/>
+              <a:buNone/>
+              <a:defRPr sz="900" u="none" kern="1200">
+                <a:solidFill>
+                  <a:schemeClr val="tx2"/>
+                </a:solidFill>
+                <a:latin typeface="Ciutadella Light" panose="02000000000000000000" pitchFamily="50" charset="0"/>
+                <a:ea typeface="+mn-ea"/>
+                <a:cs typeface="+mn-cs"/>
+              </a:defRPr>
+            </a:lvl4pPr>
+            <a:lvl5pPr marL="179388" indent="0" algn="l" defTabSz="755934" rtl="0" eaLnBrk="1" latinLnBrk="0" hangingPunct="1">
+              <a:lnSpc>
+                <a:spcPct val="100000"/>
+              </a:lnSpc>
+              <a:spcBef>
+                <a:spcPts val="600"/>
+              </a:spcBef>
+              <a:buFont typeface="Arial" panose="020B0604020202020204" pitchFamily="34" charset="0"/>
+              <a:buNone/>
+              <a:defRPr sz="900" kern="1200">
+                <a:solidFill>
+                  <a:schemeClr val="tx2"/>
+                </a:solidFill>
+                <a:latin typeface="Ciutadella Medium" panose="01000000000000000000" pitchFamily="50" charset="0"/>
+                <a:ea typeface="+mn-ea"/>
+                <a:cs typeface="+mn-cs"/>
+              </a:defRPr>
+            </a:lvl5pPr>
+            <a:lvl6pPr marL="2078820" indent="-188984" algn="l" defTabSz="755934" rtl="0" eaLnBrk="1" latinLnBrk="0" hangingPunct="1">
+              <a:lnSpc>
+                <a:spcPct val="90000"/>
+              </a:lnSpc>
+              <a:spcBef>
+                <a:spcPts val="413"/>
+              </a:spcBef>
+              <a:buFont typeface="Arial" panose="020B0604020202020204" pitchFamily="34" charset="0"/>
+              <a:buChar char="•"/>
+              <a:defRPr sz="1488" kern="1200">
+                <a:solidFill>
+                  <a:schemeClr val="tx1"/>
+                </a:solidFill>
+                <a:latin typeface="+mn-lt"/>
+                <a:ea typeface="+mn-ea"/>
+                <a:cs typeface="+mn-cs"/>
+              </a:defRPr>
+            </a:lvl6pPr>
+            <a:lvl7pPr marL="2456787" indent="-188984" algn="l" defTabSz="755934" rtl="0" eaLnBrk="1" latinLnBrk="0" hangingPunct="1">
+              <a:lnSpc>
+                <a:spcPct val="90000"/>
+              </a:lnSpc>
+              <a:spcBef>
+                <a:spcPts val="413"/>
+              </a:spcBef>
+              <a:buFont typeface="Arial" panose="020B0604020202020204" pitchFamily="34" charset="0"/>
+              <a:buChar char="•"/>
+              <a:defRPr sz="1488" kern="1200">
+                <a:solidFill>
+                  <a:schemeClr val="tx1"/>
+                </a:solidFill>
+                <a:latin typeface="+mn-lt"/>
+                <a:ea typeface="+mn-ea"/>
+                <a:cs typeface="+mn-cs"/>
+              </a:defRPr>
+            </a:lvl7pPr>
+            <a:lvl8pPr marL="2834754" indent="-188984" algn="l" defTabSz="755934" rtl="0" eaLnBrk="1" latinLnBrk="0" hangingPunct="1">
+              <a:lnSpc>
+                <a:spcPct val="90000"/>
+              </a:lnSpc>
+              <a:spcBef>
+                <a:spcPts val="413"/>
+              </a:spcBef>
+              <a:buFont typeface="Arial" panose="020B0604020202020204" pitchFamily="34" charset="0"/>
+              <a:buChar char="•"/>
+              <a:defRPr sz="1488" kern="1200">
+                <a:solidFill>
+                  <a:schemeClr val="tx1"/>
+                </a:solidFill>
+                <a:latin typeface="+mn-lt"/>
+                <a:ea typeface="+mn-ea"/>
+                <a:cs typeface="+mn-cs"/>
+              </a:defRPr>
+            </a:lvl8pPr>
+            <a:lvl9pPr marL="3212722" indent="-188984" algn="l" defTabSz="755934" rtl="0" eaLnBrk="1" latinLnBrk="0" hangingPunct="1">
+              <a:lnSpc>
+                <a:spcPct val="90000"/>
+              </a:lnSpc>
+              <a:spcBef>
+                <a:spcPts val="413"/>
+              </a:spcBef>
+              <a:buFont typeface="Arial" panose="020B0604020202020204" pitchFamily="34" charset="0"/>
+              <a:buChar char="•"/>
+              <a:defRPr sz="1488" kern="1200">
+                <a:solidFill>
+                  <a:schemeClr val="tx1"/>
+                </a:solidFill>
+                <a:latin typeface="+mn-lt"/>
+                <a:ea typeface="+mn-ea"/>
+                <a:cs typeface="+mn-cs"/>
+              </a:defRPr>
+            </a:lvl9pPr>
+          </a:lstStyle>
+          <a:p>
+            <a:r>
+              <a:rPr lang="fr-FR" sz="1200" dirty="0">
+                <a:latin typeface="Futura PT" panose="020B0902020204020203" pitchFamily="34" charset="0"/>
+              </a:rPr>
+              <a:t>Caractéristiques financières</a:t>
+            </a:r>
+          </a:p>
+        </p:txBody>
+      </p:sp>
+      <p:sp>
+        <p:nvSpPr>
+          <p:cNvPr id="7" name="Rectangle">
+            <a:extLst>
+              <a:ext uri="{FF2B5EF4-FFF2-40B4-BE49-F238E27FC236}">
+                <a16:creationId xmlns:a16="http://schemas.microsoft.com/office/drawing/2014/main" id="{88144A7C-A317-4A1A-AD52-95875AF24439}"/>
+              </a:ext>
+            </a:extLst>
+          </p:cNvPr>
+          <p:cNvSpPr/>
+          <p:nvPr/>
+        </p:nvSpPr>
+        <p:spPr>
+          <a:xfrm>
+            <a:off x="361950" y="703340"/>
+            <a:ext cx="45719" cy="138398"/>
+          </a:xfrm>
+          <a:prstGeom prst="rect">
+            <a:avLst/>
+          </a:prstGeom>
+          <a:solidFill>
+            <a:srgbClr val="B9A049"/>
+          </a:solidFill>
+          <a:ln w="3175">
+            <a:miter lim="400000"/>
+          </a:ln>
+        </p:spPr>
+        <p:txBody>
+          <a:bodyPr lIns="20981" tIns="20981" rIns="20981" bIns="20981"/>
+          <a:lstStyle/>
+          <a:p>
+            <a:pPr algn="ctr" defTabSz="825500">
+              <a:lnSpc>
+                <a:spcPct val="100000"/>
+              </a:lnSpc>
+              <a:defRPr sz="3200" b="0">
+                <a:solidFill>
+                  <a:srgbClr val="FFFFFF"/>
+                </a:solidFill>
+                <a:latin typeface="Helvetica Neue Medium"/>
+                <a:ea typeface="Helvetica Neue Medium"/>
+                <a:cs typeface="Helvetica Neue Medium"/>
+                <a:sym typeface="Helvetica Neue Medium"/>
+              </a:defRPr>
+            </a:pPr>
+            <a:endParaRPr/>
+          </a:p>
+        </p:txBody>
+      </p:sp>
     </p:spTree>
     <p:extLst>
       <p:ext uri="{BB962C8B-B14F-4D97-AF65-F5344CB8AC3E}">
@@ -23101,7 +23419,7 @@
                 </a:solidFill>
                 <a:latin typeface="Proxima Nova Rg" panose="02000506030000020004" pitchFamily="2" charset="0"/>
               </a:rPr>
-              <a:t>. </a:t>
+              <a:t>.</a:t>
             </a:r>
             <a:endParaRPr kumimoji="0" lang="fr-FR" sz="800" b="0" i="0" u="none" strike="noStrike" kern="1200" cap="none" spc="0" normalizeH="0" baseline="0" noProof="0" dirty="0">
               <a:ln>
@@ -23213,41 +23531,7 @@
                 <a:ea typeface="+mn-ea"/>
                 <a:cs typeface="+mn-cs"/>
               </a:rPr>
-              <a:t>Le  &lt;</a:t>
-            </a:r>
-            <a:r>
-              <a:rPr kumimoji="0" lang="fr-FR" sz="800" b="1" i="0" u="none" strike="noStrike" kern="1200" cap="none" spc="0" normalizeH="0" baseline="0" noProof="0" dirty="0" err="1">
-                <a:ln>
-                  <a:noFill/>
-                </a:ln>
-                <a:solidFill>
-                  <a:schemeClr val="tx1"/>
-                </a:solidFill>
-                <a:effectLst/>
-                <a:uLnTx/>
-                <a:uFillTx/>
-                <a:latin typeface="Proxima Nova Rg"/>
-                <a:ea typeface="+mn-ea"/>
-                <a:cs typeface="+mn-cs"/>
-              </a:rPr>
-              <a:t>gainoucoupon</a:t>
-            </a:r>
-            <a:r>
-              <a:rPr kumimoji="0" lang="fr-FR" sz="800" b="1" i="0" u="none" strike="noStrike" kern="1200" cap="none" spc="0" normalizeH="0" baseline="0" noProof="0" dirty="0">
-                <a:ln>
-                  <a:noFill/>
-                </a:ln>
-                <a:solidFill>
-                  <a:schemeClr val="tx1"/>
-                </a:solidFill>
-                <a:effectLst/>
-                <a:uLnTx/>
-                <a:uFillTx/>
-                <a:latin typeface="Proxima Nova Rg"/>
-                <a:ea typeface="+mn-ea"/>
-                <a:cs typeface="+mn-cs"/>
-              </a:rPr>
-              <a:t>&gt; est plafonné </a:t>
+              <a:t>Le gain est plafonné </a:t>
             </a:r>
             <a:r>
               <a:rPr kumimoji="0" lang="fr-FR" sz="800" b="0" i="0" u="none" strike="noStrike" kern="1200" cap="none" spc="0" normalizeH="0" baseline="0" noProof="0" dirty="0">
@@ -25234,7 +25518,7 @@
                 <a:ea typeface="+mn-ea"/>
                 <a:cs typeface="+mn-cs"/>
               </a:rPr>
-              <a:t>Le gain est plafonné </a:t>
+              <a:t>Le coupon est plafonné </a:t>
             </a:r>
             <a:r>
               <a:rPr kumimoji="0" lang="fr-FR" sz="800" b="0" i="0" u="none" strike="noStrike" kern="1200" cap="none" spc="0" normalizeH="0" baseline="0" noProof="0" dirty="0">
@@ -37923,18 +38207,6 @@
 </file>
 
 <file path=customXml/item1.xml><?xml version="1.0" encoding="utf-8"?>
-<p:properties xmlns:p="http://schemas.microsoft.com/office/2006/metadata/properties" xmlns:xsi="http://www.w3.org/2001/XMLSchema-instance" xmlns:pc="http://schemas.microsoft.com/office/infopath/2007/PartnerControls">
-  <documentManagement>
-    <_Flow_SignoffStatus xmlns="ef624bc2-1644-4d69-8362-5c28ca496374" xsi:nil="true"/>
-    <TaxCatchAll xmlns="514a554b-82b0-4359-b247-fc84018a95f0" xsi:nil="true"/>
-    <lcf76f155ced4ddcb4097134ff3c332f xmlns="ef624bc2-1644-4d69-8362-5c28ca496374">
-      <Terms xmlns="http://schemas.microsoft.com/office/infopath/2007/PartnerControls"/>
-    </lcf76f155ced4ddcb4097134ff3c332f>
-  </documentManagement>
-</p:properties>
-</file>
-
-<file path=customXml/item2.xml><?xml version="1.0" encoding="utf-8"?>
 <ct:contentTypeSchema xmlns:ct="http://schemas.microsoft.com/office/2006/metadata/contentType" xmlns:ma="http://schemas.microsoft.com/office/2006/metadata/properties/metaAttributes" ct:_="" ma:_="" ma:contentTypeName="Document" ma:contentTypeID="0x0101005DDE610BC516E448BB8152259F39635A" ma:contentTypeVersion="17" ma:contentTypeDescription="Crée un document." ma:contentTypeScope="" ma:versionID="bfb75e103009df80b8e5001438c41194">
   <xsd:schema xmlns:xsd="http://www.w3.org/2001/XMLSchema" xmlns:xs="http://www.w3.org/2001/XMLSchema" xmlns:p="http://schemas.microsoft.com/office/2006/metadata/properties" xmlns:ns2="ef624bc2-1644-4d69-8362-5c28ca496374" xmlns:ns3="514a554b-82b0-4359-b247-fc84018a95f0" targetNamespace="http://schemas.microsoft.com/office/2006/metadata/properties" ma:root="true" ma:fieldsID="2ae3df86d13efbb4a35042af2564d386" ns2:_="" ns3:_="">
     <xsd:import namespace="ef624bc2-1644-4d69-8362-5c28ca496374"/>
@@ -38183,6 +38455,18 @@
 </ct:contentTypeSchema>
 </file>
 
+<file path=customXml/item2.xml><?xml version="1.0" encoding="utf-8"?>
+<p:properties xmlns:p="http://schemas.microsoft.com/office/2006/metadata/properties" xmlns:xsi="http://www.w3.org/2001/XMLSchema-instance" xmlns:pc="http://schemas.microsoft.com/office/infopath/2007/PartnerControls">
+  <documentManagement>
+    <_Flow_SignoffStatus xmlns="ef624bc2-1644-4d69-8362-5c28ca496374" xsi:nil="true"/>
+    <TaxCatchAll xmlns="514a554b-82b0-4359-b247-fc84018a95f0" xsi:nil="true"/>
+    <lcf76f155ced4ddcb4097134ff3c332f xmlns="ef624bc2-1644-4d69-8362-5c28ca496374">
+      <Terms xmlns="http://schemas.microsoft.com/office/infopath/2007/PartnerControls"/>
+    </lcf76f155ced4ddcb4097134ff3c332f>
+  </documentManagement>
+</p:properties>
+</file>
+
 <file path=customXml/item3.xml><?xml version="1.0" encoding="utf-8"?>
 <?mso-contentType ?>
 <FormTemplates xmlns="http://schemas.microsoft.com/sharepoint/v3/contenttype/forms">
@@ -38193,23 +38477,6 @@
 </file>
 
 <file path=customXml/itemProps1.xml><?xml version="1.0" encoding="utf-8"?>
-<ds:datastoreItem xmlns:ds="http://schemas.openxmlformats.org/officeDocument/2006/customXml" ds:itemID="{25DE574B-2CD2-4078-9BEA-2A14717D9698}">
-  <ds:schemaRefs>
-    <ds:schemaRef ds:uri="http://schemas.microsoft.com/office/2006/metadata/properties"/>
-    <ds:schemaRef ds:uri="http://schemas.microsoft.com/office/2006/documentManagement/types"/>
-    <ds:schemaRef ds:uri="http://purl.org/dc/dcmitype/"/>
-    <ds:schemaRef ds:uri="514a554b-82b0-4359-b247-fc84018a95f0"/>
-    <ds:schemaRef ds:uri="http://www.w3.org/XML/1998/namespace"/>
-    <ds:schemaRef ds:uri="http://purl.org/dc/elements/1.1/"/>
-    <ds:schemaRef ds:uri="http://purl.org/dc/terms/"/>
-    <ds:schemaRef ds:uri="ef624bc2-1644-4d69-8362-5c28ca496374"/>
-    <ds:schemaRef ds:uri="http://schemas.microsoft.com/office/infopath/2007/PartnerControls"/>
-    <ds:schemaRef ds:uri="http://schemas.openxmlformats.org/package/2006/metadata/core-properties"/>
-  </ds:schemaRefs>
-</ds:datastoreItem>
-</file>
-
-<file path=customXml/itemProps2.xml><?xml version="1.0" encoding="utf-8"?>
 <ds:datastoreItem xmlns:ds="http://schemas.openxmlformats.org/officeDocument/2006/customXml" ds:itemID="{049ECCCF-890C-4C54-BAB4-06AB610C1865}">
   <ds:schemaRefs>
     <ds:schemaRef ds:uri="http://schemas.microsoft.com/office/2006/metadata/contentType"/>
@@ -38228,6 +38495,23 @@
 </ds:datastoreItem>
 </file>
 
+<file path=customXml/itemProps2.xml><?xml version="1.0" encoding="utf-8"?>
+<ds:datastoreItem xmlns:ds="http://schemas.openxmlformats.org/officeDocument/2006/customXml" ds:itemID="{25DE574B-2CD2-4078-9BEA-2A14717D9698}">
+  <ds:schemaRefs>
+    <ds:schemaRef ds:uri="http://schemas.microsoft.com/office/2006/metadata/properties"/>
+    <ds:schemaRef ds:uri="http://schemas.microsoft.com/office/2006/documentManagement/types"/>
+    <ds:schemaRef ds:uri="http://purl.org/dc/dcmitype/"/>
+    <ds:schemaRef ds:uri="514a554b-82b0-4359-b247-fc84018a95f0"/>
+    <ds:schemaRef ds:uri="http://www.w3.org/XML/1998/namespace"/>
+    <ds:schemaRef ds:uri="http://purl.org/dc/elements/1.1/"/>
+    <ds:schemaRef ds:uri="http://purl.org/dc/terms/"/>
+    <ds:schemaRef ds:uri="ef624bc2-1644-4d69-8362-5c28ca496374"/>
+    <ds:schemaRef ds:uri="http://schemas.microsoft.com/office/infopath/2007/PartnerControls"/>
+    <ds:schemaRef ds:uri="http://schemas.openxmlformats.org/package/2006/metadata/core-properties"/>
+  </ds:schemaRefs>
+</ds:datastoreItem>
+</file>
+
 <file path=customXml/itemProps3.xml><?xml version="1.0" encoding="utf-8"?>
 <ds:datastoreItem xmlns:ds="http://schemas.openxmlformats.org/officeDocument/2006/customXml" ds:itemID="{B00FC41E-FBDE-42E2-B58A-20EBD240A376}">
   <ds:schemaRefs>

--- a/Templates/Natixis.pptx
+++ b/Templates/Natixis.pptx
@@ -230,7 +230,7 @@
           <a:p>
             <a:fld id="{515CCE07-1711-4DC7-A7D8-7ED312C82FB8}" type="datetimeFigureOut">
               <a:rPr lang="fr-FR" smtClean="0"/>
-              <a:t>11/07/2022</a:t>
+              <a:t>15/07/2022</a:t>
             </a:fld>
             <a:endParaRPr lang="fr-FR"/>
           </a:p>
@@ -395,7 +395,7 @@
           <a:p>
             <a:fld id="{014ABEAC-8B63-4BD1-9569-A14EB8752A94}" type="datetimeFigureOut">
               <a:rPr lang="fr-FR" smtClean="0"/>
-              <a:t>11/07/2022</a:t>
+              <a:t>15/07/2022</a:t>
             </a:fld>
             <a:endParaRPr lang="fr-FR"/>
           </a:p>
@@ -2576,18 +2576,10 @@
                   <a:schemeClr val="tx2"/>
                 </a:solidFill>
               </a:rPr>
-              <a:t>l’investisseur prend un risque de perte en capital non mesurable à </a:t>
-            </a:r>
-            <a:r>
-              <a:rPr lang="fr-FR" sz="800" b="1" i="1" cap="none">
-                <a:solidFill>
-                  <a:schemeClr val="tx2"/>
-                </a:solidFill>
-              </a:rPr>
-              <a:t>priori</a:t>
-            </a:r>
-            <a:r>
-              <a:rPr lang="fr-FR" sz="800" i="1" cap="none">
+              <a:t>l’investisseur prend un risque de perte en capital non mesurable à priori</a:t>
+            </a:r>
+            <a:r>
+              <a:rPr lang="fr-FR" sz="800" i="1" cap="none" dirty="0">
                 <a:solidFill>
                   <a:schemeClr val="tx2"/>
                 </a:solidFill>
@@ -3112,20 +3104,12 @@
           <a:p>
             <a:pPr algn="just" defTabSz="914400"/>
             <a:r>
-              <a:rPr lang="fr-FR" sz="650" baseline="30000" dirty="0">
+              <a:rPr lang="fr-FR" sz="650" dirty="0">
                 <a:solidFill>
                   <a:schemeClr val="tx2"/>
                 </a:solidFill>
               </a:rPr>
-              <a:t>(1) </a:t>
-            </a:r>
-            <a:r>
-              <a:rPr lang="fr-FR" sz="650" dirty="0">
-                <a:solidFill>
-                  <a:schemeClr val="tx2"/>
-                </a:solidFill>
-              </a:rPr>
-              <a:t>L’investisseur prend un risque de perte en capital non mesurable a priori si les titres de créance sont revendus avant la date d’échéance ou de remboursement anticipé automatique. L’investisseur supporte les risques de défaut, </a:t>
+              <a:t>(1) L’investisseur prend un risque de perte en capital non mesurable a priori si les titres de créance sont revendus avant la date d’échéance ou de remboursement anticipé automatique. L’investisseur supporte les risques de défaut, </a:t>
             </a:r>
             <a:r>
               <a:rPr lang="fr-FR" sz="650" spc="-10" dirty="0">
@@ -3292,7 +3276,7 @@
           <a:p>
             <a:pPr algn="just" defTabSz="914400"/>
             <a:r>
-              <a:rPr lang="fr-FR" sz="650" spc="15" baseline="34722" dirty="0">
+              <a:rPr lang="fr-FR" sz="650" spc="15" dirty="0">
                 <a:solidFill>
                   <a:srgbClr val="000000"/>
                 </a:solidFill>
@@ -3421,7 +3405,7 @@
           <a:p>
             <a:pPr algn="just" defTabSz="914400"/>
             <a:r>
-              <a:rPr lang="fr-FR" sz="650" spc="15" baseline="34722" dirty="0">
+              <a:rPr lang="fr-FR" sz="650" spc="15" dirty="0">
                 <a:solidFill>
                   <a:srgbClr val="000000"/>
                 </a:solidFill>
@@ -4245,156 +4229,74 @@
           </a:bodyPr>
           <a:lstStyle/>
           <a:p>
-            <a:pPr marL="0" lvl="1" algn="just"/>
+            <a:pPr algn="just"/>
+            <a:r>
+              <a:rPr lang="fr-FR" sz="650" dirty="0">
+                <a:solidFill>
+                  <a:srgbClr val="000000"/>
+                </a:solidFill>
+                <a:latin typeface="Proxima Nova Rg" panose="02000506030000020004" pitchFamily="2" charset="0"/>
+              </a:rPr>
+              <a:t>(1) Veuillez vous référer au tableau récapitulant les principales caractéristiques financières en &lt;PAGE&gt; pour le détail des dates. </a:t>
+            </a:r>
+          </a:p>
+          <a:p>
+            <a:pPr algn="just"/>
+            <a:r>
+              <a:rPr lang="fr-FR" sz="650" dirty="0">
+                <a:solidFill>
+                  <a:srgbClr val="000000"/>
+                </a:solidFill>
+                <a:latin typeface="Proxima Nova Rg" panose="02000506030000020004" pitchFamily="2" charset="0"/>
+              </a:rPr>
+              <a:t>(2) En prenant comme hypothèse 1,00% de frais de gestion du contrat d’assurance vie ou de capitalisation ou de droits de garde en compte-titres. TRA nets hors autres frais, fiscalité et prélèvements sociaux applicables au cadre d’investissement sous réserve de l’absence de défaut, d’ouverture d’une procédure de résolution et de faillite de l’Émetteur et du Garant. Les TRA sont calculés à partir du &lt;2PDC_MAJ&gt; jusqu’à la date de remboursement anticipé automatique éventuel</a:t>
+            </a:r>
             <a:r>
               <a:rPr lang="fr-FR" sz="650" baseline="30000" dirty="0">
                 <a:solidFill>
-                  <a:schemeClr val="tx2"/>
-                </a:solidFill>
-                <a:latin typeface="+mn-lt"/>
+                  <a:srgbClr val="000000"/>
+                </a:solidFill>
+                <a:latin typeface="Proxima Nova Rg" panose="02000506030000020004" pitchFamily="2" charset="0"/>
               </a:rPr>
               <a:t>(1)</a:t>
             </a:r>
             <a:r>
               <a:rPr lang="fr-FR" sz="650" dirty="0">
                 <a:solidFill>
-                  <a:schemeClr val="tx2"/>
-                </a:solidFill>
-                <a:latin typeface="+mn-lt"/>
-              </a:rPr>
-              <a:t> Veuillez vous référer au tableau récapitulant les principales caractéristiques financières en &lt;PAGE&gt; pour le détail des dates. </a:t>
+                  <a:srgbClr val="000000"/>
+                </a:solidFill>
+                <a:latin typeface="Proxima Nova Rg" panose="02000506030000020004" pitchFamily="2" charset="0"/>
+              </a:rPr>
+              <a:t> ou d’échéance</a:t>
+            </a:r>
+            <a:r>
+              <a:rPr lang="fr-FR" sz="650" baseline="30000" dirty="0">
+                <a:solidFill>
+                  <a:srgbClr val="000000"/>
+                </a:solidFill>
+                <a:latin typeface="Proxima Nova Rg" panose="02000506030000020004" pitchFamily="2" charset="0"/>
+              </a:rPr>
+              <a:t>(1)</a:t>
+            </a:r>
+            <a:r>
+              <a:rPr lang="fr-FR" sz="650" dirty="0">
+                <a:solidFill>
+                  <a:srgbClr val="000000"/>
+                </a:solidFill>
+                <a:latin typeface="Proxima Nova Rg" panose="02000506030000020004" pitchFamily="2" charset="0"/>
+              </a:rPr>
+              <a:t> selon les scénarios. Une sortie anticipée à l’initiative de l’investisseur se fera à un &lt;SJR3&gt; dépendant de l’évolution des paramètres de marché au moment de la sortie (&lt;SJR3&gt; &lt;SJR7&gt;, des taux d’intérêt, de la volatilité et des primes de risque de crédit notamment) et pourra donc entraîner un risque de perte en capital.</a:t>
             </a:r>
           </a:p>
           <a:p>
             <a:pPr marL="0" lvl="1" algn="just"/>
             <a:r>
-              <a:rPr lang="fr-FR" sz="650" baseline="30000" dirty="0">
-                <a:solidFill>
-                  <a:schemeClr val="tx2"/>
-                </a:solidFill>
-                <a:latin typeface="+mn-lt"/>
-              </a:rPr>
-              <a:t>(2)</a:t>
-            </a:r>
-            <a:r>
               <a:rPr lang="fr-FR" sz="650" dirty="0">
                 <a:solidFill>
-                  <a:schemeClr val="tx2"/>
-                </a:solidFill>
-                <a:latin typeface="+mn-lt"/>
-              </a:rPr>
-              <a:t> En prenant comme hypothèse 1,00% de frais de gestion du contrat d’assurance vie ou de capitalisation </a:t>
-            </a:r>
-            <a:r>
-              <a:rPr lang="fr-FR" sz="700" dirty="0">
-                <a:solidFill>
                   <a:srgbClr val="000000"/>
                 </a:solidFill>
-                <a:latin typeface="Proxima Nova Rg" panose="02000506030000020004" pitchFamily="2" charset="0"/>
-              </a:rPr>
-              <a:t>de droits de garde en compte-titres</a:t>
-            </a:r>
-            <a:r>
-              <a:rPr lang="fr-FR" sz="650" dirty="0">
-                <a:solidFill>
-                  <a:schemeClr val="tx2"/>
-                </a:solidFill>
-                <a:latin typeface="+mn-lt"/>
-              </a:rPr>
-              <a:t>. TRA nets hors autres frais, fiscalité et prélèvements sociaux applicables au cadre d’investissement</a:t>
-            </a:r>
-            <a:r>
-              <a:rPr lang="fr-FR" sz="700" dirty="0">
-                <a:solidFill>
-                  <a:srgbClr val="000000"/>
-                </a:solidFill>
-                <a:latin typeface="Proxima Nova Rg" panose="02000506030000020004" pitchFamily="2" charset="0"/>
-              </a:rPr>
-              <a:t> sous réserve de l’absence de défaut, d’ouverture d’une procédure de résolution et de faillite de l’Émetteur et du Garant.</a:t>
-            </a:r>
-            <a:r>
-              <a:rPr lang="fr-FR" sz="650" dirty="0">
-                <a:solidFill>
-                  <a:schemeClr val="tx2"/>
-                </a:solidFill>
-                <a:latin typeface="+mn-lt"/>
-              </a:rPr>
-              <a:t> Les TRA sont calculés à partir </a:t>
-            </a:r>
-            <a:r>
-              <a:rPr lang="fr-FR" sz="700" dirty="0">
-                <a:solidFill>
-                  <a:srgbClr val="000000"/>
-                </a:solidFill>
-                <a:latin typeface="Proxima Nova Rg" panose="02000506030000020004" pitchFamily="2" charset="0"/>
-              </a:rPr>
-              <a:t>de la dernière date de constatation initiale (soit le</a:t>
-            </a:r>
-            <a:r>
-              <a:rPr lang="fr-FR" sz="650" dirty="0">
-                <a:solidFill>
-                  <a:schemeClr val="tx2"/>
-                </a:solidFill>
-                <a:latin typeface="+mn-lt"/>
-              </a:rPr>
-              <a:t> &lt;2PDC&gt;) jusqu’à la date de remboursement anticipé automatique éventuel</a:t>
-            </a:r>
-            <a:r>
-              <a:rPr lang="fr-FR" sz="650" baseline="30000" dirty="0">
-                <a:solidFill>
-                  <a:schemeClr val="tx2"/>
-                </a:solidFill>
-                <a:latin typeface="+mn-lt"/>
-              </a:rPr>
-              <a:t>(1)</a:t>
-            </a:r>
-            <a:r>
-              <a:rPr lang="fr-FR" sz="650" dirty="0">
-                <a:solidFill>
-                  <a:schemeClr val="tx2"/>
-                </a:solidFill>
-                <a:latin typeface="+mn-lt"/>
-              </a:rPr>
-              <a:t> ou d’échéance</a:t>
-            </a:r>
-            <a:r>
-              <a:rPr lang="fr-FR" sz="650" baseline="30000" dirty="0">
-                <a:solidFill>
-                  <a:schemeClr val="tx2"/>
-                </a:solidFill>
-                <a:latin typeface="+mn-lt"/>
-              </a:rPr>
-              <a:t>(1)</a:t>
-            </a:r>
-            <a:r>
-              <a:rPr lang="fr-FR" sz="650" dirty="0">
-                <a:solidFill>
-                  <a:schemeClr val="tx2"/>
-                </a:solidFill>
-                <a:latin typeface="+mn-lt"/>
-              </a:rPr>
-              <a:t> selon les scénarios. Une sortie anticipée à l’initiative de l’investisseur se fera à un &lt;SJR3&gt; dépendant de l’évolution des paramètres de marché au moment de la sortie (&lt;SJR3&gt; &lt;SJR7&gt;, des taux d’intérêt, de la volatilité et des primes de risque de crédit notamment) et pourra donc entraîner un risque de perte en capital.</a:t>
-            </a:r>
-          </a:p>
-          <a:p>
-            <a:pPr marL="0" lvl="1" algn="just"/>
-            <a:r>
-              <a:rPr lang="fr-FR" sz="650" baseline="30000" dirty="0">
-                <a:solidFill>
-                  <a:schemeClr val="tx2"/>
-                </a:solidFill>
-                <a:latin typeface="+mn-lt"/>
-              </a:rPr>
-              <a:t>(3) </a:t>
-            </a:r>
-            <a:r>
-              <a:rPr lang="fr-FR" sz="650" dirty="0">
-                <a:solidFill>
-                  <a:schemeClr val="tx2"/>
-                </a:solidFill>
-                <a:latin typeface="+mn-lt"/>
-              </a:rPr>
-              <a:t>&lt;DIVIDENDE&gt;</a:t>
+              </a:rPr>
+              <a:t>(3) Pour un investissement direct dans l’Indice, hors prise en compte des dividendes éventuels détachés par l’Indice.</a:t>
             </a:r>
           </a:p>
         </p:txBody>
@@ -5183,7 +5085,40 @@
             </a:pPr>
             <a:r>
               <a:rPr lang="fr-FR" sz="800" dirty="0"/>
-              <a:t>À la fin &lt;DU&gt; &lt;F0&gt; 1, à la date de constatation correspondante, &lt;SJR1&gt; clôture à un &lt;SJR3&gt; supérieur à &lt;ABAC2&gt;. Le produit verse donc un coupon de &lt;CPN&gt; au titre du &lt;F0&gt;.</a:t>
+              <a:t>À la fin &lt;DU&gt; &lt;F0&gt; 1, à la date de constatation correspondante, &lt;SJR1&gt; clôture à un &lt;SJR3&gt; strictement supérieur à &lt;ABAC2&gt;. Le produit verse donc un coupon de &lt;CPN&gt; au titre du &lt;F0&gt;.</a:t>
+            </a:r>
+          </a:p>
+          <a:p>
+            <a:pPr lvl="0" algn="just" defTabSz="1042988" fontAlgn="base">
+              <a:spcBef>
+                <a:spcPct val="0"/>
+              </a:spcBef>
+              <a:spcAft>
+                <a:spcPct val="0"/>
+              </a:spcAft>
+            </a:pPr>
+            <a:endParaRPr lang="fr-FR" sz="800" dirty="0"/>
+          </a:p>
+          <a:p>
+            <a:pPr lvl="0" algn="just" defTabSz="1042988" fontAlgn="base">
+              <a:spcBef>
+                <a:spcPct val="0"/>
+              </a:spcBef>
+              <a:spcAft>
+                <a:spcPct val="0"/>
+              </a:spcAft>
+            </a:pPr>
+            <a:r>
+              <a:rPr lang="fr-FR" sz="800" dirty="0"/>
+              <a:t>À l’issue des &lt;F0&gt;&lt;F0s&gt; 2 à &lt;ADPR&gt;, aux dates de constatation correspondantes</a:t>
+            </a:r>
+            <a:r>
+              <a:rPr lang="fr-FR" sz="800" baseline="30000" dirty="0"/>
+              <a:t>(1)</a:t>
+            </a:r>
+            <a:r>
+              <a:rPr lang="fr-FR" sz="800" dirty="0"/>
+              <a:t>, &lt;SJR1&gt; clôture à un &lt;SJR3&gt; strictement inférieur au seuil de versement du coupon. Le mécanisme de remboursement anticipé automatique n’est donc pas activé et le produit ne verse aucun coupon&lt;Mémoire4&gt;.</a:t>
             </a:r>
           </a:p>
           <a:p>
@@ -5207,12 +5142,12 @@
                 <a:spcPct val="0"/>
               </a:spcBef>
               <a:spcAft>
-                <a:spcPct val="0"/>
+                <a:spcPts val="600"/>
               </a:spcAft>
             </a:pPr>
             <a:r>
               <a:rPr lang="fr-FR" sz="800" dirty="0"/>
-              <a:t>À l’issue des &lt;F0&gt;&lt;F0s&gt; 2 à &lt;ADPR&gt;, aux dates de constatation correspondantes</a:t>
+              <a:t>À la date de constatation finale</a:t>
             </a:r>
             <a:r>
               <a:rPr lang="fr-FR" sz="800" baseline="30000" dirty="0"/>
@@ -5220,23 +5155,8 @@
             </a:r>
             <a:r>
               <a:rPr lang="fr-FR" sz="800" dirty="0"/>
-              <a:t>, &lt;SJR1&gt; clôture à un &lt;SJR3&gt; inférieur au seuil de versement du coupon. Le mécanisme de remboursement anticipé automatique n’est donc pas activé et le produit ne verse aucun coupon&lt;Mémoire4&gt;.</a:t>
-            </a:r>
-          </a:p>
-          <a:p>
-            <a:pPr lvl="0" algn="just" defTabSz="1042988" fontAlgn="base">
-              <a:spcBef>
-                <a:spcPct val="0"/>
-              </a:spcBef>
-              <a:spcAft>
-                <a:spcPct val="0"/>
-              </a:spcAft>
-            </a:pPr>
-            <a:endParaRPr lang="fr-FR" sz="800" dirty="0">
-              <a:highlight>
-                <a:srgbClr val="FFFF00"/>
-              </a:highlight>
-            </a:endParaRPr>
+              <a:t>, &lt;SJR1&gt; clôture à un &lt;SJR3&gt; strictement inférieur à &lt;PDI&gt; de son &lt;NDR&gt; (&lt;NSD&gt; dans cet exemple). L’investisseur récupère alors le capital initialement investi diminué de l’intégralité de la baisse enregistrée par &lt;SJR1&gt;, soit &lt;NSD&gt; de son capital initial dans cet exemple.</a:t>
+            </a:r>
           </a:p>
           <a:p>
             <a:pPr lvl="0" algn="just" defTabSz="1042988" fontAlgn="base">
@@ -5249,29 +5169,7 @@
             </a:pPr>
             <a:r>
               <a:rPr lang="fr-FR" sz="800" dirty="0"/>
-              <a:t>À la date de constatation finale</a:t>
-            </a:r>
-            <a:r>
-              <a:rPr lang="fr-FR" sz="800" baseline="30000" dirty="0"/>
-              <a:t>(1)</a:t>
-            </a:r>
-            <a:r>
-              <a:rPr lang="fr-FR" sz="800" dirty="0"/>
-              <a:t>, &lt;SJR1&gt; clôture à un &lt;SJR3&gt; strictement inférieur à &lt;PDI&gt; de son &lt;NDR&gt; (&lt;NSD&gt; dans cet exemple). L’investisseur récupère alors le capital initialement investi diminué de l’intégralité de la baisse enregistrée par &lt;SJR1&gt;, soit &lt;NSD&gt; de son capital initial dans cet exemple.</a:t>
-            </a:r>
-          </a:p>
-          <a:p>
-            <a:pPr lvl="0" algn="just" defTabSz="1042988" fontAlgn="base">
-              <a:spcBef>
-                <a:spcPct val="0"/>
-              </a:spcBef>
-              <a:spcAft>
-                <a:spcPts val="600"/>
-              </a:spcAft>
-            </a:pPr>
-            <a:r>
-              <a:rPr lang="fr-FR" sz="800" dirty="0"/>
-              <a:t>Ce qui correspond à un Taux de Rendement Annuel net négatif de        </a:t>
+              <a:t>Ce qui correspond à un taux de rendement annuel net négatif de </a:t>
             </a:r>
             <a:r>
               <a:rPr lang="fr-FR" sz="800" dirty="0">
@@ -5287,7 +5185,7 @@
             </a:r>
             <a:r>
               <a:rPr lang="fr-FR" sz="800" dirty="0"/>
-              <a:t>, contre un Taux de Rendement Annuel net de </a:t>
+              <a:t>, contre un taux de rendement annuel net négatif de </a:t>
             </a:r>
             <a:r>
               <a:rPr lang="fr-FR" sz="800" dirty="0">
@@ -5372,12 +5270,21 @@
             </a:pPr>
             <a:r>
               <a:rPr lang="fr-FR" sz="800" dirty="0">
-                <a:solidFill>
-                  <a:srgbClr val="000000"/>
-                </a:solidFill>
-                <a:latin typeface="Proxima Nova Rg" panose="02000506030000020004" pitchFamily="2" charset="0"/>
-              </a:rPr>
-              <a:t>À l’issue &lt;DU&gt; &lt;F0&gt; 2, à la date de constatation correspondante(1), &lt;SJR1&gt; clôture à un &lt;SJR3&gt; strictement inférieur à &lt;ABAC&gt; mais supérieur au seuil de versement du coupon. Le mécanisme de remboursement anticipé automatique n’est donc pas activé mais le produit verse un coupon de &lt;CPN&gt; au titre &lt;DU&gt; &lt;F0&gt; &lt;Mémoire5&gt;.</a:t>
+                <a:latin typeface="+mn-lt"/>
+              </a:rPr>
+              <a:t>À l’issue &lt;DU&gt; &lt;F0&gt; 2, à la date de constatation correspondante</a:t>
+            </a:r>
+            <a:r>
+              <a:rPr lang="fr-FR" sz="800" baseline="30000" dirty="0">
+                <a:latin typeface="+mn-lt"/>
+              </a:rPr>
+              <a:t>(1)</a:t>
+            </a:r>
+            <a:r>
+              <a:rPr lang="fr-FR" sz="800" dirty="0">
+                <a:latin typeface="+mn-lt"/>
+              </a:rPr>
+              <a:t>, &lt;SJR1&gt; clôture à un &lt;SJR3&gt; strictement inférieur à &lt;ABAC&gt; mais supérieur au seuil de versement du coupon. Le mécanisme de remboursement anticipé automatique n’est donc pas activé mais le produit verse un coupon de &lt;CPN&gt; au titre &lt;DU&gt; &lt;F0&gt; &lt;Mémoire5&gt;.</a:t>
             </a:r>
           </a:p>
           <a:p>
@@ -5422,7 +5329,7 @@
               <a:rPr lang="fr-FR" sz="800" dirty="0">
                 <a:latin typeface="+mn-lt"/>
               </a:rPr>
-              <a:t>Ce qui correspond à un Taux de Rendement Annuel net de </a:t>
+              <a:t>Ce qui correspond à un taux de rendement annuel net de </a:t>
             </a:r>
             <a:r>
               <a:rPr lang="fr-FR" sz="800" dirty="0">
@@ -5455,7 +5362,7 @@
               <a:rPr lang="fr-FR" sz="800" dirty="0">
                 <a:latin typeface="+mn-lt"/>
               </a:rPr>
-              <a:t>contre un Taux de Rendement Annuel net de </a:t>
+              <a:t>contre un taux de rendement annuel net de </a:t>
             </a:r>
             <a:r>
               <a:rPr lang="fr-FR" sz="800" dirty="0">
@@ -5660,7 +5567,7 @@
                   <a:srgbClr val="04202E"/>
                 </a:solidFill>
               </a:rPr>
-              <a:t>Ce qui correspond à un Taux de Rendement Annuel net de &lt;TRA.F.P&gt;</a:t>
+              <a:t>Ce qui correspond à un taux de rendement annuel net de &lt;TRA.F.P&gt;</a:t>
             </a:r>
             <a:r>
               <a:rPr lang="fr-FR" sz="800" baseline="30000" dirty="0">
@@ -5676,7 +5583,7 @@
                   <a:srgbClr val="04202E"/>
                 </a:solidFill>
               </a:rPr>
-              <a:t>, contre un Taux de Rendement Annuel net de </a:t>
+              <a:t>, contre un taux de rendement annuel net de </a:t>
             </a:r>
             <a:r>
               <a:rPr lang="fr-FR" sz="800" dirty="0"/>
@@ -5728,7 +5635,7 @@
                   <a:schemeClr val="tx2"/>
                 </a:solidFill>
               </a:rPr>
-              <a:t>mécanisme de plafonnement des gains à &lt;CPN&gt; par &lt;F0&gt;.</a:t>
+              <a:t>mécanisme de plafonnement des gains à &lt;CPN&gt; &lt;environ&gt; par &lt;F0&gt;.</a:t>
             </a:r>
           </a:p>
         </p:txBody>
@@ -6100,7 +6007,16 @@
               <a:rPr lang="fr-FR" sz="1200" cap="none" dirty="0">
                 <a:latin typeface="Futura PT" panose="020B0902020204020203" pitchFamily="34" charset="0"/>
               </a:rPr>
-              <a:t>ZOOM SUR &lt;NOMSOUSJACENTP1&gt;   </a:t>
+              <a:t>ZOOM SUR </a:t>
+            </a:r>
+            <a:r>
+              <a:rPr lang="fr-FR" sz="1200" cap="none" dirty="0">
+                <a:solidFill>
+                  <a:srgbClr val="B9A049"/>
+                </a:solidFill>
+                <a:latin typeface="Futura PT" panose="020B0902020204020203" pitchFamily="34" charset="0"/>
+              </a:rPr>
+              <a:t>&lt;NOMSOUSJACENTP1&gt;   </a:t>
             </a:r>
           </a:p>
         </p:txBody>
@@ -7098,7 +7014,7 @@
         <p:spPr>
           <a:xfrm>
             <a:off x="359839" y="9771664"/>
-            <a:ext cx="6482920" cy="500137"/>
+            <a:ext cx="6482920" cy="492443"/>
           </a:xfrm>
           <a:prstGeom prst="rect">
             <a:avLst/>
@@ -7275,44 +7191,20 @@
           <a:p>
             <a:pPr algn="just"/>
             <a:r>
-              <a:rPr lang="fr-FR" sz="650" dirty="0">
-                <a:solidFill>
-                  <a:schemeClr val="tx2"/>
+              <a:rPr lang="fr-FR" sz="800" b="0" i="0" u="none" strike="noStrike" cap="none" baseline="0" dirty="0">
+                <a:solidFill>
+                  <a:srgbClr val="000000"/>
                 </a:solidFill>
                 <a:latin typeface="+mn-lt"/>
               </a:rPr>
-              <a:t>LES DONNÉES RELATIVES AUX PERFORMANCES PASSÉES ONT TRAIT OU SE RÉFÈRENT À DES PÉRIODES PASSÉES ET NE SONT PAS UN INDICATEUR FIABLE DES RÉSULTATS FUTURS. CECI EST VALABLE ÉGALEMENT POUR CE QUI EST DES DONNÉES HISTORIQUES DE MARCHÉ. </a:t>
-            </a:r>
-          </a:p>
-          <a:p>
-            <a:pPr lvl="1" algn="just"/>
-            <a:r>
-              <a:rPr lang="fr-FR" sz="650" dirty="0">
-                <a:solidFill>
-                  <a:schemeClr val="tx2"/>
-                </a:solidFill>
-                <a:latin typeface="+mn-lt"/>
-              </a:rPr>
-              <a:t>L’exactitude, l’exhaustivité ou la pertinence de l’information provenant de sources externes ne sont pas garanties, bien qu’elles aient été obtenues auprès de sources raisonnablement jugées fiables. Sous réserve des lois applicables, </a:t>
-            </a:r>
-            <a:r>
-              <a:rPr lang="en-US" sz="650" dirty="0">
-                <a:solidFill>
-                  <a:schemeClr val="tx2"/>
-                </a:solidFill>
-                <a:latin typeface="+mn-lt"/>
-              </a:rPr>
-              <a:t>BNP Paribas </a:t>
-            </a:r>
-            <a:r>
-              <a:rPr lang="fr-FR" sz="650" dirty="0">
-                <a:solidFill>
-                  <a:schemeClr val="tx2"/>
-                </a:solidFill>
-                <a:latin typeface="+mn-lt"/>
-              </a:rPr>
-              <a:t>n’assume pas de responsabilité à cet égard. Les éléments du présent document relatifs aux données de marchés sont fournis sur la base de données constatées à un moment précis et qui sont susceptibles de varier.</a:t>
-            </a:r>
+              <a:t>L’exactitude, l’exhaustivité ou la pertinence de l’information provenant de sources externes ne sont pas garanties, bien qu’elles aient été obtenues auprès de sources raisonnablement jugées fiables. Sous réserve des lois applicables, Natixis n’assume pas de responsabilité à cet égard. Les éléments du présent document relatifs aux données de marchés sont fournis sur la base de données constatées à un moment précis et qui sont susceptibles de varier. </a:t>
+            </a:r>
+            <a:endParaRPr lang="fr-FR" sz="800" cap="none" dirty="0">
+              <a:solidFill>
+                <a:schemeClr val="tx2"/>
+              </a:solidFill>
+              <a:latin typeface="+mn-lt"/>
+            </a:endParaRPr>
           </a:p>
         </p:txBody>
       </p:sp>
@@ -7348,10 +7240,28 @@
               <a:rPr lang="fr-FR" sz="1200" cap="none" dirty="0">
                 <a:latin typeface="Futura PT" panose="020B0902020204020203" pitchFamily="34" charset="0"/>
               </a:rPr>
-              <a:t>ÉVOLUTION &lt;SJR6P1&gt; &lt;NOMSOUSJACENTP1&gt; DU </a:t>
+              <a:t>ÉVOLUTION &lt;SJR6P1&gt; </a:t>
+            </a:r>
+            <a:r>
+              <a:rPr lang="fr-FR" sz="1200" cap="none" dirty="0">
+                <a:solidFill>
+                  <a:srgbClr val="B9A049"/>
+                </a:solidFill>
+                <a:latin typeface="Futura PT" panose="020B0902020204020203" pitchFamily="34" charset="0"/>
+              </a:rPr>
+              <a:t>&lt;NOMSOUSJACENTP1&gt;</a:t>
+            </a:r>
+            <a:r>
+              <a:rPr lang="fr-FR" sz="1200" cap="none" dirty="0">
+                <a:latin typeface="Futura PT" panose="020B0902020204020203" pitchFamily="34" charset="0"/>
+              </a:rPr>
+              <a:t> DU </a:t>
             </a:r>
             <a:r>
               <a:rPr lang="en-US" sz="1200" b="0" dirty="0">
+                <a:solidFill>
+                  <a:srgbClr val="B9A049"/>
+                </a:solidFill>
                 <a:effectLst/>
                 <a:latin typeface="+mj-lt"/>
               </a:rPr>
@@ -7367,7 +7277,16 @@
               <a:rPr lang="fr-FR" sz="1200" cap="none" dirty="0">
                 <a:latin typeface="Futura PT" panose="020B0902020204020203" pitchFamily="34" charset="0"/>
               </a:rPr>
-              <a:t>AU &lt;DDR1&gt;</a:t>
+              <a:t>AU </a:t>
+            </a:r>
+            <a:r>
+              <a:rPr lang="fr-FR" sz="1200" cap="none" dirty="0">
+                <a:solidFill>
+                  <a:srgbClr val="B9A049"/>
+                </a:solidFill>
+                <a:latin typeface="Futura PT" panose="020B0902020204020203" pitchFamily="34" charset="0"/>
+              </a:rPr>
+              <a:t>&lt;DDR1&gt;</a:t>
             </a:r>
           </a:p>
         </p:txBody>
@@ -7690,7 +7609,7 @@
           <p:nvPr>
             <p:extLst>
               <p:ext uri="{D42A27DB-BD31-4B8C-83A1-F6EECF244321}">
-                <p14:modId xmlns:p14="http://schemas.microsoft.com/office/powerpoint/2010/main" val="397917226"/>
+                <p14:modId xmlns:p14="http://schemas.microsoft.com/office/powerpoint/2010/main" val="845590608"/>
               </p:ext>
             </p:extLst>
           </p:nvPr>
@@ -10649,7 +10568,7 @@
                         <a:defRPr/>
                       </a:pPr>
                       <a:r>
-                        <a:rPr lang="fr-FR" sz="700" b="1" kern="1200">
+                        <a:rPr lang="fr-FR" sz="700" b="1" kern="1200" dirty="0">
                           <a:solidFill>
                             <a:srgbClr val="B9A049"/>
                           </a:solidFill>
@@ -11115,7 +11034,29 @@
                           <a:ea typeface="+mn-ea"/>
                           <a:cs typeface="+mn-cs"/>
                         </a:rPr>
-                        <a:t>&lt;Datesconstatations1&gt;</a:t>
+                        <a:t>&lt;</a:t>
+                      </a:r>
+                      <a:r>
+                        <a:rPr lang="fr-FR" sz="700" b="0" i="0" kern="1200" dirty="0" err="1">
+                          <a:solidFill>
+                            <a:schemeClr val="tx1"/>
+                          </a:solidFill>
+                          <a:latin typeface="+mn-lt"/>
+                          <a:ea typeface="+mn-ea"/>
+                          <a:cs typeface="+mn-cs"/>
+                        </a:rPr>
+                        <a:t>dates_constat_autocall</a:t>
+                      </a:r>
+                      <a:r>
+                        <a:rPr lang="fr-FR" sz="700" b="0" i="0" kern="1200" dirty="0">
+                          <a:solidFill>
+                            <a:schemeClr val="tx1"/>
+                          </a:solidFill>
+                          <a:latin typeface="+mn-lt"/>
+                          <a:ea typeface="+mn-ea"/>
+                          <a:cs typeface="+mn-cs"/>
+                        </a:rPr>
+                        <a:t>&gt;</a:t>
                       </a:r>
                     </a:p>
                   </a:txBody>
@@ -11300,7 +11241,29 @@
                           <a:ea typeface="+mn-ea"/>
                           <a:cs typeface="+mn-cs"/>
                         </a:rPr>
-                        <a:t>&lt;Datesremb1&gt;</a:t>
+                        <a:t>&lt;</a:t>
+                      </a:r>
+                      <a:r>
+                        <a:rPr lang="fr-FR" sz="700" b="0" i="0" kern="1200" baseline="0" dirty="0" err="1">
+                          <a:solidFill>
+                            <a:schemeClr val="tx1"/>
+                          </a:solidFill>
+                          <a:latin typeface="+mn-lt"/>
+                          <a:ea typeface="+mn-ea"/>
+                          <a:cs typeface="+mn-cs"/>
+                        </a:rPr>
+                        <a:t>dates_paiement_autocall</a:t>
+                      </a:r>
+                      <a:r>
+                        <a:rPr lang="fr-FR" sz="700" b="0" i="0" kern="1200" baseline="0" dirty="0">
+                          <a:solidFill>
+                            <a:schemeClr val="tx1"/>
+                          </a:solidFill>
+                          <a:latin typeface="+mn-lt"/>
+                          <a:ea typeface="+mn-ea"/>
+                          <a:cs typeface="+mn-cs"/>
+                        </a:rPr>
+                        <a:t>&gt;</a:t>
                       </a:r>
                     </a:p>
                   </a:txBody>
@@ -11485,7 +11448,7 @@
                           <a:ea typeface="+mn-ea"/>
                           <a:cs typeface="+mn-cs"/>
                         </a:rPr>
-                        <a:t>&lt;BAC&gt; du &lt;NDR&gt; &lt;SJR7&gt;</a:t>
+                        <a:t>&lt;BRA&gt;</a:t>
                       </a:r>
                     </a:p>
                   </a:txBody>
@@ -11670,7 +11633,7 @@
                           <a:ea typeface="+mn-ea"/>
                           <a:cs typeface="+mn-cs"/>
                         </a:rPr>
-                        <a:t>&lt;SV&gt; du &lt;NDR&gt; &lt;SJR7&gt;</a:t>
+                        <a:t>&lt;BVC&gt;</a:t>
                       </a:r>
                     </a:p>
                   </a:txBody>
@@ -14466,7 +14429,7 @@
           <p:nvPr>
             <p:extLst>
               <p:ext uri="{D42A27DB-BD31-4B8C-83A1-F6EECF244321}">
-                <p14:modId xmlns:p14="http://schemas.microsoft.com/office/powerpoint/2010/main" val="1488488447"/>
+                <p14:modId xmlns:p14="http://schemas.microsoft.com/office/powerpoint/2010/main" val="975060248"/>
               </p:ext>
             </p:extLst>
           </p:nvPr>
@@ -17884,7 +17847,29 @@
                           <a:ea typeface="+mn-ea"/>
                           <a:cs typeface="+mn-cs"/>
                         </a:rPr>
-                        <a:t>&lt;Datesconstatations1&gt;</a:t>
+                        <a:t>&lt;</a:t>
+                      </a:r>
+                      <a:r>
+                        <a:rPr lang="fr-FR" sz="700" b="0" i="0" kern="1200" dirty="0" err="1">
+                          <a:solidFill>
+                            <a:schemeClr val="tx1"/>
+                          </a:solidFill>
+                          <a:latin typeface="+mn-lt"/>
+                          <a:ea typeface="+mn-ea"/>
+                          <a:cs typeface="+mn-cs"/>
+                        </a:rPr>
+                        <a:t>dates_constat_phoenix</a:t>
+                      </a:r>
+                      <a:r>
+                        <a:rPr lang="fr-FR" sz="700" b="0" i="0" kern="1200" dirty="0">
+                          <a:solidFill>
+                            <a:schemeClr val="tx1"/>
+                          </a:solidFill>
+                          <a:latin typeface="+mn-lt"/>
+                          <a:ea typeface="+mn-ea"/>
+                          <a:cs typeface="+mn-cs"/>
+                        </a:rPr>
+                        <a:t>&gt;</a:t>
                       </a:r>
                     </a:p>
                   </a:txBody>
@@ -18069,7 +18054,29 @@
                           <a:ea typeface="+mn-ea"/>
                           <a:cs typeface="+mn-cs"/>
                         </a:rPr>
-                        <a:t>&lt;Datespaiement1&gt;</a:t>
+                        <a:t>&lt;</a:t>
+                      </a:r>
+                      <a:r>
+                        <a:rPr lang="fr-FR" sz="700" b="0" i="0" kern="1200" dirty="0" err="1">
+                          <a:solidFill>
+                            <a:schemeClr val="tx1"/>
+                          </a:solidFill>
+                          <a:latin typeface="+mn-lt"/>
+                          <a:ea typeface="+mn-ea"/>
+                          <a:cs typeface="+mn-cs"/>
+                        </a:rPr>
+                        <a:t>dates_paiement_phoenix</a:t>
+                      </a:r>
+                      <a:r>
+                        <a:rPr lang="fr-FR" sz="700" b="0" i="0" kern="1200" dirty="0">
+                          <a:solidFill>
+                            <a:schemeClr val="tx1"/>
+                          </a:solidFill>
+                          <a:latin typeface="+mn-lt"/>
+                          <a:ea typeface="+mn-ea"/>
+                          <a:cs typeface="+mn-cs"/>
+                        </a:rPr>
+                        <a:t>&gt;</a:t>
                       </a:r>
                     </a:p>
                   </a:txBody>
@@ -18254,7 +18261,29 @@
                           <a:ea typeface="+mn-ea"/>
                           <a:cs typeface="+mn-cs"/>
                         </a:rPr>
-                        <a:t>&lt;Datesremb1&gt;</a:t>
+                        <a:t>&lt;</a:t>
+                      </a:r>
+                      <a:r>
+                        <a:rPr lang="fr-FR" sz="700" b="0" i="0" kern="1200" dirty="0" err="1">
+                          <a:solidFill>
+                            <a:schemeClr val="tx1"/>
+                          </a:solidFill>
+                          <a:latin typeface="+mn-lt"/>
+                          <a:ea typeface="+mn-ea"/>
+                          <a:cs typeface="+mn-cs"/>
+                        </a:rPr>
+                        <a:t>dates_last_remboursement_rappel</a:t>
+                      </a:r>
+                      <a:r>
+                        <a:rPr lang="fr-FR" sz="700" b="0" i="0" kern="1200" dirty="0">
+                          <a:solidFill>
+                            <a:schemeClr val="tx1"/>
+                          </a:solidFill>
+                          <a:latin typeface="+mn-lt"/>
+                          <a:ea typeface="+mn-ea"/>
+                          <a:cs typeface="+mn-cs"/>
+                        </a:rPr>
+                        <a:t>&gt;</a:t>
                       </a:r>
                     </a:p>
                   </a:txBody>
@@ -18439,7 +18468,7 @@
                           <a:ea typeface="+mn-ea"/>
                           <a:cs typeface="+mn-cs"/>
                         </a:rPr>
-                        <a:t>&lt;BAC&gt; du &lt;NDR&gt; &lt;SJR7&gt;</a:t>
+                        <a:t>&lt;BRA&gt;</a:t>
                       </a:r>
                     </a:p>
                   </a:txBody>
@@ -18624,7 +18653,7 @@
                           <a:ea typeface="+mn-ea"/>
                           <a:cs typeface="+mn-cs"/>
                         </a:rPr>
-                        <a:t>&lt;ABAC&gt; du &lt;NDR&gt; &lt;SJR7&gt;</a:t>
+                        <a:t>&lt;BVC&gt;</a:t>
                       </a:r>
                     </a:p>
                   </a:txBody>
@@ -21911,43 +21940,25 @@
           <a:p>
             <a:pPr algn="just"/>
             <a:r>
-              <a:rPr lang="fr-FR" sz="650" baseline="30000" dirty="0">
+              <a:rPr lang="fr-FR" sz="650" dirty="0">
                 <a:solidFill>
                   <a:srgbClr val="000000"/>
                 </a:solidFill>
                 <a:latin typeface="Proxima Nova Rg" panose="02000506030000020004" pitchFamily="2" charset="0"/>
               </a:rPr>
-              <a:t>(1) </a:t>
-            </a:r>
-            <a:r>
-              <a:rPr lang="fr-FR" sz="650" dirty="0">
-                <a:solidFill>
-                  <a:srgbClr val="000000"/>
-                </a:solidFill>
-                <a:latin typeface="Proxima Nova Rg" panose="02000506030000020004" pitchFamily="2" charset="0"/>
-              </a:rPr>
-              <a:t>Veuillez vous référer au tableau récapitulant les principales caractéristiques financières en &lt;PAGE&gt; pour le détail des dates. </a:t>
+              <a:t>(1) Veuillez vous référer au tableau récapitulant les principales caractéristiques financières en &lt;PAGE&gt; pour le détail des dates. </a:t>
             </a:r>
           </a:p>
           <a:p>
             <a:pPr algn="just"/>
             <a:r>
-              <a:rPr lang="fr-FR" sz="650" baseline="30000" dirty="0">
+              <a:rPr lang="fr-FR" sz="650" dirty="0">
                 <a:solidFill>
                   <a:srgbClr val="000000"/>
                 </a:solidFill>
                 <a:latin typeface="Proxima Nova Rg" panose="02000506030000020004" pitchFamily="2" charset="0"/>
               </a:rPr>
-              <a:t>(2)</a:t>
-            </a:r>
-            <a:r>
-              <a:rPr lang="fr-FR" sz="650" dirty="0">
-                <a:solidFill>
-                  <a:srgbClr val="000000"/>
-                </a:solidFill>
-                <a:latin typeface="Proxima Nova Rg" panose="02000506030000020004" pitchFamily="2" charset="0"/>
-              </a:rPr>
-              <a:t> En prenant comme hypothèse 1,00% de frais de gestion du contrat d’assurance vie ou de capitalisation ou de droits de garde en compte-titres. TRA nets hors autres frais, fiscalité et prélèvements sociaux applicables au cadre d’investissement sous réserve de l’absence de défaut, d’ouverture d’une procédure de résolution et de faillite de l’Émetteur et du Garant. Les TRA sont calculés à partir de la date de constatation initiale (soit le &lt;2PDC_MAJ&gt;) jusqu’à la date de remboursement anticipé automatique éventuel</a:t>
+              <a:t>(2) En prenant comme hypothèse 1,00% de frais de gestion du contrat d’assurance vie ou de capitalisation ou de droits de garde en compte-titres. TRA nets hors autres frais, fiscalité et prélèvements sociaux applicables au cadre d’investissement sous réserve de l’absence de défaut, d’ouverture d’une procédure de résolution et de faillite de l’Émetteur et du Garant. Les TRA sont calculés à partir du &lt;2PDC_MAJ&gt; jusqu’à la date de remboursement anticipé automatique éventuel</a:t>
             </a:r>
             <a:r>
               <a:rPr lang="fr-FR" sz="650" baseline="30000" dirty="0">
@@ -22260,7 +22271,7 @@
         </p:nvSpPr>
         <p:spPr>
           <a:xfrm>
-            <a:off x="458462" y="6374565"/>
+            <a:off x="458462" y="5698290"/>
             <a:ext cx="4248000" cy="230950"/>
           </a:xfrm>
           <a:prstGeom prst="rect">
@@ -22465,7 +22476,7 @@
         </p:nvSpPr>
         <p:spPr>
           <a:xfrm>
-            <a:off x="361950" y="6407825"/>
+            <a:off x="361950" y="5731550"/>
             <a:ext cx="45719" cy="138398"/>
           </a:xfrm>
           <a:prstGeom prst="rect">
@@ -22514,7 +22525,7 @@
         </p:nvSpPr>
         <p:spPr>
           <a:xfrm>
-            <a:off x="407669" y="6830047"/>
+            <a:off x="407669" y="6153772"/>
             <a:ext cx="6242589" cy="369332"/>
           </a:xfrm>
           <a:prstGeom prst="rect">
@@ -22553,7 +22564,7 @@
         <p:spPr>
           <a:xfrm>
             <a:off x="458462" y="974579"/>
-            <a:ext cx="6741374" cy="4493025"/>
+            <a:ext cx="6741374" cy="4228850"/>
           </a:xfrm>
           <a:prstGeom prst="rect">
             <a:avLst/>
@@ -22945,71 +22956,8 @@
                 <a:ea typeface="+mn-ea"/>
                 <a:cs typeface="+mn-cs"/>
               </a:rPr>
-              <a:t>Pour un investissement dans « &lt;NOM&gt; », vous êtes exposés pour une durée de &lt;1PR&gt; à &lt;DPRR&gt; &lt;F0&gt;&lt;F0s&gt; </a:t>
-            </a:r>
-            <a:r>
-              <a:rPr lang="fr-FR" sz="800" dirty="0">
-                <a:latin typeface="Proxima Nova Rg" panose="02000506030000020004" pitchFamily="2" charset="0"/>
-              </a:rPr>
-              <a:t>à la performance positive ou négative </a:t>
-            </a:r>
-            <a:r>
-              <a:rPr kumimoji="0" lang="fr-FR" sz="800" b="1" i="0" u="none" strike="noStrike" kern="1200" cap="none" spc="0" normalizeH="0" baseline="0" noProof="0" dirty="0">
-                <a:ln>
-                  <a:noFill/>
-                </a:ln>
-                <a:solidFill>
-                  <a:schemeClr val="tx1"/>
-                </a:solidFill>
-                <a:effectLst/>
-                <a:uLnTx/>
-                <a:uFillTx/>
-                <a:latin typeface="Proxima Nova Rg"/>
-                <a:ea typeface="+mn-ea"/>
-                <a:cs typeface="+mn-cs"/>
-              </a:rPr>
-              <a:t>&lt;SJR6&gt;</a:t>
-            </a:r>
-            <a:r>
-              <a:rPr lang="fr-FR" sz="800" b="1" dirty="0">
-                <a:solidFill>
-                  <a:schemeClr val="tx1"/>
-                </a:solidFill>
-                <a:latin typeface="Proxima Nova Rg"/>
-              </a:rPr>
-              <a:t> </a:t>
-            </a:r>
-            <a:r>
-              <a:rPr kumimoji="0" lang="fr-FR" sz="800" b="1" i="0" u="none" strike="noStrike" kern="1200" cap="none" spc="0" normalizeH="0" baseline="0" dirty="0">
-                <a:ln>
-                  <a:noFill/>
-                </a:ln>
-                <a:solidFill>
-                  <a:schemeClr val="tx1"/>
-                </a:solidFill>
-                <a:effectLst/>
-                <a:uLnTx/>
-                <a:uFillTx/>
-                <a:latin typeface="Proxima Nova Rg"/>
-                <a:ea typeface="+mn-ea"/>
-                <a:cs typeface="+mn-cs"/>
-              </a:rPr>
-              <a:t>&lt;BLOCDIVIDENDE&gt;</a:t>
-            </a:r>
-            <a:endParaRPr kumimoji="0" lang="fr-FR" sz="800" b="1" i="0" u="none" strike="noStrike" kern="1200" cap="none" spc="0" normalizeH="0" baseline="0" noProof="0" dirty="0">
-              <a:ln>
-                <a:noFill/>
-              </a:ln>
-              <a:solidFill>
-                <a:schemeClr val="tx1"/>
-              </a:solidFill>
-              <a:effectLst/>
-              <a:uLnTx/>
-              <a:uFillTx/>
-              <a:latin typeface="Proxima Nova Rg"/>
-              <a:ea typeface="+mn-ea"/>
-              <a:cs typeface="+mn-cs"/>
-            </a:endParaRPr>
+              <a:t>Pour un investissement dans « &lt;NOM&gt; », vous êtes exposés pour une durée &lt;DUREE&gt; à l’évolution &lt;SJR6&gt; &lt;BLOCDIVIDENDE&gt;.</a:t>
+            </a:r>
           </a:p>
           <a:p>
             <a:pPr marL="0" marR="0" lvl="1" indent="0" algn="just" defTabSz="755934" rtl="0" eaLnBrk="1" fontAlgn="auto" latinLnBrk="0" hangingPunct="1">
@@ -23124,16 +23072,15 @@
             </a:r>
           </a:p>
           <a:p>
-            <a:pPr lvl="2" algn="just">
-              <a:lnSpc>
-                <a:spcPct val="90000"/>
-              </a:lnSpc>
+            <a:pPr marL="0" marR="0" lvl="2" indent="0" algn="just" defTabSz="755934" rtl="0" eaLnBrk="1" fontAlgn="auto" latinLnBrk="0" hangingPunct="1">
               <a:spcBef>
                 <a:spcPts val="400"/>
               </a:spcBef>
-              <a:spcAft>
-                <a:spcPts val="200"/>
-              </a:spcAft>
+              <a:buClrTx/>
+              <a:buSzTx/>
+              <a:buFont typeface="Arial" panose="020B0604020202020204" pitchFamily="34" charset="0"/>
+              <a:buNone/>
+              <a:tabLst/>
               <a:defRPr/>
             </a:pPr>
             <a:r>
@@ -23151,47 +23098,7 @@
                 <a:ea typeface="+mn-ea"/>
                 <a:cs typeface="+mn-cs"/>
               </a:rPr>
-              <a:t>… avec un mécanisme de remboursement </a:t>
-            </a:r>
-            <a:r>
-              <a:rPr lang="fr-FR" sz="800" b="1" dirty="0">
-                <a:solidFill>
-                  <a:srgbClr val="B9A049"/>
-                </a:solidFill>
-                <a:latin typeface="Proxima Nova Rg" panose="02000506030000020004" pitchFamily="2" charset="0"/>
-              </a:rPr>
-              <a:t>activable automatiquement à toutes les dates de constatation &lt;F1&gt; dès la fin </a:t>
-            </a:r>
-            <a:r>
-              <a:rPr kumimoji="0" lang="fr-FR" sz="800" b="1" i="0" u="none" strike="noStrike" kern="1200" cap="none" spc="0" normalizeH="0" baseline="0" noProof="0" dirty="0">
-                <a:ln>
-                  <a:noFill/>
-                </a:ln>
-                <a:solidFill>
-                  <a:srgbClr val="B9A049"/>
-                </a:solidFill>
-                <a:effectLst/>
-                <a:uLnTx/>
-                <a:uFillTx/>
-                <a:latin typeface="Proxima Nova Rg"/>
-                <a:ea typeface="+mn-ea"/>
-                <a:cs typeface="+mn-cs"/>
-              </a:rPr>
-              <a:t>&lt;DU&gt; &lt;F0&gt; &lt;1PR&gt; jusqu'à la fin &lt;DU&gt; &lt;F0&gt; &lt;ADPR&gt;</a:t>
-            </a:r>
-            <a:r>
-              <a:rPr kumimoji="0" lang="fr-FR" sz="800" b="1" i="0" u="none" strike="noStrike" kern="1200" cap="none" spc="0" normalizeH="0" baseline="0" noProof="0" dirty="0">
-                <a:ln>
-                  <a:noFill/>
-                </a:ln>
-                <a:effectLst/>
-                <a:uLnTx/>
-                <a:uFillTx/>
-                <a:latin typeface="Proxima Nova Rg"/>
-                <a:ea typeface="+mn-ea"/>
-                <a:cs typeface="+mn-cs"/>
-              </a:rPr>
-              <a:t> </a:t>
+              <a:t>… avec un mécanisme de remboursement anticipé à hauteur de l’intégralité du capital initial, activable automatiquement &lt;PERIODE_DE_REMBOURSEMENT&gt; </a:t>
             </a:r>
             <a:r>
               <a:rPr kumimoji="0" lang="fr-FR" sz="800" b="0" i="0" u="none" strike="noStrike" kern="1200" cap="none" spc="0" normalizeH="0" baseline="0" noProof="0" dirty="0">
@@ -23263,23 +23170,9 @@
               </a:rPr>
               <a:t>ou égal à &lt;ABAC&gt;.</a:t>
             </a:r>
-            <a:endParaRPr kumimoji="0" lang="fr-FR" sz="800" b="0" i="0" u="none" strike="noStrike" kern="1200" cap="none" spc="0" normalizeH="0" baseline="0" noProof="0" dirty="0">
-              <a:ln>
-                <a:noFill/>
-              </a:ln>
-              <a:effectLst/>
-              <a:highlight>
-                <a:srgbClr val="FFFF00"/>
-              </a:highlight>
-              <a:uLnTx/>
-              <a:uFillTx/>
-              <a:latin typeface="Proxima Nova Rg"/>
-              <a:ea typeface="+mn-ea"/>
-              <a:cs typeface="+mn-cs"/>
-            </a:endParaRPr>
           </a:p>
           <a:p>
-            <a:pPr lvl="2" algn="just">
+            <a:pPr marL="0" marR="0" lvl="2" indent="0" algn="just" defTabSz="755934" rtl="0" eaLnBrk="1" fontAlgn="auto" latinLnBrk="0" hangingPunct="1">
               <a:lnSpc>
                 <a:spcPct val="90000"/>
               </a:lnSpc>
@@ -23289,6 +23182,11 @@
               <a:spcAft>
                 <a:spcPts val="200"/>
               </a:spcAft>
+              <a:buClrTx/>
+              <a:buSzTx/>
+              <a:buFont typeface="Arial" panose="020B0604020202020204" pitchFamily="34" charset="0"/>
+              <a:buNone/>
+              <a:tabLst/>
               <a:defRPr/>
             </a:pPr>
             <a:r>
@@ -23340,7 +23238,16 @@
                 <a:ea typeface="+mn-ea"/>
                 <a:cs typeface="+mn-cs"/>
               </a:rPr>
-              <a:t>avec un objectif de gain fixe plafonné à &lt;CPN&gt; par &lt;F0&gt; &lt;F2&gt; depuis le &lt;DDCI&gt; (soit &lt;GCA&gt; par année écoulée) </a:t>
+              <a:t>avec un objectif de gain fixe plafonné à &lt;CPN&gt; &lt;environ&gt; par &lt;F0&gt; &lt;F2&gt; depuis le &lt;DDCI&gt;&lt;exclus&gt; &lt;ANNUALISE&gt;</a:t>
+            </a:r>
+            <a:r>
+              <a:rPr lang="fr-FR" sz="800" b="1" dirty="0">
+                <a:solidFill>
+                  <a:srgbClr val="B9A049"/>
+                </a:solidFill>
+                <a:latin typeface="Proxima Nova Rg"/>
+              </a:rPr>
+              <a:t> </a:t>
             </a:r>
             <a:r>
               <a:rPr kumimoji="0" lang="fr-FR" sz="800" b="0" i="0" u="none" strike="noStrike" kern="1200" cap="none" spc="0" normalizeH="0" baseline="0" noProof="0" dirty="0">
@@ -23413,11 +23320,16 @@
               <a:t>ou égal à &lt;ABAC&gt; &lt;balisedeg1&gt;</a:t>
             </a:r>
             <a:r>
-              <a:rPr lang="fr-FR" sz="800" dirty="0">
-                <a:solidFill>
-                  <a:schemeClr val="tx2"/>
-                </a:solidFill>
+              <a:rPr kumimoji="0" lang="fr-FR" sz="800" b="0" i="0" u="none" strike="noStrike" kern="1200" cap="none" spc="0" normalizeH="0" baseline="0" noProof="0" dirty="0">
+                <a:ln>
+                  <a:noFill/>
+                </a:ln>
+                <a:effectLst/>
+                <a:uLnTx/>
+                <a:uFillTx/>
                 <a:latin typeface="Proxima Nova Rg" panose="02000506030000020004" pitchFamily="2" charset="0"/>
+                <a:ea typeface="+mn-ea"/>
+                <a:cs typeface="+mn-cs"/>
               </a:rPr>
               <a:t>.</a:t>
             </a:r>
@@ -23579,7 +23491,7 @@
                 <a:ea typeface="+mn-ea"/>
                 <a:cs typeface="+mn-cs"/>
               </a:rPr>
-              <a:t>), les investisseurs recevront en contrepartie l’intégralité du capital initial si &lt;SJR1&gt; ne baisse pas de plus de &lt;PDIPERF&gt; par rapport à son &lt;NDR&gt; à la date de constatation finale.</a:t>
+              <a:t>), les investisseurs recevront en contrepartie l’intégralité du capital initial si &lt;SJR1&gt; ne baisse pas de plus de &lt;PDIPERF&gt; par rapport à son &lt;NDR&gt; à la date de constatation finale</a:t>
             </a:r>
             <a:r>
               <a:rPr kumimoji="0" lang="fr-FR" sz="800" b="0" i="0" u="none" strike="noStrike" kern="1200" cap="none" spc="0" normalizeH="0" baseline="30000" noProof="0" dirty="0">
@@ -23702,7 +23614,7 @@
             </a:r>
           </a:p>
           <a:p>
-            <a:pPr marL="0" marR="0" lvl="1" indent="0" algn="just" defTabSz="755934" rtl="0" eaLnBrk="1" fontAlgn="auto" latinLnBrk="0" hangingPunct="1">
+            <a:pPr marL="0" marR="0" lvl="4" indent="0" algn="just" defTabSz="755934" rtl="0" eaLnBrk="1" fontAlgn="auto" latinLnBrk="0" hangingPunct="1">
               <a:lnSpc>
                 <a:spcPct val="90000"/>
               </a:lnSpc>
@@ -23710,7 +23622,7 @@
                 <a:spcPts val="600"/>
               </a:spcBef>
               <a:spcAft>
-                <a:spcPts val="200"/>
+                <a:spcPts val="0"/>
               </a:spcAft>
               <a:buClrTx/>
               <a:buSzTx/>
@@ -23734,7 +23646,7 @@
                 <a:ea typeface="+mn-ea"/>
                 <a:cs typeface="+mn-cs"/>
               </a:rPr>
-              <a:t> « &lt;NOM&gt; » ne peut constituer l’intégralité d’un portefeuille d’investissement. L’investisseur est exposé pour une durée de &lt;1PR&gt; à &lt;DPRR&gt; &lt;F0&gt;&lt;F0s&gt; à </a:t>
+              <a:t> « &lt;NOM&gt; » ne peut constituer l’intégralité d’un portefeuille d’investissement. L’investisseur est exposé pour une durée &lt;DUREE&gt; à </a:t>
             </a:r>
             <a:r>
               <a:rPr lang="fr-FR" b="1" i="1" dirty="0">
@@ -23863,97 +23775,25 @@
           <a:p>
             <a:pPr algn="just"/>
             <a:r>
-              <a:rPr lang="fr-FR" sz="650" baseline="30000" dirty="0">
+              <a:rPr lang="fr-FR" sz="650" dirty="0">
                 <a:solidFill>
                   <a:srgbClr val="000000"/>
                 </a:solidFill>
                 <a:latin typeface="Proxima Nova Rg" panose="02000506030000020004" pitchFamily="2" charset="0"/>
               </a:rPr>
-              <a:t>(1) </a:t>
-            </a:r>
-            <a:r>
-              <a:rPr lang="fr-FR" sz="650" dirty="0">
-                <a:solidFill>
-                  <a:srgbClr val="000000"/>
-                </a:solidFill>
-                <a:latin typeface="Proxima Nova Rg" panose="02000506030000020004" pitchFamily="2" charset="0"/>
-              </a:rPr>
-              <a:t>Veuillez vous référer au tableau récapitulant les principales caractéristiques financières en &lt;PAGE&gt; pour le détail des dates. </a:t>
+              <a:t>(1) Veuillez vous référer au tableau récapitulant les principales caractéristiques financières en &lt;PAGE&gt; pour le détail des dates. </a:t>
             </a:r>
           </a:p>
           <a:p>
             <a:pPr algn="just"/>
             <a:r>
-              <a:rPr lang="fr-FR" sz="650" baseline="30000" dirty="0">
+              <a:rPr lang="fr-FR" sz="650" dirty="0">
                 <a:solidFill>
                   <a:srgbClr val="000000"/>
                 </a:solidFill>
                 <a:latin typeface="Proxima Nova Rg" panose="02000506030000020004" pitchFamily="2" charset="0"/>
               </a:rPr>
-              <a:t>(2)</a:t>
-            </a:r>
-            <a:r>
-              <a:rPr lang="fr-FR" sz="650" dirty="0">
-                <a:solidFill>
-                  <a:srgbClr val="000000"/>
-                </a:solidFill>
-                <a:latin typeface="Proxima Nova Rg" panose="02000506030000020004" pitchFamily="2" charset="0"/>
-              </a:rPr>
-              <a:t> En prenant comme hypothèse 1,00% de frais de gestion du contrat d’assurance vie ou de capitalisation </a:t>
-            </a:r>
-            <a:r>
-              <a:rPr lang="fr-FR" sz="700" dirty="0">
-                <a:solidFill>
-                  <a:srgbClr val="000000"/>
-                </a:solidFill>
-                <a:latin typeface="Proxima Nova Rg" panose="02000506030000020004" pitchFamily="2" charset="0"/>
-              </a:rPr>
-              <a:t>ou de droits de garde en compte-titres</a:t>
-            </a:r>
-            <a:r>
-              <a:rPr lang="fr-FR" sz="650" dirty="0">
-                <a:solidFill>
-                  <a:srgbClr val="000000"/>
-                </a:solidFill>
-                <a:latin typeface="Proxima Nova Rg" panose="02000506030000020004" pitchFamily="2" charset="0"/>
-              </a:rPr>
-              <a:t>. TRA nets hors autres frais, fiscalité et prélèvements sociaux applicables au cadre d’investissement</a:t>
-            </a:r>
-            <a:r>
-              <a:rPr lang="fr-FR" sz="700" dirty="0">
-                <a:solidFill>
-                  <a:srgbClr val="000000"/>
-                </a:solidFill>
-                <a:latin typeface="Proxima Nova Rg" panose="02000506030000020004" pitchFamily="2" charset="0"/>
-              </a:rPr>
-              <a:t> sous réserve de l’absence de défaut, d’ouverture d’une procédure de résolution et de faillite de l’Émetteur et du Garant.</a:t>
-            </a:r>
-            <a:r>
-              <a:rPr lang="fr-FR" sz="650" dirty="0">
-                <a:solidFill>
-                  <a:srgbClr val="000000"/>
-                </a:solidFill>
-                <a:latin typeface="Proxima Nova Rg" panose="02000506030000020004" pitchFamily="2" charset="0"/>
-              </a:rPr>
-              <a:t> Les TRA sont calculés à partir </a:t>
-            </a:r>
-            <a:r>
-              <a:rPr lang="fr-FR" sz="700" dirty="0">
-                <a:solidFill>
-                  <a:srgbClr val="000000"/>
-                </a:solidFill>
-                <a:latin typeface="Proxima Nova Rg" panose="02000506030000020004" pitchFamily="2" charset="0"/>
-              </a:rPr>
-              <a:t>de la dernière date de constatation initiale (soit le </a:t>
-            </a:r>
-            <a:r>
-              <a:rPr lang="fr-FR" sz="650" dirty="0">
-                <a:solidFill>
-                  <a:srgbClr val="000000"/>
-                </a:solidFill>
-                <a:latin typeface="Proxima Nova Rg" panose="02000506030000020004" pitchFamily="2" charset="0"/>
-              </a:rPr>
-              <a:t>&lt;2PDC&gt;) jusqu’à la date de remboursement anticipé automatique éventuel</a:t>
+              <a:t>(2) En prenant comme hypothèse 1,00% de frais de gestion du contrat d’assurance vie ou de capitalisation ou de droits de garde en compte-titres. TRA nets hors autres frais, fiscalité et prélèvements sociaux applicables au cadre d’investissement sous réserve de l’absence de défaut, d’ouverture d’une procédure de résolution et de faillite de l’Émetteur et du Garant. Les TRA sont calculés à partir du &lt;2PDC_MAJ&gt; jusqu’à la date de remboursement anticipé automatique éventuel</a:t>
             </a:r>
             <a:r>
               <a:rPr lang="fr-FR" sz="650" baseline="30000" dirty="0">
@@ -24988,7 +24828,7 @@
                 <a:ea typeface="+mn-ea"/>
                 <a:cs typeface="+mn-cs"/>
               </a:rPr>
-              <a:t>Pour un investissement dans « &lt;NOM&gt; », vous êtes exposé pour une durée de &lt;1PR&gt; à &lt;DPRR&gt; &lt;F0&gt;&lt;F0s&gt; à la performance positive ou négative &lt;SJR6&gt;</a:t>
+              <a:t>Pour un investissement dans « &lt;NOM&gt; », vous êtes exposé pour une durée &lt;DUREE&gt; à l’évolution &lt;SJR6&gt;</a:t>
             </a:r>
             <a:r>
               <a:rPr lang="fr-FR" sz="800" b="1" dirty="0">
@@ -25230,7 +25070,7 @@
             </a:r>
           </a:p>
           <a:p>
-            <a:pPr lvl="2" algn="just">
+            <a:pPr marL="0" marR="0" lvl="2" indent="0" algn="just" defTabSz="755934" rtl="0" eaLnBrk="1" fontAlgn="auto" latinLnBrk="0" hangingPunct="1">
               <a:lnSpc>
                 <a:spcPct val="90000"/>
               </a:lnSpc>
@@ -25240,6 +25080,11 @@
               <a:spcAft>
                 <a:spcPts val="200"/>
               </a:spcAft>
+              <a:buClrTx/>
+              <a:buSzTx/>
+              <a:buFont typeface="Arial" panose="020B0604020202020204" pitchFamily="34" charset="0"/>
+              <a:buNone/>
+              <a:tabLst/>
               <a:defRPr/>
             </a:pPr>
             <a:r>
@@ -25291,7 +25136,7 @@
                 <a:ea typeface="+mn-ea"/>
                 <a:cs typeface="+mn-cs"/>
               </a:rPr>
-              <a:t>avec un objectif de coupon fixe plafonné à &lt;CPN&gt; par &lt;F0&gt; (soit &lt;GCA&gt; par année écoulée) &lt;Mémoire6&gt; </a:t>
+              <a:t>avec un objectif de coupon fixe plafonné à &lt;CPN&gt; &lt;environ&gt; par &lt;F0&gt; &lt;ANNUALISE&gt; &lt;Mémoire6&gt; </a:t>
             </a:r>
             <a:r>
               <a:rPr kumimoji="0" lang="fr-FR" sz="800" b="0" i="0" u="none" strike="noStrike" kern="1200" cap="none" spc="0" normalizeH="0" baseline="0" noProof="0" dirty="0">
@@ -25376,32 +25221,6 @@
                 <a:cs typeface="+mn-cs"/>
               </a:rPr>
               <a:t>&lt;ABAC2&gt;.</a:t>
-            </a:r>
-            <a:r>
-              <a:rPr kumimoji="0" lang="fr-FR" sz="800" b="0" i="0" u="none" strike="noStrike" kern="1200" cap="none" spc="0" normalizeH="0" baseline="0" noProof="0" dirty="0">
-                <a:ln>
-                  <a:noFill/>
-                </a:ln>
-                <a:solidFill>
-                  <a:srgbClr val="000000"/>
-                </a:solidFill>
-                <a:effectLst/>
-                <a:uLnTx/>
-                <a:uFillTx/>
-                <a:latin typeface="Proxima Nova Rg" panose="02000506030000020004" pitchFamily="2" charset="0"/>
-                <a:ea typeface="+mn-ea"/>
-                <a:cs typeface="+mn-cs"/>
-              </a:rPr>
-              <a:t> </a:t>
-            </a:r>
-            <a:r>
-              <a:rPr lang="fr-FR" sz="800" dirty="0">
-                <a:solidFill>
-                  <a:srgbClr val="000000"/>
-                </a:solidFill>
-                <a:latin typeface="Proxima Nova Rg" panose="02000506030000020004" pitchFamily="2" charset="0"/>
-              </a:rPr>
-              <a:t>Sinon le coupon est mis en mémoire.</a:t>
             </a:r>
             <a:endParaRPr kumimoji="0" lang="fr-FR" sz="800" b="0" i="0" u="none" strike="noStrike" kern="1200" cap="none" spc="0" normalizeH="0" baseline="0" noProof="0" dirty="0">
               <a:ln>
@@ -25603,41 +25422,7 @@
                 <a:ea typeface="+mn-ea"/>
                 <a:cs typeface="+mn-cs"/>
               </a:rPr>
-              <a:t>n’enregistre pas de baisse de plus de &lt;PDIPERF&gt; par rapport à son &lt;NDR&gt;, l’investisseur accepte de limiter ses gains en cas de forte hausse des marchés (soit </a:t>
-            </a:r>
-            <a:r>
-              <a:rPr kumimoji="0" lang="fr-FR" sz="800" b="0" i="0" u="none" strike="noStrike" kern="1200" cap="none" spc="0" normalizeH="0" baseline="0" noProof="0" dirty="0" err="1">
-                <a:ln>
-                  <a:noFill/>
-                </a:ln>
-                <a:solidFill>
-                  <a:schemeClr val="tx1"/>
-                </a:solidFill>
-                <a:effectLst/>
-                <a:uLnTx/>
-                <a:uFillTx/>
-                <a:latin typeface="Proxima Nova Rg"/>
-                <a:ea typeface="+mn-ea"/>
-                <a:cs typeface="+mn-cs"/>
-              </a:rPr>
-              <a:t>unTaux</a:t>
-            </a:r>
-            <a:r>
-              <a:rPr kumimoji="0" lang="fr-FR" sz="800" b="0" i="0" u="none" strike="noStrike" kern="1200" cap="none" spc="0" normalizeH="0" baseline="0" noProof="0" dirty="0">
-                <a:ln>
-                  <a:noFill/>
-                </a:ln>
-                <a:solidFill>
-                  <a:schemeClr val="tx1"/>
-                </a:solidFill>
-                <a:effectLst/>
-                <a:uLnTx/>
-                <a:uFillTx/>
-                <a:latin typeface="Proxima Nova Rg"/>
-                <a:ea typeface="+mn-ea"/>
-                <a:cs typeface="+mn-cs"/>
-              </a:rPr>
-              <a:t> de Rendement Annuel net maximum de &lt;TRA.MAX.P&gt;</a:t>
+              <a:t>n’enregistre pas de baisse de plus de &lt;PDIPERF&gt; par rapport à son &lt;NDR&gt;, l’investisseur accepte de limiter ses gains en cas de forte hausse des marchés (soit un Taux de Rendement Annuel net maximum de &lt;TRA.MAX.P&gt;</a:t>
             </a:r>
             <a:r>
               <a:rPr kumimoji="0" lang="fr-FR" sz="800" b="0" i="0" u="none" strike="noStrike" kern="1200" cap="none" spc="0" normalizeH="0" baseline="30000" noProof="0" dirty="0">
@@ -25837,7 +25622,7 @@
                 <a:ea typeface="+mn-ea"/>
                 <a:cs typeface="+mn-cs"/>
               </a:rPr>
-              <a:t> « &lt;NOM&gt; » ne peut constituer l’intégralité d’un portefeuille d’investissement. L’investisseur est exposé pour une durée de &lt;1PR&gt; à &lt;DPRR&gt; &lt;F0&gt;&lt;F0s&gt; à &lt;</a:t>
+              <a:t> « &lt;NOM&gt; » ne peut constituer l’intégralité d’un portefeuille d’investissement. L’investisseur est exposé pour une durée de &lt;1PR&gt; à &lt;DPRR&gt; &lt;F0&gt;&lt;F0s&gt; </a:t>
             </a:r>
             <a:r>
               <a:rPr lang="fr-FR" b="1" i="1" dirty="0">
@@ -25846,7 +25631,7 @@
                 </a:solidFill>
                 <a:latin typeface="Proxima Nova Rg"/>
               </a:rPr>
-              <a:t>SJR1&gt; &lt;DIVERSACTION&gt;. Vous </a:t>
+              <a:t>&lt;SJR1&gt; &lt;DIVERSACTION&gt;. Vous </a:t>
             </a:r>
             <a:r>
               <a:rPr kumimoji="0" lang="fr-FR" b="1" i="1" u="none" strike="noStrike" kern="1200" cap="none" spc="0" normalizeH="0" baseline="0" noProof="0" dirty="0">
@@ -26002,97 +25787,25 @@
           <a:p>
             <a:pPr algn="just"/>
             <a:r>
-              <a:rPr lang="fr-FR" sz="650" baseline="30000" dirty="0">
+              <a:rPr lang="fr-FR" sz="650" dirty="0">
                 <a:solidFill>
                   <a:srgbClr val="000000"/>
                 </a:solidFill>
                 <a:latin typeface="Proxima Nova Rg" panose="02000506030000020004" pitchFamily="2" charset="0"/>
               </a:rPr>
-              <a:t>(1) </a:t>
-            </a:r>
-            <a:r>
-              <a:rPr lang="fr-FR" sz="650" dirty="0">
-                <a:solidFill>
-                  <a:srgbClr val="000000"/>
-                </a:solidFill>
-                <a:latin typeface="Proxima Nova Rg" panose="02000506030000020004" pitchFamily="2" charset="0"/>
-              </a:rPr>
-              <a:t>Veuillez vous référer au tableau récapitulant les principales caractéristiques financières en &lt;PAGE&gt; pour le détail des dates. </a:t>
+              <a:t>(1) Veuillez vous référer au tableau récapitulant les principales caractéristiques financières en &lt;PAGE&gt; pour le détail des dates. </a:t>
             </a:r>
           </a:p>
           <a:p>
             <a:pPr algn="just"/>
             <a:r>
-              <a:rPr lang="fr-FR" sz="650" baseline="30000" dirty="0">
+              <a:rPr lang="fr-FR" sz="650" dirty="0">
                 <a:solidFill>
                   <a:srgbClr val="000000"/>
                 </a:solidFill>
                 <a:latin typeface="Proxima Nova Rg" panose="02000506030000020004" pitchFamily="2" charset="0"/>
               </a:rPr>
-              <a:t>(2)</a:t>
-            </a:r>
-            <a:r>
-              <a:rPr lang="fr-FR" sz="650" dirty="0">
-                <a:solidFill>
-                  <a:srgbClr val="000000"/>
-                </a:solidFill>
-                <a:latin typeface="Proxima Nova Rg" panose="02000506030000020004" pitchFamily="2" charset="0"/>
-              </a:rPr>
-              <a:t> En prenant comme hypothèse 1,00% de frais de gestion du contrat d’assurance vie ou de capitalisation</a:t>
-            </a:r>
-            <a:r>
-              <a:rPr lang="fr-FR" sz="700" i="1" dirty="0">
-                <a:solidFill>
-                  <a:srgbClr val="000000"/>
-                </a:solidFill>
-                <a:latin typeface="Proxima Nova Rg" panose="02000506030000020004" pitchFamily="2" charset="0"/>
-              </a:rPr>
-              <a:t> ou de droits de garde en compte-titres</a:t>
-            </a:r>
-            <a:r>
-              <a:rPr lang="fr-FR" sz="650" dirty="0">
-                <a:solidFill>
-                  <a:srgbClr val="000000"/>
-                </a:solidFill>
-                <a:latin typeface="Proxima Nova Rg" panose="02000506030000020004" pitchFamily="2" charset="0"/>
-              </a:rPr>
-              <a:t>. TRA nets hors autres frais, fiscalité et prélèvements sociaux applicables au cadre d’investissement</a:t>
-            </a:r>
-            <a:r>
-              <a:rPr lang="fr-FR" sz="700" i="1" dirty="0">
-                <a:solidFill>
-                  <a:srgbClr val="000000"/>
-                </a:solidFill>
-                <a:latin typeface="Proxima Nova Rg" panose="02000506030000020004" pitchFamily="2" charset="0"/>
-              </a:rPr>
-              <a:t> sous réserve de l’absence de défaut, d’ouverture d’une procédure de résolution et de faillite de l’Émetteur et du Garant</a:t>
-            </a:r>
-            <a:r>
-              <a:rPr lang="fr-FR" sz="650" dirty="0">
-                <a:solidFill>
-                  <a:srgbClr val="000000"/>
-                </a:solidFill>
-                <a:latin typeface="Proxima Nova Rg" panose="02000506030000020004" pitchFamily="2" charset="0"/>
-              </a:rPr>
-              <a:t>. Les TRA sont calculés à partir </a:t>
-            </a:r>
-            <a:r>
-              <a:rPr lang="fr-FR" sz="700" dirty="0">
-                <a:solidFill>
-                  <a:srgbClr val="000000"/>
-                </a:solidFill>
-                <a:latin typeface="Proxima Nova Rg" panose="02000506030000020004" pitchFamily="2" charset="0"/>
-              </a:rPr>
-              <a:t>de la date de constatation initiale (soit le</a:t>
-            </a:r>
-            <a:r>
-              <a:rPr lang="fr-FR" sz="650" dirty="0">
-                <a:solidFill>
-                  <a:srgbClr val="000000"/>
-                </a:solidFill>
-                <a:latin typeface="Proxima Nova Rg" panose="02000506030000020004" pitchFamily="2" charset="0"/>
-              </a:rPr>
-              <a:t> &lt;2PDC&gt;) jusqu’à la date de remboursement anticipé automatique éventuel</a:t>
+              <a:t>(2) En prenant comme hypothèse 1,00% de frais de gestion du contrat d’assurance vie ou de capitalisation ou de droits de garde en compte-titres. TRA nets hors autres frais, fiscalité et prélèvements sociaux applicables au cadre d’investissement sous réserve de l’absence de défaut, d’ouverture d’une procédure de résolution et de faillite de l’Émetteur et du Garant. Les TRA sont calculés à partir du &lt;2PDC_MAJ&gt; jusqu’à la date de remboursement anticipé automatique éventuel</a:t>
             </a:r>
             <a:r>
               <a:rPr lang="fr-FR" sz="650" baseline="30000" dirty="0">
@@ -26386,273 +26099,6 @@
               </a:defRPr>
             </a:pPr>
             <a:endParaRPr/>
-          </a:p>
-        </p:txBody>
-      </p:sp>
-      <p:sp>
-        <p:nvSpPr>
-          <p:cNvPr id="8" name="Espace réservé du texte 36">
-            <a:extLst>
-              <a:ext uri="{FF2B5EF4-FFF2-40B4-BE49-F238E27FC236}">
-                <a16:creationId xmlns:a16="http://schemas.microsoft.com/office/drawing/2014/main" id="{45E62237-4DC9-4DD0-9918-340FCAD95D29}"/>
-              </a:ext>
-            </a:extLst>
-          </p:cNvPr>
-          <p:cNvSpPr txBox="1">
-            <a:spLocks/>
-          </p:cNvSpPr>
-          <p:nvPr/>
-        </p:nvSpPr>
-        <p:spPr>
-          <a:xfrm>
-            <a:off x="1277442" y="6377701"/>
-            <a:ext cx="5021862" cy="637849"/>
-          </a:xfrm>
-          <a:prstGeom prst="rect">
-            <a:avLst/>
-          </a:prstGeom>
-          <a:noFill/>
-          <a:ln w="6350">
-            <a:solidFill>
-              <a:srgbClr val="B9A049"/>
-            </a:solidFill>
-          </a:ln>
-        </p:spPr>
-        <p:txBody>
-          <a:bodyPr lIns="108000" tIns="72000" rIns="108000" bIns="72000" anchor="ctr">
-            <a:spAutoFit/>
-          </a:bodyPr>
-          <a:lstStyle>
-            <a:lvl1pPr marL="188984" indent="-188984" algn="l" defTabSz="755934" rtl="0" eaLnBrk="1" latinLnBrk="0" hangingPunct="1">
-              <a:lnSpc>
-                <a:spcPct val="90000"/>
-              </a:lnSpc>
-              <a:spcBef>
-                <a:spcPts val="827"/>
-              </a:spcBef>
-              <a:buFont typeface="Arial" panose="020B0604020202020204" pitchFamily="34" charset="0"/>
-              <a:buChar char="•"/>
-              <a:defRPr sz="2315" kern="1200">
-                <a:solidFill>
-                  <a:schemeClr val="tx1"/>
-                </a:solidFill>
-                <a:latin typeface="+mn-lt"/>
-                <a:ea typeface="+mn-ea"/>
-                <a:cs typeface="+mn-cs"/>
-              </a:defRPr>
-            </a:lvl1pPr>
-            <a:lvl2pPr marL="566951" indent="-188984" algn="l" defTabSz="755934" rtl="0" eaLnBrk="1" latinLnBrk="0" hangingPunct="1">
-              <a:lnSpc>
-                <a:spcPct val="90000"/>
-              </a:lnSpc>
-              <a:spcBef>
-                <a:spcPts val="413"/>
-              </a:spcBef>
-              <a:buFont typeface="Arial" panose="020B0604020202020204" pitchFamily="34" charset="0"/>
-              <a:buChar char="•"/>
-              <a:defRPr sz="1984" kern="1200">
-                <a:solidFill>
-                  <a:schemeClr val="tx1"/>
-                </a:solidFill>
-                <a:latin typeface="+mn-lt"/>
-                <a:ea typeface="+mn-ea"/>
-                <a:cs typeface="+mn-cs"/>
-              </a:defRPr>
-            </a:lvl2pPr>
-            <a:lvl3pPr marL="944918" indent="-188984" algn="l" defTabSz="755934" rtl="0" eaLnBrk="1" latinLnBrk="0" hangingPunct="1">
-              <a:lnSpc>
-                <a:spcPct val="90000"/>
-              </a:lnSpc>
-              <a:spcBef>
-                <a:spcPts val="413"/>
-              </a:spcBef>
-              <a:buFont typeface="Arial" panose="020B0604020202020204" pitchFamily="34" charset="0"/>
-              <a:buChar char="•"/>
-              <a:defRPr sz="1653" kern="1200">
-                <a:solidFill>
-                  <a:schemeClr val="tx1"/>
-                </a:solidFill>
-                <a:latin typeface="+mn-lt"/>
-                <a:ea typeface="+mn-ea"/>
-                <a:cs typeface="+mn-cs"/>
-              </a:defRPr>
-            </a:lvl3pPr>
-            <a:lvl4pPr marL="1322885" indent="-188984" algn="l" defTabSz="755934" rtl="0" eaLnBrk="1" latinLnBrk="0" hangingPunct="1">
-              <a:lnSpc>
-                <a:spcPct val="90000"/>
-              </a:lnSpc>
-              <a:spcBef>
-                <a:spcPts val="413"/>
-              </a:spcBef>
-              <a:buFont typeface="Arial" panose="020B0604020202020204" pitchFamily="34" charset="0"/>
-              <a:buChar char="•"/>
-              <a:defRPr sz="1488" kern="1200">
-                <a:solidFill>
-                  <a:schemeClr val="tx1"/>
-                </a:solidFill>
-                <a:latin typeface="+mn-lt"/>
-                <a:ea typeface="+mn-ea"/>
-                <a:cs typeface="+mn-cs"/>
-              </a:defRPr>
-            </a:lvl4pPr>
-            <a:lvl5pPr marL="1700853" indent="-188984" algn="l" defTabSz="755934" rtl="0" eaLnBrk="1" latinLnBrk="0" hangingPunct="1">
-              <a:lnSpc>
-                <a:spcPct val="90000"/>
-              </a:lnSpc>
-              <a:spcBef>
-                <a:spcPts val="413"/>
-              </a:spcBef>
-              <a:buFont typeface="Arial" panose="020B0604020202020204" pitchFamily="34" charset="0"/>
-              <a:buChar char="•"/>
-              <a:defRPr sz="1488" kern="1200">
-                <a:solidFill>
-                  <a:schemeClr val="tx1"/>
-                </a:solidFill>
-                <a:latin typeface="+mn-lt"/>
-                <a:ea typeface="+mn-ea"/>
-                <a:cs typeface="+mn-cs"/>
-              </a:defRPr>
-            </a:lvl5pPr>
-            <a:lvl6pPr marL="2078820" indent="-188984" algn="l" defTabSz="755934" rtl="0" eaLnBrk="1" latinLnBrk="0" hangingPunct="1">
-              <a:lnSpc>
-                <a:spcPct val="90000"/>
-              </a:lnSpc>
-              <a:spcBef>
-                <a:spcPts val="413"/>
-              </a:spcBef>
-              <a:buFont typeface="Arial" panose="020B0604020202020204" pitchFamily="34" charset="0"/>
-              <a:buChar char="•"/>
-              <a:defRPr sz="1488" kern="1200">
-                <a:solidFill>
-                  <a:schemeClr val="tx1"/>
-                </a:solidFill>
-                <a:latin typeface="+mn-lt"/>
-                <a:ea typeface="+mn-ea"/>
-                <a:cs typeface="+mn-cs"/>
-              </a:defRPr>
-            </a:lvl6pPr>
-            <a:lvl7pPr marL="2456787" indent="-188984" algn="l" defTabSz="755934" rtl="0" eaLnBrk="1" latinLnBrk="0" hangingPunct="1">
-              <a:lnSpc>
-                <a:spcPct val="90000"/>
-              </a:lnSpc>
-              <a:spcBef>
-                <a:spcPts val="413"/>
-              </a:spcBef>
-              <a:buFont typeface="Arial" panose="020B0604020202020204" pitchFamily="34" charset="0"/>
-              <a:buChar char="•"/>
-              <a:defRPr sz="1488" kern="1200">
-                <a:solidFill>
-                  <a:schemeClr val="tx1"/>
-                </a:solidFill>
-                <a:latin typeface="+mn-lt"/>
-                <a:ea typeface="+mn-ea"/>
-                <a:cs typeface="+mn-cs"/>
-              </a:defRPr>
-            </a:lvl7pPr>
-            <a:lvl8pPr marL="2834754" indent="-188984" algn="l" defTabSz="755934" rtl="0" eaLnBrk="1" latinLnBrk="0" hangingPunct="1">
-              <a:lnSpc>
-                <a:spcPct val="90000"/>
-              </a:lnSpc>
-              <a:spcBef>
-                <a:spcPts val="413"/>
-              </a:spcBef>
-              <a:buFont typeface="Arial" panose="020B0604020202020204" pitchFamily="34" charset="0"/>
-              <a:buChar char="•"/>
-              <a:defRPr sz="1488" kern="1200">
-                <a:solidFill>
-                  <a:schemeClr val="tx1"/>
-                </a:solidFill>
-                <a:latin typeface="+mn-lt"/>
-                <a:ea typeface="+mn-ea"/>
-                <a:cs typeface="+mn-cs"/>
-              </a:defRPr>
-            </a:lvl8pPr>
-            <a:lvl9pPr marL="3212722" indent="-188984" algn="l" defTabSz="755934" rtl="0" eaLnBrk="1" latinLnBrk="0" hangingPunct="1">
-              <a:lnSpc>
-                <a:spcPct val="90000"/>
-              </a:lnSpc>
-              <a:spcBef>
-                <a:spcPts val="413"/>
-              </a:spcBef>
-              <a:buFont typeface="Arial" panose="020B0604020202020204" pitchFamily="34" charset="0"/>
-              <a:buChar char="•"/>
-              <a:defRPr sz="1488" kern="1200">
-                <a:solidFill>
-                  <a:schemeClr val="tx1"/>
-                </a:solidFill>
-                <a:latin typeface="+mn-lt"/>
-                <a:ea typeface="+mn-ea"/>
-                <a:cs typeface="+mn-cs"/>
-              </a:defRPr>
-            </a:lvl9pPr>
-          </a:lstStyle>
-          <a:p>
-            <a:pPr marL="0" indent="0" algn="ctr">
-              <a:lnSpc>
-                <a:spcPct val="100000"/>
-              </a:lnSpc>
-              <a:spcBef>
-                <a:spcPts val="0"/>
-              </a:spcBef>
-              <a:buNone/>
-            </a:pPr>
-            <a:r>
-              <a:rPr lang="fr-FR" sz="800" dirty="0"/>
-              <a:t>L’intégralité du capital initial</a:t>
-            </a:r>
-          </a:p>
-          <a:p>
-            <a:pPr marL="0" indent="0" algn="ctr">
-              <a:lnSpc>
-                <a:spcPct val="100000"/>
-              </a:lnSpc>
-              <a:spcBef>
-                <a:spcPts val="0"/>
-              </a:spcBef>
-              <a:buNone/>
-            </a:pPr>
-            <a:r>
-              <a:rPr lang="fr-FR" sz="800" dirty="0"/>
-              <a:t>+</a:t>
-            </a:r>
-          </a:p>
-          <a:p>
-            <a:pPr marL="0" indent="0" algn="ctr">
-              <a:lnSpc>
-                <a:spcPct val="100000"/>
-              </a:lnSpc>
-              <a:spcBef>
-                <a:spcPts val="0"/>
-              </a:spcBef>
-              <a:buNone/>
-            </a:pPr>
-            <a:r>
-              <a:rPr lang="fr-FR" sz="800" dirty="0"/>
-              <a:t>Un gain de &lt;CPN&gt; par &lt;F0&gt; &lt;F2&gt; depuis le &lt;DDCI&gt;</a:t>
-            </a:r>
-          </a:p>
-          <a:p>
-            <a:pPr marL="0" indent="0" algn="ctr">
-              <a:lnSpc>
-                <a:spcPct val="100000"/>
-              </a:lnSpc>
-              <a:spcBef>
-                <a:spcPts val="0"/>
-              </a:spcBef>
-              <a:buNone/>
-            </a:pPr>
-            <a:r>
-              <a:rPr lang="fr-FR" sz="800" dirty="0"/>
-              <a:t>(soit un &lt;GC&gt; de &lt;GCE&gt; et un Taux de Rendement Annuel net de &lt;TRA.MG.A&gt;</a:t>
-            </a:r>
-            <a:r>
-              <a:rPr lang="fr-FR" sz="800" baseline="30000" dirty="0"/>
-              <a:t>(2)</a:t>
-            </a:r>
-            <a:r>
-              <a:rPr lang="fr-FR" sz="800" dirty="0"/>
-              <a:t>)</a:t>
-            </a:r>
           </a:p>
         </p:txBody>
       </p:sp>
@@ -26895,7 +26341,7 @@
             </a:pPr>
             <a:r>
               <a:rPr lang="fr-FR" sz="800" dirty="0"/>
-              <a:t>Un gain plafonné fixe de &lt;CPN&gt; par &lt;F0&gt; &lt;F2&gt; depuis le &lt;DDCI&gt; </a:t>
+              <a:t>Un gain de &lt;CPN&gt; par &lt;F0&gt; &lt;F2&gt; depuis le &lt;DDCI&gt;&lt;exclus&gt; </a:t>
             </a:r>
           </a:p>
           <a:p>
@@ -26910,7 +26356,7 @@
             </a:pPr>
             <a:r>
               <a:rPr lang="fr-FR" sz="800" dirty="0"/>
-              <a:t>(Soit un Taux de Rendement Annuel net compris entre &lt;TRA.MRA.MIN.A&gt;</a:t>
+              <a:t>(Soit un taux de rendement annuel net entre &lt;TRA.MRA.MIN.A&gt;</a:t>
             </a:r>
             <a:r>
               <a:rPr lang="fr-FR" sz="800" baseline="30000" dirty="0"/>
@@ -26946,7 +26392,7 @@
         <p:spPr>
           <a:xfrm>
             <a:off x="910052" y="2345793"/>
-            <a:ext cx="6005163" cy="738664"/>
+            <a:ext cx="6005163" cy="615553"/>
           </a:xfrm>
           <a:prstGeom prst="rect">
             <a:avLst/>
@@ -26974,7 +26420,7 @@
                   <a:schemeClr val="tx2"/>
                 </a:solidFill>
               </a:rPr>
-              <a:t>(1) </a:t>
+              <a:t>(1)  </a:t>
             </a:r>
             <a:r>
               <a:rPr lang="fr-FR" sz="800" dirty="0">
@@ -26982,7 +26428,7 @@
                   <a:schemeClr val="tx2"/>
                 </a:solidFill>
               </a:rPr>
-              <a:t>à partir de la fin &lt;DU&gt; &lt;F0&gt; &lt;1PR&gt; et jusqu’à la fin &lt;DU&gt; &lt;F0&gt; &lt;ADPR&gt;, on observe le &lt;SJR3&gt; de clôture &lt;SJR7&gt;</a:t>
+              <a:t>&lt;PERIODE_DE_REMBOURSEMENT&gt; , on observe le &lt;SJR3&gt; de clôture &lt;SJR7&gt;</a:t>
             </a:r>
             <a:r>
               <a:rPr lang="en-US" sz="800" dirty="0">
@@ -27295,473 +26741,6 @@
                 </a:solidFill>
               </a:rPr>
               <a:t>MECANISME DE REMBOURSEMENT A L’ECHEANCE</a:t>
-            </a:r>
-          </a:p>
-        </p:txBody>
-      </p:sp>
-      <p:sp>
-        <p:nvSpPr>
-          <p:cNvPr id="13" name="ZoneTexte 12">
-            <a:extLst>
-              <a:ext uri="{FF2B5EF4-FFF2-40B4-BE49-F238E27FC236}">
-                <a16:creationId xmlns:a16="http://schemas.microsoft.com/office/drawing/2014/main" id="{68D809C1-DF1E-4467-8580-CD9121FC56F6}"/>
-              </a:ext>
-            </a:extLst>
-          </p:cNvPr>
-          <p:cNvSpPr txBox="1"/>
-          <p:nvPr/>
-        </p:nvSpPr>
-        <p:spPr>
-          <a:xfrm>
-            <a:off x="910052" y="5344781"/>
-            <a:ext cx="6005163" cy="246221"/>
-          </a:xfrm>
-          <a:prstGeom prst="rect">
-            <a:avLst/>
-          </a:prstGeom>
-          <a:noFill/>
-        </p:spPr>
-        <p:txBody>
-          <a:bodyPr wrap="square" lIns="0" tIns="0" rIns="0" bIns="0" rtlCol="0">
-            <a:spAutoFit/>
-          </a:bodyPr>
-          <a:lstStyle/>
-          <a:p>
-            <a:pPr algn="just"/>
-            <a:r>
-              <a:rPr lang="fr-FR" sz="800" dirty="0">
-                <a:solidFill>
-                  <a:schemeClr val="tx2"/>
-                </a:solidFill>
-              </a:rPr>
-              <a:t>À la date de constatation finale, le &lt;DCF&gt;, en l’absence de remboursement anticipé automatique préalable, on compare le &lt;SJR3&gt; de clôture &lt;SJR7&gt;</a:t>
-            </a:r>
-            <a:r>
-              <a:rPr lang="en-US" sz="800" dirty="0">
-                <a:solidFill>
-                  <a:schemeClr val="tx2"/>
-                </a:solidFill>
-              </a:rPr>
-              <a:t> </a:t>
-            </a:r>
-            <a:r>
-              <a:rPr lang="fr-FR" sz="800" dirty="0">
-                <a:solidFill>
-                  <a:schemeClr val="tx2"/>
-                </a:solidFill>
-              </a:rPr>
-              <a:t>à son &lt;NDR&gt; :</a:t>
-            </a:r>
-          </a:p>
-        </p:txBody>
-      </p:sp>
-      <p:sp>
-        <p:nvSpPr>
-          <p:cNvPr id="14" name="ZoneTexte 13">
-            <a:extLst>
-              <a:ext uri="{FF2B5EF4-FFF2-40B4-BE49-F238E27FC236}">
-                <a16:creationId xmlns:a16="http://schemas.microsoft.com/office/drawing/2014/main" id="{10760D30-7B62-4ECB-9D86-C9C953053D21}"/>
-              </a:ext>
-            </a:extLst>
-          </p:cNvPr>
-          <p:cNvSpPr txBox="1"/>
-          <p:nvPr/>
-        </p:nvSpPr>
-        <p:spPr>
-          <a:xfrm>
-            <a:off x="908733" y="5945098"/>
-            <a:ext cx="6073677" cy="123111"/>
-          </a:xfrm>
-          <a:prstGeom prst="rect">
-            <a:avLst/>
-          </a:prstGeom>
-          <a:noFill/>
-        </p:spPr>
-        <p:txBody>
-          <a:bodyPr wrap="square" lIns="0" tIns="0" rIns="0" bIns="0" rtlCol="0">
-            <a:spAutoFit/>
-          </a:bodyPr>
-          <a:lstStyle/>
-          <a:p>
-            <a:pPr algn="just"/>
-            <a:r>
-              <a:rPr lang="fr-FR" sz="800" b="1" u="sng" dirty="0">
-                <a:solidFill>
-                  <a:schemeClr val="tx2"/>
-                </a:solidFill>
-              </a:rPr>
-              <a:t>Cas favorable</a:t>
-            </a:r>
-            <a:r>
-              <a:rPr lang="fr-FR" sz="800" b="1" dirty="0">
-                <a:solidFill>
-                  <a:schemeClr val="tx2"/>
-                </a:solidFill>
-              </a:rPr>
-              <a:t> : Si </a:t>
-            </a:r>
-            <a:r>
-              <a:rPr lang="it-IT" sz="800" b="1" dirty="0">
-                <a:solidFill>
-                  <a:schemeClr val="tx2"/>
-                </a:solidFill>
-              </a:rPr>
-              <a:t>&lt;SJR1&gt; </a:t>
-            </a:r>
-            <a:r>
-              <a:rPr lang="fr-FR" sz="800" b="1" dirty="0">
-                <a:solidFill>
-                  <a:schemeClr val="tx2"/>
-                </a:solidFill>
-              </a:rPr>
-              <a:t>clôture à un &lt;SJR3&gt; supérieur ou égal à &lt;DBAC&gt; de son &lt;NDR&gt;, l’investisseur reçoit, le &lt;DEC_MAJ&gt;</a:t>
-            </a:r>
-            <a:r>
-              <a:rPr lang="fr-FR" sz="800" b="1" baseline="30000" dirty="0">
-                <a:solidFill>
-                  <a:schemeClr val="tx2"/>
-                </a:solidFill>
-              </a:rPr>
-              <a:t> </a:t>
-            </a:r>
-            <a:r>
-              <a:rPr lang="fr-FR" sz="800" b="1" dirty="0">
-                <a:solidFill>
-                  <a:schemeClr val="tx2"/>
-                </a:solidFill>
-              </a:rPr>
-              <a:t>: </a:t>
-            </a:r>
-          </a:p>
-        </p:txBody>
-      </p:sp>
-      <p:sp>
-        <p:nvSpPr>
-          <p:cNvPr id="15" name="ZoneTexte 14">
-            <a:extLst>
-              <a:ext uri="{FF2B5EF4-FFF2-40B4-BE49-F238E27FC236}">
-                <a16:creationId xmlns:a16="http://schemas.microsoft.com/office/drawing/2014/main" id="{7ED680B2-31B1-44D9-879E-5DFF6B504D08}"/>
-              </a:ext>
-            </a:extLst>
-          </p:cNvPr>
-          <p:cNvSpPr txBox="1"/>
-          <p:nvPr/>
-        </p:nvSpPr>
-        <p:spPr>
-          <a:xfrm>
-            <a:off x="917672" y="8553774"/>
-            <a:ext cx="6073677" cy="246221"/>
-          </a:xfrm>
-          <a:prstGeom prst="rect">
-            <a:avLst/>
-          </a:prstGeom>
-          <a:noFill/>
-        </p:spPr>
-        <p:txBody>
-          <a:bodyPr wrap="square" lIns="0" tIns="0" rIns="0" bIns="0" rtlCol="0">
-            <a:spAutoFit/>
-          </a:bodyPr>
-          <a:lstStyle/>
-          <a:p>
-            <a:pPr algn="just"/>
-            <a:r>
-              <a:rPr lang="fr-FR" sz="800" b="1" u="sng" dirty="0">
-                <a:solidFill>
-                  <a:schemeClr val="tx2"/>
-                </a:solidFill>
-              </a:rPr>
-              <a:t>Cas défavorable</a:t>
-            </a:r>
-            <a:r>
-              <a:rPr lang="fr-FR" sz="800" b="1" dirty="0">
-                <a:solidFill>
-                  <a:schemeClr val="tx2"/>
-                </a:solidFill>
-              </a:rPr>
-              <a:t> : Si </a:t>
-            </a:r>
-            <a:r>
-              <a:rPr lang="it-IT" sz="800" b="1" dirty="0">
-                <a:solidFill>
-                  <a:schemeClr val="tx2"/>
-                </a:solidFill>
-              </a:rPr>
-              <a:t>&lt;SJR1&gt; </a:t>
-            </a:r>
-            <a:r>
-              <a:rPr lang="fr-FR" sz="800" b="1" dirty="0">
-                <a:solidFill>
-                  <a:schemeClr val="tx2"/>
-                </a:solidFill>
-              </a:rPr>
-              <a:t>clôture à un &lt;SJR3&gt; strictement inférieur à &lt;PDI&gt; de son &lt;SJR3&gt; de Référence, l’investisseur reçoit, le &lt;DEC_MAJ&gt;</a:t>
-            </a:r>
-          </a:p>
-        </p:txBody>
-      </p:sp>
-      <p:sp>
-        <p:nvSpPr>
-          <p:cNvPr id="16" name="Espace réservé du texte 36">
-            <a:extLst>
-              <a:ext uri="{FF2B5EF4-FFF2-40B4-BE49-F238E27FC236}">
-                <a16:creationId xmlns:a16="http://schemas.microsoft.com/office/drawing/2014/main" id="{BB8A8A7D-F6FF-4F58-AE88-928E127B96F7}"/>
-              </a:ext>
-            </a:extLst>
-          </p:cNvPr>
-          <p:cNvSpPr txBox="1">
-            <a:spLocks/>
-          </p:cNvSpPr>
-          <p:nvPr/>
-        </p:nvSpPr>
-        <p:spPr>
-          <a:xfrm>
-            <a:off x="1186722" y="8986375"/>
-            <a:ext cx="5203302" cy="637849"/>
-          </a:xfrm>
-          <a:prstGeom prst="rect">
-            <a:avLst/>
-          </a:prstGeom>
-          <a:noFill/>
-          <a:ln w="6350">
-            <a:solidFill>
-              <a:srgbClr val="B9A049"/>
-            </a:solidFill>
-          </a:ln>
-        </p:spPr>
-        <p:txBody>
-          <a:bodyPr lIns="108000" tIns="72000" rIns="108000" bIns="72000" anchor="ctr">
-            <a:spAutoFit/>
-          </a:bodyPr>
-          <a:lstStyle>
-            <a:lvl1pPr marL="188984" indent="-188984" algn="l" defTabSz="755934" rtl="0" eaLnBrk="1" latinLnBrk="0" hangingPunct="1">
-              <a:lnSpc>
-                <a:spcPct val="90000"/>
-              </a:lnSpc>
-              <a:spcBef>
-                <a:spcPts val="827"/>
-              </a:spcBef>
-              <a:buFont typeface="Arial" panose="020B0604020202020204" pitchFamily="34" charset="0"/>
-              <a:buChar char="•"/>
-              <a:defRPr sz="2315" kern="1200">
-                <a:solidFill>
-                  <a:schemeClr val="tx1"/>
-                </a:solidFill>
-                <a:latin typeface="+mn-lt"/>
-                <a:ea typeface="+mn-ea"/>
-                <a:cs typeface="+mn-cs"/>
-              </a:defRPr>
-            </a:lvl1pPr>
-            <a:lvl2pPr marL="566951" indent="-188984" algn="l" defTabSz="755934" rtl="0" eaLnBrk="1" latinLnBrk="0" hangingPunct="1">
-              <a:lnSpc>
-                <a:spcPct val="90000"/>
-              </a:lnSpc>
-              <a:spcBef>
-                <a:spcPts val="413"/>
-              </a:spcBef>
-              <a:buFont typeface="Arial" panose="020B0604020202020204" pitchFamily="34" charset="0"/>
-              <a:buChar char="•"/>
-              <a:defRPr sz="1984" kern="1200">
-                <a:solidFill>
-                  <a:schemeClr val="tx1"/>
-                </a:solidFill>
-                <a:latin typeface="+mn-lt"/>
-                <a:ea typeface="+mn-ea"/>
-                <a:cs typeface="+mn-cs"/>
-              </a:defRPr>
-            </a:lvl2pPr>
-            <a:lvl3pPr marL="944918" indent="-188984" algn="l" defTabSz="755934" rtl="0" eaLnBrk="1" latinLnBrk="0" hangingPunct="1">
-              <a:lnSpc>
-                <a:spcPct val="90000"/>
-              </a:lnSpc>
-              <a:spcBef>
-                <a:spcPts val="413"/>
-              </a:spcBef>
-              <a:buFont typeface="Arial" panose="020B0604020202020204" pitchFamily="34" charset="0"/>
-              <a:buChar char="•"/>
-              <a:defRPr sz="1653" kern="1200">
-                <a:solidFill>
-                  <a:schemeClr val="tx1"/>
-                </a:solidFill>
-                <a:latin typeface="+mn-lt"/>
-                <a:ea typeface="+mn-ea"/>
-                <a:cs typeface="+mn-cs"/>
-              </a:defRPr>
-            </a:lvl3pPr>
-            <a:lvl4pPr marL="1322885" indent="-188984" algn="l" defTabSz="755934" rtl="0" eaLnBrk="1" latinLnBrk="0" hangingPunct="1">
-              <a:lnSpc>
-                <a:spcPct val="90000"/>
-              </a:lnSpc>
-              <a:spcBef>
-                <a:spcPts val="413"/>
-              </a:spcBef>
-              <a:buFont typeface="Arial" panose="020B0604020202020204" pitchFamily="34" charset="0"/>
-              <a:buChar char="•"/>
-              <a:defRPr sz="1488" kern="1200">
-                <a:solidFill>
-                  <a:schemeClr val="tx1"/>
-                </a:solidFill>
-                <a:latin typeface="+mn-lt"/>
-                <a:ea typeface="+mn-ea"/>
-                <a:cs typeface="+mn-cs"/>
-              </a:defRPr>
-            </a:lvl4pPr>
-            <a:lvl5pPr marL="1700853" indent="-188984" algn="l" defTabSz="755934" rtl="0" eaLnBrk="1" latinLnBrk="0" hangingPunct="1">
-              <a:lnSpc>
-                <a:spcPct val="90000"/>
-              </a:lnSpc>
-              <a:spcBef>
-                <a:spcPts val="413"/>
-              </a:spcBef>
-              <a:buFont typeface="Arial" panose="020B0604020202020204" pitchFamily="34" charset="0"/>
-              <a:buChar char="•"/>
-              <a:defRPr sz="1488" kern="1200">
-                <a:solidFill>
-                  <a:schemeClr val="tx1"/>
-                </a:solidFill>
-                <a:latin typeface="+mn-lt"/>
-                <a:ea typeface="+mn-ea"/>
-                <a:cs typeface="+mn-cs"/>
-              </a:defRPr>
-            </a:lvl5pPr>
-            <a:lvl6pPr marL="2078820" indent="-188984" algn="l" defTabSz="755934" rtl="0" eaLnBrk="1" latinLnBrk="0" hangingPunct="1">
-              <a:lnSpc>
-                <a:spcPct val="90000"/>
-              </a:lnSpc>
-              <a:spcBef>
-                <a:spcPts val="413"/>
-              </a:spcBef>
-              <a:buFont typeface="Arial" panose="020B0604020202020204" pitchFamily="34" charset="0"/>
-              <a:buChar char="•"/>
-              <a:defRPr sz="1488" kern="1200">
-                <a:solidFill>
-                  <a:schemeClr val="tx1"/>
-                </a:solidFill>
-                <a:latin typeface="+mn-lt"/>
-                <a:ea typeface="+mn-ea"/>
-                <a:cs typeface="+mn-cs"/>
-              </a:defRPr>
-            </a:lvl6pPr>
-            <a:lvl7pPr marL="2456787" indent="-188984" algn="l" defTabSz="755934" rtl="0" eaLnBrk="1" latinLnBrk="0" hangingPunct="1">
-              <a:lnSpc>
-                <a:spcPct val="90000"/>
-              </a:lnSpc>
-              <a:spcBef>
-                <a:spcPts val="413"/>
-              </a:spcBef>
-              <a:buFont typeface="Arial" panose="020B0604020202020204" pitchFamily="34" charset="0"/>
-              <a:buChar char="•"/>
-              <a:defRPr sz="1488" kern="1200">
-                <a:solidFill>
-                  <a:schemeClr val="tx1"/>
-                </a:solidFill>
-                <a:latin typeface="+mn-lt"/>
-                <a:ea typeface="+mn-ea"/>
-                <a:cs typeface="+mn-cs"/>
-              </a:defRPr>
-            </a:lvl7pPr>
-            <a:lvl8pPr marL="2834754" indent="-188984" algn="l" defTabSz="755934" rtl="0" eaLnBrk="1" latinLnBrk="0" hangingPunct="1">
-              <a:lnSpc>
-                <a:spcPct val="90000"/>
-              </a:lnSpc>
-              <a:spcBef>
-                <a:spcPts val="413"/>
-              </a:spcBef>
-              <a:buFont typeface="Arial" panose="020B0604020202020204" pitchFamily="34" charset="0"/>
-              <a:buChar char="•"/>
-              <a:defRPr sz="1488" kern="1200">
-                <a:solidFill>
-                  <a:schemeClr val="tx1"/>
-                </a:solidFill>
-                <a:latin typeface="+mn-lt"/>
-                <a:ea typeface="+mn-ea"/>
-                <a:cs typeface="+mn-cs"/>
-              </a:defRPr>
-            </a:lvl8pPr>
-            <a:lvl9pPr marL="3212722" indent="-188984" algn="l" defTabSz="755934" rtl="0" eaLnBrk="1" latinLnBrk="0" hangingPunct="1">
-              <a:lnSpc>
-                <a:spcPct val="90000"/>
-              </a:lnSpc>
-              <a:spcBef>
-                <a:spcPts val="413"/>
-              </a:spcBef>
-              <a:buFont typeface="Arial" panose="020B0604020202020204" pitchFamily="34" charset="0"/>
-              <a:buChar char="•"/>
-              <a:defRPr sz="1488" kern="1200">
-                <a:solidFill>
-                  <a:schemeClr val="tx1"/>
-                </a:solidFill>
-                <a:latin typeface="+mn-lt"/>
-                <a:ea typeface="+mn-ea"/>
-                <a:cs typeface="+mn-cs"/>
-              </a:defRPr>
-            </a:lvl9pPr>
-          </a:lstStyle>
-          <a:p>
-            <a:pPr marL="0" indent="0" algn="ctr">
-              <a:lnSpc>
-                <a:spcPct val="100000"/>
-              </a:lnSpc>
-              <a:spcBef>
-                <a:spcPts val="0"/>
-              </a:spcBef>
-              <a:buNone/>
-            </a:pPr>
-            <a:r>
-              <a:rPr lang="fr-FR" sz="800" dirty="0"/>
-              <a:t>Le capital initial diminué de l’intégralité de la baisse enregistrée </a:t>
-            </a:r>
-          </a:p>
-          <a:p>
-            <a:pPr marL="0" indent="0" algn="ctr">
-              <a:lnSpc>
-                <a:spcPct val="100000"/>
-              </a:lnSpc>
-              <a:spcBef>
-                <a:spcPts val="0"/>
-              </a:spcBef>
-              <a:buNone/>
-            </a:pPr>
-            <a:r>
-              <a:rPr lang="fr-FR" sz="800" dirty="0"/>
-              <a:t>par &lt;SJR1&gt; entre le &lt;DDCI&gt; et le &lt;DCF&gt;</a:t>
-            </a:r>
-          </a:p>
-          <a:p>
-            <a:pPr marL="0" indent="0" algn="ctr">
-              <a:lnSpc>
-                <a:spcPct val="100000"/>
-              </a:lnSpc>
-              <a:spcBef>
-                <a:spcPts val="0"/>
-              </a:spcBef>
-              <a:buNone/>
-            </a:pPr>
-            <a:r>
-              <a:rPr lang="fr-FR" sz="800" dirty="0"/>
-              <a:t>(Soit un Taux de Rendement Annuel net inférieur ou égal à &lt;TRA.ECHEANCE.PERTE.A&gt;</a:t>
-            </a:r>
-            <a:r>
-              <a:rPr lang="fr-FR" sz="800" baseline="30000" dirty="0"/>
-              <a:t>(2)</a:t>
-            </a:r>
-            <a:r>
-              <a:rPr lang="fr-FR" sz="800" dirty="0"/>
-              <a:t>)</a:t>
-            </a:r>
-          </a:p>
-          <a:p>
-            <a:pPr marL="0" indent="0" algn="ctr">
-              <a:lnSpc>
-                <a:spcPct val="100000"/>
-              </a:lnSpc>
-              <a:spcBef>
-                <a:spcPts val="0"/>
-              </a:spcBef>
-              <a:buNone/>
-            </a:pPr>
-            <a:r>
-              <a:rPr lang="fr-FR" sz="800" b="1" i="1" dirty="0"/>
-              <a:t>L’investisseur subit alors une perte en capital partielle, voire totale</a:t>
             </a:r>
           </a:p>
         </p:txBody>
@@ -28204,7 +27183,7 @@
                 </a:solidFill>
                 <a:latin typeface="+mn-lt"/>
               </a:rPr>
-              <a:t>DETERMINATION DU &lt;NDR&gt;</a:t>
+              <a:t>DÉTERMINATION DU &lt;NDR&gt;</a:t>
             </a:r>
           </a:p>
         </p:txBody>
@@ -28412,257 +27391,7 @@
                 </a:solidFill>
                 <a:latin typeface="+mn-lt"/>
               </a:rPr>
-              <a:t>MACANISME DE REMBOURSEMENT ANTICIPE AUTOMATIQUE</a:t>
-            </a:r>
-          </a:p>
-        </p:txBody>
-      </p:sp>
-      <p:sp>
-        <p:nvSpPr>
-          <p:cNvPr id="20" name="Espace réservé du texte 36">
-            <a:extLst>
-              <a:ext uri="{FF2B5EF4-FFF2-40B4-BE49-F238E27FC236}">
-                <a16:creationId xmlns:a16="http://schemas.microsoft.com/office/drawing/2014/main" id="{CF055AA2-377C-446F-B61D-3E7B366770C3}"/>
-              </a:ext>
-            </a:extLst>
-          </p:cNvPr>
-          <p:cNvSpPr txBox="1">
-            <a:spLocks/>
-          </p:cNvSpPr>
-          <p:nvPr/>
-        </p:nvSpPr>
-        <p:spPr>
-          <a:xfrm>
-            <a:off x="1273632" y="7925358"/>
-            <a:ext cx="5029482" cy="274320"/>
-          </a:xfrm>
-          <a:prstGeom prst="rect">
-            <a:avLst/>
-          </a:prstGeom>
-          <a:noFill/>
-          <a:ln w="6350">
-            <a:solidFill>
-              <a:srgbClr val="B9A049"/>
-            </a:solidFill>
-          </a:ln>
-        </p:spPr>
-        <p:txBody>
-          <a:bodyPr lIns="108000" tIns="72000" rIns="108000" bIns="72000" anchor="ctr">
-            <a:spAutoFit/>
-          </a:bodyPr>
-          <a:lstStyle>
-            <a:lvl1pPr indent="0" algn="ctr" defTabSz="755934">
-              <a:lnSpc>
-                <a:spcPct val="100000"/>
-              </a:lnSpc>
-              <a:spcBef>
-                <a:spcPts val="0"/>
-              </a:spcBef>
-              <a:buFont typeface="Arial" panose="020B0604020202020204" pitchFamily="34" charset="0"/>
-              <a:buNone/>
-              <a:defRPr sz="900" b="0" cap="none" baseline="0">
-                <a:solidFill>
-                  <a:schemeClr val="tx2"/>
-                </a:solidFill>
-                <a:latin typeface="Proxima Nova Rg" panose="02000506030000020004" pitchFamily="2" charset="0"/>
-                <a:cs typeface="Gotham Bold" pitchFamily="50" charset="0"/>
-              </a:defRPr>
-            </a:lvl1pPr>
-            <a:lvl2pPr marL="179388" indent="0" defTabSz="755934">
-              <a:lnSpc>
-                <a:spcPct val="100000"/>
-              </a:lnSpc>
-              <a:spcBef>
-                <a:spcPts val="900"/>
-              </a:spcBef>
-              <a:buFont typeface="Arial" panose="020B0604020202020204" pitchFamily="34" charset="0"/>
-              <a:buNone/>
-              <a:defRPr sz="1200" cap="all" baseline="0">
-                <a:latin typeface="Gotham Medium" pitchFamily="50" charset="0"/>
-                <a:cs typeface="Gotham Medium" pitchFamily="50" charset="0"/>
-              </a:defRPr>
-            </a:lvl2pPr>
-            <a:lvl3pPr marL="179388" indent="0" defTabSz="755934">
-              <a:lnSpc>
-                <a:spcPct val="100000"/>
-              </a:lnSpc>
-              <a:spcBef>
-                <a:spcPts val="600"/>
-              </a:spcBef>
-              <a:buFont typeface="Arial" panose="020B0604020202020204" pitchFamily="34" charset="0"/>
-              <a:buNone/>
-              <a:defRPr sz="900">
-                <a:solidFill>
-                  <a:schemeClr val="tx2"/>
-                </a:solidFill>
-              </a:defRPr>
-            </a:lvl3pPr>
-            <a:lvl4pPr marL="179388" indent="0" defTabSz="755934">
-              <a:lnSpc>
-                <a:spcPct val="100000"/>
-              </a:lnSpc>
-              <a:spcBef>
-                <a:spcPts val="600"/>
-              </a:spcBef>
-              <a:buFont typeface="Arial" panose="020B0604020202020204" pitchFamily="34" charset="0"/>
-              <a:buNone/>
-              <a:defRPr sz="900" u="sng">
-                <a:solidFill>
-                  <a:schemeClr val="tx2"/>
-                </a:solidFill>
-              </a:defRPr>
-            </a:lvl4pPr>
-            <a:lvl5pPr marL="179388" indent="0" defTabSz="755934">
-              <a:lnSpc>
-                <a:spcPct val="100000"/>
-              </a:lnSpc>
-              <a:spcBef>
-                <a:spcPts val="600"/>
-              </a:spcBef>
-              <a:buFont typeface="Arial" panose="020B0604020202020204" pitchFamily="34" charset="0"/>
-              <a:buNone/>
-              <a:defRPr sz="700">
-                <a:solidFill>
-                  <a:schemeClr val="tx2"/>
-                </a:solidFill>
-                <a:latin typeface="Ciutadella Regular Italic" panose="01000000000000000000" pitchFamily="50" charset="0"/>
-              </a:defRPr>
-            </a:lvl5pPr>
-            <a:lvl6pPr marL="2078820" indent="-188984" defTabSz="755934">
-              <a:lnSpc>
-                <a:spcPct val="90000"/>
-              </a:lnSpc>
-              <a:spcBef>
-                <a:spcPts val="413"/>
-              </a:spcBef>
-              <a:buFont typeface="Arial" panose="020B0604020202020204" pitchFamily="34" charset="0"/>
-              <a:buChar char="•"/>
-              <a:defRPr sz="1488"/>
-            </a:lvl6pPr>
-            <a:lvl7pPr marL="2456787" indent="-188984" defTabSz="755934">
-              <a:lnSpc>
-                <a:spcPct val="90000"/>
-              </a:lnSpc>
-              <a:spcBef>
-                <a:spcPts val="413"/>
-              </a:spcBef>
-              <a:buFont typeface="Arial" panose="020B0604020202020204" pitchFamily="34" charset="0"/>
-              <a:buChar char="•"/>
-              <a:defRPr sz="1488"/>
-            </a:lvl7pPr>
-            <a:lvl8pPr marL="2834754" indent="-188984" defTabSz="755934">
-              <a:lnSpc>
-                <a:spcPct val="90000"/>
-              </a:lnSpc>
-              <a:spcBef>
-                <a:spcPts val="413"/>
-              </a:spcBef>
-              <a:buFont typeface="Arial" panose="020B0604020202020204" pitchFamily="34" charset="0"/>
-              <a:buChar char="•"/>
-              <a:defRPr sz="1488"/>
-            </a:lvl8pPr>
-            <a:lvl9pPr marL="3212722" indent="-188984" defTabSz="755934">
-              <a:lnSpc>
-                <a:spcPct val="90000"/>
-              </a:lnSpc>
-              <a:spcBef>
-                <a:spcPts val="413"/>
-              </a:spcBef>
-              <a:buFont typeface="Arial" panose="020B0604020202020204" pitchFamily="34" charset="0"/>
-              <a:buChar char="•"/>
-              <a:defRPr sz="1488"/>
-            </a:lvl9pPr>
-          </a:lstStyle>
-          <a:p>
-            <a:r>
-              <a:rPr lang="fr-FR" sz="800" dirty="0">
-                <a:latin typeface="+mn-lt"/>
-              </a:rPr>
-              <a:t>L’intégralité du capital initial</a:t>
-            </a:r>
-          </a:p>
-          <a:p>
-            <a:r>
-              <a:rPr lang="fr-FR" sz="800" dirty="0">
-                <a:latin typeface="+mn-lt"/>
-              </a:rPr>
-              <a:t>(Soit un Taux de Rendement Annuel net de -1,00%</a:t>
-            </a:r>
-            <a:r>
-              <a:rPr lang="fr-FR" sz="800" baseline="30000" dirty="0">
-                <a:latin typeface="+mn-lt"/>
-              </a:rPr>
-              <a:t>(2)</a:t>
-            </a:r>
-            <a:r>
-              <a:rPr lang="fr-FR" sz="800" dirty="0">
-                <a:latin typeface="+mn-lt"/>
-              </a:rPr>
-              <a:t>)</a:t>
-            </a:r>
-          </a:p>
-        </p:txBody>
-      </p:sp>
-      <p:sp>
-        <p:nvSpPr>
-          <p:cNvPr id="21" name="ZoneTexte 20">
-            <a:extLst>
-              <a:ext uri="{FF2B5EF4-FFF2-40B4-BE49-F238E27FC236}">
-                <a16:creationId xmlns:a16="http://schemas.microsoft.com/office/drawing/2014/main" id="{13C1DC08-7523-4CEB-8E89-DD7A3070EE79}"/>
-              </a:ext>
-            </a:extLst>
-          </p:cNvPr>
-          <p:cNvSpPr txBox="1"/>
-          <p:nvPr/>
-        </p:nvSpPr>
-        <p:spPr>
-          <a:xfrm>
-            <a:off x="904289" y="7325041"/>
-            <a:ext cx="6353527" cy="246221"/>
-          </a:xfrm>
-          <a:prstGeom prst="rect">
-            <a:avLst/>
-          </a:prstGeom>
-          <a:noFill/>
-        </p:spPr>
-        <p:txBody>
-          <a:bodyPr wrap="square" lIns="0" tIns="0" rIns="0" bIns="0" rtlCol="0">
-            <a:spAutoFit/>
-          </a:bodyPr>
-          <a:lstStyle/>
-          <a:p>
-            <a:pPr algn="just"/>
-            <a:r>
-              <a:rPr lang="fr-FR" sz="800" b="1" u="sng" dirty="0">
-                <a:solidFill>
-                  <a:srgbClr val="000000"/>
-                </a:solidFill>
-              </a:rPr>
-              <a:t>Cas médian</a:t>
-            </a:r>
-            <a:r>
-              <a:rPr lang="fr-FR" sz="800" b="1" dirty="0">
-                <a:solidFill>
-                  <a:srgbClr val="000000"/>
-                </a:solidFill>
-              </a:rPr>
-              <a:t> : Si </a:t>
-            </a:r>
-            <a:r>
-              <a:rPr lang="it-IT" sz="800" b="1" dirty="0">
-                <a:solidFill>
-                  <a:schemeClr val="tx2"/>
-                </a:solidFill>
-              </a:rPr>
-              <a:t>&lt;SJR1&gt; </a:t>
-            </a:r>
-            <a:r>
-              <a:rPr lang="fr-FR" sz="800" b="1" dirty="0">
-                <a:solidFill>
-                  <a:srgbClr val="000000"/>
-                </a:solidFill>
-              </a:rPr>
-              <a:t>clôture à un &lt;SJR3&gt; strictement inférieur à &lt;DBAC&gt; mais supérieur ou égal à &lt;PDI&gt; de son &lt;NDR&gt;, l’investisseur reçoit, le &lt;DEC_MAJ&gt; : </a:t>
+              <a:t>MÉCANISME DE REMBOURSEMENT ANTICIPÉ AUTOMATIQUE</a:t>
             </a:r>
           </a:p>
         </p:txBody>
@@ -28739,6 +27468,990 @@
                 </a:solidFill>
               </a:rPr>
               <a:t>Sinon, le produit continue.</a:t>
+            </a:r>
+          </a:p>
+        </p:txBody>
+      </p:sp>
+      <p:sp>
+        <p:nvSpPr>
+          <p:cNvPr id="23" name="Espace réservé du texte 36">
+            <a:extLst>
+              <a:ext uri="{FF2B5EF4-FFF2-40B4-BE49-F238E27FC236}">
+                <a16:creationId xmlns:a16="http://schemas.microsoft.com/office/drawing/2014/main" id="{819B6FD1-E3B9-F55D-6A9F-C75D33380EDA}"/>
+              </a:ext>
+            </a:extLst>
+          </p:cNvPr>
+          <p:cNvSpPr txBox="1">
+            <a:spLocks/>
+          </p:cNvSpPr>
+          <p:nvPr/>
+        </p:nvSpPr>
+        <p:spPr>
+          <a:xfrm>
+            <a:off x="1277442" y="6377701"/>
+            <a:ext cx="5021862" cy="637849"/>
+          </a:xfrm>
+          <a:prstGeom prst="rect">
+            <a:avLst/>
+          </a:prstGeom>
+          <a:noFill/>
+          <a:ln w="6350">
+            <a:solidFill>
+              <a:srgbClr val="B9A049"/>
+            </a:solidFill>
+          </a:ln>
+        </p:spPr>
+        <p:txBody>
+          <a:bodyPr lIns="108000" tIns="72000" rIns="108000" bIns="72000" anchor="ctr">
+            <a:spAutoFit/>
+          </a:bodyPr>
+          <a:lstStyle>
+            <a:lvl1pPr marL="188984" indent="-188984" algn="l" defTabSz="755934" rtl="0" eaLnBrk="1" latinLnBrk="0" hangingPunct="1">
+              <a:lnSpc>
+                <a:spcPct val="90000"/>
+              </a:lnSpc>
+              <a:spcBef>
+                <a:spcPts val="827"/>
+              </a:spcBef>
+              <a:buFont typeface="Arial" panose="020B0604020202020204" pitchFamily="34" charset="0"/>
+              <a:buChar char="•"/>
+              <a:defRPr sz="2315" kern="1200">
+                <a:solidFill>
+                  <a:schemeClr val="tx1"/>
+                </a:solidFill>
+                <a:latin typeface="+mn-lt"/>
+                <a:ea typeface="+mn-ea"/>
+                <a:cs typeface="+mn-cs"/>
+              </a:defRPr>
+            </a:lvl1pPr>
+            <a:lvl2pPr marL="566951" indent="-188984" algn="l" defTabSz="755934" rtl="0" eaLnBrk="1" latinLnBrk="0" hangingPunct="1">
+              <a:lnSpc>
+                <a:spcPct val="90000"/>
+              </a:lnSpc>
+              <a:spcBef>
+                <a:spcPts val="413"/>
+              </a:spcBef>
+              <a:buFont typeface="Arial" panose="020B0604020202020204" pitchFamily="34" charset="0"/>
+              <a:buChar char="•"/>
+              <a:defRPr sz="1984" kern="1200">
+                <a:solidFill>
+                  <a:schemeClr val="tx1"/>
+                </a:solidFill>
+                <a:latin typeface="+mn-lt"/>
+                <a:ea typeface="+mn-ea"/>
+                <a:cs typeface="+mn-cs"/>
+              </a:defRPr>
+            </a:lvl2pPr>
+            <a:lvl3pPr marL="944918" indent="-188984" algn="l" defTabSz="755934" rtl="0" eaLnBrk="1" latinLnBrk="0" hangingPunct="1">
+              <a:lnSpc>
+                <a:spcPct val="90000"/>
+              </a:lnSpc>
+              <a:spcBef>
+                <a:spcPts val="413"/>
+              </a:spcBef>
+              <a:buFont typeface="Arial" panose="020B0604020202020204" pitchFamily="34" charset="0"/>
+              <a:buChar char="•"/>
+              <a:defRPr sz="1653" kern="1200">
+                <a:solidFill>
+                  <a:schemeClr val="tx1"/>
+                </a:solidFill>
+                <a:latin typeface="+mn-lt"/>
+                <a:ea typeface="+mn-ea"/>
+                <a:cs typeface="+mn-cs"/>
+              </a:defRPr>
+            </a:lvl3pPr>
+            <a:lvl4pPr marL="1322885" indent="-188984" algn="l" defTabSz="755934" rtl="0" eaLnBrk="1" latinLnBrk="0" hangingPunct="1">
+              <a:lnSpc>
+                <a:spcPct val="90000"/>
+              </a:lnSpc>
+              <a:spcBef>
+                <a:spcPts val="413"/>
+              </a:spcBef>
+              <a:buFont typeface="Arial" panose="020B0604020202020204" pitchFamily="34" charset="0"/>
+              <a:buChar char="•"/>
+              <a:defRPr sz="1488" kern="1200">
+                <a:solidFill>
+                  <a:schemeClr val="tx1"/>
+                </a:solidFill>
+                <a:latin typeface="+mn-lt"/>
+                <a:ea typeface="+mn-ea"/>
+                <a:cs typeface="+mn-cs"/>
+              </a:defRPr>
+            </a:lvl4pPr>
+            <a:lvl5pPr marL="1700853" indent="-188984" algn="l" defTabSz="755934" rtl="0" eaLnBrk="1" latinLnBrk="0" hangingPunct="1">
+              <a:lnSpc>
+                <a:spcPct val="90000"/>
+              </a:lnSpc>
+              <a:spcBef>
+                <a:spcPts val="413"/>
+              </a:spcBef>
+              <a:buFont typeface="Arial" panose="020B0604020202020204" pitchFamily="34" charset="0"/>
+              <a:buChar char="•"/>
+              <a:defRPr sz="1488" kern="1200">
+                <a:solidFill>
+                  <a:schemeClr val="tx1"/>
+                </a:solidFill>
+                <a:latin typeface="+mn-lt"/>
+                <a:ea typeface="+mn-ea"/>
+                <a:cs typeface="+mn-cs"/>
+              </a:defRPr>
+            </a:lvl5pPr>
+            <a:lvl6pPr marL="2078820" indent="-188984" algn="l" defTabSz="755934" rtl="0" eaLnBrk="1" latinLnBrk="0" hangingPunct="1">
+              <a:lnSpc>
+                <a:spcPct val="90000"/>
+              </a:lnSpc>
+              <a:spcBef>
+                <a:spcPts val="413"/>
+              </a:spcBef>
+              <a:buFont typeface="Arial" panose="020B0604020202020204" pitchFamily="34" charset="0"/>
+              <a:buChar char="•"/>
+              <a:defRPr sz="1488" kern="1200">
+                <a:solidFill>
+                  <a:schemeClr val="tx1"/>
+                </a:solidFill>
+                <a:latin typeface="+mn-lt"/>
+                <a:ea typeface="+mn-ea"/>
+                <a:cs typeface="+mn-cs"/>
+              </a:defRPr>
+            </a:lvl6pPr>
+            <a:lvl7pPr marL="2456787" indent="-188984" algn="l" defTabSz="755934" rtl="0" eaLnBrk="1" latinLnBrk="0" hangingPunct="1">
+              <a:lnSpc>
+                <a:spcPct val="90000"/>
+              </a:lnSpc>
+              <a:spcBef>
+                <a:spcPts val="413"/>
+              </a:spcBef>
+              <a:buFont typeface="Arial" panose="020B0604020202020204" pitchFamily="34" charset="0"/>
+              <a:buChar char="•"/>
+              <a:defRPr sz="1488" kern="1200">
+                <a:solidFill>
+                  <a:schemeClr val="tx1"/>
+                </a:solidFill>
+                <a:latin typeface="+mn-lt"/>
+                <a:ea typeface="+mn-ea"/>
+                <a:cs typeface="+mn-cs"/>
+              </a:defRPr>
+            </a:lvl7pPr>
+            <a:lvl8pPr marL="2834754" indent="-188984" algn="l" defTabSz="755934" rtl="0" eaLnBrk="1" latinLnBrk="0" hangingPunct="1">
+              <a:lnSpc>
+                <a:spcPct val="90000"/>
+              </a:lnSpc>
+              <a:spcBef>
+                <a:spcPts val="413"/>
+              </a:spcBef>
+              <a:buFont typeface="Arial" panose="020B0604020202020204" pitchFamily="34" charset="0"/>
+              <a:buChar char="•"/>
+              <a:defRPr sz="1488" kern="1200">
+                <a:solidFill>
+                  <a:schemeClr val="tx1"/>
+                </a:solidFill>
+                <a:latin typeface="+mn-lt"/>
+                <a:ea typeface="+mn-ea"/>
+                <a:cs typeface="+mn-cs"/>
+              </a:defRPr>
+            </a:lvl8pPr>
+            <a:lvl9pPr marL="3212722" indent="-188984" algn="l" defTabSz="755934" rtl="0" eaLnBrk="1" latinLnBrk="0" hangingPunct="1">
+              <a:lnSpc>
+                <a:spcPct val="90000"/>
+              </a:lnSpc>
+              <a:spcBef>
+                <a:spcPts val="413"/>
+              </a:spcBef>
+              <a:buFont typeface="Arial" panose="020B0604020202020204" pitchFamily="34" charset="0"/>
+              <a:buChar char="•"/>
+              <a:defRPr sz="1488" kern="1200">
+                <a:solidFill>
+                  <a:schemeClr val="tx1"/>
+                </a:solidFill>
+                <a:latin typeface="+mn-lt"/>
+                <a:ea typeface="+mn-ea"/>
+                <a:cs typeface="+mn-cs"/>
+              </a:defRPr>
+            </a:lvl9pPr>
+          </a:lstStyle>
+          <a:p>
+            <a:pPr marL="0" indent="0" algn="ctr">
+              <a:lnSpc>
+                <a:spcPct val="100000"/>
+              </a:lnSpc>
+              <a:spcBef>
+                <a:spcPts val="0"/>
+              </a:spcBef>
+              <a:buNone/>
+            </a:pPr>
+            <a:r>
+              <a:rPr lang="fr-FR" sz="800" dirty="0"/>
+              <a:t>L’intégralité du capital initial</a:t>
+            </a:r>
+          </a:p>
+          <a:p>
+            <a:pPr marL="0" indent="0" algn="ctr">
+              <a:lnSpc>
+                <a:spcPct val="100000"/>
+              </a:lnSpc>
+              <a:spcBef>
+                <a:spcPts val="0"/>
+              </a:spcBef>
+              <a:buNone/>
+            </a:pPr>
+            <a:r>
+              <a:rPr lang="fr-FR" sz="800" dirty="0"/>
+              <a:t>+</a:t>
+            </a:r>
+          </a:p>
+          <a:p>
+            <a:pPr marL="0" indent="0" algn="ctr">
+              <a:lnSpc>
+                <a:spcPct val="100000"/>
+              </a:lnSpc>
+              <a:spcBef>
+                <a:spcPts val="0"/>
+              </a:spcBef>
+              <a:buNone/>
+            </a:pPr>
+            <a:r>
+              <a:rPr lang="fr-FR" sz="800" dirty="0"/>
+              <a:t>Un gain de &lt;CPN&gt; &lt;environ&gt; &lt;environ&gt; par &lt;F0&gt; &lt;F2&gt; depuis le &lt;DDCI&gt;&lt;exclus&gt;</a:t>
+            </a:r>
+          </a:p>
+          <a:p>
+            <a:pPr marL="0" indent="0" algn="ctr">
+              <a:lnSpc>
+                <a:spcPct val="100000"/>
+              </a:lnSpc>
+              <a:spcBef>
+                <a:spcPts val="0"/>
+              </a:spcBef>
+              <a:buNone/>
+            </a:pPr>
+            <a:r>
+              <a:rPr lang="fr-FR" sz="800" dirty="0"/>
+              <a:t>(soit un &lt;GC&gt; total de &lt;GCE&gt; et un taux de rendement annuel net de &lt;TRA.MG.A&gt;</a:t>
+            </a:r>
+            <a:r>
+              <a:rPr lang="fr-FR" sz="800" baseline="30000" dirty="0"/>
+              <a:t>(2)</a:t>
+            </a:r>
+            <a:r>
+              <a:rPr lang="fr-FR" sz="800" dirty="0"/>
+              <a:t>)</a:t>
+            </a:r>
+          </a:p>
+        </p:txBody>
+      </p:sp>
+      <p:sp>
+        <p:nvSpPr>
+          <p:cNvPr id="24" name="ZoneTexte 23">
+            <a:extLst>
+              <a:ext uri="{FF2B5EF4-FFF2-40B4-BE49-F238E27FC236}">
+                <a16:creationId xmlns:a16="http://schemas.microsoft.com/office/drawing/2014/main" id="{B5BB2903-55AE-9D73-FF1F-442EC25221B5}"/>
+              </a:ext>
+            </a:extLst>
+          </p:cNvPr>
+          <p:cNvSpPr txBox="1"/>
+          <p:nvPr/>
+        </p:nvSpPr>
+        <p:spPr>
+          <a:xfrm>
+            <a:off x="910052" y="5344781"/>
+            <a:ext cx="6081297" cy="246221"/>
+          </a:xfrm>
+          <a:prstGeom prst="rect">
+            <a:avLst/>
+          </a:prstGeom>
+          <a:noFill/>
+        </p:spPr>
+        <p:txBody>
+          <a:bodyPr wrap="square" lIns="0" tIns="0" rIns="0" bIns="0" rtlCol="0">
+            <a:spAutoFit/>
+          </a:bodyPr>
+          <a:lstStyle/>
+          <a:p>
+            <a:pPr algn="just"/>
+            <a:r>
+              <a:rPr lang="fr-FR" sz="800" dirty="0">
+                <a:solidFill>
+                  <a:schemeClr val="tx2"/>
+                </a:solidFill>
+              </a:rPr>
+              <a:t>À la date de constatation finale, le &lt;DCF&gt;, en l’absence de remboursement anticipé automatique préalable, on compare le &lt;SJR3&gt; de clôture &lt;SJR7&gt;</a:t>
+            </a:r>
+            <a:r>
+              <a:rPr lang="en-US" sz="800" dirty="0">
+                <a:solidFill>
+                  <a:schemeClr val="tx2"/>
+                </a:solidFill>
+              </a:rPr>
+              <a:t> </a:t>
+            </a:r>
+            <a:r>
+              <a:rPr lang="fr-FR" sz="800" dirty="0">
+                <a:solidFill>
+                  <a:schemeClr val="tx2"/>
+                </a:solidFill>
+              </a:rPr>
+              <a:t>à son &lt;NDR&gt; :</a:t>
+            </a:r>
+          </a:p>
+        </p:txBody>
+      </p:sp>
+      <p:sp>
+        <p:nvSpPr>
+          <p:cNvPr id="25" name="ZoneTexte 24">
+            <a:extLst>
+              <a:ext uri="{FF2B5EF4-FFF2-40B4-BE49-F238E27FC236}">
+                <a16:creationId xmlns:a16="http://schemas.microsoft.com/office/drawing/2014/main" id="{B31A384D-AA6D-DB4C-34C9-0DF0C688E0AE}"/>
+              </a:ext>
+            </a:extLst>
+          </p:cNvPr>
+          <p:cNvSpPr txBox="1"/>
+          <p:nvPr/>
+        </p:nvSpPr>
+        <p:spPr>
+          <a:xfrm>
+            <a:off x="908733" y="5945098"/>
+            <a:ext cx="6073677" cy="123111"/>
+          </a:xfrm>
+          <a:prstGeom prst="rect">
+            <a:avLst/>
+          </a:prstGeom>
+          <a:noFill/>
+        </p:spPr>
+        <p:txBody>
+          <a:bodyPr wrap="square" lIns="0" tIns="0" rIns="0" bIns="0" rtlCol="0">
+            <a:spAutoFit/>
+          </a:bodyPr>
+          <a:lstStyle/>
+          <a:p>
+            <a:pPr algn="just"/>
+            <a:r>
+              <a:rPr lang="fr-FR" sz="800" b="1" u="sng" dirty="0">
+                <a:solidFill>
+                  <a:schemeClr val="tx2"/>
+                </a:solidFill>
+              </a:rPr>
+              <a:t>Cas favorable</a:t>
+            </a:r>
+            <a:r>
+              <a:rPr lang="fr-FR" sz="800" b="1" dirty="0">
+                <a:solidFill>
+                  <a:schemeClr val="tx2"/>
+                </a:solidFill>
+              </a:rPr>
+              <a:t> : Si </a:t>
+            </a:r>
+            <a:r>
+              <a:rPr lang="it-IT" sz="800" b="1" dirty="0">
+                <a:solidFill>
+                  <a:schemeClr val="tx2"/>
+                </a:solidFill>
+              </a:rPr>
+              <a:t>&lt;SJR1&gt; </a:t>
+            </a:r>
+            <a:r>
+              <a:rPr lang="fr-FR" sz="800" b="1" dirty="0">
+                <a:solidFill>
+                  <a:schemeClr val="tx2"/>
+                </a:solidFill>
+              </a:rPr>
+              <a:t>clôture à un &lt;SJR3&gt; supérieur ou égal à &lt;DBAC&gt; de son &lt;NDR&gt;, l’investisseur reçoit, le &lt;DEC_MAJ&gt;</a:t>
+            </a:r>
+            <a:r>
+              <a:rPr lang="fr-FR" sz="800" b="1" baseline="30000" dirty="0">
+                <a:solidFill>
+                  <a:schemeClr val="tx2"/>
+                </a:solidFill>
+              </a:rPr>
+              <a:t> </a:t>
+            </a:r>
+            <a:r>
+              <a:rPr lang="fr-FR" sz="800" b="1" dirty="0">
+                <a:solidFill>
+                  <a:schemeClr val="tx2"/>
+                </a:solidFill>
+              </a:rPr>
+              <a:t>: </a:t>
+            </a:r>
+          </a:p>
+        </p:txBody>
+      </p:sp>
+      <p:sp>
+        <p:nvSpPr>
+          <p:cNvPr id="26" name="ZoneTexte 25">
+            <a:extLst>
+              <a:ext uri="{FF2B5EF4-FFF2-40B4-BE49-F238E27FC236}">
+                <a16:creationId xmlns:a16="http://schemas.microsoft.com/office/drawing/2014/main" id="{3842A756-DBDE-A2F7-0A02-541D30FB3800}"/>
+              </a:ext>
+            </a:extLst>
+          </p:cNvPr>
+          <p:cNvSpPr txBox="1"/>
+          <p:nvPr/>
+        </p:nvSpPr>
+        <p:spPr>
+          <a:xfrm>
+            <a:off x="917673" y="8553774"/>
+            <a:ext cx="6064738" cy="246221"/>
+          </a:xfrm>
+          <a:prstGeom prst="rect">
+            <a:avLst/>
+          </a:prstGeom>
+          <a:noFill/>
+        </p:spPr>
+        <p:txBody>
+          <a:bodyPr wrap="square" lIns="0" tIns="0" rIns="0" bIns="0" rtlCol="0">
+            <a:spAutoFit/>
+          </a:bodyPr>
+          <a:lstStyle/>
+          <a:p>
+            <a:pPr algn="just"/>
+            <a:r>
+              <a:rPr lang="fr-FR" sz="800" b="1" u="sng" dirty="0">
+                <a:solidFill>
+                  <a:schemeClr val="tx2"/>
+                </a:solidFill>
+              </a:rPr>
+              <a:t>Cas défavorable</a:t>
+            </a:r>
+            <a:r>
+              <a:rPr lang="fr-FR" sz="800" b="1" dirty="0">
+                <a:solidFill>
+                  <a:schemeClr val="tx2"/>
+                </a:solidFill>
+              </a:rPr>
+              <a:t> : Si </a:t>
+            </a:r>
+            <a:r>
+              <a:rPr lang="it-IT" sz="800" b="1" dirty="0">
+                <a:solidFill>
+                  <a:schemeClr val="tx2"/>
+                </a:solidFill>
+              </a:rPr>
+              <a:t>&lt;SJR1&gt; </a:t>
+            </a:r>
+            <a:r>
+              <a:rPr lang="fr-FR" sz="800" b="1" dirty="0">
+                <a:solidFill>
+                  <a:schemeClr val="tx2"/>
+                </a:solidFill>
+              </a:rPr>
+              <a:t>clôture à un &lt;SJR3&gt; strictement inférieur à &lt;PDI&gt; de son &lt;SJR3&gt; de Référence, l’investisseur reçoit, le &lt;DEC_MAJ&gt; : </a:t>
+            </a:r>
+          </a:p>
+        </p:txBody>
+      </p:sp>
+      <p:sp>
+        <p:nvSpPr>
+          <p:cNvPr id="27" name="Espace réservé du texte 36">
+            <a:extLst>
+              <a:ext uri="{FF2B5EF4-FFF2-40B4-BE49-F238E27FC236}">
+                <a16:creationId xmlns:a16="http://schemas.microsoft.com/office/drawing/2014/main" id="{D2C8F736-AB36-AFF6-5734-CA8F6084CDE8}"/>
+              </a:ext>
+            </a:extLst>
+          </p:cNvPr>
+          <p:cNvSpPr txBox="1">
+            <a:spLocks/>
+          </p:cNvSpPr>
+          <p:nvPr/>
+        </p:nvSpPr>
+        <p:spPr>
+          <a:xfrm>
+            <a:off x="1186722" y="8986375"/>
+            <a:ext cx="5203302" cy="637849"/>
+          </a:xfrm>
+          <a:prstGeom prst="rect">
+            <a:avLst/>
+          </a:prstGeom>
+          <a:noFill/>
+          <a:ln w="6350">
+            <a:solidFill>
+              <a:srgbClr val="B9A049"/>
+            </a:solidFill>
+          </a:ln>
+        </p:spPr>
+        <p:txBody>
+          <a:bodyPr lIns="108000" tIns="72000" rIns="108000" bIns="72000" anchor="ctr">
+            <a:spAutoFit/>
+          </a:bodyPr>
+          <a:lstStyle>
+            <a:lvl1pPr marL="188984" indent="-188984" algn="l" defTabSz="755934" rtl="0" eaLnBrk="1" latinLnBrk="0" hangingPunct="1">
+              <a:lnSpc>
+                <a:spcPct val="90000"/>
+              </a:lnSpc>
+              <a:spcBef>
+                <a:spcPts val="827"/>
+              </a:spcBef>
+              <a:buFont typeface="Arial" panose="020B0604020202020204" pitchFamily="34" charset="0"/>
+              <a:buChar char="•"/>
+              <a:defRPr sz="2315" kern="1200">
+                <a:solidFill>
+                  <a:schemeClr val="tx1"/>
+                </a:solidFill>
+                <a:latin typeface="+mn-lt"/>
+                <a:ea typeface="+mn-ea"/>
+                <a:cs typeface="+mn-cs"/>
+              </a:defRPr>
+            </a:lvl1pPr>
+            <a:lvl2pPr marL="566951" indent="-188984" algn="l" defTabSz="755934" rtl="0" eaLnBrk="1" latinLnBrk="0" hangingPunct="1">
+              <a:lnSpc>
+                <a:spcPct val="90000"/>
+              </a:lnSpc>
+              <a:spcBef>
+                <a:spcPts val="413"/>
+              </a:spcBef>
+              <a:buFont typeface="Arial" panose="020B0604020202020204" pitchFamily="34" charset="0"/>
+              <a:buChar char="•"/>
+              <a:defRPr sz="1984" kern="1200">
+                <a:solidFill>
+                  <a:schemeClr val="tx1"/>
+                </a:solidFill>
+                <a:latin typeface="+mn-lt"/>
+                <a:ea typeface="+mn-ea"/>
+                <a:cs typeface="+mn-cs"/>
+              </a:defRPr>
+            </a:lvl2pPr>
+            <a:lvl3pPr marL="944918" indent="-188984" algn="l" defTabSz="755934" rtl="0" eaLnBrk="1" latinLnBrk="0" hangingPunct="1">
+              <a:lnSpc>
+                <a:spcPct val="90000"/>
+              </a:lnSpc>
+              <a:spcBef>
+                <a:spcPts val="413"/>
+              </a:spcBef>
+              <a:buFont typeface="Arial" panose="020B0604020202020204" pitchFamily="34" charset="0"/>
+              <a:buChar char="•"/>
+              <a:defRPr sz="1653" kern="1200">
+                <a:solidFill>
+                  <a:schemeClr val="tx1"/>
+                </a:solidFill>
+                <a:latin typeface="+mn-lt"/>
+                <a:ea typeface="+mn-ea"/>
+                <a:cs typeface="+mn-cs"/>
+              </a:defRPr>
+            </a:lvl3pPr>
+            <a:lvl4pPr marL="1322885" indent="-188984" algn="l" defTabSz="755934" rtl="0" eaLnBrk="1" latinLnBrk="0" hangingPunct="1">
+              <a:lnSpc>
+                <a:spcPct val="90000"/>
+              </a:lnSpc>
+              <a:spcBef>
+                <a:spcPts val="413"/>
+              </a:spcBef>
+              <a:buFont typeface="Arial" panose="020B0604020202020204" pitchFamily="34" charset="0"/>
+              <a:buChar char="•"/>
+              <a:defRPr sz="1488" kern="1200">
+                <a:solidFill>
+                  <a:schemeClr val="tx1"/>
+                </a:solidFill>
+                <a:latin typeface="+mn-lt"/>
+                <a:ea typeface="+mn-ea"/>
+                <a:cs typeface="+mn-cs"/>
+              </a:defRPr>
+            </a:lvl4pPr>
+            <a:lvl5pPr marL="1700853" indent="-188984" algn="l" defTabSz="755934" rtl="0" eaLnBrk="1" latinLnBrk="0" hangingPunct="1">
+              <a:lnSpc>
+                <a:spcPct val="90000"/>
+              </a:lnSpc>
+              <a:spcBef>
+                <a:spcPts val="413"/>
+              </a:spcBef>
+              <a:buFont typeface="Arial" panose="020B0604020202020204" pitchFamily="34" charset="0"/>
+              <a:buChar char="•"/>
+              <a:defRPr sz="1488" kern="1200">
+                <a:solidFill>
+                  <a:schemeClr val="tx1"/>
+                </a:solidFill>
+                <a:latin typeface="+mn-lt"/>
+                <a:ea typeface="+mn-ea"/>
+                <a:cs typeface="+mn-cs"/>
+              </a:defRPr>
+            </a:lvl5pPr>
+            <a:lvl6pPr marL="2078820" indent="-188984" algn="l" defTabSz="755934" rtl="0" eaLnBrk="1" latinLnBrk="0" hangingPunct="1">
+              <a:lnSpc>
+                <a:spcPct val="90000"/>
+              </a:lnSpc>
+              <a:spcBef>
+                <a:spcPts val="413"/>
+              </a:spcBef>
+              <a:buFont typeface="Arial" panose="020B0604020202020204" pitchFamily="34" charset="0"/>
+              <a:buChar char="•"/>
+              <a:defRPr sz="1488" kern="1200">
+                <a:solidFill>
+                  <a:schemeClr val="tx1"/>
+                </a:solidFill>
+                <a:latin typeface="+mn-lt"/>
+                <a:ea typeface="+mn-ea"/>
+                <a:cs typeface="+mn-cs"/>
+              </a:defRPr>
+            </a:lvl6pPr>
+            <a:lvl7pPr marL="2456787" indent="-188984" algn="l" defTabSz="755934" rtl="0" eaLnBrk="1" latinLnBrk="0" hangingPunct="1">
+              <a:lnSpc>
+                <a:spcPct val="90000"/>
+              </a:lnSpc>
+              <a:spcBef>
+                <a:spcPts val="413"/>
+              </a:spcBef>
+              <a:buFont typeface="Arial" panose="020B0604020202020204" pitchFamily="34" charset="0"/>
+              <a:buChar char="•"/>
+              <a:defRPr sz="1488" kern="1200">
+                <a:solidFill>
+                  <a:schemeClr val="tx1"/>
+                </a:solidFill>
+                <a:latin typeface="+mn-lt"/>
+                <a:ea typeface="+mn-ea"/>
+                <a:cs typeface="+mn-cs"/>
+              </a:defRPr>
+            </a:lvl7pPr>
+            <a:lvl8pPr marL="2834754" indent="-188984" algn="l" defTabSz="755934" rtl="0" eaLnBrk="1" latinLnBrk="0" hangingPunct="1">
+              <a:lnSpc>
+                <a:spcPct val="90000"/>
+              </a:lnSpc>
+              <a:spcBef>
+                <a:spcPts val="413"/>
+              </a:spcBef>
+              <a:buFont typeface="Arial" panose="020B0604020202020204" pitchFamily="34" charset="0"/>
+              <a:buChar char="•"/>
+              <a:defRPr sz="1488" kern="1200">
+                <a:solidFill>
+                  <a:schemeClr val="tx1"/>
+                </a:solidFill>
+                <a:latin typeface="+mn-lt"/>
+                <a:ea typeface="+mn-ea"/>
+                <a:cs typeface="+mn-cs"/>
+              </a:defRPr>
+            </a:lvl8pPr>
+            <a:lvl9pPr marL="3212722" indent="-188984" algn="l" defTabSz="755934" rtl="0" eaLnBrk="1" latinLnBrk="0" hangingPunct="1">
+              <a:lnSpc>
+                <a:spcPct val="90000"/>
+              </a:lnSpc>
+              <a:spcBef>
+                <a:spcPts val="413"/>
+              </a:spcBef>
+              <a:buFont typeface="Arial" panose="020B0604020202020204" pitchFamily="34" charset="0"/>
+              <a:buChar char="•"/>
+              <a:defRPr sz="1488" kern="1200">
+                <a:solidFill>
+                  <a:schemeClr val="tx1"/>
+                </a:solidFill>
+                <a:latin typeface="+mn-lt"/>
+                <a:ea typeface="+mn-ea"/>
+                <a:cs typeface="+mn-cs"/>
+              </a:defRPr>
+            </a:lvl9pPr>
+          </a:lstStyle>
+          <a:p>
+            <a:pPr marL="0" indent="0" algn="ctr">
+              <a:lnSpc>
+                <a:spcPct val="100000"/>
+              </a:lnSpc>
+              <a:spcBef>
+                <a:spcPts val="0"/>
+              </a:spcBef>
+              <a:buNone/>
+            </a:pPr>
+            <a:r>
+              <a:rPr lang="fr-FR" sz="800" dirty="0"/>
+              <a:t>Le capital initial diminué de l’intégralité de la baisse enregistrée </a:t>
+            </a:r>
+          </a:p>
+          <a:p>
+            <a:pPr marL="0" indent="0" algn="ctr">
+              <a:lnSpc>
+                <a:spcPct val="100000"/>
+              </a:lnSpc>
+              <a:spcBef>
+                <a:spcPts val="0"/>
+              </a:spcBef>
+              <a:buNone/>
+            </a:pPr>
+            <a:r>
+              <a:rPr lang="fr-FR" sz="800" dirty="0"/>
+              <a:t>par &lt;SJR1&gt; entre son &lt;NDR&gt; et son &lt;SJR3&gt; final le &lt;DCF&gt;</a:t>
+            </a:r>
+          </a:p>
+          <a:p>
+            <a:pPr marL="0" indent="0" algn="ctr">
+              <a:lnSpc>
+                <a:spcPct val="100000"/>
+              </a:lnSpc>
+              <a:spcBef>
+                <a:spcPts val="0"/>
+              </a:spcBef>
+              <a:buNone/>
+            </a:pPr>
+            <a:r>
+              <a:rPr lang="fr-FR" sz="800" dirty="0"/>
+              <a:t>(Soit un taux de rendement annuel net inférieur ou égal à &lt;TRA.ECHEANCE.PERTE.A&gt;</a:t>
+            </a:r>
+            <a:r>
+              <a:rPr lang="fr-FR" sz="800" baseline="30000" dirty="0"/>
+              <a:t>(2)</a:t>
+            </a:r>
+            <a:r>
+              <a:rPr lang="fr-FR" sz="800" dirty="0"/>
+              <a:t>)</a:t>
+            </a:r>
+          </a:p>
+          <a:p>
+            <a:pPr marL="0" indent="0" algn="ctr">
+              <a:lnSpc>
+                <a:spcPct val="100000"/>
+              </a:lnSpc>
+              <a:spcBef>
+                <a:spcPts val="0"/>
+              </a:spcBef>
+              <a:buNone/>
+            </a:pPr>
+            <a:r>
+              <a:rPr lang="fr-FR" sz="800" b="1" i="1" dirty="0"/>
+              <a:t>L’investisseur subit alors une perte en capital partielle, voire totale</a:t>
+            </a:r>
+          </a:p>
+        </p:txBody>
+      </p:sp>
+      <p:sp>
+        <p:nvSpPr>
+          <p:cNvPr id="28" name="Espace réservé du texte 36">
+            <a:extLst>
+              <a:ext uri="{FF2B5EF4-FFF2-40B4-BE49-F238E27FC236}">
+                <a16:creationId xmlns:a16="http://schemas.microsoft.com/office/drawing/2014/main" id="{1C08CECB-8E31-54FF-87D1-CFCE676A2B9A}"/>
+              </a:ext>
+            </a:extLst>
+          </p:cNvPr>
+          <p:cNvSpPr txBox="1">
+            <a:spLocks/>
+          </p:cNvSpPr>
+          <p:nvPr/>
+        </p:nvSpPr>
+        <p:spPr>
+          <a:xfrm>
+            <a:off x="1273632" y="7866704"/>
+            <a:ext cx="5029482" cy="391628"/>
+          </a:xfrm>
+          <a:prstGeom prst="rect">
+            <a:avLst/>
+          </a:prstGeom>
+          <a:noFill/>
+          <a:ln w="6350">
+            <a:solidFill>
+              <a:srgbClr val="B9A049"/>
+            </a:solidFill>
+          </a:ln>
+        </p:spPr>
+        <p:txBody>
+          <a:bodyPr lIns="108000" tIns="72000" rIns="108000" bIns="72000" anchor="ctr">
+            <a:spAutoFit/>
+          </a:bodyPr>
+          <a:lstStyle>
+            <a:lvl1pPr indent="0" algn="ctr" defTabSz="755934">
+              <a:lnSpc>
+                <a:spcPct val="100000"/>
+              </a:lnSpc>
+              <a:spcBef>
+                <a:spcPts val="0"/>
+              </a:spcBef>
+              <a:buFont typeface="Arial" panose="020B0604020202020204" pitchFamily="34" charset="0"/>
+              <a:buNone/>
+              <a:defRPr sz="900" b="0" cap="none" baseline="0">
+                <a:solidFill>
+                  <a:schemeClr val="tx2"/>
+                </a:solidFill>
+                <a:latin typeface="Proxima Nova Rg" panose="02000506030000020004" pitchFamily="2" charset="0"/>
+                <a:cs typeface="Gotham Bold" pitchFamily="50" charset="0"/>
+              </a:defRPr>
+            </a:lvl1pPr>
+            <a:lvl2pPr marL="179388" indent="0" defTabSz="755934">
+              <a:lnSpc>
+                <a:spcPct val="100000"/>
+              </a:lnSpc>
+              <a:spcBef>
+                <a:spcPts val="900"/>
+              </a:spcBef>
+              <a:buFont typeface="Arial" panose="020B0604020202020204" pitchFamily="34" charset="0"/>
+              <a:buNone/>
+              <a:defRPr sz="1200" cap="all" baseline="0">
+                <a:latin typeface="Gotham Medium" pitchFamily="50" charset="0"/>
+                <a:cs typeface="Gotham Medium" pitchFamily="50" charset="0"/>
+              </a:defRPr>
+            </a:lvl2pPr>
+            <a:lvl3pPr marL="179388" indent="0" defTabSz="755934">
+              <a:lnSpc>
+                <a:spcPct val="100000"/>
+              </a:lnSpc>
+              <a:spcBef>
+                <a:spcPts val="600"/>
+              </a:spcBef>
+              <a:buFont typeface="Arial" panose="020B0604020202020204" pitchFamily="34" charset="0"/>
+              <a:buNone/>
+              <a:defRPr sz="900">
+                <a:solidFill>
+                  <a:schemeClr val="tx2"/>
+                </a:solidFill>
+              </a:defRPr>
+            </a:lvl3pPr>
+            <a:lvl4pPr marL="179388" indent="0" defTabSz="755934">
+              <a:lnSpc>
+                <a:spcPct val="100000"/>
+              </a:lnSpc>
+              <a:spcBef>
+                <a:spcPts val="600"/>
+              </a:spcBef>
+              <a:buFont typeface="Arial" panose="020B0604020202020204" pitchFamily="34" charset="0"/>
+              <a:buNone/>
+              <a:defRPr sz="900" u="sng">
+                <a:solidFill>
+                  <a:schemeClr val="tx2"/>
+                </a:solidFill>
+              </a:defRPr>
+            </a:lvl4pPr>
+            <a:lvl5pPr marL="179388" indent="0" defTabSz="755934">
+              <a:lnSpc>
+                <a:spcPct val="100000"/>
+              </a:lnSpc>
+              <a:spcBef>
+                <a:spcPts val="600"/>
+              </a:spcBef>
+              <a:buFont typeface="Arial" panose="020B0604020202020204" pitchFamily="34" charset="0"/>
+              <a:buNone/>
+              <a:defRPr sz="700">
+                <a:solidFill>
+                  <a:schemeClr val="tx2"/>
+                </a:solidFill>
+                <a:latin typeface="Ciutadella Regular Italic" panose="01000000000000000000" pitchFamily="50" charset="0"/>
+              </a:defRPr>
+            </a:lvl5pPr>
+            <a:lvl6pPr marL="2078820" indent="-188984" defTabSz="755934">
+              <a:lnSpc>
+                <a:spcPct val="90000"/>
+              </a:lnSpc>
+              <a:spcBef>
+                <a:spcPts val="413"/>
+              </a:spcBef>
+              <a:buFont typeface="Arial" panose="020B0604020202020204" pitchFamily="34" charset="0"/>
+              <a:buChar char="•"/>
+              <a:defRPr sz="1488"/>
+            </a:lvl6pPr>
+            <a:lvl7pPr marL="2456787" indent="-188984" defTabSz="755934">
+              <a:lnSpc>
+                <a:spcPct val="90000"/>
+              </a:lnSpc>
+              <a:spcBef>
+                <a:spcPts val="413"/>
+              </a:spcBef>
+              <a:buFont typeface="Arial" panose="020B0604020202020204" pitchFamily="34" charset="0"/>
+              <a:buChar char="•"/>
+              <a:defRPr sz="1488"/>
+            </a:lvl7pPr>
+            <a:lvl8pPr marL="2834754" indent="-188984" defTabSz="755934">
+              <a:lnSpc>
+                <a:spcPct val="90000"/>
+              </a:lnSpc>
+              <a:spcBef>
+                <a:spcPts val="413"/>
+              </a:spcBef>
+              <a:buFont typeface="Arial" panose="020B0604020202020204" pitchFamily="34" charset="0"/>
+              <a:buChar char="•"/>
+              <a:defRPr sz="1488"/>
+            </a:lvl8pPr>
+            <a:lvl9pPr marL="3212722" indent="-188984" defTabSz="755934">
+              <a:lnSpc>
+                <a:spcPct val="90000"/>
+              </a:lnSpc>
+              <a:spcBef>
+                <a:spcPts val="413"/>
+              </a:spcBef>
+              <a:buFont typeface="Arial" panose="020B0604020202020204" pitchFamily="34" charset="0"/>
+              <a:buChar char="•"/>
+              <a:defRPr sz="1488"/>
+            </a:lvl9pPr>
+          </a:lstStyle>
+          <a:p>
+            <a:r>
+              <a:rPr lang="fr-FR" sz="800" dirty="0">
+                <a:latin typeface="+mn-lt"/>
+              </a:rPr>
+              <a:t>L’intégralité du capital initial</a:t>
+            </a:r>
+          </a:p>
+          <a:p>
+            <a:r>
+              <a:rPr lang="fr-FR" sz="800" dirty="0">
+                <a:latin typeface="+mn-lt"/>
+              </a:rPr>
+              <a:t>(Soit un taux de rendement annuel net de -1,00%</a:t>
+            </a:r>
+            <a:r>
+              <a:rPr lang="fr-FR" sz="800" baseline="30000" dirty="0">
+                <a:latin typeface="+mn-lt"/>
+              </a:rPr>
+              <a:t>(2)</a:t>
+            </a:r>
+            <a:r>
+              <a:rPr lang="fr-FR" sz="800" dirty="0">
+                <a:latin typeface="+mn-lt"/>
+              </a:rPr>
+              <a:t>)</a:t>
+            </a:r>
+          </a:p>
+        </p:txBody>
+      </p:sp>
+      <p:sp>
+        <p:nvSpPr>
+          <p:cNvPr id="29" name="ZoneTexte 28">
+            <a:extLst>
+              <a:ext uri="{FF2B5EF4-FFF2-40B4-BE49-F238E27FC236}">
+                <a16:creationId xmlns:a16="http://schemas.microsoft.com/office/drawing/2014/main" id="{627FB3C0-D68A-67B7-ECC9-CCEDB67B5889}"/>
+              </a:ext>
+            </a:extLst>
+          </p:cNvPr>
+          <p:cNvSpPr txBox="1"/>
+          <p:nvPr/>
+        </p:nvSpPr>
+        <p:spPr>
+          <a:xfrm>
+            <a:off x="904289" y="7325041"/>
+            <a:ext cx="6081297" cy="246221"/>
+          </a:xfrm>
+          <a:prstGeom prst="rect">
+            <a:avLst/>
+          </a:prstGeom>
+          <a:noFill/>
+        </p:spPr>
+        <p:txBody>
+          <a:bodyPr wrap="square" lIns="0" tIns="0" rIns="0" bIns="0" rtlCol="0">
+            <a:spAutoFit/>
+          </a:bodyPr>
+          <a:lstStyle/>
+          <a:p>
+            <a:pPr algn="just"/>
+            <a:r>
+              <a:rPr lang="fr-FR" sz="800" b="1" u="sng" dirty="0">
+                <a:solidFill>
+                  <a:srgbClr val="000000"/>
+                </a:solidFill>
+              </a:rPr>
+              <a:t>Cas médian</a:t>
+            </a:r>
+            <a:r>
+              <a:rPr lang="fr-FR" sz="800" b="1" dirty="0">
+                <a:solidFill>
+                  <a:srgbClr val="000000"/>
+                </a:solidFill>
+              </a:rPr>
+              <a:t> : Si </a:t>
+            </a:r>
+            <a:r>
+              <a:rPr lang="it-IT" sz="800" b="1" dirty="0">
+                <a:solidFill>
+                  <a:schemeClr val="tx2"/>
+                </a:solidFill>
+              </a:rPr>
+              <a:t>&lt;SJR1&gt; </a:t>
+            </a:r>
+            <a:r>
+              <a:rPr lang="fr-FR" sz="800" b="1" dirty="0">
+                <a:solidFill>
+                  <a:srgbClr val="000000"/>
+                </a:solidFill>
+              </a:rPr>
+              <a:t>clôture à un &lt;SJR3&gt; strictement inférieur à &lt;DBAC&gt; mais supérieur ou égal à &lt;PDI&gt; de son &lt;NDR&gt;, l’investisseur reçoit, le &lt;DEC_MAJ&gt; : </a:t>
             </a:r>
           </a:p>
         </p:txBody>
@@ -28841,97 +28554,25 @@
           <a:p>
             <a:pPr algn="just"/>
             <a:r>
-              <a:rPr lang="fr-FR" sz="650" baseline="30000" dirty="0">
+              <a:rPr lang="fr-FR" sz="650" dirty="0">
                 <a:solidFill>
                   <a:srgbClr val="000000"/>
                 </a:solidFill>
                 <a:latin typeface="Proxima Nova Rg" panose="02000506030000020004" pitchFamily="2" charset="0"/>
               </a:rPr>
-              <a:t>(1) </a:t>
-            </a:r>
-            <a:r>
-              <a:rPr lang="fr-FR" sz="650" dirty="0">
-                <a:solidFill>
-                  <a:srgbClr val="000000"/>
-                </a:solidFill>
-                <a:latin typeface="Proxima Nova Rg" panose="02000506030000020004" pitchFamily="2" charset="0"/>
-              </a:rPr>
-              <a:t>Veuillez vous référer au tableau récapitulant les principales caractéristiques financières en &lt;PAGE&gt; pour le détail des dates. </a:t>
+              <a:t>(1) Veuillez vous référer au tableau récapitulant les principales caractéristiques financières en &lt;PAGE&gt; pour le détail des dates. </a:t>
             </a:r>
           </a:p>
           <a:p>
             <a:pPr algn="just"/>
             <a:r>
-              <a:rPr lang="fr-FR" sz="650" baseline="30000" dirty="0">
+              <a:rPr lang="fr-FR" sz="650" dirty="0">
                 <a:solidFill>
                   <a:srgbClr val="000000"/>
                 </a:solidFill>
                 <a:latin typeface="Proxima Nova Rg" panose="02000506030000020004" pitchFamily="2" charset="0"/>
               </a:rPr>
-              <a:t>(2)</a:t>
-            </a:r>
-            <a:r>
-              <a:rPr lang="fr-FR" sz="650" dirty="0">
-                <a:solidFill>
-                  <a:srgbClr val="000000"/>
-                </a:solidFill>
-                <a:latin typeface="Proxima Nova Rg" panose="02000506030000020004" pitchFamily="2" charset="0"/>
-              </a:rPr>
-              <a:t> En prenant comme hypothèse 1,00% de frais de gestion du contrat d’assurance vie ou de capitalisation </a:t>
-            </a:r>
-            <a:r>
-              <a:rPr lang="fr-FR" sz="700" dirty="0">
-                <a:solidFill>
-                  <a:srgbClr val="000000"/>
-                </a:solidFill>
-                <a:latin typeface="Proxima Nova Rg" panose="02000506030000020004" pitchFamily="2" charset="0"/>
-              </a:rPr>
-              <a:t>ou de droits de garde en compte-titres</a:t>
-            </a:r>
-            <a:r>
-              <a:rPr lang="fr-FR" sz="650" dirty="0">
-                <a:solidFill>
-                  <a:srgbClr val="000000"/>
-                </a:solidFill>
-                <a:latin typeface="Proxima Nova Rg" panose="02000506030000020004" pitchFamily="2" charset="0"/>
-              </a:rPr>
-              <a:t>. TRA nets hors autres frais, fiscalité et prélèvements sociaux applicables au cadre d’investissement </a:t>
-            </a:r>
-            <a:r>
-              <a:rPr lang="fr-FR" sz="700" dirty="0">
-                <a:solidFill>
-                  <a:srgbClr val="000000"/>
-                </a:solidFill>
-                <a:latin typeface="Proxima Nova Rg" panose="02000506030000020004" pitchFamily="2" charset="0"/>
-              </a:rPr>
-              <a:t>sous réserve de l’absence de défaut, d’ouverture d’une procédure de résolution et de faillite de l’Émetteur et du Garant. </a:t>
-            </a:r>
-            <a:r>
-              <a:rPr lang="fr-FR" sz="650" dirty="0">
-                <a:solidFill>
-                  <a:srgbClr val="000000"/>
-                </a:solidFill>
-                <a:latin typeface="Proxima Nova Rg" panose="02000506030000020004" pitchFamily="2" charset="0"/>
-              </a:rPr>
-              <a:t>Les TRA sont calculés à partir </a:t>
-            </a:r>
-            <a:r>
-              <a:rPr lang="fr-FR" sz="700" dirty="0">
-                <a:solidFill>
-                  <a:srgbClr val="000000"/>
-                </a:solidFill>
-                <a:latin typeface="Proxima Nova Rg" panose="02000506030000020004" pitchFamily="2" charset="0"/>
-              </a:rPr>
-              <a:t>de la dernière date de constatation initiale (soit le</a:t>
-            </a:r>
-            <a:r>
-              <a:rPr lang="fr-FR" sz="650" dirty="0">
-                <a:solidFill>
-                  <a:srgbClr val="000000"/>
-                </a:solidFill>
-                <a:latin typeface="Proxima Nova Rg" panose="02000506030000020004" pitchFamily="2" charset="0"/>
-              </a:rPr>
-              <a:t> &lt;2PDC&gt;) jusqu’à la date de remboursement anticipé automatique éventuel</a:t>
+              <a:t>(2) En prenant comme hypothèse 1,00% de frais de gestion du contrat d’assurance vie ou de capitalisation ou de droits de garde en compte-titres. TRA nets hors autres frais, fiscalité et prélèvements sociaux applicables au cadre d’investissement sous réserve de l’absence de défaut, d’ouverture d’une procédure de résolution et de faillite de l’Émetteur et du Garant. Les TRA sont calculés à partir du &lt;2PDC_MAJ&gt; jusqu’à la date de remboursement anticipé automatique éventuel</a:t>
             </a:r>
             <a:r>
               <a:rPr lang="fr-FR" sz="650" baseline="30000" dirty="0">
@@ -30738,97 +30379,25 @@
           <a:p>
             <a:pPr algn="just"/>
             <a:r>
-              <a:rPr lang="fr-FR" sz="650" baseline="30000" dirty="0">
+              <a:rPr lang="fr-FR" sz="650" dirty="0">
                 <a:solidFill>
                   <a:srgbClr val="000000"/>
                 </a:solidFill>
                 <a:latin typeface="Proxima Nova Rg" panose="02000506030000020004" pitchFamily="2" charset="0"/>
               </a:rPr>
-              <a:t>(1) </a:t>
-            </a:r>
-            <a:r>
-              <a:rPr lang="fr-FR" sz="650" dirty="0">
-                <a:solidFill>
-                  <a:srgbClr val="000000"/>
-                </a:solidFill>
-                <a:latin typeface="Proxima Nova Rg" panose="02000506030000020004" pitchFamily="2" charset="0"/>
-              </a:rPr>
-              <a:t>Veuillez vous référer au tableau récapitulant les principales caractéristiques financières en &lt;PAGE&gt; pour le détail des dates. </a:t>
+              <a:t>(1) Veuillez vous référer au tableau récapitulant les principales caractéristiques financières en &lt;PAGE&gt; pour le détail des dates. </a:t>
             </a:r>
           </a:p>
           <a:p>
             <a:pPr algn="just"/>
             <a:r>
-              <a:rPr lang="fr-FR" sz="650" baseline="30000" dirty="0">
+              <a:rPr lang="fr-FR" sz="650" dirty="0">
                 <a:solidFill>
                   <a:srgbClr val="000000"/>
                 </a:solidFill>
                 <a:latin typeface="Proxima Nova Rg" panose="02000506030000020004" pitchFamily="2" charset="0"/>
               </a:rPr>
-              <a:t>(2)</a:t>
-            </a:r>
-            <a:r>
-              <a:rPr lang="fr-FR" sz="650" dirty="0">
-                <a:solidFill>
-                  <a:srgbClr val="000000"/>
-                </a:solidFill>
-                <a:latin typeface="Proxima Nova Rg" panose="02000506030000020004" pitchFamily="2" charset="0"/>
-              </a:rPr>
-              <a:t> En prenant comme hypothèse 1,00% de frais de gestion du contrat d’assurance vie ou de capitalisation </a:t>
-            </a:r>
-            <a:r>
-              <a:rPr lang="fr-FR" sz="700" dirty="0">
-                <a:solidFill>
-                  <a:srgbClr val="000000"/>
-                </a:solidFill>
-                <a:latin typeface="Proxima Nova Rg" panose="02000506030000020004" pitchFamily="2" charset="0"/>
-              </a:rPr>
-              <a:t>ou de droits de garde en compte-titres</a:t>
-            </a:r>
-            <a:r>
-              <a:rPr lang="fr-FR" sz="650" dirty="0">
-                <a:solidFill>
-                  <a:srgbClr val="000000"/>
-                </a:solidFill>
-                <a:latin typeface="Proxima Nova Rg" panose="02000506030000020004" pitchFamily="2" charset="0"/>
-              </a:rPr>
-              <a:t>. TRA nets hors autres frais, fiscalité et prélèvements sociaux applicables au cadre d’investissement </a:t>
-            </a:r>
-            <a:r>
-              <a:rPr lang="fr-FR" sz="700" dirty="0">
-                <a:solidFill>
-                  <a:srgbClr val="000000"/>
-                </a:solidFill>
-                <a:latin typeface="Proxima Nova Rg" panose="02000506030000020004" pitchFamily="2" charset="0"/>
-              </a:rPr>
-              <a:t>sous réserve de l’absence de défaut, d’ouverture d’une procédure de résolution et de faillite de l’Émetteur et du Garant</a:t>
-            </a:r>
-            <a:r>
-              <a:rPr lang="fr-FR" sz="650" dirty="0">
-                <a:solidFill>
-                  <a:srgbClr val="000000"/>
-                </a:solidFill>
-                <a:latin typeface="Proxima Nova Rg" panose="02000506030000020004" pitchFamily="2" charset="0"/>
-              </a:rPr>
-              <a:t>. Les TRA sont calculés à partir </a:t>
-            </a:r>
-            <a:r>
-              <a:rPr lang="fr-FR" sz="700" dirty="0">
-                <a:solidFill>
-                  <a:srgbClr val="000000"/>
-                </a:solidFill>
-                <a:latin typeface="Proxima Nova Rg" panose="02000506030000020004" pitchFamily="2" charset="0"/>
-              </a:rPr>
-              <a:t>de la dernière date de constatation initiale (soit le</a:t>
-            </a:r>
-            <a:r>
-              <a:rPr lang="fr-FR" sz="650" dirty="0">
-                <a:solidFill>
-                  <a:srgbClr val="000000"/>
-                </a:solidFill>
-                <a:latin typeface="Proxima Nova Rg" panose="02000506030000020004" pitchFamily="2" charset="0"/>
-              </a:rPr>
-              <a:t> &lt;2PDC&gt;) jusqu’à la date de remboursement anticipé automatique éventuel</a:t>
+              <a:t>(2) En prenant comme hypothèse 1,00% de frais de gestion du contrat d’assurance vie ou de capitalisation ou de droits de garde en compte-titres. TRA nets hors autres frais, fiscalité et prélèvements sociaux applicables au cadre d’investissement sous réserve de l’absence de défaut, d’ouverture d’une procédure de résolution et de faillite de l’Émetteur et du Garant. Les TRA sont calculés à partir du &lt;2PDC_MAJ&gt; jusqu’à la date de remboursement anticipé automatique éventuel</a:t>
             </a:r>
             <a:r>
               <a:rPr lang="fr-FR" sz="650" baseline="30000" dirty="0">
@@ -31452,7 +31021,7 @@
         </p:nvSpPr>
         <p:spPr>
           <a:xfrm>
-            <a:off x="267311" y="4522682"/>
+            <a:off x="747953" y="4577429"/>
             <a:ext cx="3307879" cy="141412"/>
           </a:xfrm>
           <a:prstGeom prst="rect">
@@ -31460,7 +31029,7 @@
           </a:prstGeom>
         </p:spPr>
         <p:txBody>
-          <a:bodyPr/>
+          <a:bodyPr lIns="0" tIns="0" rIns="0" bIns="0"/>
           <a:lstStyle>
             <a:lvl1pPr marL="188984" indent="-188984" algn="l" defTabSz="755934" rtl="0" eaLnBrk="1" latinLnBrk="0" hangingPunct="1">
               <a:lnSpc>
@@ -31626,7 +31195,7 @@
             </a:lvl9pPr>
           </a:lstStyle>
           <a:p>
-            <a:pPr marL="0" indent="0" algn="ctr">
+            <a:pPr marL="0" indent="0">
               <a:buNone/>
             </a:pPr>
             <a:r>
@@ -32049,7 +31618,7 @@
             </a:pPr>
             <a:r>
               <a:rPr lang="fr-FR" sz="800" dirty="0"/>
-              <a:t>Le capital initial diminué de l’intégralité de la baisse enregistrée par &lt;SJR1&gt; </a:t>
+              <a:t>Le capital initial diminué de l’intégralité de la baisse enregistrée </a:t>
             </a:r>
           </a:p>
           <a:p>
@@ -32064,7 +31633,7 @@
             </a:pPr>
             <a:r>
               <a:rPr lang="fr-FR" sz="800" dirty="0"/>
-              <a:t>entre le &lt;DDCI&gt; et le &lt;DCF&gt;</a:t>
+              <a:t>par &lt;SJR1&gt; entre son &lt;NDR&gt; et son &lt;SJR3&gt; final le &lt;DCF&gt;</a:t>
             </a:r>
           </a:p>
           <a:p>
@@ -32824,7 +32393,7 @@
         </p:nvSpPr>
         <p:spPr>
           <a:xfrm>
-            <a:off x="648905" y="1283780"/>
+            <a:off x="747953" y="1338527"/>
             <a:ext cx="6189422" cy="156714"/>
           </a:xfrm>
           <a:prstGeom prst="rect">
@@ -33003,7 +32572,6 @@
             </a:lvl9pPr>
           </a:lstStyle>
           <a:p>
-            <a:pPr lvl="1" algn="just"/>
             <a:r>
               <a:rPr lang="fr-FR" sz="900" b="1" cap="none" dirty="0">
                 <a:solidFill>
@@ -33148,54 +32716,54 @@
           </a:bodyPr>
           <a:lstStyle/>
           <a:p>
-            <a:pPr marL="0" lvl="1" algn="just"/>
-            <a:r>
-              <a:rPr lang="fr-FR" sz="650" baseline="30000" dirty="0">
-                <a:solidFill>
-                  <a:schemeClr val="tx2"/>
-                </a:solidFill>
-                <a:latin typeface="+mn-lt"/>
-              </a:rPr>
-              <a:t>(1)</a:t>
-            </a:r>
+            <a:pPr algn="just"/>
             <a:r>
               <a:rPr lang="fr-FR" sz="650" dirty="0">
                 <a:solidFill>
-                  <a:schemeClr val="tx2"/>
-                </a:solidFill>
-                <a:latin typeface="+mn-lt"/>
-              </a:rPr>
-              <a:t> Veuillez vous référer au tableau récapitulant les principales caractéristiques financières en &lt;PAGE&gt; pour le détail des dates. </a:t>
+                  <a:srgbClr val="000000"/>
+                </a:solidFill>
+                <a:latin typeface="Proxima Nova Rg" panose="02000506030000020004" pitchFamily="2" charset="0"/>
+              </a:rPr>
+              <a:t>(1) Veuillez vous référer au tableau récapitulant les principales caractéristiques financières en &lt;PAGE&gt; pour le détail des dates. </a:t>
             </a:r>
           </a:p>
           <a:p>
-            <a:pPr marL="0" lvl="1" algn="just"/>
+            <a:pPr algn="just"/>
+            <a:r>
+              <a:rPr lang="fr-FR" sz="650" dirty="0">
+                <a:solidFill>
+                  <a:srgbClr val="000000"/>
+                </a:solidFill>
+                <a:latin typeface="Proxima Nova Rg" panose="02000506030000020004" pitchFamily="2" charset="0"/>
+              </a:rPr>
+              <a:t>(2) En prenant comme hypothèse 1,00% de frais de gestion du contrat d’assurance vie ou de capitalisation ou de droits de garde en compte-titres. TRA nets hors autres frais, fiscalité et prélèvements sociaux applicables au cadre d’investissement sous réserve de l’absence de défaut, d’ouverture d’une procédure de résolution et de faillite de l’Émetteur et du Garant. Les TRA sont calculés à partir du &lt;2PDC_MAJ&gt; jusqu’à la date de remboursement anticipé automatique éventuel</a:t>
+            </a:r>
             <a:r>
               <a:rPr lang="fr-FR" sz="650" baseline="30000" dirty="0">
                 <a:solidFill>
-                  <a:schemeClr val="tx2"/>
-                </a:solidFill>
-                <a:latin typeface="+mn-lt"/>
-              </a:rPr>
-              <a:t>(2)</a:t>
+                  <a:srgbClr val="000000"/>
+                </a:solidFill>
+                <a:latin typeface="Proxima Nova Rg" panose="02000506030000020004" pitchFamily="2" charset="0"/>
+              </a:rPr>
+              <a:t>(1)</a:t>
             </a:r>
             <a:r>
               <a:rPr lang="fr-FR" sz="650" dirty="0">
                 <a:solidFill>
-                  <a:schemeClr val="tx2"/>
-                </a:solidFill>
-                <a:latin typeface="+mn-lt"/>
-              </a:rPr>
-              <a:t> En prenant comme hypothèse 1,00% de frais de gestion du contrat d’assurance vie ou de capitalisation</a:t>
-            </a:r>
-            <a:r>
-              <a:rPr lang="fr-FR" sz="700" i="1" dirty="0">
-                <a:solidFill>
                   <a:srgbClr val="000000"/>
                 </a:solidFill>
                 <a:latin typeface="Proxima Nova Rg" panose="02000506030000020004" pitchFamily="2" charset="0"/>
               </a:rPr>
-              <a:t> </a:t>
+              <a:t> ou d’échéance</a:t>
+            </a:r>
+            <a:r>
+              <a:rPr lang="fr-FR" sz="650" baseline="30000" dirty="0">
+                <a:solidFill>
+                  <a:srgbClr val="000000"/>
+                </a:solidFill>
+                <a:latin typeface="Proxima Nova Rg" panose="02000506030000020004" pitchFamily="2" charset="0"/>
+              </a:rPr>
+              <a:t>(1)</a:t>
             </a:r>
             <a:r>
               <a:rPr lang="fr-FR" sz="650" dirty="0">
@@ -33203,118 +32771,6 @@
                   <a:srgbClr val="000000"/>
                 </a:solidFill>
                 <a:latin typeface="Proxima Nova Rg" panose="02000506030000020004" pitchFamily="2" charset="0"/>
-              </a:rPr>
-              <a:t>ou de droits de garde en compte-titres</a:t>
-            </a:r>
-            <a:r>
-              <a:rPr lang="fr-FR" sz="650" dirty="0">
-                <a:solidFill>
-                  <a:schemeClr val="tx2"/>
-                </a:solidFill>
-                <a:latin typeface="+mn-lt"/>
-              </a:rPr>
-              <a:t>. TRA nets hors autres frais, fiscalité et prélèvements sociaux applicables au cadre d’investissement</a:t>
-            </a:r>
-            <a:r>
-              <a:rPr lang="fr-FR" sz="700" i="1" dirty="0">
-                <a:solidFill>
-                  <a:srgbClr val="000000"/>
-                </a:solidFill>
-                <a:latin typeface="Proxima Nova Rg" panose="02000506030000020004" pitchFamily="2" charset="0"/>
-              </a:rPr>
-              <a:t> </a:t>
-            </a:r>
-            <a:r>
-              <a:rPr lang="fr-FR" sz="650" dirty="0">
-                <a:solidFill>
-                  <a:srgbClr val="000000"/>
-                </a:solidFill>
-              </a:rPr>
-              <a:t>sous réserve de l’absence de défaut, d’ouverture d’une procédure de résolution et de faillite de l’Émetteur et du Garant.</a:t>
-            </a:r>
-            <a:r>
-              <a:rPr lang="fr-FR" sz="650" dirty="0">
-                <a:solidFill>
-                  <a:schemeClr val="tx2"/>
-                </a:solidFill>
-              </a:rPr>
-              <a:t> </a:t>
-            </a:r>
-            <a:r>
-              <a:rPr lang="fr-FR" sz="650" dirty="0">
-                <a:solidFill>
-                  <a:schemeClr val="tx2"/>
-                </a:solidFill>
-                <a:latin typeface="+mn-lt"/>
-              </a:rPr>
-              <a:t>Les TRA sont calculés à </a:t>
-            </a:r>
-            <a:r>
-              <a:rPr lang="fr-FR" sz="650" dirty="0">
-                <a:solidFill>
-                  <a:schemeClr val="tx2"/>
-                </a:solidFill>
-              </a:rPr>
-              <a:t>partir </a:t>
-            </a:r>
-            <a:r>
-              <a:rPr lang="fr-FR" sz="650" dirty="0">
-                <a:solidFill>
-                  <a:srgbClr val="000000"/>
-                </a:solidFill>
-              </a:rPr>
-              <a:t>de la date de constatation initiale (soit le </a:t>
-            </a:r>
-            <a:r>
-              <a:rPr lang="fr-FR" sz="650" dirty="0">
-                <a:solidFill>
-                  <a:schemeClr val="tx2"/>
-                </a:solidFill>
-              </a:rPr>
-              <a:t>&lt;2PDC&gt;) </a:t>
-            </a:r>
-            <a:r>
-              <a:rPr lang="fr-FR" sz="650" dirty="0">
-                <a:solidFill>
-                  <a:schemeClr val="tx2"/>
-                </a:solidFill>
-                <a:latin typeface="+mn-lt"/>
-              </a:rPr>
-              <a:t>jusqu’à la date de remboursement anticipé automatique éventuel</a:t>
-            </a:r>
-            <a:r>
-              <a:rPr lang="fr-FR" sz="650" baseline="30000" dirty="0">
-                <a:solidFill>
-                  <a:schemeClr val="tx2"/>
-                </a:solidFill>
-                <a:latin typeface="+mn-lt"/>
-              </a:rPr>
-              <a:t>(1)</a:t>
-            </a:r>
-            <a:r>
-              <a:rPr lang="fr-FR" sz="650" dirty="0">
-                <a:solidFill>
-                  <a:schemeClr val="tx2"/>
-                </a:solidFill>
-                <a:latin typeface="+mn-lt"/>
-              </a:rPr>
-              <a:t> ou d’échéance</a:t>
-            </a:r>
-            <a:r>
-              <a:rPr lang="fr-FR" sz="650" baseline="30000" dirty="0">
-                <a:solidFill>
-                  <a:schemeClr val="tx2"/>
-                </a:solidFill>
-                <a:latin typeface="+mn-lt"/>
-              </a:rPr>
-              <a:t>(1)</a:t>
-            </a:r>
-            <a:r>
-              <a:rPr lang="fr-FR" sz="650" dirty="0">
-                <a:solidFill>
-                  <a:schemeClr val="tx2"/>
-                </a:solidFill>
-                <a:latin typeface="+mn-lt"/>
               </a:rPr>
               <a:t> selon les scénarios. Une sortie anticipée à l’initiative de l’investisseur se fera à un &lt;SJR3&gt; dépendant de l’évolution des paramètres de marché au moment de la sortie (&lt;SJR3&gt; &lt;SJR7&gt;, des taux d’intérêt, de la volatilité et des primes de risque de crédit notamment) et pourra donc entraîner un risque de perte en capital.</a:t>
             </a:r>
@@ -33641,7 +33097,7 @@
         <p:spPr>
           <a:xfrm>
             <a:off x="361950" y="960898"/>
-            <a:ext cx="6837887" cy="6499472"/>
+            <a:ext cx="6837887" cy="6587701"/>
           </a:xfrm>
           <a:prstGeom prst="rect">
             <a:avLst/>
@@ -33661,6 +33117,9 @@
               <a:spcBef>
                 <a:spcPts val="600"/>
               </a:spcBef>
+              <a:spcAft>
+                <a:spcPts val="600"/>
+              </a:spcAft>
             </a:pPr>
             <a:r>
               <a:rPr lang="fr-FR" sz="1000" b="1" dirty="0">
@@ -33688,7 +33147,7 @@
                   <a:srgbClr val="000000"/>
                 </a:solidFill>
               </a:rPr>
-              <a:t>De la fin &lt;DU&gt; &lt;F0&gt; &lt;1PR&gt; jusqu'à la fin &lt;DU&gt; &lt;F0&gt; &lt;ADPR&gt;, si à l’une des dates de constatation &lt;F1&gt; correspondantes</a:t>
+              <a:t>&lt;PERIODE_DE_REMBOURSEMENT&gt;, si à l’une des dates de constatation &lt;F1&gt; correspondantes</a:t>
             </a:r>
             <a:r>
               <a:rPr lang="fr-FR" sz="800" baseline="30000" dirty="0">
@@ -33720,7 +33179,7 @@
                   <a:srgbClr val="000000"/>
                 </a:solidFill>
               </a:rPr>
-              <a:t>et l’investisseur récupère alors l’intégralité de son capital initial, majorée d’un &lt;GC&gt; de &lt;CPN&gt; par &lt;F0&gt; &lt;F2&gt; depuis le &lt;DDCI&gt; (soit &lt;GCA&gt;</a:t>
+              <a:t>et l’investisseur récupère alors l’intégralité de son capital initial, majorée d’un &lt;GC&gt; de &lt;CPN&gt; &lt;environ&gt; par &lt;F0&gt; &lt;F2&gt; depuis le &lt;DDCI&gt;&lt;exclus&gt; (soit &lt;GCA&gt;</a:t>
             </a:r>
             <a:r>
               <a:rPr lang="fr-FR" sz="800" i="1" dirty="0">
@@ -33736,7 +33195,7 @@
                   <a:srgbClr val="000000"/>
                 </a:solidFill>
               </a:rPr>
-              <a:t>par année écoulée et un Taux de Rendement Annuel net maximum de &lt;TRA.F.A&gt;</a:t>
+              <a:t>par année écoulée et un taux de rendement annuel net maximum de &lt;TRA.F.A&gt;</a:t>
             </a:r>
             <a:r>
               <a:rPr lang="fr-FR" sz="800" baseline="30000" dirty="0">
@@ -33797,7 +33256,7 @@
                   <a:srgbClr val="000000"/>
                 </a:solidFill>
               </a:rPr>
-              <a:t>, si le mécanisme de remboursement anticipé n’a pas été activé au préalable, et si &lt;SJR1&gt; clôture à un &lt;SJR3&gt; supérieur ou égal à &lt;DBAC&gt; de son &lt;NDR&gt;, l’investisseur reçoit alors l’intégralité de son capital initial, majorée d’un &lt;GC&gt; de &lt;CPN&gt; par &lt;F0&gt; &lt;F2&gt; depuis le &lt;DDCI&gt;  (soit un &lt;GC&gt; de &lt;GCE&gt; et un Taux de Rendement Annuel net de &lt;TRA.MG.A&gt;</a:t>
+              <a:t>, si le mécanisme de remboursement anticipé n’a pas été activé au préalable, et si &lt;SJR1&gt; clôture à un &lt;SJR3&gt; supérieur ou égal à &lt;DBAC&gt; de son &lt;NDR&gt;, l’investisseur récupère alors l’intégralité de son capital initial, majorée d’un &lt;GC&gt; de &lt;CPN&gt; &lt;environ&gt; par &lt;F0&gt; &lt;F2&gt; depuis le &lt;DDCI&gt;&lt;exclus&gt;  (soit un &lt;GC&gt; de &lt;GCE&gt; et un taux de rendement annuel net de &lt;TRA.MG.A&gt;</a:t>
             </a:r>
             <a:r>
               <a:rPr lang="fr-FR" sz="800" baseline="30000" dirty="0">
@@ -33859,6 +33318,9 @@
               <a:lnSpc>
                 <a:spcPct val="95000"/>
               </a:lnSpc>
+              <a:spcBef>
+                <a:spcPts val="600"/>
+              </a:spcBef>
               <a:spcAft>
                 <a:spcPts val="200"/>
               </a:spcAft>
@@ -33903,7 +33365,7 @@
                   <a:srgbClr val="000000"/>
                 </a:solidFill>
               </a:rPr>
-              <a:t>(en cas de revente du produit à l’initiative de l’investisseur alors que les conditions de remboursement automatique ne sont pas remplies, le prix dépendant alors des paramètres de marché le jour de la revente)</a:t>
+              <a:t>(en cas de revente du produit à l’initiative de l’investisseur alors que les conditions de remboursement anticipé automatique ne sont pas remplies, le prix dépendant alors des paramètres de marché le jour de la revente)</a:t>
             </a:r>
             <a:r>
               <a:rPr lang="fr-FR" sz="800" b="1" dirty="0">
@@ -33951,7 +33413,7 @@
                   <a:srgbClr val="000000"/>
                 </a:solidFill>
               </a:rPr>
-              <a:t>, &lt;SJR1&gt; enregistre une baisse supérieure à &lt;PDIPERF&gt; de son &lt;NDR&gt;). La valeur du remboursement peut être inférieure au montant du capital initialement investi. Dans le pire des scenarios, les investisseurs peuvent perdre jusqu’à la totalité de leur capital initialement investi. En cas de revente des titres de créance avant la date de remboursement final</a:t>
+              <a:t>, &lt;SJR1&gt; enregistre une baisse supérieure à &lt;PDIPERF&gt; de son &lt;NDR&gt;). La valeur du remboursement peut être inférieure au montant du capital initialement investi. Dans le pire des scenarios, les investisseurs peuvent perdre jusqu’à la totalité de leur capital initialement investi. En cas de revente des titres de créance avant la date d’échéance</a:t>
             </a:r>
             <a:r>
               <a:rPr lang="fr-FR" sz="800" baseline="30000" dirty="0">
@@ -33967,23 +33429,21 @@
                   <a:srgbClr val="000000"/>
                 </a:solidFill>
               </a:rPr>
-              <a:t>, il est impossible de mesurer a priori le gain ou la perte possible, le prix pratiqué dépendant alors des paramètres de marché du jour. La perte en capital peut être partielle ou totale. </a:t>
+              <a:t>, il est impossible de mesurer a priori le gain ou la perte possible, le prix pratiqué dépendant alors des paramètres de marché du jour. La perte en capital peut être partielle ou totale. Dans le cadre d’un contrat d’assurance vie ou de capitalisation, le dénouement ou le rachat partiel de celui-ci peut entraîner le désinvestissement des unités de compte adossées aux titres de créance avant leur date d’échéance</a:t>
+            </a:r>
+            <a:r>
+              <a:rPr lang="fr-FR" sz="800" baseline="30000" dirty="0">
+                <a:solidFill>
+                  <a:srgbClr val="000000"/>
+                </a:solidFill>
+              </a:rPr>
+              <a:t>(1)</a:t>
             </a:r>
             <a:r>
               <a:rPr lang="fr-FR" sz="800" dirty="0">
-                <a:latin typeface="Proxima Nova Rg" panose="02000506030000020004" pitchFamily="2" charset="0"/>
-              </a:rPr>
-              <a:t>Si le cadre d’investissement du produit est un contrat d’assurance vie ou de capitalisation, le dénouement ou le rachat partiel de celui-ci peut entraîner le désinvestissement des unités de compte adossées aux titres de créance avant leur date de remboursement final</a:t>
-            </a:r>
-            <a:r>
-              <a:rPr lang="fr-FR" sz="800" baseline="30000" dirty="0">
-                <a:latin typeface="Proxima Nova Rg" panose="02000506030000020004" pitchFamily="2" charset="0"/>
-              </a:rPr>
-              <a:t>(1)</a:t>
-            </a:r>
-            <a:r>
-              <a:rPr lang="fr-FR" sz="800" dirty="0">
-                <a:latin typeface="Proxima Nova Rg" panose="02000506030000020004" pitchFamily="2" charset="0"/>
+                <a:solidFill>
+                  <a:srgbClr val="000000"/>
+                </a:solidFill>
               </a:rPr>
               <a:t>.</a:t>
             </a:r>
@@ -34008,7 +33468,7 @@
                   <a:srgbClr val="000000"/>
                 </a:solidFill>
               </a:rPr>
-              <a:t>L’investisseur est exposé à un éventuel défaut </a:t>
+              <a:t>L’investisseur est exposé à un éventuel défaut de paiement et de faillite </a:t>
             </a:r>
             <a:r>
               <a:rPr lang="fr-FR" sz="800" dirty="0">
@@ -34032,13 +33492,23 @@
                   <a:srgbClr val="000000"/>
                 </a:solidFill>
               </a:rPr>
-              <a:t> (qui induit un risque sur la valeur de marché du titre de créance) de l’Émetteur </a:t>
+              <a:t> (qui induit un risque sur la valeur de marché du produit) de l’Émetteur ainsi qu’au </a:t>
+            </a:r>
+            <a:r>
+              <a:rPr lang="fr-FR" sz="800" b="1" dirty="0">
+                <a:solidFill>
+                  <a:srgbClr val="000000"/>
+                </a:solidFill>
+              </a:rPr>
+              <a:t>risque de défaut de paiement, de faillite et de mise en résolution </a:t>
             </a:r>
             <a:r>
               <a:rPr lang="fr-FR" sz="800" dirty="0">
-                <a:latin typeface="Proxima Nova Rg" panose="02000506030000020004" pitchFamily="2" charset="0"/>
-              </a:rPr>
-              <a:t>et à un risque de défaut, d’ouverture d’une procédure de résolution et de faillite du Garant. </a:t>
+                <a:solidFill>
+                  <a:srgbClr val="000000"/>
+                </a:solidFill>
+              </a:rPr>
+              <a:t>du Garant de la formule et du paiement des sommes dues au titre du produit.</a:t>
             </a:r>
           </a:p>
           <a:p>
@@ -34061,7 +33531,7 @@
                   <a:srgbClr val="000000"/>
                 </a:solidFill>
               </a:rPr>
-              <a:t>L’investisseur ne connaît pas à l’avance la durée exacte de son investissement qui peut varier de </a:t>
+              <a:t>L’investisseur ne connaît pas à l’avance la durée exacte de son investissement qui peut varier de &lt;DUREE&gt;</a:t>
             </a:r>
             <a:r>
               <a:rPr lang="fr-FR" sz="800" b="1" dirty="0">
@@ -34069,7 +33539,7 @@
                   <a:srgbClr val="000000"/>
                 </a:solidFill>
               </a:rPr>
-              <a:t>&lt;1PR&gt; à &lt;DPRR&gt; &lt;F0&gt;&lt;F0s&gt;.</a:t>
+              <a:t>.</a:t>
             </a:r>
           </a:p>
           <a:p>
@@ -34100,7 +33570,7 @@
                   <a:srgbClr val="000000"/>
                 </a:solidFill>
               </a:rPr>
-              <a:t>mécanisme de plafonnement des gains à &lt;CPN&gt; par &lt;F0&gt; &lt;F2&gt; depuis le &lt;DDCI&gt; </a:t>
+              <a:t>mécanisme de plafonnement des gains à &lt;CPN&gt; &lt;environ&gt; par &lt;F0&gt; &lt;F2&gt; depuis le &lt;DDCI&gt;&lt;exclus&gt; </a:t>
             </a:r>
             <a:r>
               <a:rPr lang="fr-FR" sz="800" dirty="0">
@@ -34108,7 +33578,7 @@
                   <a:srgbClr val="000000"/>
                 </a:solidFill>
               </a:rPr>
-              <a:t>(soit un Taux de Rendement Annuel net maximum de &lt;TRA.F.A&gt;</a:t>
+              <a:t>(soit un taux de rendement annuel net maximum de &lt;TRA.F.A&gt;</a:t>
             </a:r>
             <a:r>
               <a:rPr lang="fr-FR" sz="800" baseline="30000" dirty="0">
@@ -34159,7 +33629,7 @@
                   <a:srgbClr val="000000"/>
                 </a:solidFill>
               </a:rPr>
-              <a:t>Le rendement de « &lt;NOM&gt; » est très sensible à une faible variation du &lt;SJR3&gt; de clôture &lt;SJR7&gt; autour du niveau de </a:t>
+              <a:t>Le rendement de « &lt;NOM&gt; » est très sensible à une faible variation du &lt;SJR3&gt; de clôture &lt;SJR7&gt; autour du seuil de </a:t>
             </a:r>
             <a:r>
               <a:rPr lang="fr-FR" sz="800" b="1" dirty="0">
@@ -34209,20 +33679,19 @@
             </a:pPr>
             <a:r>
               <a:rPr lang="fr-FR" sz="800" dirty="0">
-                <a:effectLst/>
-                <a:ea typeface="Calibri" panose="020F0502020204030204" pitchFamily="34" charset="0"/>
-              </a:rPr>
-              <a:t>Les avantages du produit ne profitent qu</a:t>
-            </a:r>
-            <a:r>
-              <a:rPr lang="fr-FR" sz="800" dirty="0">
-                <a:ea typeface="Calibri" panose="020F0502020204030204" pitchFamily="34" charset="0"/>
-              </a:rPr>
-              <a:t>’aux seuls investisseurs ayant investi dans le produit au &lt;2PDC&gt; au plus tard, et conservant le produit jusqu’à son échéance. </a:t>
+                <a:solidFill>
+                  <a:srgbClr val="000000"/>
+                </a:solidFill>
+              </a:rPr>
+              <a:t>&lt;inconvénient&gt;</a:t>
             </a:r>
             <a:endParaRPr lang="fr-FR" sz="800" dirty="0">
-              <a:effectLst/>
-              <a:ea typeface="Calibri" panose="020F0502020204030204" pitchFamily="34" charset="0"/>
+              <a:solidFill>
+                <a:srgbClr val="000000"/>
+              </a:solidFill>
+              <a:highlight>
+                <a:srgbClr val="FFFF00"/>
+              </a:highlight>
             </a:endParaRPr>
           </a:p>
           <a:p>
@@ -34883,8 +34352,11 @@
           <a:p>
             <a:pPr marL="171450" indent="-171450" algn="just">
               <a:lnSpc>
-                <a:spcPct val="95000"/>
-              </a:lnSpc>
+                <a:spcPct val="92000"/>
+              </a:lnSpc>
+              <a:spcBef>
+                <a:spcPts val="200"/>
+              </a:spcBef>
               <a:spcAft>
                 <a:spcPts val="200"/>
               </a:spcAft>
@@ -34897,7 +34369,7 @@
                   <a:srgbClr val="000000"/>
                 </a:solidFill>
               </a:rPr>
-              <a:t>L’investisseur est exposé à un éventuel défaut </a:t>
+              <a:t>L’investisseur est exposé à un éventuel défaut de paiement et de faillite </a:t>
             </a:r>
             <a:r>
               <a:rPr lang="fr-FR" sz="800" dirty="0">
@@ -34921,18 +34393,48 @@
                   <a:srgbClr val="000000"/>
                 </a:solidFill>
               </a:rPr>
-              <a:t> (qui induit un risque sur la valeur de marché du titre de créance) de l’Émetteur </a:t>
+              <a:t> (qui induit un risque sur la valeur de marché du produit) de l’Émetteur ainsi qu’au </a:t>
+            </a:r>
+            <a:r>
+              <a:rPr lang="fr-FR" sz="800" b="1" dirty="0">
+                <a:solidFill>
+                  <a:srgbClr val="000000"/>
+                </a:solidFill>
+              </a:rPr>
+              <a:t>risque de défaut de paiement, de faillite et de mise en résolution </a:t>
             </a:r>
             <a:r>
               <a:rPr lang="fr-FR" sz="800" dirty="0">
                 <a:solidFill>
                   <a:srgbClr val="000000"/>
                 </a:solidFill>
-                <a:latin typeface="Proxima Nova Rg" panose="02000506030000020004" pitchFamily="2" charset="0"/>
-              </a:rPr>
-              <a:t>et à un risque de défaut, d’ouverture d’une procédure de résolution et de faillite du Garant.</a:t>
-            </a:r>
-            <a:endParaRPr lang="fr-FR" sz="800" dirty="0">
+              </a:rPr>
+              <a:t>du Garant de la formule et du paiement des sommes dues au titre du produit.</a:t>
+            </a:r>
+          </a:p>
+          <a:p>
+            <a:pPr marL="171450" indent="-171450" algn="just">
+              <a:lnSpc>
+                <a:spcPct val="92000"/>
+              </a:lnSpc>
+              <a:spcBef>
+                <a:spcPts val="200"/>
+              </a:spcBef>
+              <a:spcAft>
+                <a:spcPts val="200"/>
+              </a:spcAft>
+              <a:buFont typeface="Arial" panose="020B0604020202020204" pitchFamily="34" charset="0"/>
+              <a:buChar char="•"/>
+            </a:pPr>
+            <a:r>
+              <a:rPr lang="fr-FR" sz="800" dirty="0">
+                <a:solidFill>
+                  <a:srgbClr val="000000"/>
+                </a:solidFill>
+              </a:rPr>
+              <a:t>L’investisseur ne connaît pas à l’avance la durée exacte de son investissement qui peut varier de &lt;DUREE&gt;.</a:t>
+            </a:r>
+            <a:endParaRPr lang="fr-FR" sz="800" b="1" dirty="0">
               <a:solidFill>
                 <a:srgbClr val="000000"/>
               </a:solidFill>
@@ -34958,7 +34460,7 @@
                   <a:srgbClr val="000000"/>
                 </a:solidFill>
               </a:rPr>
-              <a:t>L’investisseur ne connaît pas à l’avance la durée exacte de son investissement qui peut varier de </a:t>
+              <a:t>L’investisseur peut ne bénéficier que d’une hausse partielle &lt;SJR7&gt;, du fait du </a:t>
             </a:r>
             <a:r>
               <a:rPr lang="fr-FR" sz="800" b="1" dirty="0">
@@ -34966,7 +34468,51 @@
                   <a:srgbClr val="000000"/>
                 </a:solidFill>
               </a:rPr>
-              <a:t>&lt;1PR&gt; à &lt;DPRR&gt; &lt;F0&gt;&lt;F0s&gt;.</a:t>
+              <a:t>mécanisme de plafonnement des gains à &lt;CPN&gt; &lt;environ&gt; par &lt;F0&gt; </a:t>
+            </a:r>
+            <a:r>
+              <a:rPr lang="fr-FR" sz="800" dirty="0">
+                <a:solidFill>
+                  <a:srgbClr val="000000"/>
+                </a:solidFill>
+              </a:rPr>
+              <a:t>(soit un taux de rendement annuel net maximum de &lt;TRA.TOUT.P&gt;</a:t>
+            </a:r>
+            <a:r>
+              <a:rPr lang="fr-FR" sz="800" baseline="30000" dirty="0">
+                <a:solidFill>
+                  <a:srgbClr val="000000"/>
+                </a:solidFill>
+              </a:rPr>
+              <a:t>(</a:t>
+            </a:r>
+            <a:r>
+              <a:rPr lang="fr-FR" sz="800" baseline="30000" dirty="0">
+                <a:solidFill>
+                  <a:srgbClr val="000000"/>
+                </a:solidFill>
+                <a:ea typeface="SimSun" pitchFamily="2" charset="-122"/>
+                <a:cs typeface="Times New Roman" pitchFamily="18" charset="0"/>
+              </a:rPr>
+              <a:t>2)</a:t>
+            </a:r>
+            <a:r>
+              <a:rPr lang="fr-FR" sz="800" dirty="0">
+                <a:solidFill>
+                  <a:srgbClr val="000000"/>
+                </a:solidFill>
+                <a:ea typeface="SimSun" pitchFamily="2" charset="-122"/>
+                <a:cs typeface="Times New Roman" pitchFamily="18" charset="0"/>
+              </a:rPr>
+              <a:t>)</a:t>
+            </a:r>
+            <a:r>
+              <a:rPr lang="fr-FR" sz="800" dirty="0">
+                <a:solidFill>
+                  <a:srgbClr val="000000"/>
+                </a:solidFill>
+              </a:rPr>
+              <a:t>.</a:t>
             </a:r>
           </a:p>
           <a:p>
@@ -34989,57 +34535,36 @@
                   <a:srgbClr val="000000"/>
                 </a:solidFill>
               </a:rPr>
-              <a:t>L’investisseur peut ne bénéficier que d’une hausse partielle &lt;SJR7&gt;, du fait du </a:t>
-            </a:r>
-            <a:r>
-              <a:rPr lang="fr-FR" sz="800" b="1" dirty="0">
+              <a:t>Le rendement de « &lt;NOM&gt; » est très sensible à une faible variation du &lt;SJR3&gt; de clôture &lt;SJR7&gt; autour des seuils de </a:t>
+            </a:r>
+            <a:r>
+              <a:rPr lang="fr-FR" sz="800" dirty="0">
                 <a:solidFill>
                   <a:srgbClr val="000000"/>
                 </a:solidFill>
-              </a:rPr>
-              <a:t>mécanisme de plafonnement des gains à &lt;CPN&gt; par &lt;F0&gt; </a:t>
+                <a:effectLst/>
+                <a:ea typeface="Calibri" panose="020F0502020204030204" pitchFamily="34" charset="0"/>
+              </a:rPr>
+              <a:t>&lt;ABAC2&gt; et &lt;ABAC&gt; &lt;DESONNDR&gt; </a:t>
             </a:r>
             <a:r>
               <a:rPr lang="fr-FR" sz="800" dirty="0">
-                <a:solidFill>
-                  <a:srgbClr val="000000"/>
-                </a:solidFill>
-              </a:rPr>
-              <a:t>(soit un Taux de Rendement Annuel net maximum de &lt;TRA.TOUT.P&gt;</a:t>
+                <a:effectLst/>
+                <a:ea typeface="Calibri" panose="020F0502020204030204" pitchFamily="34" charset="0"/>
+              </a:rPr>
+              <a:t>en cours de vie, et des seuils de &lt;BFP&gt; et &lt;PDI&gt; de son &lt;NDR&gt; à la date de constatation finale</a:t>
             </a:r>
             <a:r>
               <a:rPr lang="fr-FR" sz="800" baseline="30000" dirty="0">
-                <a:solidFill>
-                  <a:srgbClr val="000000"/>
-                </a:solidFill>
-              </a:rPr>
-              <a:t>( </a:t>
-            </a:r>
-            <a:r>
-              <a:rPr lang="fr-FR" sz="800" baseline="30000" dirty="0">
-                <a:solidFill>
-                  <a:srgbClr val="000000"/>
-                </a:solidFill>
-                <a:ea typeface="SimSun" pitchFamily="2" charset="-122"/>
-                <a:cs typeface="Times New Roman" pitchFamily="18" charset="0"/>
-              </a:rPr>
-              <a:t>2)</a:t>
+                <a:effectLst/>
+                <a:ea typeface="Calibri" panose="020F0502020204030204" pitchFamily="34" charset="0"/>
+              </a:rPr>
+              <a:t>(1)</a:t>
             </a:r>
             <a:r>
               <a:rPr lang="fr-FR" sz="800" dirty="0">
-                <a:solidFill>
-                  <a:srgbClr val="000000"/>
-                </a:solidFill>
-                <a:ea typeface="SimSun" pitchFamily="2" charset="-122"/>
-                <a:cs typeface="Times New Roman" pitchFamily="18" charset="0"/>
-              </a:rPr>
-              <a:t>)</a:t>
-            </a:r>
-            <a:r>
-              <a:rPr lang="fr-FR" sz="800" dirty="0">
-                <a:solidFill>
-                  <a:srgbClr val="000000"/>
-                </a:solidFill>
+                <a:effectLst/>
+                <a:ea typeface="Calibri" panose="020F0502020204030204" pitchFamily="34" charset="0"/>
               </a:rPr>
               <a:t>.</a:t>
             </a:r>
@@ -35064,93 +34589,8 @@
                   <a:srgbClr val="000000"/>
                 </a:solidFill>
               </a:rPr>
-              <a:t>Le rendement de « &lt;NOM&gt; » est très sensible à une faible variation du &lt;SJR3&gt; de clôture &lt;SJR7&gt; autour des seuils de </a:t>
-            </a:r>
-            <a:r>
-              <a:rPr lang="fr-FR" sz="800" dirty="0">
-                <a:solidFill>
-                  <a:srgbClr val="000000"/>
-                </a:solidFill>
-                <a:effectLst/>
-                <a:ea typeface="Calibri" panose="020F0502020204030204" pitchFamily="34" charset="0"/>
-              </a:rPr>
-              <a:t>&lt;ABAC2&gt; et &lt;ABAC&gt; &lt;EBAC&gt; &lt;DESONNDR&gt; </a:t>
-            </a:r>
-            <a:r>
-              <a:rPr lang="fr-FR" sz="800" dirty="0">
-                <a:effectLst/>
-                <a:ea typeface="Calibri" panose="020F0502020204030204" pitchFamily="34" charset="0"/>
-              </a:rPr>
-              <a:t>en cours de vie, et des seuils de &lt;BFP&gt; et &lt;PDI&gt; de son &lt;NDR&gt; à la date de constatation finale</a:t>
-            </a:r>
-            <a:r>
-              <a:rPr lang="fr-FR" sz="800" baseline="30000" dirty="0">
-                <a:effectLst/>
-                <a:ea typeface="Calibri" panose="020F0502020204030204" pitchFamily="34" charset="0"/>
-              </a:rPr>
-              <a:t>(1</a:t>
-            </a:r>
-            <a:r>
-              <a:rPr lang="fr-FR" sz="800" b="1" baseline="30000" dirty="0">
-                <a:effectLst/>
-                <a:ea typeface="Calibri" panose="020F0502020204030204" pitchFamily="34" charset="0"/>
-              </a:rPr>
-              <a:t>)</a:t>
-            </a:r>
-            <a:r>
-              <a:rPr lang="fr-FR" sz="800" b="1" dirty="0">
-                <a:effectLst/>
-                <a:ea typeface="Calibri" panose="020F0502020204030204" pitchFamily="34" charset="0"/>
-              </a:rPr>
-              <a:t>.</a:t>
-            </a:r>
-          </a:p>
-          <a:p>
-            <a:pPr marL="171450" indent="-171450" algn="just">
-              <a:lnSpc>
-                <a:spcPct val="92000"/>
-              </a:lnSpc>
-              <a:spcBef>
-                <a:spcPts val="200"/>
-              </a:spcBef>
-              <a:spcAft>
-                <a:spcPts val="200"/>
-              </a:spcAft>
-              <a:buFont typeface="Arial" panose="020B0604020202020204" pitchFamily="34" charset="0"/>
-              <a:buChar char="•"/>
-            </a:pPr>
-            <a:r>
-              <a:rPr lang="fr-FR" sz="800" dirty="0">
-                <a:solidFill>
-                  <a:srgbClr val="000000"/>
-                </a:solidFill>
-              </a:rPr>
-              <a:t>&lt;</a:t>
-            </a:r>
-            <a:r>
-              <a:rPr lang="fr-FR" sz="800" dirty="0" err="1">
-                <a:solidFill>
-                  <a:srgbClr val="000000"/>
-                </a:solidFill>
-              </a:rPr>
-              <a:t>inconv</a:t>
-            </a:r>
-            <a:r>
-              <a:rPr lang="fr-FR" sz="800" dirty="0">
-                <a:solidFill>
-                  <a:srgbClr val="000000"/>
-                </a:solidFill>
-              </a:rPr>
-              <a:t>&gt;.</a:t>
-            </a:r>
-            <a:endParaRPr lang="fr-FR" sz="800" dirty="0">
-              <a:solidFill>
-                <a:srgbClr val="000000"/>
-              </a:solidFill>
-              <a:highlight>
-                <a:srgbClr val="FFFF00"/>
-              </a:highlight>
-            </a:endParaRPr>
+              <a:t>&lt;inconvénient&gt;</a:t>
+            </a:r>
           </a:p>
           <a:p>
             <a:pPr marL="0" lvl="1" indent="0" algn="just">
@@ -35414,133 +34854,61 @@
           </a:bodyPr>
           <a:lstStyle/>
           <a:p>
-            <a:pPr marL="0" lvl="1" algn="just"/>
-            <a:r>
-              <a:rPr lang="fr-FR" sz="650" baseline="30000" dirty="0">
-                <a:solidFill>
-                  <a:schemeClr val="tx2"/>
-                </a:solidFill>
-                <a:latin typeface="+mn-lt"/>
-              </a:rPr>
-              <a:t>(1)</a:t>
-            </a:r>
+            <a:pPr algn="just"/>
             <a:r>
               <a:rPr lang="fr-FR" sz="650" dirty="0">
                 <a:solidFill>
-                  <a:schemeClr val="tx2"/>
-                </a:solidFill>
-                <a:latin typeface="+mn-lt"/>
-              </a:rPr>
-              <a:t> Veuillez vous référer au tableau récapitulant les principales caractéristiques financières en &lt;PAGE&gt; pour le détail des dates. </a:t>
+                  <a:srgbClr val="000000"/>
+                </a:solidFill>
+                <a:latin typeface="Proxima Nova Rg" panose="02000506030000020004" pitchFamily="2" charset="0"/>
+              </a:rPr>
+              <a:t>(1) Veuillez vous référer au tableau récapitulant les principales caractéristiques financières en &lt;PAGE&gt; pour le détail des dates. </a:t>
             </a:r>
           </a:p>
           <a:p>
-            <a:pPr marL="0" lvl="1" algn="just"/>
+            <a:pPr algn="just"/>
+            <a:r>
+              <a:rPr lang="fr-FR" sz="650" dirty="0">
+                <a:solidFill>
+                  <a:srgbClr val="000000"/>
+                </a:solidFill>
+                <a:latin typeface="Proxima Nova Rg" panose="02000506030000020004" pitchFamily="2" charset="0"/>
+              </a:rPr>
+              <a:t>(2) En prenant comme hypothèse 1,00% de frais de gestion du contrat d’assurance vie ou de capitalisation ou de droits de garde en compte-titres. TRA nets hors autres frais, fiscalité et prélèvements sociaux applicables au cadre d’investissement sous réserve de l’absence de défaut, d’ouverture d’une procédure de résolution et de faillite de l’Émetteur et du Garant. Les TRA sont calculés à partir du &lt;2PDC_MAJ&gt; jusqu’à la date de remboursement anticipé automatique éventuel</a:t>
+            </a:r>
             <a:r>
               <a:rPr lang="fr-FR" sz="650" baseline="30000" dirty="0">
                 <a:solidFill>
-                  <a:schemeClr val="tx2"/>
-                </a:solidFill>
-                <a:latin typeface="+mn-lt"/>
-              </a:rPr>
-              <a:t>(2)</a:t>
+                  <a:srgbClr val="000000"/>
+                </a:solidFill>
+                <a:latin typeface="Proxima Nova Rg" panose="02000506030000020004" pitchFamily="2" charset="0"/>
+              </a:rPr>
+              <a:t>(1)</a:t>
             </a:r>
             <a:r>
               <a:rPr lang="fr-FR" sz="650" dirty="0">
                 <a:solidFill>
-                  <a:schemeClr val="tx2"/>
-                </a:solidFill>
-                <a:latin typeface="+mn-lt"/>
-              </a:rPr>
-              <a:t> En prenant comme hypothèse 1,00% de frais de gestion du contrat d’assurance vie ou de capitalisation </a:t>
-            </a:r>
-            <a:r>
-              <a:rPr lang="fr-FR" sz="700" dirty="0">
-                <a:solidFill>
                   <a:srgbClr val="000000"/>
                 </a:solidFill>
                 <a:latin typeface="Proxima Nova Rg" panose="02000506030000020004" pitchFamily="2" charset="0"/>
               </a:rPr>
-              <a:t>ou de droits de garde en compte-titres</a:t>
+              <a:t> ou d’échéance</a:t>
+            </a:r>
+            <a:r>
+              <a:rPr lang="fr-FR" sz="650" baseline="30000" dirty="0">
+                <a:solidFill>
+                  <a:srgbClr val="000000"/>
+                </a:solidFill>
+                <a:latin typeface="Proxima Nova Rg" panose="02000506030000020004" pitchFamily="2" charset="0"/>
+              </a:rPr>
+              <a:t>(1)</a:t>
             </a:r>
             <a:r>
               <a:rPr lang="fr-FR" sz="650" dirty="0">
                 <a:solidFill>
-                  <a:schemeClr val="tx2"/>
-                </a:solidFill>
-                <a:latin typeface="+mn-lt"/>
-              </a:rPr>
-              <a:t>. TRA nets hors autres frais, fiscalité et prélèvements sociaux applicables au cadre d’investissement</a:t>
-            </a:r>
-            <a:r>
-              <a:rPr lang="fr-FR" sz="700" dirty="0">
-                <a:solidFill>
                   <a:srgbClr val="000000"/>
                 </a:solidFill>
                 <a:latin typeface="Proxima Nova Rg" panose="02000506030000020004" pitchFamily="2" charset="0"/>
-              </a:rPr>
-              <a:t> sous réserve de l’absence de défaut, d’ouverture d’une procédure de résolution et de faillite de l’Émetteur et du Garant.</a:t>
-            </a:r>
-            <a:r>
-              <a:rPr lang="fr-FR" sz="650" dirty="0">
-                <a:solidFill>
-                  <a:schemeClr val="tx2"/>
-                </a:solidFill>
-                <a:latin typeface="+mn-lt"/>
-              </a:rPr>
-              <a:t> Les TRA sont calculés à partir </a:t>
-            </a:r>
-            <a:r>
-              <a:rPr lang="fr-FR" sz="700" dirty="0">
-                <a:solidFill>
-                  <a:srgbClr val="000000"/>
-                </a:solidFill>
-                <a:latin typeface="Proxima Nova Rg" panose="02000506030000020004" pitchFamily="2" charset="0"/>
-              </a:rPr>
-              <a:t>de la dernière date de constatation initiale (soit le </a:t>
-            </a:r>
-            <a:r>
-              <a:rPr lang="fr-FR" sz="650" dirty="0">
-                <a:solidFill>
-                  <a:schemeClr val="tx2"/>
-                </a:solidFill>
-                <a:latin typeface="+mn-lt"/>
-              </a:rPr>
-              <a:t>&lt;2PDC&gt;) jusqu’à la date de remboursement anticipé automatique éventuel</a:t>
-            </a:r>
-            <a:r>
-              <a:rPr lang="fr-FR" sz="650" baseline="30000" dirty="0">
-                <a:solidFill>
-                  <a:schemeClr val="tx2"/>
-                </a:solidFill>
-                <a:latin typeface="+mn-lt"/>
-              </a:rPr>
-              <a:t>(1)</a:t>
-            </a:r>
-            <a:r>
-              <a:rPr lang="fr-FR" sz="650" dirty="0">
-                <a:solidFill>
-                  <a:schemeClr val="tx2"/>
-                </a:solidFill>
-                <a:latin typeface="+mn-lt"/>
-              </a:rPr>
-              <a:t> ou d’échéance</a:t>
-            </a:r>
-            <a:r>
-              <a:rPr lang="fr-FR" sz="650" baseline="30000" dirty="0">
-                <a:solidFill>
-                  <a:schemeClr val="tx2"/>
-                </a:solidFill>
-                <a:latin typeface="+mn-lt"/>
-              </a:rPr>
-              <a:t>(1)</a:t>
-            </a:r>
-            <a:r>
-              <a:rPr lang="fr-FR" sz="650" dirty="0">
-                <a:solidFill>
-                  <a:schemeClr val="tx2"/>
-                </a:solidFill>
-                <a:latin typeface="+mn-lt"/>
               </a:rPr>
               <a:t> selon les scénarios. Une sortie anticipée à l’initiative de l’investisseur se fera à un &lt;SJR3&gt; dépendant de l’évolution des paramètres de marché au moment de la sortie (&lt;SJR3&gt; &lt;SJR7&gt;, des taux d’intérêt, de la volatilité et des primes de risque de crédit notamment) et pourra donc entraîner un risque de perte en capital.</a:t>
             </a:r>
@@ -35899,140 +35267,74 @@
           </a:bodyPr>
           <a:lstStyle/>
           <a:p>
-            <a:pPr marL="0" lvl="1" algn="just"/>
+            <a:pPr algn="just"/>
+            <a:r>
+              <a:rPr lang="fr-FR" sz="650" dirty="0">
+                <a:solidFill>
+                  <a:srgbClr val="000000"/>
+                </a:solidFill>
+                <a:latin typeface="Proxima Nova Rg" panose="02000506030000020004" pitchFamily="2" charset="0"/>
+              </a:rPr>
+              <a:t>(1) Veuillez vous référer au tableau récapitulant les principales caractéristiques financières en &lt;PAGE&gt; pour le détail des dates. </a:t>
+            </a:r>
+          </a:p>
+          <a:p>
+            <a:pPr algn="just"/>
+            <a:r>
+              <a:rPr lang="fr-FR" sz="650" dirty="0">
+                <a:solidFill>
+                  <a:srgbClr val="000000"/>
+                </a:solidFill>
+                <a:latin typeface="Proxima Nova Rg" panose="02000506030000020004" pitchFamily="2" charset="0"/>
+              </a:rPr>
+              <a:t>(2) En prenant comme hypothèse 1,00% de frais de gestion du contrat d’assurance vie ou de capitalisation ou de droits de garde en compte-titres. TRA nets hors autres frais, fiscalité et prélèvements sociaux applicables au cadre d’investissement sous réserve de l’absence de défaut, d’ouverture d’une procédure de résolution et de faillite de l’Émetteur et du Garant. Les TRA sont calculés à partir du &lt;2PDC_MAJ&gt; jusqu’à la date de remboursement anticipé automatique éventuel</a:t>
+            </a:r>
             <a:r>
               <a:rPr lang="fr-FR" sz="650" baseline="30000" dirty="0">
                 <a:solidFill>
-                  <a:schemeClr val="tx2"/>
-                </a:solidFill>
+                  <a:srgbClr val="000000"/>
+                </a:solidFill>
+                <a:latin typeface="Proxima Nova Rg" panose="02000506030000020004" pitchFamily="2" charset="0"/>
               </a:rPr>
               <a:t>(1)</a:t>
             </a:r>
             <a:r>
               <a:rPr lang="fr-FR" sz="650" dirty="0">
                 <a:solidFill>
-                  <a:schemeClr val="tx2"/>
-                </a:solidFill>
-              </a:rPr>
-              <a:t> Veuillez vous référer au tableau récapitulant les principales caractéristiques financières en &lt;PAGE&gt; pour le détail des dates. </a:t>
+                  <a:srgbClr val="000000"/>
+                </a:solidFill>
+                <a:latin typeface="Proxima Nova Rg" panose="02000506030000020004" pitchFamily="2" charset="0"/>
+              </a:rPr>
+              <a:t> ou d’échéance</a:t>
+            </a:r>
+            <a:r>
+              <a:rPr lang="fr-FR" sz="650" baseline="30000" dirty="0">
+                <a:solidFill>
+                  <a:srgbClr val="000000"/>
+                </a:solidFill>
+                <a:latin typeface="Proxima Nova Rg" panose="02000506030000020004" pitchFamily="2" charset="0"/>
+              </a:rPr>
+              <a:t>(1)</a:t>
+            </a:r>
+            <a:r>
+              <a:rPr lang="fr-FR" sz="650" dirty="0">
+                <a:solidFill>
+                  <a:srgbClr val="000000"/>
+                </a:solidFill>
+                <a:latin typeface="Proxima Nova Rg" panose="02000506030000020004" pitchFamily="2" charset="0"/>
+              </a:rPr>
+              <a:t> selon les scénarios. Une sortie anticipée à l’initiative de l’investisseur se fera à un &lt;SJR3&gt; dépendant de l’évolution des paramètres de marché au moment de la sortie (&lt;SJR3&gt; &lt;SJR7&gt;, des taux d’intérêt, de la volatilité et des primes de risque de crédit notamment) et pourra donc entraîner un risque de perte en capital.</a:t>
             </a:r>
           </a:p>
           <a:p>
             <a:pPr marL="0" lvl="1" algn="just"/>
             <a:r>
-              <a:rPr lang="fr-FR" sz="650" baseline="30000" dirty="0">
-                <a:solidFill>
-                  <a:schemeClr val="tx2"/>
-                </a:solidFill>
-              </a:rPr>
-              <a:t>(2)</a:t>
-            </a:r>
-            <a:r>
               <a:rPr lang="fr-FR" sz="650" dirty="0">
                 <a:solidFill>
-                  <a:schemeClr val="tx2"/>
-                </a:solidFill>
-              </a:rPr>
-              <a:t> En prenant comme hypothèse 1,00% de frais de gestion du contrat d’assurance vie ou de capitalisation</a:t>
-            </a:r>
-            <a:r>
-              <a:rPr lang="fr-FR" sz="650" dirty="0">
-                <a:solidFill>
                   <a:srgbClr val="000000"/>
                 </a:solidFill>
               </a:rPr>
-              <a:t> ou de droits de garde en compte-titres</a:t>
-            </a:r>
-            <a:r>
-              <a:rPr lang="fr-FR" sz="650" dirty="0">
-                <a:solidFill>
-                  <a:schemeClr val="tx2"/>
-                </a:solidFill>
-              </a:rPr>
-              <a:t>. TRA nets hors autres frais, fiscalité et prélèvements sociaux applicables au cadre d’investissement</a:t>
-            </a:r>
-            <a:r>
-              <a:rPr lang="fr-FR" sz="650" dirty="0">
-                <a:solidFill>
-                  <a:srgbClr val="000000"/>
-                </a:solidFill>
-              </a:rPr>
-              <a:t> sous réserve de l’absence de défaut, d’ouverture d’une procédure de résolution et de faillite de l’Émetteur et du Garant</a:t>
-            </a:r>
-            <a:r>
-              <a:rPr lang="fr-FR" sz="650" dirty="0">
-                <a:solidFill>
-                  <a:schemeClr val="tx2"/>
-                </a:solidFill>
-              </a:rPr>
-              <a:t>. Les TRA sont calculés à partir </a:t>
-            </a:r>
-            <a:r>
-              <a:rPr lang="fr-FR" sz="650" dirty="0">
-                <a:solidFill>
-                  <a:srgbClr val="000000"/>
-                </a:solidFill>
-              </a:rPr>
-              <a:t>de la date de constatation initiale (soit le </a:t>
-            </a:r>
-            <a:r>
-              <a:rPr lang="fr-FR" sz="650" dirty="0">
-                <a:solidFill>
-                  <a:schemeClr val="tx2"/>
-                </a:solidFill>
-              </a:rPr>
-              <a:t>&lt;2PDC&gt;) jusqu’à la date de remboursement anticipé automatique éventuel</a:t>
-            </a:r>
-            <a:r>
-              <a:rPr lang="fr-FR" sz="650" baseline="30000" dirty="0">
-                <a:solidFill>
-                  <a:schemeClr val="tx2"/>
-                </a:solidFill>
-              </a:rPr>
-              <a:t>(1)</a:t>
-            </a:r>
-            <a:r>
-              <a:rPr lang="fr-FR" sz="650" dirty="0">
-                <a:solidFill>
-                  <a:schemeClr val="tx2"/>
-                </a:solidFill>
-              </a:rPr>
-              <a:t> ou d’échéance</a:t>
-            </a:r>
-            <a:r>
-              <a:rPr lang="fr-FR" sz="650" baseline="30000" dirty="0">
-                <a:solidFill>
-                  <a:schemeClr val="tx2"/>
-                </a:solidFill>
-              </a:rPr>
-              <a:t>(1)</a:t>
-            </a:r>
-            <a:r>
-              <a:rPr lang="fr-FR" sz="650" dirty="0">
-                <a:solidFill>
-                  <a:schemeClr val="tx2"/>
-                </a:solidFill>
-              </a:rPr>
-              <a:t> selon les scénarios. Une sortie anticipée à l’initiative de l’investisseur se fera à un &lt;SJR3&gt; dépendant de l’évolution des paramètres de marché au moment de la sortie (&lt;SJR3&gt; &lt;SJR7&gt;, des taux d’intérêt, de la volatilité et des primes de risque de crédit notamment) et pourra donc entraîner un risque de perte en capital.</a:t>
-            </a:r>
-          </a:p>
-          <a:p>
-            <a:pPr marL="0" lvl="1" algn="just"/>
-            <a:r>
-              <a:rPr lang="fr-FR" sz="650" baseline="30000" dirty="0">
-                <a:solidFill>
-                  <a:srgbClr val="000000"/>
-                </a:solidFill>
-              </a:rPr>
-              <a:t>(3) </a:t>
-            </a:r>
-            <a:r>
-              <a:rPr lang="fr-FR" sz="650" dirty="0">
-                <a:solidFill>
-                  <a:srgbClr val="000000"/>
-                </a:solidFill>
-              </a:rPr>
-              <a:t>Pour un investissement direct dans l’Indice, hors prise en compte des dividendes éventuels détachés par l’Indice.</a:t>
+              <a:t>(3) Pour un investissement direct dans l’Indice, hors prise en compte des dividendes éventuels détachés par l’Indice.</a:t>
             </a:r>
           </a:p>
         </p:txBody>
@@ -36870,11 +36172,11 @@
               <a:rPr lang="fr-FR" sz="800" dirty="0">
                 <a:latin typeface="+mn-lt"/>
               </a:rPr>
-              <a:t>des &lt;F0&gt;&lt;F0s&gt; &lt;1PR&gt; à &lt;ADPR&gt;</a:t>
+              <a:t>&lt;PERIODE_DE_REMBOURSEMENT2&gt;</a:t>
             </a:r>
             <a:r>
               <a:rPr lang="fr-FR" sz="800" dirty="0"/>
-              <a:t>, &lt;SJR1&gt; clôture à un &lt;SJR3&gt; strictement inférieur à &lt;ABAC&gt;. Le mécanisme de remboursement anticipé automatique n’est donc pas activé et le produit continue.</a:t>
+              <a:t>,  &lt;SJR1&gt; clôture à un &lt;SJR3&gt; strictement inférieur à &lt;ABAC&gt;. Le mécanisme de remboursement anticipé automatique n’est donc pas activé et le produit continue.</a:t>
             </a:r>
           </a:p>
           <a:p>
@@ -36925,19 +36227,19 @@
             </a:pPr>
             <a:r>
               <a:rPr lang="fr-FR" sz="800" dirty="0"/>
-              <a:t>Le Taux de Rendement Annuel net est alors similaire à celui d’un investissement direct dans &lt;SJR1&gt;</a:t>
+              <a:t>Le taux de rendement annuel net est alors similaire à celui d’un investissement direct dans &lt;SJR1&gt;</a:t>
+            </a:r>
+            <a:r>
+              <a:rPr lang="fr-FR" sz="800" baseline="30000" dirty="0"/>
+              <a:t>(3)</a:t>
+            </a:r>
+            <a:r>
+              <a:rPr lang="fr-FR" sz="800" dirty="0"/>
+              <a:t>, soit &lt;TRA.D.A&gt;</a:t>
             </a:r>
             <a:r>
               <a:rPr lang="fr-FR" sz="800" baseline="30000" dirty="0"/>
               <a:t>(2)</a:t>
-            </a:r>
-            <a:r>
-              <a:rPr lang="fr-FR" sz="800" dirty="0"/>
-              <a:t>, soit &lt;TRA.D.A&gt;</a:t>
-            </a:r>
-            <a:r>
-              <a:rPr lang="fr-FR" sz="800" baseline="30000" dirty="0"/>
-              <a:t>(3)</a:t>
             </a:r>
             <a:r>
               <a:rPr lang="fr-FR" sz="800" dirty="0"/>
@@ -36954,16 +36256,8 @@
               </a:spcAft>
             </a:pPr>
             <a:r>
-              <a:rPr lang="fr-FR" sz="800" dirty="0"/>
-              <a:t>Dans ce scénario, l’investisseur subit une </a:t>
-            </a:r>
-            <a:r>
               <a:rPr lang="fr-FR" sz="800" b="1" dirty="0"/>
-              <a:t>perte en capital</a:t>
-            </a:r>
-            <a:r>
-              <a:rPr lang="fr-FR" sz="800" dirty="0"/>
-              <a:t>, qui peut être totale dans le cas le plus défavorable.</a:t>
+              <a:t>Dans ce scénario, l’investisseur subit une perte en capital, qui peut être totale dans le cas le plus défavorable.</a:t>
             </a:r>
           </a:p>
         </p:txBody>
@@ -37041,7 +36335,7 @@
               <a:rPr lang="fr-FR" sz="800" dirty="0">
                 <a:latin typeface="+mn-lt"/>
               </a:rPr>
-              <a:t> des &lt;F0&gt;&lt;F0s&gt; &lt;1PR&gt; à &lt;ADPR&gt;, &lt;SJR1&gt; clôture à </a:t>
+              <a:t> &lt;PERIODE_DE_REMBOURSEMENT2&gt;, &lt;SJR1&gt; clôture à </a:t>
             </a:r>
             <a:r>
               <a:rPr lang="fr-FR" sz="800" dirty="0">
@@ -37104,7 +36398,7 @@
                 </a:solidFill>
                 <a:latin typeface="+mn-lt"/>
               </a:rPr>
-              <a:t>Ce qui correspond à un Taux de Rendement Annuel net de                    &lt;BALISECMTRA&gt;</a:t>
+              <a:t>Ce qui correspond à un taux de rendement annuel net de                    &lt;BALISECMTRA&gt;</a:t>
             </a:r>
             <a:r>
               <a:rPr lang="fr-FR" sz="800" baseline="30000" dirty="0">
@@ -37113,43 +36407,43 @@
                 </a:solidFill>
                 <a:latin typeface="+mn-lt"/>
               </a:rPr>
+              <a:t>(2)</a:t>
+            </a:r>
+            <a:r>
+              <a:rPr lang="fr-FR" sz="800" dirty="0">
+                <a:solidFill>
+                  <a:schemeClr val="tx1"/>
+                </a:solidFill>
+                <a:latin typeface="+mn-lt"/>
+              </a:rPr>
+              <a:t>, contre un taux de rendement annuel net de &lt;TRA.M.SJ&gt;</a:t>
+            </a:r>
+            <a:r>
+              <a:rPr lang="fr-FR" sz="800" baseline="30000" dirty="0">
+                <a:solidFill>
+                  <a:schemeClr val="tx1"/>
+                </a:solidFill>
+                <a:latin typeface="+mn-lt"/>
+              </a:rPr>
+              <a:t>(2)</a:t>
+            </a:r>
+            <a:r>
+              <a:rPr lang="fr-FR" sz="800" dirty="0">
+                <a:solidFill>
+                  <a:schemeClr val="tx1"/>
+                </a:solidFill>
+                <a:latin typeface="+mn-lt"/>
+              </a:rPr>
+              <a:t>, pour un investissement direct dans &lt;SJR1&gt;</a:t>
+            </a:r>
+            <a:r>
+              <a:rPr lang="fr-FR" sz="800" baseline="30000" dirty="0">
+                <a:solidFill>
+                  <a:schemeClr val="tx1"/>
+                </a:solidFill>
+                <a:latin typeface="+mn-lt"/>
+              </a:rPr>
               <a:t>(3)</a:t>
-            </a:r>
-            <a:r>
-              <a:rPr lang="fr-FR" sz="800" dirty="0">
-                <a:solidFill>
-                  <a:schemeClr val="tx1"/>
-                </a:solidFill>
-                <a:latin typeface="+mn-lt"/>
-              </a:rPr>
-              <a:t>, contre un Taux de Rendement Annuel net de &lt;TRA.M.SJ&gt;</a:t>
-            </a:r>
-            <a:r>
-              <a:rPr lang="fr-FR" sz="800" baseline="30000" dirty="0">
-                <a:solidFill>
-                  <a:schemeClr val="tx1"/>
-                </a:solidFill>
-                <a:latin typeface="+mn-lt"/>
-              </a:rPr>
-              <a:t>(3)</a:t>
-            </a:r>
-            <a:r>
-              <a:rPr lang="fr-FR" sz="800" dirty="0">
-                <a:solidFill>
-                  <a:schemeClr val="tx1"/>
-                </a:solidFill>
-                <a:latin typeface="+mn-lt"/>
-              </a:rPr>
-              <a:t>, pour un investissement direct dans &lt;SJR1&gt;</a:t>
-            </a:r>
-            <a:r>
-              <a:rPr lang="fr-FR" sz="800" baseline="30000" dirty="0">
-                <a:solidFill>
-                  <a:schemeClr val="tx1"/>
-                </a:solidFill>
-                <a:latin typeface="+mn-lt"/>
-              </a:rPr>
-              <a:t>(2)</a:t>
             </a:r>
             <a:r>
               <a:rPr lang="fr-FR" sz="800" dirty="0">
@@ -37223,7 +36517,7 @@
         <p:spPr>
           <a:xfrm>
             <a:off x="4008562" y="7334571"/>
-            <a:ext cx="3239378" cy="1308050"/>
+            <a:ext cx="3239378" cy="1431161"/>
           </a:xfrm>
           <a:prstGeom prst="rect">
             <a:avLst/>
@@ -37294,7 +36588,7 @@
                 </a:solidFill>
                 <a:latin typeface="Proxima Nova Rg" panose="02000506030000020004" pitchFamily="2" charset="0"/>
               </a:rPr>
-              <a:t>un &lt;SJR3&gt; supérieur à &lt;ABAC&gt; &lt;ABAC&gt; </a:t>
+              <a:t>un &lt;SJR3&gt; supérieur à &lt;ABAC&gt; </a:t>
             </a:r>
             <a:r>
               <a:rPr lang="fr-FR" sz="800" dirty="0">
@@ -37302,7 +36596,7 @@
                   <a:schemeClr val="tx2"/>
                 </a:solidFill>
               </a:rPr>
-              <a:t>(&lt;NSF&gt; dans cet exemple). Le produit est automatiquement remboursé par anticipation. Il verse alors l’intégralité du capital initial majorée d’un &lt;GC&gt; de &lt;CPN&gt; par &lt;F0&gt; &lt;F2&gt; depuis le &lt;DDCI&gt;, soit un gain de &lt;GCA&gt; dans notre exemple.</a:t>
+              <a:t>(&lt;NSF&gt; dans cet exemple). Le produit est automatiquement remboursé par anticipation. Il verse alors l’intégralité du capital initial majorée d’un &lt;GC&gt; de &lt;CPN&gt; &lt;environ&gt; par &lt;F0&gt; &lt;F2&gt; depuis le &lt;DDCI&gt;&lt;exclus&gt;, soit un gain de &lt;CPR1&gt; dans notre exemple.</a:t>
             </a:r>
           </a:p>
           <a:p>
@@ -37313,7 +36607,27 @@
             </a:pPr>
             <a:r>
               <a:rPr lang="fr-FR" sz="800" dirty="0"/>
-              <a:t>Ce qui correspond à un Taux de Rendement Annuel net de &lt;TRA.F.A&gt;</a:t>
+              <a:t>Ce qui correspond à un taux de rendement annuel net de &lt;TRA.F.A&gt;</a:t>
+            </a:r>
+            <a:r>
+              <a:rPr lang="fr-FR" sz="800" baseline="30000" dirty="0"/>
+              <a:t>(2)</a:t>
+            </a:r>
+            <a:r>
+              <a:rPr lang="fr-FR" sz="800" dirty="0"/>
+              <a:t>, contre un taux de rendement annuel net de &lt;TRA.F.SJ&gt;</a:t>
+            </a:r>
+            <a:r>
+              <a:rPr lang="fr-FR" sz="800" baseline="30000" dirty="0"/>
+              <a:t>(2)</a:t>
+            </a:r>
+            <a:r>
+              <a:rPr lang="fr-FR" sz="800" dirty="0"/>
+              <a:t> pour un investissement direct dans </a:t>
+            </a:r>
+            <a:r>
+              <a:rPr lang="it-IT" sz="800" dirty="0"/>
+              <a:t>&lt;SJR1&gt;</a:t>
             </a:r>
             <a:r>
               <a:rPr lang="fr-FR" sz="800" baseline="30000" dirty="0"/>
@@ -37321,26 +36635,6 @@
             </a:r>
             <a:r>
               <a:rPr lang="fr-FR" sz="800" dirty="0"/>
-              <a:t>, contre un Taux de Rendement Annuel net de &lt;TRA.F.SJ&gt;</a:t>
-            </a:r>
-            <a:r>
-              <a:rPr lang="fr-FR" sz="800" baseline="30000" dirty="0"/>
-              <a:t>(3)</a:t>
-            </a:r>
-            <a:r>
-              <a:rPr lang="fr-FR" sz="800" dirty="0"/>
-              <a:t> pour un investissement direct dans </a:t>
-            </a:r>
-            <a:r>
-              <a:rPr lang="it-IT" sz="800" dirty="0"/>
-              <a:t>&lt;SJR1&gt;</a:t>
-            </a:r>
-            <a:r>
-              <a:rPr lang="fr-FR" sz="800" baseline="30000" dirty="0"/>
-              <a:t>(2)</a:t>
-            </a:r>
-            <a:r>
-              <a:rPr lang="fr-FR" sz="800" dirty="0"/>
               <a:t>, du fait du </a:t>
             </a:r>
             <a:r>
@@ -37349,7 +36643,7 @@
                   <a:schemeClr val="tx2"/>
                 </a:solidFill>
               </a:rPr>
-              <a:t>mécanisme de plafonnement des gains à &lt;CPN&gt; par &lt;F0&gt; &lt;F2&gt; depuis le &lt;DDCI&gt;.</a:t>
+              <a:t>mécanisme de plafonnement des gains à &lt;CPN&gt; &lt;environ&gt; par &lt;F0&gt; &lt;F2&gt; depuis le &lt;DDCI&gt;&lt;exclus&gt;.</a:t>
             </a:r>
           </a:p>
         </p:txBody>
@@ -38207,6 +37501,18 @@
 </file>
 
 <file path=customXml/item1.xml><?xml version="1.0" encoding="utf-8"?>
+<p:properties xmlns:p="http://schemas.microsoft.com/office/2006/metadata/properties" xmlns:xsi="http://www.w3.org/2001/XMLSchema-instance" xmlns:pc="http://schemas.microsoft.com/office/infopath/2007/PartnerControls">
+  <documentManagement>
+    <_Flow_SignoffStatus xmlns="ef624bc2-1644-4d69-8362-5c28ca496374" xsi:nil="true"/>
+    <TaxCatchAll xmlns="514a554b-82b0-4359-b247-fc84018a95f0" xsi:nil="true"/>
+    <lcf76f155ced4ddcb4097134ff3c332f xmlns="ef624bc2-1644-4d69-8362-5c28ca496374">
+      <Terms xmlns="http://schemas.microsoft.com/office/infopath/2007/PartnerControls"/>
+    </lcf76f155ced4ddcb4097134ff3c332f>
+  </documentManagement>
+</p:properties>
+</file>
+
+<file path=customXml/item2.xml><?xml version="1.0" encoding="utf-8"?>
 <ct:contentTypeSchema xmlns:ct="http://schemas.microsoft.com/office/2006/metadata/contentType" xmlns:ma="http://schemas.microsoft.com/office/2006/metadata/properties/metaAttributes" ct:_="" ma:_="" ma:contentTypeName="Document" ma:contentTypeID="0x0101005DDE610BC516E448BB8152259F39635A" ma:contentTypeVersion="17" ma:contentTypeDescription="Crée un document." ma:contentTypeScope="" ma:versionID="bfb75e103009df80b8e5001438c41194">
   <xsd:schema xmlns:xsd="http://www.w3.org/2001/XMLSchema" xmlns:xs="http://www.w3.org/2001/XMLSchema" xmlns:p="http://schemas.microsoft.com/office/2006/metadata/properties" xmlns:ns2="ef624bc2-1644-4d69-8362-5c28ca496374" xmlns:ns3="514a554b-82b0-4359-b247-fc84018a95f0" targetNamespace="http://schemas.microsoft.com/office/2006/metadata/properties" ma:root="true" ma:fieldsID="2ae3df86d13efbb4a35042af2564d386" ns2:_="" ns3:_="">
     <xsd:import namespace="ef624bc2-1644-4d69-8362-5c28ca496374"/>
@@ -38455,18 +37761,6 @@
 </ct:contentTypeSchema>
 </file>
 
-<file path=customXml/item2.xml><?xml version="1.0" encoding="utf-8"?>
-<p:properties xmlns:p="http://schemas.microsoft.com/office/2006/metadata/properties" xmlns:xsi="http://www.w3.org/2001/XMLSchema-instance" xmlns:pc="http://schemas.microsoft.com/office/infopath/2007/PartnerControls">
-  <documentManagement>
-    <_Flow_SignoffStatus xmlns="ef624bc2-1644-4d69-8362-5c28ca496374" xsi:nil="true"/>
-    <TaxCatchAll xmlns="514a554b-82b0-4359-b247-fc84018a95f0" xsi:nil="true"/>
-    <lcf76f155ced4ddcb4097134ff3c332f xmlns="ef624bc2-1644-4d69-8362-5c28ca496374">
-      <Terms xmlns="http://schemas.microsoft.com/office/infopath/2007/PartnerControls"/>
-    </lcf76f155ced4ddcb4097134ff3c332f>
-  </documentManagement>
-</p:properties>
-</file>
-
 <file path=customXml/item3.xml><?xml version="1.0" encoding="utf-8"?>
 <?mso-contentType ?>
 <FormTemplates xmlns="http://schemas.microsoft.com/sharepoint/v3/contenttype/forms">
@@ -38477,6 +37771,23 @@
 </file>
 
 <file path=customXml/itemProps1.xml><?xml version="1.0" encoding="utf-8"?>
+<ds:datastoreItem xmlns:ds="http://schemas.openxmlformats.org/officeDocument/2006/customXml" ds:itemID="{25DE574B-2CD2-4078-9BEA-2A14717D9698}">
+  <ds:schemaRefs>
+    <ds:schemaRef ds:uri="http://schemas.microsoft.com/office/2006/metadata/properties"/>
+    <ds:schemaRef ds:uri="http://schemas.microsoft.com/office/2006/documentManagement/types"/>
+    <ds:schemaRef ds:uri="http://purl.org/dc/dcmitype/"/>
+    <ds:schemaRef ds:uri="514a554b-82b0-4359-b247-fc84018a95f0"/>
+    <ds:schemaRef ds:uri="http://www.w3.org/XML/1998/namespace"/>
+    <ds:schemaRef ds:uri="http://purl.org/dc/elements/1.1/"/>
+    <ds:schemaRef ds:uri="http://purl.org/dc/terms/"/>
+    <ds:schemaRef ds:uri="ef624bc2-1644-4d69-8362-5c28ca496374"/>
+    <ds:schemaRef ds:uri="http://schemas.microsoft.com/office/infopath/2007/PartnerControls"/>
+    <ds:schemaRef ds:uri="http://schemas.openxmlformats.org/package/2006/metadata/core-properties"/>
+  </ds:schemaRefs>
+</ds:datastoreItem>
+</file>
+
+<file path=customXml/itemProps2.xml><?xml version="1.0" encoding="utf-8"?>
 <ds:datastoreItem xmlns:ds="http://schemas.openxmlformats.org/officeDocument/2006/customXml" ds:itemID="{049ECCCF-890C-4C54-BAB4-06AB610C1865}">
   <ds:schemaRefs>
     <ds:schemaRef ds:uri="http://schemas.microsoft.com/office/2006/metadata/contentType"/>
@@ -38495,23 +37806,6 @@
 </ds:datastoreItem>
 </file>
 
-<file path=customXml/itemProps2.xml><?xml version="1.0" encoding="utf-8"?>
-<ds:datastoreItem xmlns:ds="http://schemas.openxmlformats.org/officeDocument/2006/customXml" ds:itemID="{25DE574B-2CD2-4078-9BEA-2A14717D9698}">
-  <ds:schemaRefs>
-    <ds:schemaRef ds:uri="http://schemas.microsoft.com/office/2006/metadata/properties"/>
-    <ds:schemaRef ds:uri="http://schemas.microsoft.com/office/2006/documentManagement/types"/>
-    <ds:schemaRef ds:uri="http://purl.org/dc/dcmitype/"/>
-    <ds:schemaRef ds:uri="514a554b-82b0-4359-b247-fc84018a95f0"/>
-    <ds:schemaRef ds:uri="http://www.w3.org/XML/1998/namespace"/>
-    <ds:schemaRef ds:uri="http://purl.org/dc/elements/1.1/"/>
-    <ds:schemaRef ds:uri="http://purl.org/dc/terms/"/>
-    <ds:schemaRef ds:uri="ef624bc2-1644-4d69-8362-5c28ca496374"/>
-    <ds:schemaRef ds:uri="http://schemas.microsoft.com/office/infopath/2007/PartnerControls"/>
-    <ds:schemaRef ds:uri="http://schemas.openxmlformats.org/package/2006/metadata/core-properties"/>
-  </ds:schemaRefs>
-</ds:datastoreItem>
-</file>
-
 <file path=customXml/itemProps3.xml><?xml version="1.0" encoding="utf-8"?>
 <ds:datastoreItem xmlns:ds="http://schemas.openxmlformats.org/officeDocument/2006/customXml" ds:itemID="{B00FC41E-FBDE-42E2-B58A-20EBD240A376}">
   <ds:schemaRefs>

--- a/Templates/Natixis.pptx
+++ b/Templates/Natixis.pptx
@@ -230,7 +230,7 @@
           <a:p>
             <a:fld id="{515CCE07-1711-4DC7-A7D8-7ED312C82FB8}" type="datetimeFigureOut">
               <a:rPr lang="fr-FR" smtClean="0"/>
-              <a:t>15/07/2022</a:t>
+              <a:t>19/07/2022</a:t>
             </a:fld>
             <a:endParaRPr lang="fr-FR"/>
           </a:p>
@@ -395,7 +395,7 @@
           <a:p>
             <a:fld id="{014ABEAC-8B63-4BD1-9569-A14EB8752A94}" type="datetimeFigureOut">
               <a:rPr lang="fr-FR" smtClean="0"/>
-              <a:t>15/07/2022</a:t>
+              <a:t>19/07/2022</a:t>
             </a:fld>
             <a:endParaRPr lang="fr-FR"/>
           </a:p>
@@ -7609,7 +7609,7 @@
           <p:nvPr>
             <p:extLst>
               <p:ext uri="{D42A27DB-BD31-4B8C-83A1-F6EECF244321}">
-                <p14:modId xmlns:p14="http://schemas.microsoft.com/office/powerpoint/2010/main" val="845590608"/>
+                <p14:modId xmlns:p14="http://schemas.microsoft.com/office/powerpoint/2010/main" val="244612533"/>
               </p:ext>
             </p:extLst>
           </p:nvPr>
@@ -7826,7 +7826,7 @@
                         <a:buFontTx/>
                         <a:buNone/>
                         <a:tabLst/>
-                        <a:defRPr/>
+                        <a:defRPr sz="700"/>
                       </a:pPr>
                       <a:r>
                         <a:rPr lang="fr-FR" sz="700" b="1" kern="1200" dirty="0">
@@ -7900,37 +7900,108 @@
                     <a:bodyPr/>
                     <a:lstStyle/>
                     <a:p>
-                      <a:pPr algn="just">
+                      <a:pPr marL="0" marR="0" lvl="0" indent="0" algn="just" defTabSz="755934" rtl="0" eaLnBrk="1" fontAlgn="auto" latinLnBrk="0" hangingPunct="1">
                         <a:lnSpc>
                           <a:spcPct val="100000"/>
                         </a:lnSpc>
+                        <a:spcBef>
+                          <a:spcPts val="0"/>
+                        </a:spcBef>
+                        <a:spcAft>
+                          <a:spcPts val="0"/>
+                        </a:spcAft>
+                        <a:buClrTx/>
+                        <a:buSzTx/>
+                        <a:buFontTx/>
+                        <a:buNone/>
+                        <a:tabLst/>
+                        <a:defRPr sz="700"/>
                       </a:pPr>
                       <a:r>
                         <a:rPr lang="fr-FR" sz="700" b="1" i="0" dirty="0">
                           <a:solidFill>
-                            <a:srgbClr val="000000"/>
+                            <a:schemeClr val="tx1"/>
                           </a:solidFill>
                           <a:latin typeface="+mn-lt"/>
                         </a:rPr>
-                        <a:t>Titre de créance de droit &lt;droit&gt; présentant un risque de perte en capital en cours de vie et à l’échéance, émis dans le cadre du Prospectus de Base (tel que défini dans la section « Informations Importantes ») de la présente brochure(*). Bien que la formule de remboursement du titre de créance soit garantie par Natixis</a:t>
+                        <a:t>EMTN (Euro Medium </a:t>
                       </a:r>
                       <a:r>
-                        <a:rPr lang="fr-FR" sz="700" b="1" i="0" baseline="30000" dirty="0">
+                        <a:rPr lang="fr-FR" sz="700" b="1" i="0" dirty="0" err="1">
                           <a:solidFill>
-                            <a:srgbClr val="000000"/>
+                            <a:schemeClr val="tx1"/>
                           </a:solidFill>
                           <a:latin typeface="+mn-lt"/>
+                        </a:rPr>
+                        <a:t>Term</a:t>
+                      </a:r>
+                      <a:r>
+                        <a:rPr lang="fr-FR" sz="700" b="1" i="0" dirty="0">
+                          <a:solidFill>
+                            <a:schemeClr val="tx1"/>
+                          </a:solidFill>
+                          <a:latin typeface="+mn-lt"/>
+                        </a:rPr>
+                        <a:t> Note), Titre de créance de droit français présentant un risque de perte en capital en cours de vie et à l’échéance. </a:t>
+                      </a:r>
+                      <a:r>
+                        <a:rPr lang="fr-FR" sz="700" b="1" i="0" kern="1200" dirty="0">
+                          <a:solidFill>
+                            <a:schemeClr val="tx1"/>
+                          </a:solidFill>
+                          <a:latin typeface="+mn-lt"/>
+                          <a:ea typeface="+mn-ea"/>
+                          <a:cs typeface="+mn-cs"/>
+                        </a:rPr>
+                        <a:t>Bien que la formule de remboursement et le paiement des sommes dues par l’Émetteur au titre du produit soient garanties par </a:t>
+                      </a:r>
+                      <a:r>
+                        <a:rPr lang="fr-FR" sz="700" b="1" i="0" kern="1200" noProof="0" dirty="0">
+                          <a:solidFill>
+                            <a:schemeClr val="tx1"/>
+                          </a:solidFill>
+                          <a:latin typeface="+mn-lt"/>
+                          <a:ea typeface="+mn-ea"/>
+                          <a:cs typeface="+mn-cs"/>
+                        </a:rPr>
+                        <a:t>BNP Paribas SA</a:t>
+                      </a:r>
+                      <a:r>
+                        <a:rPr kumimoji="0" lang="fr-FR" sz="700" b="1" i="0" u="none" strike="noStrike" kern="1200" cap="none" spc="0" normalizeH="0" baseline="30000" noProof="0" dirty="0">
+                          <a:ln>
+                            <a:noFill/>
+                          </a:ln>
+                          <a:solidFill>
+                            <a:schemeClr val="tx1"/>
+                          </a:solidFill>
+                          <a:effectLst/>
+                          <a:uLnTx/>
+                          <a:uFillTx/>
+                          <a:latin typeface="+mn-lt"/>
+                          <a:ea typeface="+mn-ea"/>
+                          <a:cs typeface="+mn-cs"/>
                         </a:rPr>
                         <a:t>(1)</a:t>
                       </a:r>
                       <a:r>
+                        <a:rPr lang="fr-FR" sz="700" b="1" i="0" kern="1200" dirty="0">
+                          <a:solidFill>
+                            <a:schemeClr val="tx1"/>
+                          </a:solidFill>
+                          <a:latin typeface="+mn-lt"/>
+                          <a:ea typeface="+mn-ea"/>
+                          <a:cs typeface="+mn-cs"/>
+                        </a:rPr>
+                        <a:t>, le </a:t>
+                      </a:r>
+                      <a:r>
                         <a:rPr lang="fr-FR" sz="700" b="1" i="0" dirty="0">
                           <a:solidFill>
-                            <a:srgbClr val="000000"/>
+                            <a:schemeClr val="tx1"/>
                           </a:solidFill>
                           <a:latin typeface="+mn-lt"/>
                         </a:rPr>
-                        <a:t>, le titre de créance présente un risque de perte en capital à hauteur de l’intégralité de la baisse enregistrée par le sous-jacent.</a:t>
+                        <a:t>produit présente un risque de perte en capital à hauteur de l’intégralité de la baisse enregistrée par &lt;SJR1&gt;.</a:t>
                       </a:r>
                     </a:p>
                   </a:txBody>
@@ -11241,18 +11312,7 @@
                           <a:ea typeface="+mn-ea"/>
                           <a:cs typeface="+mn-cs"/>
                         </a:rPr>
-                        <a:t>&lt;</a:t>
-                      </a:r>
-                      <a:r>
-                        <a:rPr lang="fr-FR" sz="700" b="0" i="0" kern="1200" baseline="0" dirty="0" err="1">
-                          <a:solidFill>
-                            <a:schemeClr val="tx1"/>
-                          </a:solidFill>
-                          <a:latin typeface="+mn-lt"/>
-                          <a:ea typeface="+mn-ea"/>
-                          <a:cs typeface="+mn-cs"/>
-                        </a:rPr>
-                        <a:t>dates_paiement_autocall</a:t>
+                        <a:t>&lt;Datesremb3</a:t>
                       </a:r>
                       <a:r>
                         <a:rPr lang="fr-FR" sz="700" b="0" i="0" kern="1200" baseline="0" dirty="0">
@@ -14429,7 +14489,7 @@
           <p:nvPr>
             <p:extLst>
               <p:ext uri="{D42A27DB-BD31-4B8C-83A1-F6EECF244321}">
-                <p14:modId xmlns:p14="http://schemas.microsoft.com/office/powerpoint/2010/main" val="975060248"/>
+                <p14:modId xmlns:p14="http://schemas.microsoft.com/office/powerpoint/2010/main" val="2277232022"/>
               </p:ext>
             </p:extLst>
           </p:nvPr>
@@ -18046,7 +18106,7 @@
                         <a:defRPr/>
                       </a:pPr>
                       <a:r>
-                        <a:rPr lang="fr-FR" sz="700" b="0" i="0" kern="1200" dirty="0">
+                        <a:rPr lang="fr-FR" sz="700" b="0" i="0" kern="1200">
                           <a:solidFill>
                             <a:schemeClr val="tx1"/>
                           </a:solidFill>
@@ -18054,30 +18114,16 @@
                           <a:ea typeface="+mn-ea"/>
                           <a:cs typeface="+mn-cs"/>
                         </a:rPr>
-                        <a:t>&lt;</a:t>
+                        <a:t>&lt;Datespaiement1&gt;</a:t>
                       </a:r>
-                      <a:r>
-                        <a:rPr lang="fr-FR" sz="700" b="0" i="0" kern="1200" dirty="0" err="1">
-                          <a:solidFill>
-                            <a:schemeClr val="tx1"/>
-                          </a:solidFill>
-                          <a:latin typeface="+mn-lt"/>
-                          <a:ea typeface="+mn-ea"/>
-                          <a:cs typeface="+mn-cs"/>
-                        </a:rPr>
-                        <a:t>dates_paiement_phoenix</a:t>
-                      </a:r>
-                      <a:r>
-                        <a:rPr lang="fr-FR" sz="700" b="0" i="0" kern="1200" dirty="0">
-                          <a:solidFill>
-                            <a:schemeClr val="tx1"/>
-                          </a:solidFill>
-                          <a:latin typeface="+mn-lt"/>
-                          <a:ea typeface="+mn-ea"/>
-                          <a:cs typeface="+mn-cs"/>
-                        </a:rPr>
-                        <a:t>&gt;</a:t>
-                      </a:r>
+                      <a:endParaRPr lang="fr-FR" sz="700" b="0" i="0" kern="1200" dirty="0">
+                        <a:solidFill>
+                          <a:schemeClr val="tx1"/>
+                        </a:solidFill>
+                        <a:latin typeface="+mn-lt"/>
+                        <a:ea typeface="+mn-ea"/>
+                        <a:cs typeface="+mn-cs"/>
+                      </a:endParaRPr>
                     </a:p>
                   </a:txBody>
                   <a:tcPr marL="72000" marR="72000" marT="46800" marB="46800" anchor="ctr" horzOverflow="overflow">
@@ -18261,21 +18307,10 @@
                           <a:ea typeface="+mn-ea"/>
                           <a:cs typeface="+mn-cs"/>
                         </a:rPr>
-                        <a:t>&lt;</a:t>
+                        <a:t>&lt;Datesremb3</a:t>
                       </a:r>
                       <a:r>
-                        <a:rPr lang="fr-FR" sz="700" b="0" i="0" kern="1200" dirty="0" err="1">
-                          <a:solidFill>
-                            <a:schemeClr val="tx1"/>
-                          </a:solidFill>
-                          <a:latin typeface="+mn-lt"/>
-                          <a:ea typeface="+mn-ea"/>
-                          <a:cs typeface="+mn-cs"/>
-                        </a:rPr>
-                        <a:t>dates_last_remboursement_rappel</a:t>
-                      </a:r>
-                      <a:r>
-                        <a:rPr lang="fr-FR" sz="700" b="0" i="0" kern="1200" dirty="0">
+                        <a:rPr lang="fr-FR" sz="700" b="0" i="0" kern="1200" baseline="0" dirty="0">
                           <a:solidFill>
                             <a:schemeClr val="tx1"/>
                           </a:solidFill>
@@ -37513,6 +37548,15 @@
 </file>
 
 <file path=customXml/item2.xml><?xml version="1.0" encoding="utf-8"?>
+<?mso-contentType ?>
+<FormTemplates xmlns="http://schemas.microsoft.com/sharepoint/v3/contenttype/forms">
+  <Display>DocumentLibraryForm</Display>
+  <Edit>DocumentLibraryForm</Edit>
+  <New>DocumentLibraryForm</New>
+</FormTemplates>
+</file>
+
+<file path=customXml/item3.xml><?xml version="1.0" encoding="utf-8"?>
 <ct:contentTypeSchema xmlns:ct="http://schemas.microsoft.com/office/2006/metadata/contentType" xmlns:ma="http://schemas.microsoft.com/office/2006/metadata/properties/metaAttributes" ct:_="" ma:_="" ma:contentTypeName="Document" ma:contentTypeID="0x0101005DDE610BC516E448BB8152259F39635A" ma:contentTypeVersion="17" ma:contentTypeDescription="Crée un document." ma:contentTypeScope="" ma:versionID="bfb75e103009df80b8e5001438c41194">
   <xsd:schema xmlns:xsd="http://www.w3.org/2001/XMLSchema" xmlns:xs="http://www.w3.org/2001/XMLSchema" xmlns:p="http://schemas.microsoft.com/office/2006/metadata/properties" xmlns:ns2="ef624bc2-1644-4d69-8362-5c28ca496374" xmlns:ns3="514a554b-82b0-4359-b247-fc84018a95f0" targetNamespace="http://schemas.microsoft.com/office/2006/metadata/properties" ma:root="true" ma:fieldsID="2ae3df86d13efbb4a35042af2564d386" ns2:_="" ns3:_="">
     <xsd:import namespace="ef624bc2-1644-4d69-8362-5c28ca496374"/>
@@ -37761,15 +37805,6 @@
 </ct:contentTypeSchema>
 </file>
 
-<file path=customXml/item3.xml><?xml version="1.0" encoding="utf-8"?>
-<?mso-contentType ?>
-<FormTemplates xmlns="http://schemas.microsoft.com/sharepoint/v3/contenttype/forms">
-  <Display>DocumentLibraryForm</Display>
-  <Edit>DocumentLibraryForm</Edit>
-  <New>DocumentLibraryForm</New>
-</FormTemplates>
-</file>
-
 <file path=customXml/itemProps1.xml><?xml version="1.0" encoding="utf-8"?>
 <ds:datastoreItem xmlns:ds="http://schemas.openxmlformats.org/officeDocument/2006/customXml" ds:itemID="{25DE574B-2CD2-4078-9BEA-2A14717D9698}">
   <ds:schemaRefs>
@@ -37788,6 +37823,14 @@
 </file>
 
 <file path=customXml/itemProps2.xml><?xml version="1.0" encoding="utf-8"?>
+<ds:datastoreItem xmlns:ds="http://schemas.openxmlformats.org/officeDocument/2006/customXml" ds:itemID="{B00FC41E-FBDE-42E2-B58A-20EBD240A376}">
+  <ds:schemaRefs>
+    <ds:schemaRef ds:uri="http://schemas.microsoft.com/sharepoint/v3/contenttype/forms"/>
+  </ds:schemaRefs>
+</ds:datastoreItem>
+</file>
+
+<file path=customXml/itemProps3.xml><?xml version="1.0" encoding="utf-8"?>
 <ds:datastoreItem xmlns:ds="http://schemas.openxmlformats.org/officeDocument/2006/customXml" ds:itemID="{049ECCCF-890C-4C54-BAB4-06AB610C1865}">
   <ds:schemaRefs>
     <ds:schemaRef ds:uri="http://schemas.microsoft.com/office/2006/metadata/contentType"/>
@@ -37804,12 +37847,4 @@
     <ds:schemaRef ds:uri="http://schemas.microsoft.com/internal/obd"/>
   </ds:schemaRefs>
 </ds:datastoreItem>
-</file>
-
-<file path=customXml/itemProps3.xml><?xml version="1.0" encoding="utf-8"?>
-<ds:datastoreItem xmlns:ds="http://schemas.openxmlformats.org/officeDocument/2006/customXml" ds:itemID="{B00FC41E-FBDE-42E2-B58A-20EBD240A376}">
-  <ds:schemaRefs>
-    <ds:schemaRef ds:uri="http://schemas.microsoft.com/sharepoint/v3/contenttype/forms"/>
-  </ds:schemaRefs>
-</ds:datastoreItem>
 </file>